--- a/Courses/Software-Sciences/Module-2-DS-and-Algo/12.1-Data Structures-Overview-Basics/12.1-Data Structures-Overview-Basics.pptx
+++ b/Courses/Software-Sciences/Module-2-DS-and-Algo/12.1-Data Structures-Overview-Basics/12.1-Data Structures-Overview-Basics.pptx
@@ -45,8 +45,8 @@
     <p:sldId id="592" r:id="rId33"/>
     <p:sldId id="492" r:id="rId34"/>
     <p:sldId id="299" r:id="rId35"/>
-    <p:sldId id="590" r:id="rId36"/>
-    <p:sldId id="591" r:id="rId37"/>
+    <p:sldId id="504" r:id="rId36"/>
+    <p:sldId id="505" r:id="rId37"/>
   </p:sldIdLst>
   <p:sldSz cx="12192000" cy="6858000"/>
   <p:notesSz cx="6858000" cy="9144000"/>
@@ -148,20 +148,20 @@
   <p:extLst>
     <p:ext uri="{521415D9-36F7-43E2-AB2F-B90AF26B5E84}">
       <p14:sectionLst xmlns:p14="http://schemas.microsoft.com/office/powerpoint/2010/main">
-        <p14:section name="Въведение" id="{AEA1EF70-9C6E-4301-B792-10BBCB4DE6D4}">
+        <p14:section name="Въведение" id="{BD02A722-81FE-4A92-9563-A2DF353CE6E0}">
           <p14:sldIdLst>
             <p14:sldId id="256"/>
             <p14:sldId id="257"/>
           </p14:sldIdLst>
         </p14:section>
-        <p14:section name="Данни" id="{A325E6DD-1BBA-4313-AB1D-EC83B30B5D1F}">
+        <p14:section name="Данни" id="{DF2A1A09-D2D1-4E5A-B992-C3977A43D5F6}">
           <p14:sldIdLst>
             <p14:sldId id="537"/>
             <p14:sldId id="267"/>
             <p14:sldId id="268"/>
           </p14:sldIdLst>
         </p14:section>
-        <p14:section name="Структури от данни" id="{E7E782ED-2C42-41CE-B6BD-2F94CEB1FF02}">
+        <p14:section name="Структури от данни" id="{2E7DDF20-E45C-45E4-9287-F1D55FC0E805}">
           <p14:sldIdLst>
             <p14:sldId id="264"/>
             <p14:sldId id="269"/>
@@ -170,7 +170,7 @@
             <p14:sldId id="422"/>
           </p14:sldIdLst>
         </p14:section>
-        <p14:section name="Линейни структури от данни" id="{90BEC160-A60E-4298-A652-8D212252C507}">
+        <p14:section name="Линейни структури от данни" id="{F4C7AD00-4693-4ADC-9E46-0A5C31277A88}">
           <p14:sldIdLst>
             <p14:sldId id="568"/>
             <p14:sldId id="290"/>
@@ -184,7 +184,7 @@
             <p14:sldId id="276"/>
           </p14:sldIdLst>
         </p14:section>
-        <p14:section name="Сложни структури от данни" id="{4C94A0BD-A741-4695-A0E1-E1A8D699167E}">
+        <p14:section name="Сложни структури от данни" id="{D124DF14-2ACE-4EFA-90C5-27B67BE0EA6A}">
           <p14:sldIdLst>
             <p14:sldId id="571"/>
             <p14:sldId id="558"/>
@@ -201,11 +201,11 @@
             <p14:sldId id="492"/>
           </p14:sldIdLst>
         </p14:section>
-        <p14:section name="Обобщение" id="{678E0FC1-8CFD-4BFA-8AED-C76752B5743E}">
+        <p14:section name="Обобщение" id="{C57A81BC-42CD-434D-A97A-E3036126EE6B}">
           <p14:sldIdLst>
             <p14:sldId id="299"/>
-            <p14:sldId id="590"/>
-            <p14:sldId id="591"/>
+            <p14:sldId id="504"/>
+            <p14:sldId id="505"/>
           </p14:sldIdLst>
         </p14:section>
       </p14:sectionLst>
@@ -286,7 +286,7 @@
             </a:lvl1pPr>
           </a:lstStyle>
           <a:p>
-            <a:endParaRPr lang="bg-BG" dirty="0"/>
+            <a:endParaRPr lang="bg-BG"/>
           </a:p>
         </p:txBody>
       </p:sp>
@@ -325,9 +325,9 @@
           <a:p>
             <a:fld id="{4E087215-0C8F-4762-A664-737A353EC9A4}" type="datetimeFigureOut">
               <a:rPr lang="bg-BG" smtClean="0"/>
-              <a:t>27.08.23 г.</a:t>
+              <a:t>17.9.2023 г.</a:t>
             </a:fld>
-            <a:endParaRPr lang="bg-BG" dirty="0"/>
+            <a:endParaRPr lang="bg-BG"/>
           </a:p>
         </p:txBody>
       </p:sp>
@@ -349,8 +349,8 @@
         </p:nvSpPr>
         <p:spPr>
           <a:xfrm>
-            <a:off x="-1" y="8847000"/>
-            <a:ext cx="6443999" cy="297000"/>
+            <a:off x="-1" y="8892000"/>
+            <a:ext cx="6443999" cy="252000"/>
           </a:xfrm>
           <a:prstGeom prst="rect">
             <a:avLst/>
@@ -365,19 +365,24 @@
           </a:lstStyle>
           <a:p>
             <a:r>
-              <a:rPr lang="en-US" sz="1100" dirty="0"/>
-              <a:t>© SoftUni – </a:t>
-            </a:r>
-            <a:r>
-              <a:rPr lang="en-US" sz="1100" u="sng" dirty="0">
+              <a:rPr lang="bg-BG" sz="1100" dirty="0"/>
+              <a:t>Работна група </a:t>
+            </a:r>
+            <a:r>
+              <a:rPr lang="ru-RU" sz="1100" dirty="0"/>
+              <a:t>"Образование по програмиране и ИТ</a:t>
+            </a:r>
+            <a:r>
+              <a:rPr lang="bg-BG" sz="1100" dirty="0"/>
+              <a:t>", с подкрепата на </a:t>
+            </a:r>
+            <a:r>
+              <a:rPr lang="en-US" sz="1100" dirty="0">
                 <a:hlinkClick r:id="rId2"/>
               </a:rPr>
-              <a:t>https://softuni.org</a:t>
-            </a:r>
-            <a:r>
-              <a:rPr lang="en-US" sz="1100" dirty="0"/>
-              <a:t>. Copyrighted document. Unauthorized copy or reproduction is not permitted.</a:t>
-            </a:r>
+              <a:t>SoftUni</a:t>
+            </a:r>
+            <a:endParaRPr lang="en-US" sz="1100" dirty="0"/>
           </a:p>
         </p:txBody>
       </p:sp>
@@ -399,8 +404,8 @@
         </p:nvSpPr>
         <p:spPr>
           <a:xfrm>
-            <a:off x="6443999" y="8847000"/>
-            <a:ext cx="412413" cy="297000"/>
+            <a:off x="6443999" y="8892000"/>
+            <a:ext cx="412413" cy="252000"/>
           </a:xfrm>
           <a:prstGeom prst="rect">
             <a:avLst/>
@@ -483,7 +488,7 @@
             </a:lvl1pPr>
           </a:lstStyle>
           <a:p>
-            <a:endParaRPr lang="en-US" dirty="0"/>
+            <a:endParaRPr lang="en-US"/>
           </a:p>
         </p:txBody>
       </p:sp>
@@ -516,9 +521,9 @@
           <a:p>
             <a:fld id="{72D84649-876A-46C9-8472-14CB09C070D8}" type="datetimeFigureOut">
               <a:rPr lang="en-US" smtClean="0"/>
-              <a:t>8/27/23</a:t>
+              <a:t>9/17/2023</a:t>
             </a:fld>
-            <a:endParaRPr lang="en-US" dirty="0"/>
+            <a:endParaRPr lang="en-US"/>
           </a:p>
         </p:txBody>
       </p:sp>
@@ -551,7 +556,7 @@
           <a:bodyPr vert="horz" lIns="91440" tIns="45720" rIns="91440" bIns="45720" rtlCol="0" anchor="ctr"/>
           <a:lstStyle/>
           <a:p>
-            <a:endParaRPr lang="en-US" dirty="0"/>
+            <a:endParaRPr lang="en-US"/>
           </a:p>
         </p:txBody>
       </p:sp>
@@ -626,8 +631,8 @@
         </p:nvSpPr>
         <p:spPr>
           <a:xfrm>
-            <a:off x="6488999" y="8847000"/>
-            <a:ext cx="367414" cy="297000"/>
+            <a:off x="6488999" y="8892000"/>
+            <a:ext cx="367414" cy="252000"/>
           </a:xfrm>
           <a:prstGeom prst="rect">
             <a:avLst/>
@@ -667,8 +672,8 @@
         </p:nvSpPr>
         <p:spPr>
           <a:xfrm>
-            <a:off x="-1" y="8847000"/>
-            <a:ext cx="6488999" cy="297000"/>
+            <a:off x="-1" y="8892000"/>
+            <a:ext cx="6488999" cy="252000"/>
           </a:xfrm>
           <a:prstGeom prst="rect">
             <a:avLst/>
@@ -683,19 +688,24 @@
           </a:lstStyle>
           <a:p>
             <a:r>
-              <a:rPr lang="en-US" dirty="0"/>
-              <a:t>© SoftUni – </a:t>
-            </a:r>
-            <a:r>
-              <a:rPr lang="en-US" u="sng" dirty="0">
+              <a:rPr lang="bg-BG" sz="1100" dirty="0"/>
+              <a:t>Работна група </a:t>
+            </a:r>
+            <a:r>
+              <a:rPr lang="bg-BG" dirty="0"/>
+              <a:t>"Образование по програмиране и ИТ"</a:t>
+            </a:r>
+            <a:r>
+              <a:rPr lang="bg-BG" sz="1100" dirty="0"/>
+              <a:t>, с подкрепата на </a:t>
+            </a:r>
+            <a:r>
+              <a:rPr lang="en-US" sz="1100" dirty="0">
                 <a:hlinkClick r:id="rId2"/>
               </a:rPr>
-              <a:t>https://softuni.org</a:t>
-            </a:r>
-            <a:r>
-              <a:rPr lang="en-US" dirty="0"/>
-              <a:t>. Copyrighted document. Unauthorized copy or reproduction is not permitted.</a:t>
-            </a:r>
+              <a:t>SoftUni</a:t>
+            </a:r>
+            <a:endParaRPr lang="en-US" sz="1100" dirty="0"/>
           </a:p>
         </p:txBody>
       </p:sp>
@@ -877,10 +887,10 @@
       </p:sp>
       <p:sp>
         <p:nvSpPr>
-          <p:cNvPr id="7" name="Footer Placeholder 7">
+          <p:cNvPr id="4" name="Footer Placeholder 7">
             <a:extLst>
               <a:ext uri="{FF2B5EF4-FFF2-40B4-BE49-F238E27FC236}">
-                <a16:creationId xmlns:a16="http://schemas.microsoft.com/office/drawing/2014/main" id="{E0F92739-B44F-4763-BBA3-CBA346B3A809}"/>
+                <a16:creationId xmlns:a16="http://schemas.microsoft.com/office/drawing/2014/main" id="{72B79BB0-DA6D-4D65-0BB4-2703D2AF0638}"/>
               </a:ext>
             </a:extLst>
           </p:cNvPr>
@@ -893,8 +903,8 @@
         </p:nvSpPr>
         <p:spPr>
           <a:xfrm>
-            <a:off x="-1" y="8847000"/>
-            <a:ext cx="6488999" cy="297000"/>
+            <a:off x="-1" y="8892000"/>
+            <a:ext cx="6488999" cy="252000"/>
           </a:xfrm>
           <a:prstGeom prst="rect">
             <a:avLst/>
@@ -909,26 +919,31 @@
           </a:lstStyle>
           <a:p>
             <a:r>
-              <a:rPr lang="en-US" dirty="0"/>
-              <a:t>© SoftUni – </a:t>
-            </a:r>
-            <a:r>
-              <a:rPr lang="en-US" u="sng" dirty="0">
+              <a:rPr lang="bg-BG" sz="1100" dirty="0"/>
+              <a:t>Работна група </a:t>
+            </a:r>
+            <a:r>
+              <a:rPr lang="bg-BG" dirty="0"/>
+              <a:t>"Образование по програмиране и ИТ"</a:t>
+            </a:r>
+            <a:r>
+              <a:rPr lang="bg-BG" sz="1100" dirty="0"/>
+              <a:t>, с подкрепата на </a:t>
+            </a:r>
+            <a:r>
+              <a:rPr lang="en-US" sz="1100" dirty="0">
                 <a:hlinkClick r:id="rId3"/>
               </a:rPr>
-              <a:t>https://softuni.org</a:t>
-            </a:r>
-            <a:r>
-              <a:rPr lang="en-US" dirty="0"/>
-              <a:t>. Copyrighted document. Unauthorized copy or reproduction is not permitted.</a:t>
-            </a:r>
+              <a:t>SoftUni</a:t>
+            </a:r>
+            <a:endParaRPr lang="en-US" sz="1100" dirty="0"/>
           </a:p>
         </p:txBody>
       </p:sp>
     </p:spTree>
     <p:extLst>
       <p:ext uri="{BB962C8B-B14F-4D97-AF65-F5344CB8AC3E}">
-        <p14:creationId xmlns:p14="http://schemas.microsoft.com/office/powerpoint/2010/main" val="104321306"/>
+        <p14:creationId xmlns:p14="http://schemas.microsoft.com/office/powerpoint/2010/main" val="2599694985"/>
       </p:ext>
     </p:extLst>
   </p:cSld>
@@ -1012,10 +1027,10 @@
       </p:sp>
       <p:sp>
         <p:nvSpPr>
-          <p:cNvPr id="6" name="Footer Placeholder 7">
+          <p:cNvPr id="4" name="Footer Placeholder 7">
             <a:extLst>
               <a:ext uri="{FF2B5EF4-FFF2-40B4-BE49-F238E27FC236}">
-                <a16:creationId xmlns:a16="http://schemas.microsoft.com/office/drawing/2014/main" id="{FCF2D31C-452D-42BA-BEFE-1D2C2FC63794}"/>
+                <a16:creationId xmlns:a16="http://schemas.microsoft.com/office/drawing/2014/main" id="{DBED0103-CC2D-EC27-ABB5-821FA54869BB}"/>
               </a:ext>
             </a:extLst>
           </p:cNvPr>
@@ -1028,8 +1043,8 @@
         </p:nvSpPr>
         <p:spPr>
           <a:xfrm>
-            <a:off x="-1" y="8847000"/>
-            <a:ext cx="6488999" cy="297000"/>
+            <a:off x="-1" y="8892000"/>
+            <a:ext cx="6488999" cy="252000"/>
           </a:xfrm>
           <a:prstGeom prst="rect">
             <a:avLst/>
@@ -1044,26 +1059,31 @@
           </a:lstStyle>
           <a:p>
             <a:r>
-              <a:rPr lang="en-US" dirty="0"/>
-              <a:t>© SoftUni – </a:t>
-            </a:r>
-            <a:r>
-              <a:rPr lang="en-US" u="sng" dirty="0">
+              <a:rPr lang="bg-BG" sz="1100" dirty="0"/>
+              <a:t>Работна група </a:t>
+            </a:r>
+            <a:r>
+              <a:rPr lang="bg-BG" dirty="0"/>
+              <a:t>"Образование по програмиране и ИТ"</a:t>
+            </a:r>
+            <a:r>
+              <a:rPr lang="bg-BG" sz="1100" dirty="0"/>
+              <a:t>, с подкрепата на </a:t>
+            </a:r>
+            <a:r>
+              <a:rPr lang="en-US" sz="1100" dirty="0">
                 <a:hlinkClick r:id="rId3"/>
               </a:rPr>
-              <a:t>https://softuni.org</a:t>
-            </a:r>
-            <a:r>
-              <a:rPr lang="en-US" dirty="0"/>
-              <a:t>. Copyrighted document. Unauthorized copy or reproduction is not permitted.</a:t>
-            </a:r>
+              <a:t>SoftUni</a:t>
+            </a:r>
+            <a:endParaRPr lang="en-US" sz="1100" dirty="0"/>
           </a:p>
         </p:txBody>
       </p:sp>
     </p:spTree>
     <p:extLst>
       <p:ext uri="{BB962C8B-B14F-4D97-AF65-F5344CB8AC3E}">
-        <p14:creationId xmlns:p14="http://schemas.microsoft.com/office/powerpoint/2010/main" val="3889992924"/>
+        <p14:creationId xmlns:p14="http://schemas.microsoft.com/office/powerpoint/2010/main" val="1171937677"/>
       </p:ext>
     </p:extLst>
   </p:cSld>
@@ -1147,10 +1167,10 @@
       </p:sp>
       <p:sp>
         <p:nvSpPr>
-          <p:cNvPr id="7" name="Footer Placeholder 7">
+          <p:cNvPr id="4" name="Footer Placeholder 7">
             <a:extLst>
               <a:ext uri="{FF2B5EF4-FFF2-40B4-BE49-F238E27FC236}">
-                <a16:creationId xmlns:a16="http://schemas.microsoft.com/office/drawing/2014/main" id="{94F18B62-E024-4307-96EE-76CA36C9566B}"/>
+                <a16:creationId xmlns:a16="http://schemas.microsoft.com/office/drawing/2014/main" id="{86AB6BAF-FE0E-F78F-655E-5889FB79DD10}"/>
               </a:ext>
             </a:extLst>
           </p:cNvPr>
@@ -1163,8 +1183,8 @@
         </p:nvSpPr>
         <p:spPr>
           <a:xfrm>
-            <a:off x="-1" y="8847000"/>
-            <a:ext cx="6488999" cy="297000"/>
+            <a:off x="-1" y="8892000"/>
+            <a:ext cx="6488999" cy="252000"/>
           </a:xfrm>
           <a:prstGeom prst="rect">
             <a:avLst/>
@@ -1179,26 +1199,31 @@
           </a:lstStyle>
           <a:p>
             <a:r>
-              <a:rPr lang="en-US" dirty="0"/>
-              <a:t>© SoftUni – </a:t>
-            </a:r>
-            <a:r>
-              <a:rPr lang="en-US" u="sng" dirty="0">
+              <a:rPr lang="bg-BG" sz="1100" dirty="0"/>
+              <a:t>Работна група </a:t>
+            </a:r>
+            <a:r>
+              <a:rPr lang="bg-BG" dirty="0"/>
+              <a:t>"Образование по програмиране и ИТ"</a:t>
+            </a:r>
+            <a:r>
+              <a:rPr lang="bg-BG" sz="1100" dirty="0"/>
+              <a:t>, с подкрепата на </a:t>
+            </a:r>
+            <a:r>
+              <a:rPr lang="en-US" sz="1100" dirty="0">
                 <a:hlinkClick r:id="rId3"/>
               </a:rPr>
-              <a:t>https://softuni.org</a:t>
-            </a:r>
-            <a:r>
-              <a:rPr lang="en-US" dirty="0"/>
-              <a:t>. Copyrighted document. Unauthorized copy or reproduction is not permitted.</a:t>
-            </a:r>
+              <a:t>SoftUni</a:t>
+            </a:r>
+            <a:endParaRPr lang="en-US" sz="1100" dirty="0"/>
           </a:p>
         </p:txBody>
       </p:sp>
     </p:spTree>
     <p:extLst>
       <p:ext uri="{BB962C8B-B14F-4D97-AF65-F5344CB8AC3E}">
-        <p14:creationId xmlns:p14="http://schemas.microsoft.com/office/powerpoint/2010/main" val="98382965"/>
+        <p14:creationId xmlns:p14="http://schemas.microsoft.com/office/powerpoint/2010/main" val="2578236711"/>
       </p:ext>
     </p:extLst>
   </p:cSld>
@@ -1322,10 +1347,10 @@
       </p:sp>
       <p:sp>
         <p:nvSpPr>
-          <p:cNvPr id="7" name="Footer Placeholder 7">
+          <p:cNvPr id="2" name="Footer Placeholder 7">
             <a:extLst>
               <a:ext uri="{FF2B5EF4-FFF2-40B4-BE49-F238E27FC236}">
-                <a16:creationId xmlns:a16="http://schemas.microsoft.com/office/drawing/2014/main" id="{DA29A74A-A602-45F3-B1E6-6C8A55D8C1A6}"/>
+                <a16:creationId xmlns:a16="http://schemas.microsoft.com/office/drawing/2014/main" id="{79442CD6-ADAF-2C56-3566-37CB6D1D8D3E}"/>
               </a:ext>
             </a:extLst>
           </p:cNvPr>
@@ -1338,8 +1363,8 @@
         </p:nvSpPr>
         <p:spPr>
           <a:xfrm>
-            <a:off x="-1" y="8847000"/>
-            <a:ext cx="6488999" cy="297000"/>
+            <a:off x="-1" y="8892000"/>
+            <a:ext cx="6488999" cy="252000"/>
           </a:xfrm>
           <a:prstGeom prst="rect">
             <a:avLst/>
@@ -1354,26 +1379,31 @@
           </a:lstStyle>
           <a:p>
             <a:r>
-              <a:rPr lang="en-US" dirty="0"/>
-              <a:t>© SoftUni – </a:t>
-            </a:r>
-            <a:r>
-              <a:rPr lang="en-US" u="sng" dirty="0">
+              <a:rPr lang="bg-BG" sz="1100" dirty="0"/>
+              <a:t>Работна група </a:t>
+            </a:r>
+            <a:r>
+              <a:rPr lang="bg-BG" dirty="0"/>
+              <a:t>"Образование по програмиране и ИТ"</a:t>
+            </a:r>
+            <a:r>
+              <a:rPr lang="bg-BG" sz="1100" dirty="0"/>
+              <a:t>, с подкрепата на </a:t>
+            </a:r>
+            <a:r>
+              <a:rPr lang="en-US" sz="1100" dirty="0">
                 <a:hlinkClick r:id="rId3"/>
               </a:rPr>
-              <a:t>https://softuni.org</a:t>
-            </a:r>
-            <a:r>
-              <a:rPr lang="en-US" dirty="0"/>
-              <a:t>. Copyrighted document. Unauthorized copy or reproduction is not permitted.</a:t>
-            </a:r>
+              <a:t>SoftUni</a:t>
+            </a:r>
+            <a:endParaRPr lang="en-US" sz="1100" dirty="0"/>
           </a:p>
         </p:txBody>
       </p:sp>
     </p:spTree>
     <p:extLst>
       <p:ext uri="{BB962C8B-B14F-4D97-AF65-F5344CB8AC3E}">
-        <p14:creationId xmlns:p14="http://schemas.microsoft.com/office/powerpoint/2010/main" val="3319553025"/>
+        <p14:creationId xmlns:p14="http://schemas.microsoft.com/office/powerpoint/2010/main" val="2113807038"/>
       </p:ext>
     </p:extLst>
   </p:cSld>
@@ -1457,10 +1487,10 @@
       </p:sp>
       <p:sp>
         <p:nvSpPr>
-          <p:cNvPr id="6" name="Footer Placeholder 7">
+          <p:cNvPr id="4" name="Footer Placeholder 7">
             <a:extLst>
               <a:ext uri="{FF2B5EF4-FFF2-40B4-BE49-F238E27FC236}">
-                <a16:creationId xmlns:a16="http://schemas.microsoft.com/office/drawing/2014/main" id="{4DC23983-FA1B-4787-B7CB-03CD465AF1FA}"/>
+                <a16:creationId xmlns:a16="http://schemas.microsoft.com/office/drawing/2014/main" id="{783DB962-F3B1-E36D-CCC4-2292ABBAE571}"/>
               </a:ext>
             </a:extLst>
           </p:cNvPr>
@@ -1473,8 +1503,8 @@
         </p:nvSpPr>
         <p:spPr>
           <a:xfrm>
-            <a:off x="-1" y="8847000"/>
-            <a:ext cx="6488999" cy="297000"/>
+            <a:off x="-1" y="8892000"/>
+            <a:ext cx="6488999" cy="252000"/>
           </a:xfrm>
           <a:prstGeom prst="rect">
             <a:avLst/>
@@ -1489,26 +1519,31 @@
           </a:lstStyle>
           <a:p>
             <a:r>
-              <a:rPr lang="en-US" dirty="0"/>
-              <a:t>© SoftUni – </a:t>
-            </a:r>
-            <a:r>
-              <a:rPr lang="en-US" u="sng" dirty="0">
+              <a:rPr lang="bg-BG" sz="1100" dirty="0"/>
+              <a:t>Работна група </a:t>
+            </a:r>
+            <a:r>
+              <a:rPr lang="bg-BG" dirty="0"/>
+              <a:t>"Образование по програмиране и ИТ"</a:t>
+            </a:r>
+            <a:r>
+              <a:rPr lang="bg-BG" sz="1100" dirty="0"/>
+              <a:t>, с подкрепата на </a:t>
+            </a:r>
+            <a:r>
+              <a:rPr lang="en-US" sz="1100" dirty="0">
                 <a:hlinkClick r:id="rId3"/>
               </a:rPr>
-              <a:t>https://softuni.org</a:t>
-            </a:r>
-            <a:r>
-              <a:rPr lang="en-US" dirty="0"/>
-              <a:t>. Copyrighted document. Unauthorized copy or reproduction is not permitted.</a:t>
-            </a:r>
+              <a:t>SoftUni</a:t>
+            </a:r>
+            <a:endParaRPr lang="en-US" sz="1100" dirty="0"/>
           </a:p>
         </p:txBody>
       </p:sp>
     </p:spTree>
     <p:extLst>
       <p:ext uri="{BB962C8B-B14F-4D97-AF65-F5344CB8AC3E}">
-        <p14:creationId xmlns:p14="http://schemas.microsoft.com/office/powerpoint/2010/main" val="4053347122"/>
+        <p14:creationId xmlns:p14="http://schemas.microsoft.com/office/powerpoint/2010/main" val="1568313004"/>
       </p:ext>
     </p:extLst>
   </p:cSld>
@@ -1698,10 +1733,10 @@
       </p:sp>
       <p:sp>
         <p:nvSpPr>
-          <p:cNvPr id="6" name="Footer Placeholder 7">
+          <p:cNvPr id="5" name="Footer Placeholder 7">
             <a:extLst>
               <a:ext uri="{FF2B5EF4-FFF2-40B4-BE49-F238E27FC236}">
-                <a16:creationId xmlns:a16="http://schemas.microsoft.com/office/drawing/2014/main" id="{9CFE5E97-8D68-4134-8407-17031A0C4EE4}"/>
+                <a16:creationId xmlns:a16="http://schemas.microsoft.com/office/drawing/2014/main" id="{D374A054-8A5D-A0A6-05BC-0DA83F51A938}"/>
               </a:ext>
             </a:extLst>
           </p:cNvPr>
@@ -1714,8 +1749,8 @@
         </p:nvSpPr>
         <p:spPr>
           <a:xfrm>
-            <a:off x="-1" y="8847000"/>
-            <a:ext cx="6488999" cy="297000"/>
+            <a:off x="-1" y="8892000"/>
+            <a:ext cx="6488999" cy="252000"/>
           </a:xfrm>
           <a:prstGeom prst="rect">
             <a:avLst/>
@@ -1730,26 +1765,31 @@
           </a:lstStyle>
           <a:p>
             <a:r>
-              <a:rPr lang="en-US" dirty="0"/>
-              <a:t>© SoftUni – </a:t>
-            </a:r>
-            <a:r>
-              <a:rPr lang="en-US" u="sng" dirty="0">
+              <a:rPr lang="bg-BG" sz="1100" dirty="0"/>
+              <a:t>Работна група </a:t>
+            </a:r>
+            <a:r>
+              <a:rPr lang="bg-BG" dirty="0"/>
+              <a:t>"Образование по програмиране и ИТ"</a:t>
+            </a:r>
+            <a:r>
+              <a:rPr lang="bg-BG" sz="1100" dirty="0"/>
+              <a:t>, с подкрепата на </a:t>
+            </a:r>
+            <a:r>
+              <a:rPr lang="en-US" sz="1100" dirty="0">
                 <a:hlinkClick r:id="rId3"/>
               </a:rPr>
-              <a:t>https://softuni.org</a:t>
-            </a:r>
-            <a:r>
-              <a:rPr lang="en-US" dirty="0"/>
-              <a:t>. Copyrighted document. Unauthorized copy or reproduction is not permitted.</a:t>
-            </a:r>
+              <a:t>SoftUni</a:t>
+            </a:r>
+            <a:endParaRPr lang="en-US" sz="1100" dirty="0"/>
           </a:p>
         </p:txBody>
       </p:sp>
     </p:spTree>
     <p:extLst>
       <p:ext uri="{BB962C8B-B14F-4D97-AF65-F5344CB8AC3E}">
-        <p14:creationId xmlns:p14="http://schemas.microsoft.com/office/powerpoint/2010/main" val="3568407934"/>
+        <p14:creationId xmlns:p14="http://schemas.microsoft.com/office/powerpoint/2010/main" val="3972540645"/>
       </p:ext>
     </p:extLst>
   </p:cSld>
@@ -1803,7 +1843,7 @@
           <a:bodyPr/>
           <a:lstStyle/>
           <a:p>
-            <a:endParaRPr lang="en-US" dirty="0"/>
+            <a:endParaRPr lang="en-US"/>
           </a:p>
         </p:txBody>
       </p:sp>
@@ -1939,10 +1979,10 @@
       </p:sp>
       <p:sp>
         <p:nvSpPr>
-          <p:cNvPr id="7" name="Footer Placeholder 7">
+          <p:cNvPr id="5" name="Footer Placeholder 7">
             <a:extLst>
               <a:ext uri="{FF2B5EF4-FFF2-40B4-BE49-F238E27FC236}">
-                <a16:creationId xmlns:a16="http://schemas.microsoft.com/office/drawing/2014/main" id="{6440DE1F-FF39-450B-9BB2-FD91A9B92021}"/>
+                <a16:creationId xmlns:a16="http://schemas.microsoft.com/office/drawing/2014/main" id="{BE023920-1A65-2567-30A5-9B16FEEAE79B}"/>
               </a:ext>
             </a:extLst>
           </p:cNvPr>
@@ -1955,8 +1995,8 @@
         </p:nvSpPr>
         <p:spPr>
           <a:xfrm>
-            <a:off x="-1" y="8847000"/>
-            <a:ext cx="6488999" cy="297000"/>
+            <a:off x="-1" y="8892000"/>
+            <a:ext cx="6488999" cy="252000"/>
           </a:xfrm>
           <a:prstGeom prst="rect">
             <a:avLst/>
@@ -1971,26 +2011,31 @@
           </a:lstStyle>
           <a:p>
             <a:r>
-              <a:rPr lang="en-US" dirty="0"/>
-              <a:t>© SoftUni – </a:t>
-            </a:r>
-            <a:r>
-              <a:rPr lang="en-US" u="sng" dirty="0">
+              <a:rPr lang="bg-BG" sz="1100" dirty="0"/>
+              <a:t>Работна група </a:t>
+            </a:r>
+            <a:r>
+              <a:rPr lang="bg-BG" dirty="0"/>
+              <a:t>"Образование по програмиране и ИТ"</a:t>
+            </a:r>
+            <a:r>
+              <a:rPr lang="bg-BG" sz="1100" dirty="0"/>
+              <a:t>, с подкрепата на </a:t>
+            </a:r>
+            <a:r>
+              <a:rPr lang="en-US" sz="1100" dirty="0">
                 <a:hlinkClick r:id="rId3"/>
               </a:rPr>
-              <a:t>https://softuni.org</a:t>
-            </a:r>
-            <a:r>
-              <a:rPr lang="en-US" dirty="0"/>
-              <a:t>. Copyrighted document. Unauthorized copy or reproduction is not permitted.</a:t>
-            </a:r>
+              <a:t>SoftUni</a:t>
+            </a:r>
+            <a:endParaRPr lang="en-US" sz="1100" dirty="0"/>
           </a:p>
         </p:txBody>
       </p:sp>
     </p:spTree>
     <p:extLst>
       <p:ext uri="{BB962C8B-B14F-4D97-AF65-F5344CB8AC3E}">
-        <p14:creationId xmlns:p14="http://schemas.microsoft.com/office/powerpoint/2010/main" val="3969881379"/>
+        <p14:creationId xmlns:p14="http://schemas.microsoft.com/office/powerpoint/2010/main" val="3052323927"/>
       </p:ext>
     </p:extLst>
   </p:cSld>
@@ -2076,10 +2121,10 @@
       </p:sp>
       <p:sp>
         <p:nvSpPr>
-          <p:cNvPr id="6" name="Footer Placeholder 7">
+          <p:cNvPr id="2" name="Footer Placeholder 7">
             <a:extLst>
               <a:ext uri="{FF2B5EF4-FFF2-40B4-BE49-F238E27FC236}">
-                <a16:creationId xmlns:a16="http://schemas.microsoft.com/office/drawing/2014/main" id="{0024B861-B249-4616-A130-02C788491DAC}"/>
+                <a16:creationId xmlns:a16="http://schemas.microsoft.com/office/drawing/2014/main" id="{C985B7D9-4889-4A48-B3D5-714906C12EF8}"/>
               </a:ext>
             </a:extLst>
           </p:cNvPr>
@@ -2092,8 +2137,8 @@
         </p:nvSpPr>
         <p:spPr>
           <a:xfrm>
-            <a:off x="-1" y="8847000"/>
-            <a:ext cx="6488999" cy="297000"/>
+            <a:off x="-1" y="8892000"/>
+            <a:ext cx="6488999" cy="252000"/>
           </a:xfrm>
           <a:prstGeom prst="rect">
             <a:avLst/>
@@ -2108,26 +2153,31 @@
           </a:lstStyle>
           <a:p>
             <a:r>
-              <a:rPr lang="en-US" dirty="0"/>
-              <a:t>© SoftUni – </a:t>
-            </a:r>
-            <a:r>
-              <a:rPr lang="en-US" u="sng" dirty="0">
+              <a:rPr lang="bg-BG" sz="1100" dirty="0"/>
+              <a:t>Работна група </a:t>
+            </a:r>
+            <a:r>
+              <a:rPr lang="bg-BG" dirty="0"/>
+              <a:t>"Образование по програмиране и ИТ"</a:t>
+            </a:r>
+            <a:r>
+              <a:rPr lang="bg-BG" sz="1100" dirty="0"/>
+              <a:t>, с подкрепата на </a:t>
+            </a:r>
+            <a:r>
+              <a:rPr lang="en-US" sz="1100" dirty="0">
                 <a:hlinkClick r:id="rId3"/>
               </a:rPr>
-              <a:t>https://softuni.org</a:t>
-            </a:r>
-            <a:r>
-              <a:rPr lang="en-US" dirty="0"/>
-              <a:t>. Copyrighted document. Unauthorized copy or reproduction is not permitted.</a:t>
-            </a:r>
+              <a:t>SoftUni</a:t>
+            </a:r>
+            <a:endParaRPr lang="en-US" sz="1100" dirty="0"/>
           </a:p>
         </p:txBody>
       </p:sp>
     </p:spTree>
     <p:extLst>
       <p:ext uri="{BB962C8B-B14F-4D97-AF65-F5344CB8AC3E}">
-        <p14:creationId xmlns:p14="http://schemas.microsoft.com/office/powerpoint/2010/main" val="9636624"/>
+        <p14:creationId xmlns:p14="http://schemas.microsoft.com/office/powerpoint/2010/main" val="3869444882"/>
       </p:ext>
     </p:extLst>
   </p:cSld>
@@ -2210,7 +2260,13 @@
       </p:sp>
       <p:sp>
         <p:nvSpPr>
-          <p:cNvPr id="5" name="Footer Placeholder 4"/>
+          <p:cNvPr id="6" name="Footer Placeholder 7">
+            <a:extLst>
+              <a:ext uri="{FF2B5EF4-FFF2-40B4-BE49-F238E27FC236}">
+                <a16:creationId xmlns:a16="http://schemas.microsoft.com/office/drawing/2014/main" id="{D97ED265-EEA9-7D15-327A-94A8C2C5C54E}"/>
+              </a:ext>
+            </a:extLst>
+          </p:cNvPr>
           <p:cNvSpPr>
             <a:spLocks noGrp="1"/>
           </p:cNvSpPr>
@@ -2218,33 +2274,49 @@
             <p:ph type="ftr" sz="quarter" idx="4"/>
           </p:nvPr>
         </p:nvSpPr>
-        <p:spPr/>
+        <p:spPr>
+          <a:xfrm>
+            <a:off x="-1" y="8892000"/>
+            <a:ext cx="6488999" cy="252000"/>
+          </a:xfrm>
+          <a:prstGeom prst="rect">
+            <a:avLst/>
+          </a:prstGeom>
+        </p:spPr>
         <p:txBody>
-          <a:bodyPr/>
-          <a:lstStyle/>
-          <a:p>
-            <a:r>
-              <a:rPr lang="en-US"/>
-              <a:t>© SoftUni – </a:t>
-            </a:r>
-            <a:r>
-              <a:rPr lang="en-US" u="sng">
+          <a:bodyPr vert="horz" lIns="91440" tIns="45720" rIns="91440" bIns="45720" rtlCol="0" anchor="b"/>
+          <a:lstStyle>
+            <a:lvl1pPr algn="l">
+              <a:defRPr sz="1100"/>
+            </a:lvl1pPr>
+          </a:lstStyle>
+          <a:p>
+            <a:r>
+              <a:rPr lang="bg-BG" sz="1100" dirty="0"/>
+              <a:t>Работна група </a:t>
+            </a:r>
+            <a:r>
+              <a:rPr lang="bg-BG" dirty="0"/>
+              <a:t>"Образование по програмиране и ИТ"</a:t>
+            </a:r>
+            <a:r>
+              <a:rPr lang="bg-BG" sz="1100" dirty="0"/>
+              <a:t>, с подкрепата на </a:t>
+            </a:r>
+            <a:r>
+              <a:rPr lang="en-US" sz="1100" dirty="0">
                 <a:hlinkClick r:id="rId3"/>
               </a:rPr>
-              <a:t>https://softuni.org</a:t>
-            </a:r>
-            <a:r>
-              <a:rPr lang="en-US"/>
-              <a:t>. Copyrighted document. Unauthorized copy or reproduction is not permitted.</a:t>
-            </a:r>
-            <a:endParaRPr lang="en-US" dirty="0"/>
+              <a:t>SoftUni</a:t>
+            </a:r>
+            <a:endParaRPr lang="en-US" sz="1100" dirty="0"/>
           </a:p>
         </p:txBody>
       </p:sp>
     </p:spTree>
     <p:extLst>
       <p:ext uri="{BB962C8B-B14F-4D97-AF65-F5344CB8AC3E}">
-        <p14:creationId xmlns:p14="http://schemas.microsoft.com/office/powerpoint/2010/main" val="4138985026"/>
+        <p14:creationId xmlns:p14="http://schemas.microsoft.com/office/powerpoint/2010/main" val="3008764673"/>
       </p:ext>
     </p:extLst>
   </p:cSld>
@@ -2335,10 +2407,10 @@
       </p:sp>
       <p:sp>
         <p:nvSpPr>
-          <p:cNvPr id="6" name="Footer Placeholder 7">
+          <p:cNvPr id="2" name="Footer Placeholder 7">
             <a:extLst>
               <a:ext uri="{FF2B5EF4-FFF2-40B4-BE49-F238E27FC236}">
-                <a16:creationId xmlns:a16="http://schemas.microsoft.com/office/drawing/2014/main" id="{089C5335-D12B-4E7C-8018-126DE1703B8F}"/>
+                <a16:creationId xmlns:a16="http://schemas.microsoft.com/office/drawing/2014/main" id="{7F7FDADA-9E62-CDD8-557A-EC052B6FD07D}"/>
               </a:ext>
             </a:extLst>
           </p:cNvPr>
@@ -2351,8 +2423,8 @@
         </p:nvSpPr>
         <p:spPr>
           <a:xfrm>
-            <a:off x="-1" y="8847000"/>
-            <a:ext cx="6488999" cy="297000"/>
+            <a:off x="-1" y="8892000"/>
+            <a:ext cx="6488999" cy="252000"/>
           </a:xfrm>
           <a:prstGeom prst="rect">
             <a:avLst/>
@@ -2367,26 +2439,31 @@
           </a:lstStyle>
           <a:p>
             <a:r>
-              <a:rPr lang="en-US" dirty="0"/>
-              <a:t>© SoftUni – </a:t>
-            </a:r>
-            <a:r>
-              <a:rPr lang="en-US" u="sng" dirty="0">
+              <a:rPr lang="bg-BG" sz="1100" dirty="0"/>
+              <a:t>Работна група </a:t>
+            </a:r>
+            <a:r>
+              <a:rPr lang="bg-BG" dirty="0"/>
+              <a:t>"Образование по програмиране и ИТ"</a:t>
+            </a:r>
+            <a:r>
+              <a:rPr lang="bg-BG" sz="1100" dirty="0"/>
+              <a:t>, с подкрепата на </a:t>
+            </a:r>
+            <a:r>
+              <a:rPr lang="en-US" sz="1100" dirty="0">
                 <a:hlinkClick r:id="rId3"/>
               </a:rPr>
-              <a:t>https://softuni.org</a:t>
-            </a:r>
-            <a:r>
-              <a:rPr lang="en-US" dirty="0"/>
-              <a:t>. Copyrighted document. Unauthorized copy or reproduction is not permitted.</a:t>
-            </a:r>
+              <a:t>SoftUni</a:t>
+            </a:r>
+            <a:endParaRPr lang="en-US" sz="1100" dirty="0"/>
           </a:p>
         </p:txBody>
       </p:sp>
     </p:spTree>
     <p:extLst>
       <p:ext uri="{BB962C8B-B14F-4D97-AF65-F5344CB8AC3E}">
-        <p14:creationId xmlns:p14="http://schemas.microsoft.com/office/powerpoint/2010/main" val="833469816"/>
+        <p14:creationId xmlns:p14="http://schemas.microsoft.com/office/powerpoint/2010/main" val="939842483"/>
       </p:ext>
     </p:extLst>
   </p:cSld>
@@ -2477,10 +2554,10 @@
       </p:sp>
       <p:sp>
         <p:nvSpPr>
-          <p:cNvPr id="6" name="Footer Placeholder 7">
+          <p:cNvPr id="2" name="Footer Placeholder 7">
             <a:extLst>
               <a:ext uri="{FF2B5EF4-FFF2-40B4-BE49-F238E27FC236}">
-                <a16:creationId xmlns:a16="http://schemas.microsoft.com/office/drawing/2014/main" id="{B215D7D7-0273-4862-B945-FE8C88139EA0}"/>
+                <a16:creationId xmlns:a16="http://schemas.microsoft.com/office/drawing/2014/main" id="{F8DF0016-E97D-9C29-503C-E9F7CC647509}"/>
               </a:ext>
             </a:extLst>
           </p:cNvPr>
@@ -2493,8 +2570,8 @@
         </p:nvSpPr>
         <p:spPr>
           <a:xfrm>
-            <a:off x="-1" y="8847000"/>
-            <a:ext cx="6488999" cy="297000"/>
+            <a:off x="-1" y="8892000"/>
+            <a:ext cx="6488999" cy="252000"/>
           </a:xfrm>
           <a:prstGeom prst="rect">
             <a:avLst/>
@@ -2509,26 +2586,31 @@
           </a:lstStyle>
           <a:p>
             <a:r>
-              <a:rPr lang="en-US" dirty="0"/>
-              <a:t>© SoftUni – </a:t>
-            </a:r>
-            <a:r>
-              <a:rPr lang="en-US" u="sng" dirty="0">
+              <a:rPr lang="bg-BG" sz="1100" dirty="0"/>
+              <a:t>Работна група </a:t>
+            </a:r>
+            <a:r>
+              <a:rPr lang="bg-BG" dirty="0"/>
+              <a:t>"Образование по програмиране и ИТ"</a:t>
+            </a:r>
+            <a:r>
+              <a:rPr lang="bg-BG" sz="1100" dirty="0"/>
+              <a:t>, с подкрепата на </a:t>
+            </a:r>
+            <a:r>
+              <a:rPr lang="en-US" sz="1100" dirty="0">
                 <a:hlinkClick r:id="rId3"/>
               </a:rPr>
-              <a:t>https://softuni.org</a:t>
-            </a:r>
-            <a:r>
-              <a:rPr lang="en-US" dirty="0"/>
-              <a:t>. Copyrighted document. Unauthorized copy or reproduction is not permitted.</a:t>
-            </a:r>
+              <a:t>SoftUni</a:t>
+            </a:r>
+            <a:endParaRPr lang="en-US" sz="1100" dirty="0"/>
           </a:p>
         </p:txBody>
       </p:sp>
     </p:spTree>
     <p:extLst>
       <p:ext uri="{BB962C8B-B14F-4D97-AF65-F5344CB8AC3E}">
-        <p14:creationId xmlns:p14="http://schemas.microsoft.com/office/powerpoint/2010/main" val="933252987"/>
+        <p14:creationId xmlns:p14="http://schemas.microsoft.com/office/powerpoint/2010/main" val="1899500204"/>
       </p:ext>
     </p:extLst>
   </p:cSld>
@@ -2619,10 +2701,10 @@
       </p:sp>
       <p:sp>
         <p:nvSpPr>
-          <p:cNvPr id="6" name="Footer Placeholder 7">
+          <p:cNvPr id="2" name="Footer Placeholder 7">
             <a:extLst>
               <a:ext uri="{FF2B5EF4-FFF2-40B4-BE49-F238E27FC236}">
-                <a16:creationId xmlns:a16="http://schemas.microsoft.com/office/drawing/2014/main" id="{B215D7D7-0273-4862-B945-FE8C88139EA0}"/>
+                <a16:creationId xmlns:a16="http://schemas.microsoft.com/office/drawing/2014/main" id="{1C4CC42F-E099-08F6-77ED-4C4833CAF1FE}"/>
               </a:ext>
             </a:extLst>
           </p:cNvPr>
@@ -2635,8 +2717,8 @@
         </p:nvSpPr>
         <p:spPr>
           <a:xfrm>
-            <a:off x="-1" y="8847000"/>
-            <a:ext cx="6488999" cy="297000"/>
+            <a:off x="-1" y="8892000"/>
+            <a:ext cx="6488999" cy="252000"/>
           </a:xfrm>
           <a:prstGeom prst="rect">
             <a:avLst/>
@@ -2651,26 +2733,31 @@
           </a:lstStyle>
           <a:p>
             <a:r>
-              <a:rPr lang="en-US" dirty="0"/>
-              <a:t>© SoftUni – </a:t>
-            </a:r>
-            <a:r>
-              <a:rPr lang="en-US" u="sng" dirty="0">
+              <a:rPr lang="bg-BG" sz="1100" dirty="0"/>
+              <a:t>Работна група </a:t>
+            </a:r>
+            <a:r>
+              <a:rPr lang="bg-BG" dirty="0"/>
+              <a:t>"Образование по програмиране и ИТ"</a:t>
+            </a:r>
+            <a:r>
+              <a:rPr lang="bg-BG" sz="1100" dirty="0"/>
+              <a:t>, с подкрепата на </a:t>
+            </a:r>
+            <a:r>
+              <a:rPr lang="en-US" sz="1100" dirty="0">
                 <a:hlinkClick r:id="rId3"/>
               </a:rPr>
-              <a:t>https://softuni.org</a:t>
-            </a:r>
-            <a:r>
-              <a:rPr lang="en-US" dirty="0"/>
-              <a:t>. Copyrighted document. Unauthorized copy or reproduction is not permitted.</a:t>
-            </a:r>
+              <a:t>SoftUni</a:t>
+            </a:r>
+            <a:endParaRPr lang="en-US" sz="1100" dirty="0"/>
           </a:p>
         </p:txBody>
       </p:sp>
     </p:spTree>
     <p:extLst>
       <p:ext uri="{BB962C8B-B14F-4D97-AF65-F5344CB8AC3E}">
-        <p14:creationId xmlns:p14="http://schemas.microsoft.com/office/powerpoint/2010/main" val="924285906"/>
+        <p14:creationId xmlns:p14="http://schemas.microsoft.com/office/powerpoint/2010/main" val="3931898468"/>
       </p:ext>
     </p:extLst>
   </p:cSld>
@@ -2761,10 +2848,10 @@
       </p:sp>
       <p:sp>
         <p:nvSpPr>
-          <p:cNvPr id="7" name="Footer Placeholder 7">
+          <p:cNvPr id="2" name="Footer Placeholder 7">
             <a:extLst>
               <a:ext uri="{FF2B5EF4-FFF2-40B4-BE49-F238E27FC236}">
-                <a16:creationId xmlns:a16="http://schemas.microsoft.com/office/drawing/2014/main" id="{60049F6E-B6B0-4D35-99DF-42E5B5CAFA20}"/>
+                <a16:creationId xmlns:a16="http://schemas.microsoft.com/office/drawing/2014/main" id="{7F528636-F7C7-9EF8-895B-6F347C0C0A63}"/>
               </a:ext>
             </a:extLst>
           </p:cNvPr>
@@ -2777,8 +2864,8 @@
         </p:nvSpPr>
         <p:spPr>
           <a:xfrm>
-            <a:off x="-1" y="8847000"/>
-            <a:ext cx="6488999" cy="297000"/>
+            <a:off x="-1" y="8892000"/>
+            <a:ext cx="6488999" cy="252000"/>
           </a:xfrm>
           <a:prstGeom prst="rect">
             <a:avLst/>
@@ -2793,26 +2880,31 @@
           </a:lstStyle>
           <a:p>
             <a:r>
-              <a:rPr lang="en-US" dirty="0"/>
-              <a:t>© SoftUni – </a:t>
-            </a:r>
-            <a:r>
-              <a:rPr lang="en-US" u="sng" dirty="0">
+              <a:rPr lang="bg-BG" sz="1100" dirty="0"/>
+              <a:t>Работна група </a:t>
+            </a:r>
+            <a:r>
+              <a:rPr lang="bg-BG" dirty="0"/>
+              <a:t>"Образование по програмиране и ИТ"</a:t>
+            </a:r>
+            <a:r>
+              <a:rPr lang="bg-BG" sz="1100" dirty="0"/>
+              <a:t>, с подкрепата на </a:t>
+            </a:r>
+            <a:r>
+              <a:rPr lang="en-US" sz="1100" dirty="0">
                 <a:hlinkClick r:id="rId3"/>
               </a:rPr>
-              <a:t>https://softuni.org</a:t>
-            </a:r>
-            <a:r>
-              <a:rPr lang="en-US" dirty="0"/>
-              <a:t>. Copyrighted document. Unauthorized copy or reproduction is not permitted.</a:t>
-            </a:r>
+              <a:t>SoftUni</a:t>
+            </a:r>
+            <a:endParaRPr lang="en-US" sz="1100" dirty="0"/>
           </a:p>
         </p:txBody>
       </p:sp>
     </p:spTree>
     <p:extLst>
       <p:ext uri="{BB962C8B-B14F-4D97-AF65-F5344CB8AC3E}">
-        <p14:creationId xmlns:p14="http://schemas.microsoft.com/office/powerpoint/2010/main" val="1699816098"/>
+        <p14:creationId xmlns:p14="http://schemas.microsoft.com/office/powerpoint/2010/main" val="3993269715"/>
       </p:ext>
     </p:extLst>
   </p:cSld>
@@ -2903,10 +2995,10 @@
       </p:sp>
       <p:sp>
         <p:nvSpPr>
-          <p:cNvPr id="7" name="Footer Placeholder 7">
+          <p:cNvPr id="2" name="Footer Placeholder 7">
             <a:extLst>
               <a:ext uri="{FF2B5EF4-FFF2-40B4-BE49-F238E27FC236}">
-                <a16:creationId xmlns:a16="http://schemas.microsoft.com/office/drawing/2014/main" id="{FC583689-C46D-4645-9A43-D5F58FC404C2}"/>
+                <a16:creationId xmlns:a16="http://schemas.microsoft.com/office/drawing/2014/main" id="{3A27AFFE-A62C-BCC9-474E-D7C379839BC4}"/>
               </a:ext>
             </a:extLst>
           </p:cNvPr>
@@ -2919,8 +3011,8 @@
         </p:nvSpPr>
         <p:spPr>
           <a:xfrm>
-            <a:off x="-1" y="8847000"/>
-            <a:ext cx="6488999" cy="297000"/>
+            <a:off x="-1" y="8892000"/>
+            <a:ext cx="6488999" cy="252000"/>
           </a:xfrm>
           <a:prstGeom prst="rect">
             <a:avLst/>
@@ -2935,26 +3027,31 @@
           </a:lstStyle>
           <a:p>
             <a:r>
-              <a:rPr lang="en-US" dirty="0"/>
-              <a:t>© SoftUni – </a:t>
-            </a:r>
-            <a:r>
-              <a:rPr lang="en-US" u="sng" dirty="0">
+              <a:rPr lang="bg-BG" sz="1100" dirty="0"/>
+              <a:t>Работна група </a:t>
+            </a:r>
+            <a:r>
+              <a:rPr lang="bg-BG" dirty="0"/>
+              <a:t>"Образование по програмиране и ИТ"</a:t>
+            </a:r>
+            <a:r>
+              <a:rPr lang="bg-BG" sz="1100" dirty="0"/>
+              <a:t>, с подкрепата на </a:t>
+            </a:r>
+            <a:r>
+              <a:rPr lang="en-US" sz="1100" dirty="0">
                 <a:hlinkClick r:id="rId3"/>
               </a:rPr>
-              <a:t>https://softuni.org</a:t>
-            </a:r>
-            <a:r>
-              <a:rPr lang="en-US" dirty="0"/>
-              <a:t>. Copyrighted document. Unauthorized copy or reproduction is not permitted.</a:t>
-            </a:r>
+              <a:t>SoftUni</a:t>
+            </a:r>
+            <a:endParaRPr lang="en-US" sz="1100" dirty="0"/>
           </a:p>
         </p:txBody>
       </p:sp>
     </p:spTree>
     <p:extLst>
       <p:ext uri="{BB962C8B-B14F-4D97-AF65-F5344CB8AC3E}">
-        <p14:creationId xmlns:p14="http://schemas.microsoft.com/office/powerpoint/2010/main" val="21288786"/>
+        <p14:creationId xmlns:p14="http://schemas.microsoft.com/office/powerpoint/2010/main" val="3910037305"/>
       </p:ext>
     </p:extLst>
   </p:cSld>
@@ -3038,10 +3135,10 @@
       </p:sp>
       <p:sp>
         <p:nvSpPr>
-          <p:cNvPr id="6" name="Footer Placeholder 7">
+          <p:cNvPr id="4" name="Footer Placeholder 7">
             <a:extLst>
               <a:ext uri="{FF2B5EF4-FFF2-40B4-BE49-F238E27FC236}">
-                <a16:creationId xmlns:a16="http://schemas.microsoft.com/office/drawing/2014/main" id="{02BE7A0F-30E1-4FF8-B305-1061A514F542}"/>
+                <a16:creationId xmlns:a16="http://schemas.microsoft.com/office/drawing/2014/main" id="{83A54DF9-51B2-E30C-E149-1E554615FDFD}"/>
               </a:ext>
             </a:extLst>
           </p:cNvPr>
@@ -3054,8 +3151,8 @@
         </p:nvSpPr>
         <p:spPr>
           <a:xfrm>
-            <a:off x="-1" y="8847000"/>
-            <a:ext cx="6488999" cy="297000"/>
+            <a:off x="-1" y="8892000"/>
+            <a:ext cx="6488999" cy="252000"/>
           </a:xfrm>
           <a:prstGeom prst="rect">
             <a:avLst/>
@@ -3070,26 +3167,31 @@
           </a:lstStyle>
           <a:p>
             <a:r>
-              <a:rPr lang="en-US" dirty="0"/>
-              <a:t>© SoftUni – </a:t>
-            </a:r>
-            <a:r>
-              <a:rPr lang="en-US" u="sng" dirty="0">
+              <a:rPr lang="bg-BG" sz="1100" dirty="0"/>
+              <a:t>Работна група </a:t>
+            </a:r>
+            <a:r>
+              <a:rPr lang="bg-BG" dirty="0"/>
+              <a:t>"Образование по програмиране и ИТ"</a:t>
+            </a:r>
+            <a:r>
+              <a:rPr lang="bg-BG" sz="1100" dirty="0"/>
+              <a:t>, с подкрепата на </a:t>
+            </a:r>
+            <a:r>
+              <a:rPr lang="en-US" sz="1100" dirty="0">
                 <a:hlinkClick r:id="rId3"/>
               </a:rPr>
-              <a:t>https://softuni.org</a:t>
-            </a:r>
-            <a:r>
-              <a:rPr lang="en-US" dirty="0"/>
-              <a:t>. Copyrighted document. Unauthorized copy or reproduction is not permitted.</a:t>
-            </a:r>
+              <a:t>SoftUni</a:t>
+            </a:r>
+            <a:endParaRPr lang="en-US" sz="1100" dirty="0"/>
           </a:p>
         </p:txBody>
       </p:sp>
     </p:spTree>
     <p:extLst>
       <p:ext uri="{BB962C8B-B14F-4D97-AF65-F5344CB8AC3E}">
-        <p14:creationId xmlns:p14="http://schemas.microsoft.com/office/powerpoint/2010/main" val="312066889"/>
+        <p14:creationId xmlns:p14="http://schemas.microsoft.com/office/powerpoint/2010/main" val="2152732319"/>
       </p:ext>
     </p:extLst>
   </p:cSld>
@@ -3100,7 +3202,7 @@
 </file>
 
 <file path=ppt/slideLayouts/slideLayout1.xml><?xml version="1.0" encoding="utf-8"?>
-<p:sldLayout xmlns:a="http://schemas.openxmlformats.org/drawingml/2006/main" xmlns:r="http://schemas.openxmlformats.org/officeDocument/2006/relationships" xmlns:p="http://schemas.openxmlformats.org/presentationml/2006/main" preserve="1">
+<p:sldLayout xmlns:a="http://schemas.openxmlformats.org/drawingml/2006/main" xmlns:r="http://schemas.openxmlformats.org/officeDocument/2006/relationships" xmlns:p="http://schemas.openxmlformats.org/presentationml/2006/main" preserve="1" userDrawn="1">
   <p:cSld name="Presentation Title Slide">
     <p:spTree>
       <p:nvGrpSpPr>
@@ -3126,7 +3228,7 @@
             </a:extLst>
           </p:cNvPr>
           <p:cNvSpPr/>
-          <p:nvPr/>
+          <p:nvPr userDrawn="1"/>
         </p:nvSpPr>
         <p:spPr>
           <a:xfrm>
@@ -3180,7 +3282,7 @@
               <a:tabLst/>
               <a:defRPr/>
             </a:pPr>
-            <a:endParaRPr kumimoji="0" lang="en-US" altLang="ko-KR" sz="2398" b="0" i="0" u="none" strike="noStrike" kern="1200" cap="none" spc="0" normalizeH="0" baseline="0" noProof="0" dirty="0">
+            <a:endParaRPr kumimoji="0" lang="en-US" altLang="ko-KR" sz="2398" b="0" i="0" u="none" strike="noStrike" kern="1200" cap="none" spc="0" normalizeH="0" baseline="0" noProof="0">
               <a:ln>
                 <a:noFill/>
               </a:ln>
@@ -3197,55 +3299,139 @@
           </a:p>
         </p:txBody>
       </p:sp>
-      <p:pic>
-        <p:nvPicPr>
-          <p:cNvPr id="14" name="Picture Logo SoftUni" descr="SoftUni logo">
+      <p:sp>
+        <p:nvSpPr>
+          <p:cNvPr id="33" name="Picture Placeholder Title Image">
             <a:extLst>
               <a:ext uri="{FF2B5EF4-FFF2-40B4-BE49-F238E27FC236}">
-                <a16:creationId xmlns:a16="http://schemas.microsoft.com/office/drawing/2014/main" id="{C4D6B2A2-DFF0-4712-BFEC-6676BEC99FEC}"/>
+                <a16:creationId xmlns:a16="http://schemas.microsoft.com/office/drawing/2014/main" id="{A04D819A-89E2-4714-8C56-1838BF467EF7}"/>
               </a:ext>
             </a:extLst>
           </p:cNvPr>
-          <p:cNvPicPr>
-            <a:picLocks noChangeAspect="1"/>
-          </p:cNvPicPr>
-          <p:nvPr userDrawn="1"/>
-        </p:nvPicPr>
-        <p:blipFill>
-          <a:blip r:embed="rId2" cstate="hqprint">
-            <a:clrChange>
-              <a:clrFrom>
-                <a:srgbClr val="FFFFFF"/>
-              </a:clrFrom>
-              <a:clrTo>
-                <a:srgbClr val="FFFFFF">
-                  <a:alpha val="0"/>
-                </a:srgbClr>
-              </a:clrTo>
-            </a:clrChange>
+          <p:cNvSpPr>
+            <a:spLocks noGrp="1"/>
+          </p:cNvSpPr>
+          <p:nvPr>
+            <p:ph type="pic" sz="quarter" idx="10"/>
+          </p:nvPr>
+        </p:nvSpPr>
+        <p:spPr>
+          <a:xfrm>
+            <a:off x="6390123" y="3400017"/>
+            <a:ext cx="5248260" cy="2188983"/>
+          </a:xfrm>
+        </p:spPr>
+        <p:txBody>
+          <a:bodyPr/>
+          <a:lstStyle>
+            <a:lvl1pPr marL="0" indent="0" algn="ctr" latinLnBrk="0">
+              <a:buNone/>
+              <a:defRPr>
+                <a:solidFill>
+                  <a:schemeClr val="bg1"/>
+                </a:solidFill>
+              </a:defRPr>
+            </a:lvl1pPr>
+          </a:lstStyle>
+          <a:p>
+            <a:r>
+              <a:rPr lang="en-US" noProof="0" dirty="0"/>
+              <a:t>Click icon to add picture</a:t>
+            </a:r>
+          </a:p>
+        </p:txBody>
+      </p:sp>
+      <p:sp>
+        <p:nvSpPr>
+          <p:cNvPr id="10" name="Company Web Site">
             <a:extLst>
-              <a:ext uri="{28A0092B-C50C-407E-A947-70E740481C1C}">
-                <a14:useLocalDpi xmlns:a14="http://schemas.microsoft.com/office/drawing/2010/main" val="0"/>
+              <a:ext uri="{FF2B5EF4-FFF2-40B4-BE49-F238E27FC236}">
+                <a16:creationId xmlns:a16="http://schemas.microsoft.com/office/drawing/2014/main" id="{0B99B1EE-62FA-4AA4-920C-D444D6C0B778}"/>
               </a:ext>
             </a:extLst>
-          </a:blip>
-          <a:stretch>
-            <a:fillRect/>
-          </a:stretch>
-        </p:blipFill>
+          </p:cNvPr>
+          <p:cNvSpPr>
+            <a:spLocks noGrp="1"/>
+          </p:cNvSpPr>
+          <p:nvPr>
+            <p:ph type="body" sz="quarter" idx="22" hasCustomPrompt="1"/>
+          </p:nvPr>
+        </p:nvSpPr>
         <p:spPr>
           <a:xfrm>
-            <a:off x="4324460" y="5184000"/>
-            <a:ext cx="3751540" cy="1297655"/>
+            <a:off x="6390120" y="6086106"/>
+            <a:ext cx="5248260" cy="341313"/>
           </a:xfrm>
-          <a:prstGeom prst="rect">
-            <a:avLst/>
-          </a:prstGeom>
         </p:spPr>
-      </p:pic>
+        <p:txBody>
+          <a:bodyPr lIns="36000" rIns="36000" anchor="ctr" anchorCtr="0">
+            <a:noAutofit/>
+          </a:bodyPr>
+          <a:lstStyle>
+            <a:lvl1pPr marL="0" indent="0" algn="r">
+              <a:buNone/>
+              <a:defRPr sz="1800"/>
+            </a:lvl1pPr>
+          </a:lstStyle>
+          <a:p>
+            <a:pPr lvl="0"/>
+            <a:r>
+              <a:rPr lang="en-US" dirty="0"/>
+              <a:t>https://softuni.foundation  </a:t>
+            </a:r>
+          </a:p>
+        </p:txBody>
+      </p:sp>
       <p:sp>
         <p:nvSpPr>
-          <p:cNvPr id="31" name="Text Placeholder Company Site">
+          <p:cNvPr id="6" name="Company Name">
+            <a:extLst>
+              <a:ext uri="{FF2B5EF4-FFF2-40B4-BE49-F238E27FC236}">
+                <a16:creationId xmlns:a16="http://schemas.microsoft.com/office/drawing/2014/main" id="{2A76510A-0BAE-A827-E77C-BE88E38F52AA}"/>
+              </a:ext>
+            </a:extLst>
+          </p:cNvPr>
+          <p:cNvSpPr>
+            <a:spLocks noGrp="1"/>
+          </p:cNvSpPr>
+          <p:nvPr>
+            <p:ph type="body" sz="quarter" idx="21" hasCustomPrompt="1"/>
+          </p:nvPr>
+        </p:nvSpPr>
+        <p:spPr>
+          <a:xfrm>
+            <a:off x="6390122" y="5698189"/>
+            <a:ext cx="5248260" cy="374236"/>
+          </a:xfrm>
+        </p:spPr>
+        <p:txBody>
+          <a:bodyPr lIns="36000" rIns="36000" anchor="ctr" anchorCtr="0">
+            <a:normAutofit/>
+          </a:bodyPr>
+          <a:lstStyle>
+            <a:lvl1pPr marL="0" indent="0" algn="r">
+              <a:buNone/>
+              <a:defRPr sz="2000" b="1">
+                <a:solidFill>
+                  <a:schemeClr val="tx1">
+                    <a:lumMod val="75000"/>
+                  </a:schemeClr>
+                </a:solidFill>
+              </a:defRPr>
+            </a:lvl1pPr>
+          </a:lstStyle>
+          <a:p>
+            <a:pPr lvl="0"/>
+            <a:r>
+              <a:rPr lang="en-US" dirty="0"/>
+              <a:t>SoftUni Foundation</a:t>
+            </a:r>
+          </a:p>
+        </p:txBody>
+      </p:sp>
+      <p:sp>
+        <p:nvSpPr>
+          <p:cNvPr id="31" name="Author Position">
             <a:extLst>
               <a:ext uri="{FF2B5EF4-FFF2-40B4-BE49-F238E27FC236}">
                 <a16:creationId xmlns:a16="http://schemas.microsoft.com/office/drawing/2014/main" id="{3E6B87B7-9D33-4EBB-BD4F-C0436BA3FD72}"/>
@@ -3261,274 +3447,8 @@
         </p:nvSpPr>
         <p:spPr bwMode="auto">
           <a:xfrm>
-            <a:off x="8708505" y="6130863"/>
-            <a:ext cx="2951518" cy="341556"/>
-          </a:xfrm>
-          <a:prstGeom prst="rect">
-            <a:avLst/>
-          </a:prstGeom>
-          <a:noFill/>
-          <a:effectLst/>
-        </p:spPr>
-        <p:txBody>
-          <a:bodyPr wrap="square" lIns="36000" tIns="36000" rIns="36000" bIns="36000" rtlCol="0" anchor="ctr" anchorCtr="0">
-            <a:noAutofit/>
-          </a:bodyPr>
-          <a:lstStyle>
-            <a:lvl1pPr marL="0" indent="0" algn="r" rtl="0" fontAlgn="base" latinLnBrk="0">
-              <a:spcBef>
-                <a:spcPct val="0"/>
-              </a:spcBef>
-              <a:spcAft>
-                <a:spcPct val="0"/>
-              </a:spcAft>
-              <a:buNone/>
-              <a:defRPr lang="en-US" sz="1798" b="1" kern="1200" dirty="0" smtClean="0">
-                <a:solidFill>
-                  <a:schemeClr val="tx1">
-                    <a:lumMod val="75000"/>
-                  </a:schemeClr>
-                </a:solidFill>
-                <a:effectLst/>
-                <a:latin typeface="+mn-lt"/>
-                <a:ea typeface="+mn-ea"/>
-                <a:cs typeface="+mn-cs"/>
-              </a:defRPr>
-            </a:lvl1pPr>
-          </a:lstStyle>
-          <a:p>
-            <a:pPr lvl="0"/>
-            <a:r>
-              <a:rPr lang="en-US" noProof="0" dirty="0"/>
-              <a:t>Company Web Site</a:t>
-            </a:r>
-          </a:p>
-        </p:txBody>
-      </p:sp>
-      <p:sp>
-        <p:nvSpPr>
-          <p:cNvPr id="30" name="Text Placeholder Company Name">
-            <a:extLst>
-              <a:ext uri="{FF2B5EF4-FFF2-40B4-BE49-F238E27FC236}">
-                <a16:creationId xmlns:a16="http://schemas.microsoft.com/office/drawing/2014/main" id="{2EA92DCA-4DB5-4D03-ACD3-A6A296592D0C}"/>
-              </a:ext>
-            </a:extLst>
-          </p:cNvPr>
-          <p:cNvSpPr>
-            <a:spLocks noGrp="1"/>
-          </p:cNvSpPr>
-          <p:nvPr>
-            <p:ph type="body" sz="quarter" idx="17" hasCustomPrompt="1"/>
-          </p:nvPr>
-        </p:nvSpPr>
-        <p:spPr bwMode="auto">
-          <a:xfrm>
-            <a:off x="8708505" y="5756628"/>
-            <a:ext cx="2951518" cy="367080"/>
-          </a:xfrm>
-          <a:prstGeom prst="rect">
-            <a:avLst/>
-          </a:prstGeom>
-          <a:noFill/>
-          <a:effectLst/>
-        </p:spPr>
-        <p:txBody>
-          <a:bodyPr wrap="square" lIns="36000" tIns="36000" rIns="36000" bIns="36000" rtlCol="0" anchor="ctr" anchorCtr="0">
-            <a:noAutofit/>
-          </a:bodyPr>
-          <a:lstStyle>
-            <a:lvl1pPr marL="0" indent="0" algn="r" rtl="0" fontAlgn="base" latinLnBrk="0">
-              <a:spcBef>
-                <a:spcPct val="0"/>
-              </a:spcBef>
-              <a:spcAft>
-                <a:spcPct val="0"/>
-              </a:spcAft>
-              <a:buNone/>
-              <a:defRPr lang="en-US" sz="1998" b="1" kern="1200" dirty="0" smtClean="0">
-                <a:solidFill>
-                  <a:schemeClr val="tx1">
-                    <a:lumMod val="75000"/>
-                  </a:schemeClr>
-                </a:solidFill>
-                <a:effectLst/>
-                <a:latin typeface="+mn-lt"/>
-                <a:ea typeface="+mn-ea"/>
-                <a:cs typeface="+mn-cs"/>
-              </a:defRPr>
-            </a:lvl1pPr>
-          </a:lstStyle>
-          <a:p>
-            <a:pPr lvl="0"/>
-            <a:r>
-              <a:rPr lang="en-US" noProof="0" dirty="0"/>
-              <a:t>Company Name</a:t>
-            </a:r>
-          </a:p>
-        </p:txBody>
-      </p:sp>
-      <p:pic>
-        <p:nvPicPr>
-          <p:cNvPr id="35" name="Picture SoftUni Mascot" descr="SoftUni mascot">
-            <a:extLst>
-              <a:ext uri="{FF2B5EF4-FFF2-40B4-BE49-F238E27FC236}">
-                <a16:creationId xmlns:a16="http://schemas.microsoft.com/office/drawing/2014/main" id="{951E7DA9-C5F0-43D9-B013-3BDF9EEF029D}"/>
-              </a:ext>
-            </a:extLst>
-          </p:cNvPr>
-          <p:cNvPicPr>
-            <a:picLocks noChangeAspect="1"/>
-          </p:cNvPicPr>
-          <p:nvPr/>
-        </p:nvPicPr>
-        <p:blipFill rotWithShape="1">
-          <a:blip r:embed="rId3" cstate="print">
-            <a:extLst>
-              <a:ext uri="{28A0092B-C50C-407E-A947-70E740481C1C}">
-                <a14:useLocalDpi xmlns:a14="http://schemas.microsoft.com/office/drawing/2010/main" val="0"/>
-              </a:ext>
-            </a:extLst>
-          </a:blip>
-          <a:srcRect/>
-          <a:stretch/>
-        </p:blipFill>
-        <p:spPr>
-          <a:xfrm flipH="1">
-            <a:off x="8848924" y="2609644"/>
-            <a:ext cx="2788893" cy="3018284"/>
-          </a:xfrm>
-          <a:prstGeom prst="rect">
-            <a:avLst/>
-          </a:prstGeom>
-        </p:spPr>
-      </p:pic>
-      <p:pic>
-        <p:nvPicPr>
-          <p:cNvPr id="22" name="Picture Logo Software University" descr="Software University logo">
-            <a:hlinkClick r:id="rId4"/>
-            <a:extLst>
-              <a:ext uri="{FF2B5EF4-FFF2-40B4-BE49-F238E27FC236}">
-                <a16:creationId xmlns:a16="http://schemas.microsoft.com/office/drawing/2014/main" id="{F2315EB3-3FE4-4D3B-921E-5F209CEC13CB}"/>
-              </a:ext>
-            </a:extLst>
-          </p:cNvPr>
-          <p:cNvPicPr>
-            <a:picLocks noChangeAspect="1"/>
-          </p:cNvPicPr>
-          <p:nvPr userDrawn="1"/>
-        </p:nvPicPr>
-        <p:blipFill>
-          <a:blip r:embed="rId5" cstate="hqprint">
-            <a:clrChange>
-              <a:clrFrom>
-                <a:srgbClr val="FFFFFF"/>
-              </a:clrFrom>
-              <a:clrTo>
-                <a:srgbClr val="FFFFFF">
-                  <a:alpha val="0"/>
-                </a:srgbClr>
-              </a:clrTo>
-            </a:clrChange>
-            <a:extLst>
-              <a:ext uri="{28A0092B-C50C-407E-A947-70E740481C1C}">
-                <a14:useLocalDpi xmlns:a14="http://schemas.microsoft.com/office/drawing/2010/main" val="0"/>
-              </a:ext>
-            </a:extLst>
-          </a:blip>
-          <a:stretch>
-            <a:fillRect/>
-          </a:stretch>
-        </p:blipFill>
-        <p:spPr>
-          <a:xfrm>
-            <a:off x="507944" y="5918567"/>
-            <a:ext cx="1830305" cy="628159"/>
-          </a:xfrm>
-          <a:prstGeom prst="rect">
-            <a:avLst/>
-          </a:prstGeom>
-        </p:spPr>
-      </p:pic>
-      <p:sp>
-        <p:nvSpPr>
-          <p:cNvPr id="40" name="Text Placeholder Author Position">
-            <a:extLst>
-              <a:ext uri="{FF2B5EF4-FFF2-40B4-BE49-F238E27FC236}">
-                <a16:creationId xmlns:a16="http://schemas.microsoft.com/office/drawing/2014/main" id="{CD940256-851E-46C8-8BFB-A5ECA6C7DA07}"/>
-              </a:ext>
-            </a:extLst>
-          </p:cNvPr>
-          <p:cNvSpPr>
-            <a:spLocks noGrp="1"/>
-          </p:cNvSpPr>
-          <p:nvPr>
-            <p:ph type="body" sz="quarter" idx="20" hasCustomPrompt="1"/>
-          </p:nvPr>
-        </p:nvSpPr>
-        <p:spPr bwMode="auto">
-          <a:xfrm>
-            <a:off x="553082" y="5344180"/>
-            <a:ext cx="2980696" cy="444793"/>
-          </a:xfrm>
-          <a:prstGeom prst="rect">
-            <a:avLst/>
-          </a:prstGeom>
-          <a:noFill/>
-          <a:effectLst/>
-        </p:spPr>
-        <p:txBody>
-          <a:bodyPr wrap="square" lIns="36000" tIns="36000" rIns="36000" bIns="36000" rtlCol="0" anchor="ctr" anchorCtr="0">
-            <a:spAutoFit/>
-          </a:bodyPr>
-          <a:lstStyle>
-            <a:lvl1pPr marL="0" indent="0" algn="l" rtl="0" fontAlgn="base" latinLnBrk="0">
-              <a:spcBef>
-                <a:spcPct val="0"/>
-              </a:spcBef>
-              <a:spcAft>
-                <a:spcPct val="0"/>
-              </a:spcAft>
-              <a:buNone/>
-              <a:defRPr lang="en-US" sz="2398" b="1" kern="1200" dirty="0" smtClean="0">
-                <a:solidFill>
-                  <a:schemeClr val="tx1"/>
-                </a:solidFill>
-                <a:effectLst/>
-                <a:latin typeface="+mn-lt"/>
-                <a:ea typeface="+mn-ea"/>
-                <a:cs typeface="+mn-cs"/>
-              </a:defRPr>
-            </a:lvl1pPr>
-          </a:lstStyle>
-          <a:p>
-            <a:pPr lvl="0"/>
-            <a:r>
-              <a:rPr lang="en-US" noProof="0" dirty="0"/>
-              <a:t>Position</a:t>
-            </a:r>
-          </a:p>
-        </p:txBody>
-      </p:sp>
-      <p:sp>
-        <p:nvSpPr>
-          <p:cNvPr id="36" name="Text Placeholder Author Name">
-            <a:extLst>
-              <a:ext uri="{FF2B5EF4-FFF2-40B4-BE49-F238E27FC236}">
-                <a16:creationId xmlns:a16="http://schemas.microsoft.com/office/drawing/2014/main" id="{3B21F47B-DE1F-442D-A2B7-6866F8786704}"/>
-              </a:ext>
-            </a:extLst>
-          </p:cNvPr>
-          <p:cNvSpPr>
-            <a:spLocks noGrp="1"/>
-          </p:cNvSpPr>
-          <p:nvPr>
-            <p:ph type="body" sz="quarter" idx="19" hasCustomPrompt="1"/>
-          </p:nvPr>
-        </p:nvSpPr>
-        <p:spPr bwMode="auto">
-          <a:xfrm>
-            <a:off x="553082" y="4851838"/>
-            <a:ext cx="2980696" cy="454398"/>
+            <a:off x="534045" y="6085863"/>
+            <a:ext cx="4751953" cy="341556"/>
           </a:xfrm>
           <a:prstGeom prst="rect">
             <a:avLst/>
@@ -3549,9 +3469,11 @@
                 <a:spcPct val="0"/>
               </a:spcAft>
               <a:buNone/>
-              <a:defRPr lang="en-US" sz="2798" b="1" kern="1200" dirty="0" smtClean="0">
-                <a:solidFill>
-                  <a:schemeClr val="tx1"/>
+              <a:defRPr lang="en-US" sz="1800" b="0" kern="1200" dirty="0" smtClean="0">
+                <a:solidFill>
+                  <a:schemeClr val="tx1">
+                    <a:lumMod val="75000"/>
+                  </a:schemeClr>
                 </a:solidFill>
                 <a:effectLst/>
                 <a:latin typeface="+mn-lt"/>
@@ -3564,17 +3486,17 @@
             <a:pPr lvl="0"/>
             <a:r>
               <a:rPr lang="en-US" noProof="0" dirty="0"/>
-              <a:t>Author Name</a:t>
+              <a:t>URL</a:t>
             </a:r>
           </a:p>
         </p:txBody>
       </p:sp>
       <p:sp>
         <p:nvSpPr>
-          <p:cNvPr id="33" name="Picture Placeholder Title Image">
+          <p:cNvPr id="30" name="Author Name">
             <a:extLst>
               <a:ext uri="{FF2B5EF4-FFF2-40B4-BE49-F238E27FC236}">
-                <a16:creationId xmlns:a16="http://schemas.microsoft.com/office/drawing/2014/main" id="{A04D819A-89E2-4714-8C56-1838BF467EF7}"/>
+                <a16:creationId xmlns:a16="http://schemas.microsoft.com/office/drawing/2014/main" id="{2EA92DCA-4DB5-4D03-ACD3-A6A296592D0C}"/>
               </a:ext>
             </a:extLst>
           </p:cNvPr>
@@ -3582,31 +3504,51 @@
             <a:spLocks noGrp="1"/>
           </p:cNvSpPr>
           <p:nvPr>
-            <p:ph type="pic" sz="quarter" idx="10"/>
+            <p:ph type="body" sz="quarter" idx="17" hasCustomPrompt="1"/>
           </p:nvPr>
         </p:nvSpPr>
-        <p:spPr>
+        <p:spPr bwMode="auto">
           <a:xfrm>
-            <a:off x="553082" y="2740913"/>
-            <a:ext cx="4642919" cy="1936503"/>
+            <a:off x="534046" y="5251106"/>
+            <a:ext cx="4751954" cy="724904"/>
           </a:xfrm>
+          <a:prstGeom prst="rect">
+            <a:avLst/>
+          </a:prstGeom>
+          <a:noFill/>
+          <a:effectLst/>
         </p:spPr>
         <p:txBody>
-          <a:bodyPr/>
+          <a:bodyPr wrap="square" lIns="36000" tIns="36000" rIns="36000" bIns="36000" rtlCol="0" anchor="ctr" anchorCtr="0">
+            <a:noAutofit/>
+          </a:bodyPr>
           <a:lstStyle>
-            <a:lvl1pPr marL="0" indent="0" algn="ctr" latinLnBrk="0">
+            <a:lvl1pPr marL="0" indent="0" algn="l" rtl="0" fontAlgn="base" latinLnBrk="0">
+              <a:spcBef>
+                <a:spcPct val="0"/>
+              </a:spcBef>
+              <a:spcAft>
+                <a:spcPct val="0"/>
+              </a:spcAft>
               <a:buNone/>
-              <a:defRPr>
-                <a:solidFill>
-                  <a:schemeClr val="bg1"/>
-                </a:solidFill>
+              <a:defRPr lang="en-US" sz="2000" b="1" kern="1200" dirty="0" smtClean="0">
+                <a:solidFill>
+                  <a:schemeClr val="tx1">
+                    <a:lumMod val="75000"/>
+                  </a:schemeClr>
+                </a:solidFill>
+                <a:effectLst/>
+                <a:latin typeface="+mn-lt"/>
+                <a:ea typeface="+mn-ea"/>
+                <a:cs typeface="+mn-cs"/>
               </a:defRPr>
             </a:lvl1pPr>
           </a:lstStyle>
           <a:p>
+            <a:pPr lvl="0"/>
             <a:r>
               <a:rPr lang="en-US" noProof="0" dirty="0"/>
-              <a:t>Click icon to add picture</a:t>
+              <a:t>Authors</a:t>
             </a:r>
           </a:p>
         </p:txBody>
@@ -3629,8 +3571,8 @@
         </p:nvSpPr>
         <p:spPr>
           <a:xfrm>
-            <a:off x="554182" y="1258272"/>
-            <a:ext cx="11083636" cy="1315728"/>
+            <a:off x="554746" y="1402942"/>
+            <a:ext cx="11083636" cy="1306057"/>
           </a:xfrm>
         </p:spPr>
         <p:txBody>
@@ -3640,7 +3582,7 @@
           <a:lstStyle>
             <a:lvl1pPr marL="0" indent="0" algn="ctr" latinLnBrk="0">
               <a:buNone/>
-              <a:defRPr sz="3598">
+              <a:defRPr sz="3600">
                 <a:solidFill>
                   <a:schemeClr val="tx1"/>
                 </a:solidFill>
@@ -3673,15 +3615,17 @@
         </p:nvSpPr>
         <p:spPr>
           <a:xfrm>
-            <a:off x="554182" y="321502"/>
-            <a:ext cx="11083636" cy="882654"/>
+            <a:off x="554746" y="321501"/>
+            <a:ext cx="11083636" cy="971589"/>
           </a:xfrm>
         </p:spPr>
         <p:txBody>
-          <a:bodyPr/>
+          <a:bodyPr>
+            <a:normAutofit/>
+          </a:bodyPr>
           <a:lstStyle>
             <a:lvl1pPr algn="ctr" latinLnBrk="0">
-              <a:defRPr sz="4798"/>
+              <a:defRPr sz="5400"/>
             </a:lvl1pPr>
           </a:lstStyle>
           <a:p>
@@ -3692,10 +3636,94 @@
           </a:p>
         </p:txBody>
       </p:sp>
+      <p:pic>
+        <p:nvPicPr>
+          <p:cNvPr id="4" name="Picture 3">
+            <a:extLst>
+              <a:ext uri="{FF2B5EF4-FFF2-40B4-BE49-F238E27FC236}">
+                <a16:creationId xmlns:a16="http://schemas.microsoft.com/office/drawing/2014/main" id="{324D0DB3-F60A-469B-7831-209CB666CCE4}"/>
+              </a:ext>
+            </a:extLst>
+          </p:cNvPr>
+          <p:cNvPicPr>
+            <a:picLocks noChangeAspect="1"/>
+          </p:cNvPicPr>
+          <p:nvPr userDrawn="1"/>
+        </p:nvPicPr>
+        <p:blipFill>
+          <a:blip r:embed="rId2" cstate="print">
+            <a:extLst>
+              <a:ext uri="{28A0092B-C50C-407E-A947-70E740481C1C}">
+                <a14:useLocalDpi xmlns:a14="http://schemas.microsoft.com/office/drawing/2010/main" val="0"/>
+              </a:ext>
+            </a:extLst>
+          </a:blip>
+          <a:stretch>
+            <a:fillRect/>
+          </a:stretch>
+        </p:blipFill>
+        <p:spPr>
+          <a:xfrm>
+            <a:off x="536549" y="4325954"/>
+            <a:ext cx="2538082" cy="633046"/>
+          </a:xfrm>
+          <a:prstGeom prst="rect">
+            <a:avLst/>
+          </a:prstGeom>
+        </p:spPr>
+      </p:pic>
+      <p:pic>
+        <p:nvPicPr>
+          <p:cNvPr id="5" name="Picture 4" title="CC-BY-NC-SA License">
+            <a:hlinkClick r:id="rId3" tooltip="This work is licensed under the &quot;Creative Commons Attribution-NonCommercial-ShareAlike 4.0 International&quot; license"/>
+            <a:extLst>
+              <a:ext uri="{FF2B5EF4-FFF2-40B4-BE49-F238E27FC236}">
+                <a16:creationId xmlns:a16="http://schemas.microsoft.com/office/drawing/2014/main" id="{2D40731C-0303-A69D-63FD-E048A73CA59F}"/>
+              </a:ext>
+            </a:extLst>
+          </p:cNvPr>
+          <p:cNvPicPr>
+            <a:picLocks noChangeAspect="1" noChangeArrowheads="1"/>
+          </p:cNvPicPr>
+          <p:nvPr userDrawn="1"/>
+        </p:nvPicPr>
+        <p:blipFill>
+          <a:blip r:embed="rId4">
+            <a:extLst>
+              <a:ext uri="{28A0092B-C50C-407E-A947-70E740481C1C}">
+                <a14:useLocalDpi xmlns:a14="http://schemas.microsoft.com/office/drawing/2010/main"/>
+              </a:ext>
+            </a:extLst>
+          </a:blip>
+          <a:srcRect/>
+          <a:stretch>
+            <a:fillRect/>
+          </a:stretch>
+        </p:blipFill>
+        <p:spPr bwMode="auto">
+          <a:xfrm>
+            <a:off x="3402682" y="4321352"/>
+            <a:ext cx="1809336" cy="633045"/>
+          </a:xfrm>
+          <a:prstGeom prst="roundRect">
+            <a:avLst>
+              <a:gd name="adj" fmla="val 3940"/>
+            </a:avLst>
+          </a:prstGeom>
+          <a:solidFill>
+            <a:srgbClr val="231F20">
+              <a:alpha val="50000"/>
+            </a:srgbClr>
+          </a:solidFill>
+          <a:ln>
+            <a:noFill/>
+          </a:ln>
+        </p:spPr>
+      </p:pic>
     </p:spTree>
     <p:extLst>
       <p:ext uri="{BB962C8B-B14F-4D97-AF65-F5344CB8AC3E}">
-        <p14:creationId xmlns:p14="http://schemas.microsoft.com/office/powerpoint/2010/main" val="970179299"/>
+        <p14:creationId xmlns:p14="http://schemas.microsoft.com/office/powerpoint/2010/main" val="370654144"/>
       </p:ext>
     </p:extLst>
   </p:cSld>
@@ -3809,7 +3837,7 @@
               <a:tabLst/>
               <a:defRPr/>
             </a:pPr>
-            <a:endParaRPr kumimoji="0" lang="en-US" altLang="ko-KR" sz="2398" b="0" i="0" u="none" strike="noStrike" kern="1200" cap="none" spc="0" normalizeH="0" baseline="0" noProof="0" dirty="0">
+            <a:endParaRPr kumimoji="0" lang="en-US" altLang="ko-KR" sz="2398" b="0" i="0" u="none" strike="noStrike" kern="1200" cap="none" spc="0" normalizeH="0" baseline="0" noProof="0">
               <a:ln>
                 <a:noFill/>
               </a:ln>
@@ -3932,7 +3960,7 @@
               <a:tabLst/>
               <a:defRPr/>
             </a:pPr>
-            <a:endParaRPr kumimoji="0" lang="en-US" altLang="ko-KR" sz="2398" b="0" i="0" u="none" strike="noStrike" kern="1200" cap="none" spc="0" normalizeH="0" baseline="0" noProof="0" dirty="0">
+            <a:endParaRPr kumimoji="0" lang="en-US" altLang="ko-KR" sz="2398" b="0" i="0" u="none" strike="noStrike" kern="1200" cap="none" spc="0" normalizeH="0" baseline="0" noProof="0">
               <a:ln>
                 <a:noFill/>
               </a:ln>
@@ -3949,42 +3977,6 @@
           </a:p>
         </p:txBody>
       </p:sp>
-      <p:pic>
-        <p:nvPicPr>
-          <p:cNvPr id="12" name="Logo Software University Down" descr="Software University logo">
-            <a:extLst>
-              <a:ext uri="{FF2B5EF4-FFF2-40B4-BE49-F238E27FC236}">
-                <a16:creationId xmlns:a16="http://schemas.microsoft.com/office/drawing/2014/main" id="{7028D2F0-1E67-414B-A93D-D3F8F131A132}"/>
-              </a:ext>
-            </a:extLst>
-          </p:cNvPr>
-          <p:cNvPicPr>
-            <a:picLocks noChangeAspect="1"/>
-          </p:cNvPicPr>
-          <p:nvPr/>
-        </p:nvPicPr>
-        <p:blipFill>
-          <a:blip r:embed="rId2" cstate="print">
-            <a:extLst>
-              <a:ext uri="{28A0092B-C50C-407E-A947-70E740481C1C}">
-                <a14:useLocalDpi xmlns:a14="http://schemas.microsoft.com/office/drawing/2010/main" val="0"/>
-              </a:ext>
-            </a:extLst>
-          </a:blip>
-          <a:stretch>
-            <a:fillRect/>
-          </a:stretch>
-        </p:blipFill>
-        <p:spPr>
-          <a:xfrm>
-            <a:off x="5616551" y="5206773"/>
-            <a:ext cx="958900" cy="1184869"/>
-          </a:xfrm>
-          <a:prstGeom prst="rect">
-            <a:avLst/>
-          </a:prstGeom>
-        </p:spPr>
-      </p:pic>
       <p:sp>
         <p:nvSpPr>
           <p:cNvPr id="10" name="Text Placeholder Right">
@@ -4205,7 +4197,7 @@
               <a:tabLst/>
               <a:defRPr/>
             </a:pPr>
-            <a:endParaRPr kumimoji="0" lang="en-US" altLang="ko-KR" sz="2398" b="0" i="0" u="none" strike="noStrike" kern="1200" cap="none" spc="0" normalizeH="0" baseline="0" noProof="0" dirty="0">
+            <a:endParaRPr kumimoji="0" lang="en-US" altLang="ko-KR" sz="2398" b="0" i="0" u="none" strike="noStrike" kern="1200" cap="none" spc="0" normalizeH="0" baseline="0" noProof="0">
               <a:ln>
                 <a:noFill/>
               </a:ln>
@@ -4222,42 +4214,6 @@
           </a:p>
         </p:txBody>
       </p:sp>
-      <p:pic>
-        <p:nvPicPr>
-          <p:cNvPr id="14" name="Logo Software University" descr="Software University logo">
-            <a:extLst>
-              <a:ext uri="{FF2B5EF4-FFF2-40B4-BE49-F238E27FC236}">
-                <a16:creationId xmlns:a16="http://schemas.microsoft.com/office/drawing/2014/main" id="{19A67BB9-D880-4EAD-B90E-89C4219BFC0B}"/>
-              </a:ext>
-            </a:extLst>
-          </p:cNvPr>
-          <p:cNvPicPr>
-            <a:picLocks noChangeAspect="1"/>
-          </p:cNvPicPr>
-          <p:nvPr userDrawn="1"/>
-        </p:nvPicPr>
-        <p:blipFill>
-          <a:blip r:embed="rId3" cstate="hqprint">
-            <a:extLst>
-              <a:ext uri="{28A0092B-C50C-407E-A947-70E740481C1C}">
-                <a14:useLocalDpi xmlns:a14="http://schemas.microsoft.com/office/drawing/2010/main" val="0"/>
-              </a:ext>
-            </a:extLst>
-          </a:blip>
-          <a:stretch>
-            <a:fillRect/>
-          </a:stretch>
-        </p:blipFill>
-        <p:spPr>
-          <a:xfrm>
-            <a:off x="10067957" y="253936"/>
-            <a:ext cx="1915704" cy="559235"/>
-          </a:xfrm>
-          <a:prstGeom prst="rect">
-            <a:avLst/>
-          </a:prstGeom>
-        </p:spPr>
-      </p:pic>
       <p:sp>
         <p:nvSpPr>
           <p:cNvPr id="15" name="Slide Title">
@@ -4276,8 +4232,8 @@
         </p:nvSpPr>
         <p:spPr>
           <a:xfrm>
-            <a:off x="190406" y="100750"/>
-            <a:ext cx="9715594" cy="882654"/>
+            <a:off x="190405" y="100750"/>
+            <a:ext cx="10270595" cy="882654"/>
           </a:xfrm>
         </p:spPr>
         <p:txBody>
@@ -4299,6 +4255,72 @@
           </a:p>
         </p:txBody>
       </p:sp>
+      <p:pic>
+        <p:nvPicPr>
+          <p:cNvPr id="8" name="Picture 7">
+            <a:extLst>
+              <a:ext uri="{FF2B5EF4-FFF2-40B4-BE49-F238E27FC236}">
+                <a16:creationId xmlns:a16="http://schemas.microsoft.com/office/drawing/2014/main" id="{2C9792D8-D354-4699-B7D6-B8CB7F77594F}"/>
+              </a:ext>
+            </a:extLst>
+          </p:cNvPr>
+          <p:cNvPicPr>
+            <a:picLocks noChangeAspect="1"/>
+          </p:cNvPicPr>
+          <p:nvPr userDrawn="1"/>
+        </p:nvPicPr>
+        <p:blipFill>
+          <a:blip r:embed="rId2"/>
+          <a:stretch>
+            <a:fillRect/>
+          </a:stretch>
+        </p:blipFill>
+        <p:spPr>
+          <a:xfrm>
+            <a:off x="5398753" y="5340443"/>
+            <a:ext cx="1334859" cy="982867"/>
+          </a:xfrm>
+          <a:prstGeom prst="rect">
+            <a:avLst/>
+          </a:prstGeom>
+        </p:spPr>
+      </p:pic>
+      <p:pic>
+        <p:nvPicPr>
+          <p:cNvPr id="3" name="Picture 2">
+            <a:extLst>
+              <a:ext uri="{FF2B5EF4-FFF2-40B4-BE49-F238E27FC236}">
+                <a16:creationId xmlns:a16="http://schemas.microsoft.com/office/drawing/2014/main" id="{B6351E19-25DA-EAD2-9FBE-358B6135D728}"/>
+              </a:ext>
+            </a:extLst>
+          </p:cNvPr>
+          <p:cNvPicPr>
+            <a:picLocks noChangeAspect="1"/>
+          </p:cNvPicPr>
+          <p:nvPr userDrawn="1"/>
+        </p:nvPicPr>
+        <p:blipFill>
+          <a:blip r:embed="rId3" cstate="print">
+            <a:extLst>
+              <a:ext uri="{28A0092B-C50C-407E-A947-70E740481C1C}">
+                <a14:useLocalDpi xmlns:a14="http://schemas.microsoft.com/office/drawing/2010/main" val="0"/>
+              </a:ext>
+            </a:extLst>
+          </a:blip>
+          <a:stretch>
+            <a:fillRect/>
+          </a:stretch>
+        </p:blipFill>
+        <p:spPr>
+          <a:xfrm>
+            <a:off x="10553573" y="368999"/>
+            <a:ext cx="1443361" cy="360001"/>
+          </a:xfrm>
+          <a:prstGeom prst="rect">
+            <a:avLst/>
+          </a:prstGeom>
+        </p:spPr>
+      </p:pic>
     </p:spTree>
     <p:extLst>
       <p:ext uri="{BB962C8B-B14F-4D97-AF65-F5344CB8AC3E}">
@@ -4391,7 +4413,7 @@
               <a:pPr/>
               <a:t>‹#›</a:t>
             </a:fld>
-            <a:endParaRPr lang="en-US" noProof="0" dirty="0"/>
+            <a:endParaRPr lang="en-US" noProof="0"/>
           </a:p>
         </p:txBody>
       </p:sp>
@@ -4545,7 +4567,7 @@
           </a:lstStyle>
           <a:p>
             <a:r>
-              <a:rPr lang="en-US" altLang="ko-KR" noProof="0" dirty="0"/>
+              <a:rPr lang="en-US" altLang="ko-KR" noProof="0"/>
               <a:t>Your Picture Here</a:t>
             </a:r>
           </a:p>
@@ -4609,7 +4631,7 @@
               <a:tabLst/>
               <a:defRPr/>
             </a:pPr>
-            <a:endParaRPr kumimoji="0" lang="en-US" altLang="ko-KR" sz="2398" b="0" i="0" u="none" strike="noStrike" kern="1200" cap="none" spc="0" normalizeH="0" baseline="0" noProof="0" dirty="0">
+            <a:endParaRPr kumimoji="0" lang="en-US" altLang="ko-KR" sz="2398" b="0" i="0" u="none" strike="noStrike" kern="1200" cap="none" spc="0" normalizeH="0" baseline="0" noProof="0">
               <a:ln>
                 <a:noFill/>
               </a:ln>
@@ -4684,7 +4706,7 @@
               <a:tabLst/>
               <a:defRPr/>
             </a:pPr>
-            <a:endParaRPr kumimoji="0" lang="en-US" altLang="ko-KR" sz="2398" b="0" i="0" u="none" strike="noStrike" kern="1200" cap="none" spc="0" normalizeH="0" baseline="0" noProof="0" dirty="0">
+            <a:endParaRPr kumimoji="0" lang="en-US" altLang="ko-KR" sz="2398" b="0" i="0" u="none" strike="noStrike" kern="1200" cap="none" spc="0" normalizeH="0" baseline="0" noProof="0">
               <a:ln>
                 <a:noFill/>
               </a:ln>
@@ -4765,7 +4787,7 @@
               <a:tabLst/>
               <a:defRPr/>
             </a:pPr>
-            <a:endParaRPr kumimoji="0" lang="en-US" altLang="ko-KR" sz="2398" b="0" i="0" u="none" strike="noStrike" kern="1200" cap="none" spc="0" normalizeH="0" baseline="0" noProof="0" dirty="0">
+            <a:endParaRPr kumimoji="0" lang="en-US" altLang="ko-KR" sz="2398" b="0" i="0" u="none" strike="noStrike" kern="1200" cap="none" spc="0" normalizeH="0" baseline="0" noProof="0">
               <a:ln>
                 <a:noFill/>
               </a:ln>
@@ -4846,7 +4868,7 @@
               <a:tabLst/>
               <a:defRPr/>
             </a:pPr>
-            <a:endParaRPr kumimoji="0" lang="en-US" altLang="ko-KR" sz="2398" b="0" i="0" u="none" strike="noStrike" kern="1200" cap="none" spc="0" normalizeH="0" baseline="0" noProof="0" dirty="0">
+            <a:endParaRPr kumimoji="0" lang="en-US" altLang="ko-KR" sz="2398" b="0" i="0" u="none" strike="noStrike" kern="1200" cap="none" spc="0" normalizeH="0" baseline="0" noProof="0">
               <a:ln>
                 <a:noFill/>
               </a:ln>
@@ -4863,42 +4885,6 @@
           </a:p>
         </p:txBody>
       </p:sp>
-      <p:pic>
-        <p:nvPicPr>
-          <p:cNvPr id="12" name="Logo Software University" descr="Software University logo">
-            <a:extLst>
-              <a:ext uri="{FF2B5EF4-FFF2-40B4-BE49-F238E27FC236}">
-                <a16:creationId xmlns:a16="http://schemas.microsoft.com/office/drawing/2014/main" id="{233CBB95-791E-4630-B3D9-FADFCE7BCF52}"/>
-              </a:ext>
-            </a:extLst>
-          </p:cNvPr>
-          <p:cNvPicPr>
-            <a:picLocks noChangeAspect="1"/>
-          </p:cNvPicPr>
-          <p:nvPr userDrawn="1"/>
-        </p:nvPicPr>
-        <p:blipFill>
-          <a:blip r:embed="rId2" cstate="hqprint">
-            <a:extLst>
-              <a:ext uri="{28A0092B-C50C-407E-A947-70E740481C1C}">
-                <a14:useLocalDpi xmlns:a14="http://schemas.microsoft.com/office/drawing/2010/main" val="0"/>
-              </a:ext>
-            </a:extLst>
-          </a:blip>
-          <a:stretch>
-            <a:fillRect/>
-          </a:stretch>
-        </p:blipFill>
-        <p:spPr>
-          <a:xfrm>
-            <a:off x="10067957" y="253936"/>
-            <a:ext cx="1915704" cy="559235"/>
-          </a:xfrm>
-          <a:prstGeom prst="rect">
-            <a:avLst/>
-          </a:prstGeom>
-        </p:spPr>
-      </p:pic>
       <p:sp>
         <p:nvSpPr>
           <p:cNvPr id="13" name="Slide Title">
@@ -4918,7 +4904,7 @@
         <p:spPr>
           <a:xfrm>
             <a:off x="190406" y="100750"/>
-            <a:ext cx="9715594" cy="882654"/>
+            <a:ext cx="10270594" cy="882654"/>
           </a:xfrm>
         </p:spPr>
         <p:txBody>
@@ -4940,6 +4926,42 @@
           </a:p>
         </p:txBody>
       </p:sp>
+      <p:pic>
+        <p:nvPicPr>
+          <p:cNvPr id="4" name="Picture 3">
+            <a:extLst>
+              <a:ext uri="{FF2B5EF4-FFF2-40B4-BE49-F238E27FC236}">
+                <a16:creationId xmlns:a16="http://schemas.microsoft.com/office/drawing/2014/main" id="{42F3DB3E-BDAA-8201-9A01-2F52640A84CA}"/>
+              </a:ext>
+            </a:extLst>
+          </p:cNvPr>
+          <p:cNvPicPr>
+            <a:picLocks noChangeAspect="1"/>
+          </p:cNvPicPr>
+          <p:nvPr userDrawn="1"/>
+        </p:nvPicPr>
+        <p:blipFill>
+          <a:blip r:embed="rId2" cstate="print">
+            <a:extLst>
+              <a:ext uri="{28A0092B-C50C-407E-A947-70E740481C1C}">
+                <a14:useLocalDpi xmlns:a14="http://schemas.microsoft.com/office/drawing/2010/main" val="0"/>
+              </a:ext>
+            </a:extLst>
+          </a:blip>
+          <a:stretch>
+            <a:fillRect/>
+          </a:stretch>
+        </p:blipFill>
+        <p:spPr>
+          <a:xfrm>
+            <a:off x="10553573" y="368999"/>
+            <a:ext cx="1443361" cy="360001"/>
+          </a:xfrm>
+          <a:prstGeom prst="rect">
+            <a:avLst/>
+          </a:prstGeom>
+        </p:spPr>
+      </p:pic>
     </p:spTree>
     <p:extLst>
       <p:ext uri="{BB962C8B-B14F-4D97-AF65-F5344CB8AC3E}">
@@ -5050,7 +5072,7 @@
               <a:tabLst/>
               <a:defRPr/>
             </a:pPr>
-            <a:endParaRPr kumimoji="0" lang="en-US" altLang="ko-KR" sz="2398" b="0" i="0" u="none" strike="noStrike" kern="1200" cap="none" spc="0" normalizeH="0" baseline="0" noProof="0" dirty="0">
+            <a:endParaRPr kumimoji="0" lang="en-US" altLang="ko-KR" sz="2398" b="0" i="0" u="none" strike="noStrike" kern="1200" cap="none" spc="0" normalizeH="0" baseline="0" noProof="0">
               <a:ln>
                 <a:noFill/>
               </a:ln>
@@ -5069,714 +5091,10 @@
       </p:sp>
       <p:sp>
         <p:nvSpPr>
-          <p:cNvPr id="53" name="Rectangle Bottom Copyright">
+          <p:cNvPr id="3" name="Title 2">
             <a:extLst>
               <a:ext uri="{FF2B5EF4-FFF2-40B4-BE49-F238E27FC236}">
-                <a16:creationId xmlns:a16="http://schemas.microsoft.com/office/drawing/2014/main" id="{B07FB7FB-DA6C-4F5D-B068-357F0FCE27D8}"/>
-              </a:ext>
-            </a:extLst>
-          </p:cNvPr>
-          <p:cNvSpPr/>
-          <p:nvPr userDrawn="1"/>
-        </p:nvSpPr>
-        <p:spPr>
-          <a:xfrm>
-            <a:off x="111000" y="6454758"/>
-            <a:ext cx="11970000" cy="258449"/>
-          </a:xfrm>
-          <a:prstGeom prst="rect">
-            <a:avLst/>
-          </a:prstGeom>
-        </p:spPr>
-        <p:txBody>
-          <a:bodyPr wrap="square">
-            <a:noAutofit/>
-          </a:bodyPr>
-          <a:lstStyle/>
-          <a:p>
-            <a:pPr algn="ctr">
-              <a:lnSpc>
-                <a:spcPct val="100000"/>
-              </a:lnSpc>
-              <a:spcBef>
-                <a:spcPts val="0"/>
-              </a:spcBef>
-              <a:spcAft>
-                <a:spcPts val="0"/>
-              </a:spcAft>
-            </a:pPr>
-            <a:r>
-              <a:rPr lang="en-US" sz="1600" noProof="0" dirty="0">
-                <a:solidFill>
-                  <a:schemeClr val="bg2"/>
-                </a:solidFill>
-                <a:effectLst/>
-                <a:latin typeface="Calibri" panose="020F0502020204030204" pitchFamily="34" charset="0"/>
-                <a:ea typeface="Calibri" panose="020F0502020204030204" pitchFamily="34" charset="0"/>
-                <a:cs typeface="Arial" panose="020B0604020202020204" pitchFamily="34" charset="0"/>
-              </a:rPr>
-              <a:t>© SoftUni – </a:t>
-            </a:r>
-            <a:r>
-              <a:rPr lang="en-US" sz="1600" u="sng" noProof="0" dirty="0">
-                <a:solidFill>
-                  <a:schemeClr val="bg2"/>
-                </a:solidFill>
-                <a:effectLst/>
-                <a:latin typeface="Calibri" panose="020F0502020204030204" pitchFamily="34" charset="0"/>
-                <a:ea typeface="Calibri" panose="020F0502020204030204" pitchFamily="34" charset="0"/>
-                <a:cs typeface="Arial" panose="020B0604020202020204" pitchFamily="34" charset="0"/>
-                <a:hlinkClick r:id="rId2">
-                  <a:extLst>
-                    <a:ext uri="{A12FA001-AC4F-418D-AE19-62706E023703}">
-                      <ahyp:hlinkClr xmlns:ahyp="http://schemas.microsoft.com/office/drawing/2018/hyperlinkcolor" val="tx"/>
-                    </a:ext>
-                  </a:extLst>
-                </a:hlinkClick>
-              </a:rPr>
-              <a:t>https://softuni.org</a:t>
-            </a:r>
-            <a:r>
-              <a:rPr lang="en-US" sz="1600" noProof="0" dirty="0">
-                <a:solidFill>
-                  <a:schemeClr val="bg2"/>
-                </a:solidFill>
-                <a:effectLst/>
-                <a:latin typeface="Calibri" panose="020F0502020204030204" pitchFamily="34" charset="0"/>
-                <a:ea typeface="Calibri" panose="020F0502020204030204" pitchFamily="34" charset="0"/>
-                <a:cs typeface="Arial" panose="020B0604020202020204" pitchFamily="34" charset="0"/>
-              </a:rPr>
-              <a:t>. Copyrighted document. Unauthorized copy, reproduction or use is not permitted.</a:t>
-            </a:r>
-            <a:endParaRPr lang="en-US" sz="2400" noProof="0" dirty="0">
-              <a:solidFill>
-                <a:schemeClr val="bg2"/>
-              </a:solidFill>
-              <a:effectLst/>
-              <a:latin typeface="Calibri" panose="020F0502020204030204" pitchFamily="34" charset="0"/>
-              <a:ea typeface="Calibri" panose="020F0502020204030204" pitchFamily="34" charset="0"/>
-              <a:cs typeface="Arial" panose="020B0604020202020204" pitchFamily="34" charset="0"/>
-            </a:endParaRPr>
-          </a:p>
-        </p:txBody>
-      </p:sp>
-      <p:pic>
-        <p:nvPicPr>
-          <p:cNvPr id="26" name="Picture SoftUni Mascot" descr="SoftUni mascot with open hand">
-            <a:extLst>
-              <a:ext uri="{FF2B5EF4-FFF2-40B4-BE49-F238E27FC236}">
-                <a16:creationId xmlns:a16="http://schemas.microsoft.com/office/drawing/2014/main" id="{247CFF3C-C4FA-493D-8505-DF469F4D36A4}"/>
-              </a:ext>
-            </a:extLst>
-          </p:cNvPr>
-          <p:cNvPicPr>
-            <a:picLocks noChangeAspect="1"/>
-          </p:cNvPicPr>
-          <p:nvPr/>
-        </p:nvPicPr>
-        <p:blipFill>
-          <a:blip r:embed="rId3" cstate="print">
-            <a:extLst>
-              <a:ext uri="{28A0092B-C50C-407E-A947-70E740481C1C}">
-                <a14:useLocalDpi xmlns:a14="http://schemas.microsoft.com/office/drawing/2010/main" val="0"/>
-              </a:ext>
-            </a:extLst>
-          </a:blip>
-          <a:stretch>
-            <a:fillRect/>
-          </a:stretch>
-        </p:blipFill>
-        <p:spPr>
-          <a:xfrm>
-            <a:off x="642586" y="2898830"/>
-            <a:ext cx="2451608" cy="2959741"/>
-          </a:xfrm>
-          <a:prstGeom prst="rect">
-            <a:avLst/>
-          </a:prstGeom>
-        </p:spPr>
-      </p:pic>
-      <p:grpSp>
-        <p:nvGrpSpPr>
-          <p:cNvPr id="2" name="Group SoftUni Brands">
-            <a:extLst>
-              <a:ext uri="{FF2B5EF4-FFF2-40B4-BE49-F238E27FC236}">
-                <a16:creationId xmlns:a16="http://schemas.microsoft.com/office/drawing/2014/main" id="{418FAE34-C1F8-46C7-A4AE-F270D1E70F25}"/>
-              </a:ext>
-            </a:extLst>
-          </p:cNvPr>
-          <p:cNvGrpSpPr/>
-          <p:nvPr userDrawn="1"/>
-        </p:nvGrpSpPr>
-        <p:grpSpPr>
-          <a:xfrm>
-            <a:off x="3332216" y="1702473"/>
-            <a:ext cx="8314909" cy="3543782"/>
-            <a:chOff x="3332216" y="1702473"/>
-            <a:chExt cx="8314909" cy="3543782"/>
-          </a:xfrm>
-        </p:grpSpPr>
-        <p:pic>
-          <p:nvPicPr>
-            <p:cNvPr id="24" name="Picture SoftUni Kids Logo" descr="SoftUni Kids logo">
-              <a:extLst>
-                <a:ext uri="{FF2B5EF4-FFF2-40B4-BE49-F238E27FC236}">
-                  <a16:creationId xmlns:a16="http://schemas.microsoft.com/office/drawing/2014/main" id="{B0812936-74B6-4265-8C08-AEDC8C798702}"/>
-                </a:ext>
-              </a:extLst>
-            </p:cNvPr>
-            <p:cNvPicPr>
-              <a:picLocks noChangeAspect="1"/>
-            </p:cNvPicPr>
-            <p:nvPr/>
-          </p:nvPicPr>
-          <p:blipFill>
-            <a:blip r:embed="rId4" cstate="print">
-              <a:extLst>
-                <a:ext uri="{28A0092B-C50C-407E-A947-70E740481C1C}">
-                  <a14:useLocalDpi xmlns:a14="http://schemas.microsoft.com/office/drawing/2010/main" val="0"/>
-                </a:ext>
-              </a:extLst>
-            </a:blip>
-            <a:stretch>
-              <a:fillRect/>
-            </a:stretch>
-          </p:blipFill>
-          <p:spPr>
-            <a:xfrm>
-              <a:off x="10516883" y="3776294"/>
-              <a:ext cx="1130242" cy="1389256"/>
-            </a:xfrm>
-            <a:prstGeom prst="rect">
-              <a:avLst/>
-            </a:prstGeom>
-          </p:spPr>
-        </p:pic>
-        <p:pic>
-          <p:nvPicPr>
-            <p:cNvPr id="23" name="Picture SoftUni Foundation Logo" descr="SoftUni Foundation logo">
-              <a:extLst>
-                <a:ext uri="{FF2B5EF4-FFF2-40B4-BE49-F238E27FC236}">
-                  <a16:creationId xmlns:a16="http://schemas.microsoft.com/office/drawing/2014/main" id="{6643F71A-2013-433A-8322-FBAAED3162D8}"/>
-                </a:ext>
-              </a:extLst>
-            </p:cNvPr>
-            <p:cNvPicPr>
-              <a:picLocks noChangeAspect="1"/>
-            </p:cNvPicPr>
-            <p:nvPr userDrawn="1"/>
-          </p:nvPicPr>
-          <p:blipFill>
-            <a:blip r:embed="rId5" cstate="print">
-              <a:extLst>
-                <a:ext uri="{28A0092B-C50C-407E-A947-70E740481C1C}">
-                  <a14:useLocalDpi xmlns:a14="http://schemas.microsoft.com/office/drawing/2010/main" val="0"/>
-                </a:ext>
-              </a:extLst>
-            </a:blip>
-            <a:stretch>
-              <a:fillRect/>
-            </a:stretch>
-          </p:blipFill>
-          <p:spPr>
-            <a:xfrm>
-              <a:off x="9053913" y="3788231"/>
-              <a:ext cx="1166400" cy="1350756"/>
-            </a:xfrm>
-            <a:prstGeom prst="rect">
-              <a:avLst/>
-            </a:prstGeom>
-          </p:spPr>
-        </p:pic>
-        <p:pic>
-          <p:nvPicPr>
-            <p:cNvPr id="22" name="Picture SoftUni Digital Logo" descr="SoftUni Digital logo">
-              <a:extLst>
-                <a:ext uri="{FF2B5EF4-FFF2-40B4-BE49-F238E27FC236}">
-                  <a16:creationId xmlns:a16="http://schemas.microsoft.com/office/drawing/2014/main" id="{0A83D66F-855B-463B-920B-BF239B01A206}"/>
-                </a:ext>
-              </a:extLst>
-            </p:cNvPr>
-            <p:cNvPicPr>
-              <a:picLocks noChangeAspect="1"/>
-            </p:cNvPicPr>
-            <p:nvPr userDrawn="1"/>
-          </p:nvPicPr>
-          <p:blipFill>
-            <a:blip r:embed="rId6" cstate="print">
-              <a:extLst>
-                <a:ext uri="{28A0092B-C50C-407E-A947-70E740481C1C}">
-                  <a14:useLocalDpi xmlns:a14="http://schemas.microsoft.com/office/drawing/2010/main" val="0"/>
-                </a:ext>
-              </a:extLst>
-            </a:blip>
-            <a:stretch>
-              <a:fillRect/>
-            </a:stretch>
-          </p:blipFill>
-          <p:spPr>
-            <a:xfrm>
-              <a:off x="7657695" y="3789000"/>
-              <a:ext cx="1084614" cy="1457255"/>
-            </a:xfrm>
-            <a:prstGeom prst="rect">
-              <a:avLst/>
-            </a:prstGeom>
-          </p:spPr>
-        </p:pic>
-        <p:pic>
-          <p:nvPicPr>
-            <p:cNvPr id="21" name="Picture SoftUni Creative Logo" descr="SoftUni Creative logo">
-              <a:extLst>
-                <a:ext uri="{FF2B5EF4-FFF2-40B4-BE49-F238E27FC236}">
-                  <a16:creationId xmlns:a16="http://schemas.microsoft.com/office/drawing/2014/main" id="{EA755AAE-BA08-481C-9224-0061170EE4B8}"/>
-                </a:ext>
-              </a:extLst>
-            </p:cNvPr>
-            <p:cNvPicPr>
-              <a:picLocks noChangeAspect="1"/>
-            </p:cNvPicPr>
-            <p:nvPr/>
-          </p:nvPicPr>
-          <p:blipFill>
-            <a:blip r:embed="rId7" cstate="print">
-              <a:extLst>
-                <a:ext uri="{28A0092B-C50C-407E-A947-70E740481C1C}">
-                  <a14:useLocalDpi xmlns:a14="http://schemas.microsoft.com/office/drawing/2010/main" val="0"/>
-                </a:ext>
-              </a:extLst>
-            </a:blip>
-            <a:stretch>
-              <a:fillRect/>
-            </a:stretch>
-          </p:blipFill>
-          <p:spPr>
-            <a:xfrm>
-              <a:off x="6173913" y="3776293"/>
-              <a:ext cx="1166400" cy="1389257"/>
-            </a:xfrm>
-            <a:prstGeom prst="rect">
-              <a:avLst/>
-            </a:prstGeom>
-          </p:spPr>
-        </p:pic>
-        <p:pic>
-          <p:nvPicPr>
-            <p:cNvPr id="20" name="Picture SoftUni Svetlina Logo" descr="SoftUni Svetlina logo">
-              <a:extLst>
-                <a:ext uri="{FF2B5EF4-FFF2-40B4-BE49-F238E27FC236}">
-                  <a16:creationId xmlns:a16="http://schemas.microsoft.com/office/drawing/2014/main" id="{827D15FD-4C66-4B85-98E6-7826AA8F61C6}"/>
-                </a:ext>
-              </a:extLst>
-            </p:cNvPr>
-            <p:cNvPicPr>
-              <a:picLocks noChangeAspect="1"/>
-            </p:cNvPicPr>
-            <p:nvPr/>
-          </p:nvPicPr>
-          <p:blipFill>
-            <a:blip r:embed="rId8">
-              <a:extLst>
-                <a:ext uri="{28A0092B-C50C-407E-A947-70E740481C1C}">
-                  <a14:useLocalDpi xmlns:a14="http://schemas.microsoft.com/office/drawing/2010/main" val="0"/>
-                </a:ext>
-              </a:extLst>
-            </a:blip>
-            <a:stretch>
-              <a:fillRect/>
-            </a:stretch>
-          </p:blipFill>
-          <p:spPr>
-            <a:xfrm>
-              <a:off x="4735029" y="3776293"/>
-              <a:ext cx="1166400" cy="1402229"/>
-            </a:xfrm>
-            <a:prstGeom prst="rect">
-              <a:avLst/>
-            </a:prstGeom>
-          </p:spPr>
-        </p:pic>
-        <p:pic>
-          <p:nvPicPr>
-            <p:cNvPr id="25" name="Picture Software University Logo" descr="Software University logo">
-              <a:extLst>
-                <a:ext uri="{FF2B5EF4-FFF2-40B4-BE49-F238E27FC236}">
-                  <a16:creationId xmlns:a16="http://schemas.microsoft.com/office/drawing/2014/main" id="{C74C190C-5856-41B9-8819-AE8DE0E10980}"/>
-                </a:ext>
-              </a:extLst>
-            </p:cNvPr>
-            <p:cNvPicPr>
-              <a:picLocks noChangeAspect="1"/>
-            </p:cNvPicPr>
-            <p:nvPr/>
-          </p:nvPicPr>
-          <p:blipFill>
-            <a:blip r:embed="rId9" cstate="print">
-              <a:extLst>
-                <a:ext uri="{28A0092B-C50C-407E-A947-70E740481C1C}">
-                  <a14:useLocalDpi xmlns:a14="http://schemas.microsoft.com/office/drawing/2010/main" val="0"/>
-                </a:ext>
-              </a:extLst>
-            </a:blip>
-            <a:stretch>
-              <a:fillRect/>
-            </a:stretch>
-          </p:blipFill>
-          <p:spPr>
-            <a:xfrm>
-              <a:off x="3332216" y="3776295"/>
-              <a:ext cx="1164654" cy="1440000"/>
-            </a:xfrm>
-            <a:prstGeom prst="rect">
-              <a:avLst/>
-            </a:prstGeom>
-          </p:spPr>
-        </p:pic>
-        <p:cxnSp>
-          <p:nvCxnSpPr>
-            <p:cNvPr id="33" name="Straight Connector 6">
-              <a:extLst>
-                <a:ext uri="{FF2B5EF4-FFF2-40B4-BE49-F238E27FC236}">
-                  <a16:creationId xmlns:a16="http://schemas.microsoft.com/office/drawing/2014/main" id="{5C63D1E8-4A92-4691-8A24-A2FC7E8008E5}"/>
-                </a:ext>
-              </a:extLst>
-            </p:cNvPr>
-            <p:cNvCxnSpPr>
-              <a:cxnSpLocks/>
-            </p:cNvCxnSpPr>
-            <p:nvPr userDrawn="1"/>
-          </p:nvCxnSpPr>
-          <p:spPr>
-            <a:xfrm>
-              <a:off x="11077113" y="3335565"/>
-              <a:ext cx="0" cy="236220"/>
-            </a:xfrm>
-            <a:prstGeom prst="line">
-              <a:avLst/>
-            </a:prstGeom>
-            <a:ln w="25400"/>
-          </p:spPr>
-          <p:style>
-            <a:lnRef idx="1">
-              <a:schemeClr val="accent1"/>
-            </a:lnRef>
-            <a:fillRef idx="0">
-              <a:schemeClr val="accent1"/>
-            </a:fillRef>
-            <a:effectRef idx="0">
-              <a:schemeClr val="accent1"/>
-            </a:effectRef>
-            <a:fontRef idx="minor">
-              <a:schemeClr val="tx1"/>
-            </a:fontRef>
-          </p:style>
-        </p:cxnSp>
-        <p:cxnSp>
-          <p:nvCxnSpPr>
-            <p:cNvPr id="32" name="Straight Connector 5">
-              <a:extLst>
-                <a:ext uri="{FF2B5EF4-FFF2-40B4-BE49-F238E27FC236}">
-                  <a16:creationId xmlns:a16="http://schemas.microsoft.com/office/drawing/2014/main" id="{6E91D320-3732-40B8-864D-142D0A277ED1}"/>
-                </a:ext>
-              </a:extLst>
-            </p:cNvPr>
-            <p:cNvCxnSpPr>
-              <a:cxnSpLocks/>
-            </p:cNvCxnSpPr>
-            <p:nvPr userDrawn="1"/>
-          </p:nvCxnSpPr>
-          <p:spPr>
-            <a:xfrm>
-              <a:off x="9637113" y="3329215"/>
-              <a:ext cx="0" cy="236220"/>
-            </a:xfrm>
-            <a:prstGeom prst="line">
-              <a:avLst/>
-            </a:prstGeom>
-            <a:ln w="25400"/>
-          </p:spPr>
-          <p:style>
-            <a:lnRef idx="1">
-              <a:schemeClr val="accent1"/>
-            </a:lnRef>
-            <a:fillRef idx="0">
-              <a:schemeClr val="accent1"/>
-            </a:fillRef>
-            <a:effectRef idx="0">
-              <a:schemeClr val="accent1"/>
-            </a:effectRef>
-            <a:fontRef idx="minor">
-              <a:schemeClr val="tx1"/>
-            </a:fontRef>
-          </p:style>
-        </p:cxnSp>
-        <p:cxnSp>
-          <p:nvCxnSpPr>
-            <p:cNvPr id="31" name="Straight Connector 4">
-              <a:extLst>
-                <a:ext uri="{FF2B5EF4-FFF2-40B4-BE49-F238E27FC236}">
-                  <a16:creationId xmlns:a16="http://schemas.microsoft.com/office/drawing/2014/main" id="{299ABE09-E33C-46B7-A80D-7BF4A6956211}"/>
-                </a:ext>
-              </a:extLst>
-            </p:cNvPr>
-            <p:cNvCxnSpPr/>
-            <p:nvPr userDrawn="1"/>
-          </p:nvCxnSpPr>
-          <p:spPr>
-            <a:xfrm>
-              <a:off x="8197113" y="3329215"/>
-              <a:ext cx="0" cy="236220"/>
-            </a:xfrm>
-            <a:prstGeom prst="line">
-              <a:avLst/>
-            </a:prstGeom>
-            <a:ln w="25400"/>
-          </p:spPr>
-          <p:style>
-            <a:lnRef idx="1">
-              <a:schemeClr val="accent1"/>
-            </a:lnRef>
-            <a:fillRef idx="0">
-              <a:schemeClr val="accent1"/>
-            </a:fillRef>
-            <a:effectRef idx="0">
-              <a:schemeClr val="accent1"/>
-            </a:effectRef>
-            <a:fontRef idx="minor">
-              <a:schemeClr val="tx1"/>
-            </a:fontRef>
-          </p:style>
-        </p:cxnSp>
-        <p:cxnSp>
-          <p:nvCxnSpPr>
-            <p:cNvPr id="30" name="Straight Connector 3">
-              <a:extLst>
-                <a:ext uri="{FF2B5EF4-FFF2-40B4-BE49-F238E27FC236}">
-                  <a16:creationId xmlns:a16="http://schemas.microsoft.com/office/drawing/2014/main" id="{93DDBF37-0764-47AA-94E3-9A44F3ED8FB5}"/>
-                </a:ext>
-              </a:extLst>
-            </p:cNvPr>
-            <p:cNvCxnSpPr/>
-            <p:nvPr userDrawn="1"/>
-          </p:nvCxnSpPr>
-          <p:spPr>
-            <a:xfrm>
-              <a:off x="6757113" y="3329215"/>
-              <a:ext cx="0" cy="236220"/>
-            </a:xfrm>
-            <a:prstGeom prst="line">
-              <a:avLst/>
-            </a:prstGeom>
-            <a:ln w="25400"/>
-          </p:spPr>
-          <p:style>
-            <a:lnRef idx="1">
-              <a:schemeClr val="accent1"/>
-            </a:lnRef>
-            <a:fillRef idx="0">
-              <a:schemeClr val="accent1"/>
-            </a:fillRef>
-            <a:effectRef idx="0">
-              <a:schemeClr val="accent1"/>
-            </a:effectRef>
-            <a:fontRef idx="minor">
-              <a:schemeClr val="tx1"/>
-            </a:fontRef>
-          </p:style>
-        </p:cxnSp>
-        <p:cxnSp>
-          <p:nvCxnSpPr>
-            <p:cNvPr id="29" name="Straight Connector 2">
-              <a:extLst>
-                <a:ext uri="{FF2B5EF4-FFF2-40B4-BE49-F238E27FC236}">
-                  <a16:creationId xmlns:a16="http://schemas.microsoft.com/office/drawing/2014/main" id="{72BFE2F3-0845-4E5B-9375-E9D4027DD675}"/>
-                </a:ext>
-              </a:extLst>
-            </p:cNvPr>
-            <p:cNvCxnSpPr/>
-            <p:nvPr userDrawn="1"/>
-          </p:nvCxnSpPr>
-          <p:spPr>
-            <a:xfrm>
-              <a:off x="5309913" y="3335565"/>
-              <a:ext cx="0" cy="236220"/>
-            </a:xfrm>
-            <a:prstGeom prst="line">
-              <a:avLst/>
-            </a:prstGeom>
-            <a:ln w="25400"/>
-          </p:spPr>
-          <p:style>
-            <a:lnRef idx="1">
-              <a:schemeClr val="accent1"/>
-            </a:lnRef>
-            <a:fillRef idx="0">
-              <a:schemeClr val="accent1"/>
-            </a:fillRef>
-            <a:effectRef idx="0">
-              <a:schemeClr val="accent1"/>
-            </a:effectRef>
-            <a:fontRef idx="minor">
-              <a:schemeClr val="tx1"/>
-            </a:fontRef>
-          </p:style>
-        </p:cxnSp>
-        <p:cxnSp>
-          <p:nvCxnSpPr>
-            <p:cNvPr id="28" name="Straight Connector 1">
-              <a:extLst>
-                <a:ext uri="{FF2B5EF4-FFF2-40B4-BE49-F238E27FC236}">
-                  <a16:creationId xmlns:a16="http://schemas.microsoft.com/office/drawing/2014/main" id="{D4E5982E-3110-47E1-A5BB-91B7BECC3093}"/>
-                </a:ext>
-              </a:extLst>
-            </p:cNvPr>
-            <p:cNvCxnSpPr/>
-            <p:nvPr userDrawn="1"/>
-          </p:nvCxnSpPr>
-          <p:spPr>
-            <a:xfrm>
-              <a:off x="3915327" y="3335565"/>
-              <a:ext cx="0" cy="236220"/>
-            </a:xfrm>
-            <a:prstGeom prst="line">
-              <a:avLst/>
-            </a:prstGeom>
-            <a:ln w="25400"/>
-          </p:spPr>
-          <p:style>
-            <a:lnRef idx="1">
-              <a:schemeClr val="accent1"/>
-            </a:lnRef>
-            <a:fillRef idx="0">
-              <a:schemeClr val="accent1"/>
-            </a:fillRef>
-            <a:effectRef idx="0">
-              <a:schemeClr val="accent1"/>
-            </a:effectRef>
-            <a:fontRef idx="minor">
-              <a:schemeClr val="tx1"/>
-            </a:fontRef>
-          </p:style>
-        </p:cxnSp>
-        <p:cxnSp>
-          <p:nvCxnSpPr>
-            <p:cNvPr id="27" name="Straight Connector Horizontal">
-              <a:extLst>
-                <a:ext uri="{FF2B5EF4-FFF2-40B4-BE49-F238E27FC236}">
-                  <a16:creationId xmlns:a16="http://schemas.microsoft.com/office/drawing/2014/main" id="{5F62FB7C-BD6E-4383-98C1-2CF30F34CAFD}"/>
-                </a:ext>
-              </a:extLst>
-            </p:cNvPr>
-            <p:cNvCxnSpPr>
-              <a:cxnSpLocks/>
-            </p:cNvCxnSpPr>
-            <p:nvPr userDrawn="1"/>
-          </p:nvCxnSpPr>
-          <p:spPr>
-            <a:xfrm>
-              <a:off x="3915327" y="3335565"/>
-              <a:ext cx="7161786" cy="0"/>
-            </a:xfrm>
-            <a:prstGeom prst="line">
-              <a:avLst/>
-            </a:prstGeom>
-            <a:ln w="25400"/>
-          </p:spPr>
-          <p:style>
-            <a:lnRef idx="1">
-              <a:schemeClr val="accent1"/>
-            </a:lnRef>
-            <a:fillRef idx="0">
-              <a:schemeClr val="accent1"/>
-            </a:fillRef>
-            <a:effectRef idx="0">
-              <a:schemeClr val="accent1"/>
-            </a:effectRef>
-            <a:fontRef idx="minor">
-              <a:schemeClr val="tx1"/>
-            </a:fontRef>
-          </p:style>
-        </p:cxnSp>
-        <p:cxnSp>
-          <p:nvCxnSpPr>
-            <p:cNvPr id="34" name="Straight Connector 0">
-              <a:extLst>
-                <a:ext uri="{FF2B5EF4-FFF2-40B4-BE49-F238E27FC236}">
-                  <a16:creationId xmlns:a16="http://schemas.microsoft.com/office/drawing/2014/main" id="{C84A0FE1-723D-4682-8682-77BAD950EE15}"/>
-                </a:ext>
-              </a:extLst>
-            </p:cNvPr>
-            <p:cNvCxnSpPr/>
-            <p:nvPr userDrawn="1"/>
-          </p:nvCxnSpPr>
-          <p:spPr>
-            <a:xfrm>
-              <a:off x="7496220" y="3092995"/>
-              <a:ext cx="0" cy="236220"/>
-            </a:xfrm>
-            <a:prstGeom prst="line">
-              <a:avLst/>
-            </a:prstGeom>
-            <a:ln w="25400"/>
-          </p:spPr>
-          <p:style>
-            <a:lnRef idx="1">
-              <a:schemeClr val="accent1"/>
-            </a:lnRef>
-            <a:fillRef idx="0">
-              <a:schemeClr val="accent1"/>
-            </a:fillRef>
-            <a:effectRef idx="0">
-              <a:schemeClr val="accent1"/>
-            </a:effectRef>
-            <a:fontRef idx="minor">
-              <a:schemeClr val="tx1"/>
-            </a:fontRef>
-          </p:style>
-        </p:cxnSp>
-        <p:pic>
-          <p:nvPicPr>
-            <p:cNvPr id="18" name="Picture SoftUni Logo" descr="SoftUni logo">
-              <a:extLst>
-                <a:ext uri="{FF2B5EF4-FFF2-40B4-BE49-F238E27FC236}">
-                  <a16:creationId xmlns:a16="http://schemas.microsoft.com/office/drawing/2014/main" id="{A0675455-B7FA-4569-A5FD-A3B0F20B2A26}"/>
-                </a:ext>
-              </a:extLst>
-            </p:cNvPr>
-            <p:cNvPicPr>
-              <a:picLocks noChangeAspect="1"/>
-            </p:cNvPicPr>
-            <p:nvPr/>
-          </p:nvPicPr>
-          <p:blipFill>
-            <a:blip r:embed="rId10" cstate="print">
-              <a:extLst>
-                <a:ext uri="{28A0092B-C50C-407E-A947-70E740481C1C}">
-                  <a14:useLocalDpi xmlns:a14="http://schemas.microsoft.com/office/drawing/2010/main" val="0"/>
-                </a:ext>
-              </a:extLst>
-            </a:blip>
-            <a:stretch>
-              <a:fillRect/>
-            </a:stretch>
-          </p:blipFill>
-          <p:spPr>
-            <a:xfrm>
-              <a:off x="6896770" y="1702473"/>
-              <a:ext cx="1198901" cy="1198901"/>
-            </a:xfrm>
-            <a:prstGeom prst="rect">
-              <a:avLst/>
-            </a:prstGeom>
-          </p:spPr>
-        </p:pic>
-      </p:grpSp>
-      <p:sp>
-        <p:nvSpPr>
-          <p:cNvPr id="19" name="Slide Title">
-            <a:extLst>
-              <a:ext uri="{FF2B5EF4-FFF2-40B4-BE49-F238E27FC236}">
-                <a16:creationId xmlns:a16="http://schemas.microsoft.com/office/drawing/2014/main" id="{7CFDBB16-985C-4CC7-B6DB-B81B36037922}"/>
+                <a16:creationId xmlns:a16="http://schemas.microsoft.com/office/drawing/2014/main" id="{3107753B-8639-4399-B782-EE5377184D2E}"/>
               </a:ext>
             </a:extLst>
           </p:cNvPr>
@@ -5784,142 +5102,33 @@
             <a:spLocks noGrp="1"/>
           </p:cNvSpPr>
           <p:nvPr>
-            <p:ph type="title"/>
+            <p:ph type="title" hasCustomPrompt="1"/>
           </p:nvPr>
         </p:nvSpPr>
         <p:spPr>
           <a:xfrm>
-            <a:off x="809628" y="703244"/>
-            <a:ext cx="5916372" cy="1033303"/>
+            <a:off x="726988" y="1461842"/>
+            <a:ext cx="10731663" cy="3047158"/>
           </a:xfrm>
-          <a:prstGeom prst="rect">
-            <a:avLst/>
-          </a:prstGeom>
         </p:spPr>
         <p:txBody>
-          <a:bodyPr wrap="none" lIns="0" tIns="0" rIns="0" bIns="0" anchor="ctr" anchorCtr="0">
-            <a:noAutofit/>
-            <a:scene3d>
-              <a:camera prst="orthographicFront"/>
-              <a:lightRig rig="soft" dir="t">
-                <a:rot lat="0" lon="0" rev="10800000"/>
-              </a:lightRig>
-            </a:scene3d>
-            <a:sp3d>
-              <a:bevelT w="27940" h="12700"/>
-              <a:contourClr>
-                <a:srgbClr val="DDDDDD"/>
-              </a:contourClr>
-            </a:sp3d>
+          <a:bodyPr>
+            <a:normAutofit/>
           </a:bodyPr>
-          <a:lstStyle/>
-          <a:p>
-            <a:pPr marL="0" marR="0" lvl="0" indent="0" algn="l" defTabSz="913852" rtl="0" eaLnBrk="0" fontAlgn="auto" latinLnBrk="0" hangingPunct="0">
-              <a:lnSpc>
-                <a:spcPct val="100000"/>
-              </a:lnSpc>
-              <a:spcBef>
-                <a:spcPts val="0"/>
-              </a:spcBef>
-              <a:spcAft>
-                <a:spcPts val="0"/>
-              </a:spcAft>
-              <a:buClr>
-                <a:srgbClr val="67748E">
-                  <a:lumMod val="40000"/>
-                  <a:lumOff val="60000"/>
-                </a:srgbClr>
-              </a:buClr>
-              <a:buSzPct val="70000"/>
-              <a:buFont typeface="Wingdings 2" pitchFamily="18" charset="2"/>
-              <a:buNone/>
-              <a:tabLst/>
-              <a:defRPr/>
-            </a:pPr>
-            <a:r>
-              <a:rPr kumimoji="0" lang="en-US" sz="8797" b="1" i="0" u="none" strike="noStrike" kern="1200" cap="none" spc="0" normalizeH="0" baseline="0" noProof="0" dirty="0">
-                <a:ln>
-                  <a:noFill/>
-                </a:ln>
-                <a:solidFill>
-                  <a:srgbClr val="234465"/>
-                </a:solidFill>
-                <a:effectLst/>
-                <a:uLnTx/>
-                <a:uFillTx/>
-                <a:latin typeface="Calibri" panose="020F0502020204030204"/>
-                <a:ea typeface="+mn-ea"/>
-                <a:cs typeface="+mn-cs"/>
-              </a:rPr>
-              <a:t>Questions?</a:t>
-            </a:r>
-            <a:endParaRPr kumimoji="0" lang="en-US" sz="8797" b="1" i="0" u="none" strike="noStrike" kern="1200" cap="none" spc="150" normalizeH="0" baseline="0" noProof="0" dirty="0">
-              <a:ln w="11430"/>
-              <a:solidFill>
-                <a:srgbClr val="234465"/>
-              </a:solidFill>
-              <a:effectLst>
-                <a:outerShdw blurRad="25400" algn="tl" rotWithShape="0">
-                  <a:srgbClr val="000000">
-                    <a:alpha val="43000"/>
-                  </a:srgbClr>
-                </a:outerShdw>
-              </a:effectLst>
-              <a:uLnTx/>
-              <a:uFillTx/>
-              <a:latin typeface="Calibri" panose="020F0502020204030204"/>
-              <a:ea typeface="+mn-ea"/>
-              <a:cs typeface="+mn-cs"/>
-            </a:endParaRPr>
+          <a:lstStyle>
+            <a:lvl1pPr algn="ctr">
+              <a:defRPr sz="13800"/>
+            </a:lvl1pPr>
+          </a:lstStyle>
+          <a:p>
+            <a:r>
+              <a:rPr lang="bg-BG" dirty="0"/>
+              <a:t>Въпроси?</a:t>
+            </a:r>
+            <a:endParaRPr lang="en-US" dirty="0"/>
           </a:p>
         </p:txBody>
       </p:sp>
-      <p:pic>
-        <p:nvPicPr>
-          <p:cNvPr id="36" name="Logo Software University" descr="Software University logo">
-            <a:extLst>
-              <a:ext uri="{FF2B5EF4-FFF2-40B4-BE49-F238E27FC236}">
-                <a16:creationId xmlns:a16="http://schemas.microsoft.com/office/drawing/2014/main" id="{67FC4D2E-913D-432A-B658-F0D82839FA5E}"/>
-              </a:ext>
-            </a:extLst>
-          </p:cNvPr>
-          <p:cNvPicPr>
-            <a:picLocks noChangeAspect="1"/>
-          </p:cNvPicPr>
-          <p:nvPr userDrawn="1"/>
-        </p:nvPicPr>
-        <p:blipFill>
-          <a:blip r:embed="rId11" cstate="hqprint">
-            <a:clrChange>
-              <a:clrFrom>
-                <a:srgbClr val="FFFFFF"/>
-              </a:clrFrom>
-              <a:clrTo>
-                <a:srgbClr val="FFFFFF">
-                  <a:alpha val="0"/>
-                </a:srgbClr>
-              </a:clrTo>
-            </a:clrChange>
-            <a:extLst>
-              <a:ext uri="{28A0092B-C50C-407E-A947-70E740481C1C}">
-                <a14:useLocalDpi xmlns:a14="http://schemas.microsoft.com/office/drawing/2010/main" val="0"/>
-              </a:ext>
-            </a:extLst>
-          </a:blip>
-          <a:stretch>
-            <a:fillRect/>
-          </a:stretch>
-        </p:blipFill>
-        <p:spPr>
-          <a:xfrm>
-            <a:off x="10008761" y="190267"/>
-            <a:ext cx="2013336" cy="690975"/>
-          </a:xfrm>
-          <a:prstGeom prst="rect">
-            <a:avLst/>
-          </a:prstGeom>
-        </p:spPr>
-      </p:pic>
     </p:spTree>
     <p:extLst>
       <p:ext uri="{BB962C8B-B14F-4D97-AF65-F5344CB8AC3E}">
@@ -5954,528 +5163,6 @@
       </p15:sldGuideLst>
     </p:ext>
   </p:extLst>
-</p:sldLayout>
-</file>
-
-<file path=ppt/slideLayouts/slideLayout13.xml><?xml version="1.0" encoding="utf-8"?>
-<p:sldLayout xmlns:a="http://schemas.openxmlformats.org/drawingml/2006/main" xmlns:r="http://schemas.openxmlformats.org/officeDocument/2006/relationships" xmlns:p="http://schemas.openxmlformats.org/presentationml/2006/main" preserve="1" userDrawn="1">
-  <p:cSld name="About Slide">
-    <p:spTree>
-      <p:nvGrpSpPr>
-        <p:cNvPr id="1" name=""/>
-        <p:cNvGrpSpPr/>
-        <p:nvPr/>
-      </p:nvGrpSpPr>
-      <p:grpSpPr>
-        <a:xfrm>
-          <a:off x="0" y="0"/>
-          <a:ext cx="0" cy="0"/>
-          <a:chOff x="0" y="0"/>
-          <a:chExt cx="0" cy="0"/>
-        </a:xfrm>
-      </p:grpSpPr>
-      <p:sp>
-        <p:nvSpPr>
-          <p:cNvPr id="13" name="Slide Number">
-            <a:extLst>
-              <a:ext uri="{FF2B5EF4-FFF2-40B4-BE49-F238E27FC236}">
-                <a16:creationId xmlns:a16="http://schemas.microsoft.com/office/drawing/2014/main" id="{5B8761D8-B42F-4A70-A0CE-682CEB2AE31B}"/>
-              </a:ext>
-            </a:extLst>
-          </p:cNvPr>
-          <p:cNvSpPr>
-            <a:spLocks noGrp="1"/>
-          </p:cNvSpPr>
-          <p:nvPr>
-            <p:ph type="sldNum" sz="quarter" idx="4"/>
-          </p:nvPr>
-        </p:nvSpPr>
-        <p:spPr>
-          <a:xfrm>
-            <a:off x="11753030" y="6507000"/>
-            <a:ext cx="367414" cy="297000"/>
-          </a:xfrm>
-          <a:prstGeom prst="rect">
-            <a:avLst/>
-          </a:prstGeom>
-        </p:spPr>
-        <p:txBody>
-          <a:bodyPr vert="horz" lIns="91440" tIns="45720" rIns="91440" bIns="45720" rtlCol="0" anchor="b"/>
-          <a:lstStyle>
-            <a:lvl1pPr algn="r">
-              <a:defRPr sz="1000"/>
-            </a:lvl1pPr>
-          </a:lstStyle>
-          <a:p>
-            <a:fld id="{2BF067CD-8E6B-4360-9AA8-C5DF2A48A6D1}" type="slidenum">
-              <a:rPr lang="en-US" noProof="0" smtClean="0"/>
-              <a:pPr/>
-              <a:t>‹#›</a:t>
-            </a:fld>
-            <a:endParaRPr lang="en-US" noProof="0" dirty="0"/>
-          </a:p>
-        </p:txBody>
-      </p:sp>
-      <p:pic>
-        <p:nvPicPr>
-          <p:cNvPr id="19" name="Picture Forum" descr="Forum icon">
-            <a:hlinkClick r:id="rId2" tooltip="Software University Discussion Forum"/>
-            <a:extLst>
-              <a:ext uri="{FF2B5EF4-FFF2-40B4-BE49-F238E27FC236}">
-                <a16:creationId xmlns:a16="http://schemas.microsoft.com/office/drawing/2014/main" id="{98C579AD-FAF5-4B28-9B52-5457F1E90061}"/>
-              </a:ext>
-            </a:extLst>
-          </p:cNvPr>
-          <p:cNvPicPr>
-            <a:picLocks noChangeAspect="1"/>
-          </p:cNvPicPr>
-          <p:nvPr userDrawn="1"/>
-        </p:nvPicPr>
-        <p:blipFill>
-          <a:blip r:embed="rId3" cstate="print">
-            <a:extLst>
-              <a:ext uri="{28A0092B-C50C-407E-A947-70E740481C1C}">
-                <a14:useLocalDpi xmlns:a14="http://schemas.microsoft.com/office/drawing/2010/main"/>
-              </a:ext>
-            </a:extLst>
-          </a:blip>
-          <a:stretch>
-            <a:fillRect/>
-          </a:stretch>
-        </p:blipFill>
-        <p:spPr>
-          <a:xfrm>
-            <a:off x="10524350" y="5249556"/>
-            <a:ext cx="970156" cy="965726"/>
-          </a:xfrm>
-          <a:prstGeom prst="rect">
-            <a:avLst/>
-          </a:prstGeom>
-        </p:spPr>
-      </p:pic>
-      <p:pic>
-        <p:nvPicPr>
-          <p:cNvPr id="17" name="Picture Logo FB" descr="Facebook logo">
-            <a:hlinkClick r:id="rId4" tooltip="Software University @ Facebook"/>
-            <a:extLst>
-              <a:ext uri="{FF2B5EF4-FFF2-40B4-BE49-F238E27FC236}">
-                <a16:creationId xmlns:a16="http://schemas.microsoft.com/office/drawing/2014/main" id="{6B2C510E-5EF2-49F6-B926-2BD74CD3C7F8}"/>
-              </a:ext>
-            </a:extLst>
-          </p:cNvPr>
-          <p:cNvPicPr>
-            <a:picLocks noChangeAspect="1" noChangeArrowheads="1"/>
-          </p:cNvPicPr>
-          <p:nvPr userDrawn="1"/>
-        </p:nvPicPr>
-        <p:blipFill rotWithShape="1">
-          <a:blip r:embed="rId5" cstate="print">
-            <a:extLst>
-              <a:ext uri="{28A0092B-C50C-407E-A947-70E740481C1C}">
-                <a14:useLocalDpi xmlns:a14="http://schemas.microsoft.com/office/drawing/2010/main"/>
-              </a:ext>
-            </a:extLst>
-          </a:blip>
-          <a:srcRect/>
-          <a:stretch/>
-        </p:blipFill>
-        <p:spPr bwMode="auto">
-          <a:xfrm>
-            <a:off x="10507451" y="3689937"/>
-            <a:ext cx="1003954" cy="1017562"/>
-          </a:xfrm>
-          <a:prstGeom prst="rect">
-            <a:avLst/>
-          </a:prstGeom>
-          <a:noFill/>
-          <a:extLst>
-            <a:ext uri="{909E8E84-426E-40DD-AFC4-6F175D3DCCD1}">
-              <a14:hiddenFill xmlns:a14="http://schemas.microsoft.com/office/drawing/2010/main">
-                <a:solidFill>
-                  <a:srgbClr val="FFFFFF"/>
-                </a:solidFill>
-              </a14:hiddenFill>
-            </a:ext>
-          </a:extLst>
-        </p:spPr>
-      </p:pic>
-      <p:pic>
-        <p:nvPicPr>
-          <p:cNvPr id="20" name="Picture Logo SoftUni Right" descr="Software University logo">
-            <a:hlinkClick r:id="rId6"/>
-            <a:extLst>
-              <a:ext uri="{FF2B5EF4-FFF2-40B4-BE49-F238E27FC236}">
-                <a16:creationId xmlns:a16="http://schemas.microsoft.com/office/drawing/2014/main" id="{F4604840-E810-44B7-9FF1-3B28CD68B758}"/>
-              </a:ext>
-            </a:extLst>
-          </p:cNvPr>
-          <p:cNvPicPr>
-            <a:picLocks noChangeAspect="1"/>
-          </p:cNvPicPr>
-          <p:nvPr userDrawn="1"/>
-        </p:nvPicPr>
-        <p:blipFill>
-          <a:blip r:embed="rId7" cstate="hqprint">
-            <a:extLst>
-              <a:ext uri="{28A0092B-C50C-407E-A947-70E740481C1C}">
-                <a14:useLocalDpi xmlns:a14="http://schemas.microsoft.com/office/drawing/2010/main" val="0"/>
-              </a:ext>
-            </a:extLst>
-          </a:blip>
-          <a:stretch>
-            <a:fillRect/>
-          </a:stretch>
-        </p:blipFill>
-        <p:spPr>
-          <a:xfrm>
-            <a:off x="10413401" y="1674000"/>
-            <a:ext cx="1192055" cy="1473880"/>
-          </a:xfrm>
-          <a:prstGeom prst="rect">
-            <a:avLst/>
-          </a:prstGeom>
-        </p:spPr>
-      </p:pic>
-      <p:pic>
-        <p:nvPicPr>
-          <p:cNvPr id="16" name="Picture SoftUni Mascot" descr="SoftUni mascot">
-            <a:hlinkClick r:id="rId8"/>
-            <a:extLst>
-              <a:ext uri="{FF2B5EF4-FFF2-40B4-BE49-F238E27FC236}">
-                <a16:creationId xmlns:a16="http://schemas.microsoft.com/office/drawing/2014/main" id="{07C965FA-A87E-4824-AFA8-C67AF548A76A}"/>
-              </a:ext>
-            </a:extLst>
-          </p:cNvPr>
-          <p:cNvPicPr>
-            <a:picLocks noChangeAspect="1"/>
-          </p:cNvPicPr>
-          <p:nvPr/>
-        </p:nvPicPr>
-        <p:blipFill>
-          <a:blip r:embed="rId9">
-            <a:extLst>
-              <a:ext uri="{28A0092B-C50C-407E-A947-70E740481C1C}">
-                <a14:useLocalDpi xmlns:a14="http://schemas.microsoft.com/office/drawing/2010/main" val="0"/>
-              </a:ext>
-            </a:extLst>
-          </a:blip>
-          <a:srcRect/>
-          <a:stretch/>
-        </p:blipFill>
-        <p:spPr>
-          <a:xfrm>
-            <a:off x="7181957" y="2584289"/>
-            <a:ext cx="2732955" cy="3630993"/>
-          </a:xfrm>
-          <a:prstGeom prst="rect">
-            <a:avLst/>
-          </a:prstGeom>
-        </p:spPr>
-      </p:pic>
-      <p:sp>
-        <p:nvSpPr>
-          <p:cNvPr id="12" name="Slide Body Text">
-            <a:extLst>
-              <a:ext uri="{FF2B5EF4-FFF2-40B4-BE49-F238E27FC236}">
-                <a16:creationId xmlns:a16="http://schemas.microsoft.com/office/drawing/2014/main" id="{0C1F9416-8B6E-46DE-973C-777785E27A26}"/>
-              </a:ext>
-            </a:extLst>
-          </p:cNvPr>
-          <p:cNvSpPr>
-            <a:spLocks noGrp="1"/>
-          </p:cNvSpPr>
-          <p:nvPr>
-            <p:ph idx="4294967295" hasCustomPrompt="1"/>
-          </p:nvPr>
-        </p:nvSpPr>
-        <p:spPr>
-          <a:xfrm>
-            <a:off x="152410" y="1186307"/>
-            <a:ext cx="8688590" cy="5496127"/>
-          </a:xfrm>
-        </p:spPr>
-        <p:txBody>
-          <a:bodyPr wrap="square">
-            <a:noAutofit/>
-          </a:bodyPr>
-          <a:lstStyle>
-            <a:lvl1pPr latinLnBrk="0">
-              <a:buClr>
-                <a:schemeClr val="tx1"/>
-              </a:buClr>
-              <a:defRPr sz="2798"/>
-            </a:lvl1pPr>
-            <a:lvl2pPr marL="989981" marR="0" indent="-380762" algn="l" defTabSz="1218438" rtl="0" eaLnBrk="1" fontAlgn="auto" latinLnBrk="1" hangingPunct="1">
-              <a:lnSpc>
-                <a:spcPct val="100000"/>
-              </a:lnSpc>
-              <a:spcBef>
-                <a:spcPts val="600"/>
-              </a:spcBef>
-              <a:spcAft>
-                <a:spcPts val="600"/>
-              </a:spcAft>
-              <a:buClrTx/>
-              <a:buSzTx/>
-              <a:buFont typeface="Wingdings" panose="05000000000000000000" pitchFamily="2" charset="2"/>
-              <a:buChar char="§"/>
-              <a:tabLst>
-                <a:tab pos="282405" algn="l"/>
-              </a:tabLst>
-              <a:defRPr sz="2800"/>
-            </a:lvl2pPr>
-            <a:lvl3pPr>
-              <a:buClr>
-                <a:schemeClr val="tx1"/>
-              </a:buClr>
-              <a:defRPr/>
-            </a:lvl3pPr>
-          </a:lstStyle>
-          <a:p>
-            <a:r>
-              <a:rPr lang="en-US" sz="3000" noProof="0" dirty="0"/>
-              <a:t>Software University – High-Quality Education, Profession and Job for Software Developers</a:t>
-            </a:r>
-          </a:p>
-          <a:p>
-            <a:pPr lvl="1"/>
-            <a:r>
-              <a:rPr lang="en-US" noProof="1">
-                <a:hlinkClick r:id="rId8"/>
-              </a:rPr>
-              <a:t>softuni.bg</a:t>
-            </a:r>
-            <a:r>
-              <a:rPr lang="en-US" noProof="1"/>
-              <a:t> </a:t>
-            </a:r>
-          </a:p>
-          <a:p>
-            <a:r>
-              <a:rPr lang="en-US" sz="3000" noProof="0" dirty="0"/>
-              <a:t>Software University Foundation</a:t>
-            </a:r>
-          </a:p>
-          <a:p>
-            <a:pPr lvl="1"/>
-            <a:r>
-              <a:rPr lang="en-US" noProof="1">
-                <a:hlinkClick r:id="rId10"/>
-              </a:rPr>
-              <a:t>softuni.foundation</a:t>
-            </a:r>
-            <a:endParaRPr lang="en-US" noProof="1"/>
-          </a:p>
-          <a:p>
-            <a:r>
-              <a:rPr lang="en-US" sz="3000" noProof="0" dirty="0"/>
-              <a:t>Software University @ Facebook</a:t>
-            </a:r>
-          </a:p>
-          <a:p>
-            <a:pPr lvl="1"/>
-            <a:r>
-              <a:rPr lang="en-US" noProof="1">
-                <a:hlinkClick r:id="rId4"/>
-              </a:rPr>
-              <a:t>facebook.com/SoftwareUniversity</a:t>
-            </a:r>
-            <a:endParaRPr lang="en-US" noProof="1"/>
-          </a:p>
-          <a:p>
-            <a:r>
-              <a:rPr lang="en-US" sz="3000" noProof="0" dirty="0"/>
-              <a:t>Software University Forums</a:t>
-            </a:r>
-          </a:p>
-          <a:p>
-            <a:pPr lvl="1"/>
-            <a:r>
-              <a:rPr lang="en-US" noProof="1">
-                <a:hlinkClick r:id="rId2"/>
-              </a:rPr>
-              <a:t>forum.softuni.bg</a:t>
-            </a:r>
-            <a:endParaRPr lang="en-US" noProof="1"/>
-          </a:p>
-        </p:txBody>
-      </p:sp>
-      <p:sp>
-        <p:nvSpPr>
-          <p:cNvPr id="10" name="Rectangle Top">
-            <a:extLst>
-              <a:ext uri="{FF2B5EF4-FFF2-40B4-BE49-F238E27FC236}">
-                <a16:creationId xmlns:a16="http://schemas.microsoft.com/office/drawing/2014/main" id="{86646B95-5E3B-4DE8-9118-031C2C296D8C}"/>
-              </a:ext>
-            </a:extLst>
-          </p:cNvPr>
-          <p:cNvSpPr/>
-          <p:nvPr userDrawn="1"/>
-        </p:nvSpPr>
-        <p:spPr>
-          <a:xfrm>
-            <a:off x="0" y="0"/>
-            <a:ext cx="12195176" cy="1095376"/>
-          </a:xfrm>
-          <a:prstGeom prst="rect">
-            <a:avLst/>
-          </a:prstGeom>
-          <a:solidFill>
-            <a:schemeClr val="tx2"/>
-          </a:solidFill>
-          <a:ln>
-            <a:noFill/>
-          </a:ln>
-        </p:spPr>
-        <p:style>
-          <a:lnRef idx="2">
-            <a:schemeClr val="accent1">
-              <a:shade val="50000"/>
-            </a:schemeClr>
-          </a:lnRef>
-          <a:fillRef idx="1">
-            <a:schemeClr val="accent1"/>
-          </a:fillRef>
-          <a:effectRef idx="0">
-            <a:schemeClr val="accent1"/>
-          </a:effectRef>
-          <a:fontRef idx="minor">
-            <a:schemeClr val="lt1"/>
-          </a:fontRef>
-        </p:style>
-        <p:txBody>
-          <a:bodyPr rtlCol="0" anchor="ctr"/>
-          <a:lstStyle/>
-          <a:p>
-            <a:pPr marL="0" marR="0" lvl="0" indent="0" algn="ctr" defTabSz="913852" rtl="0" eaLnBrk="1" fontAlgn="auto" latinLnBrk="0" hangingPunct="1">
-              <a:lnSpc>
-                <a:spcPct val="100000"/>
-              </a:lnSpc>
-              <a:spcBef>
-                <a:spcPts val="0"/>
-              </a:spcBef>
-              <a:spcAft>
-                <a:spcPts val="0"/>
-              </a:spcAft>
-              <a:buClrTx/>
-              <a:buSzTx/>
-              <a:buFontTx/>
-              <a:buNone/>
-              <a:tabLst/>
-              <a:defRPr/>
-            </a:pPr>
-            <a:endParaRPr kumimoji="0" lang="en-US" altLang="ko-KR" sz="2398" b="0" i="0" u="none" strike="noStrike" kern="1200" cap="none" spc="0" normalizeH="0" baseline="0" noProof="0" dirty="0">
-              <a:ln>
-                <a:noFill/>
-              </a:ln>
-              <a:solidFill>
-                <a:srgbClr val="F7C86D"/>
-              </a:solidFill>
-              <a:effectLst/>
-              <a:uLnTx/>
-              <a:uFillTx/>
-              <a:latin typeface="Calibri" panose="020F0502020204030204"/>
-              <a:ea typeface="맑은 고딕" panose="020B0503020000020004" pitchFamily="34" charset="-127"/>
-              <a:cs typeface="+mn-cs"/>
-            </a:endParaRPr>
-          </a:p>
-        </p:txBody>
-      </p:sp>
-      <p:pic>
-        <p:nvPicPr>
-          <p:cNvPr id="11" name="Logo Software University" descr="Software University logo">
-            <a:extLst>
-              <a:ext uri="{FF2B5EF4-FFF2-40B4-BE49-F238E27FC236}">
-                <a16:creationId xmlns:a16="http://schemas.microsoft.com/office/drawing/2014/main" id="{58AB1944-B146-4E89-B2D9-426EB610F319}"/>
-              </a:ext>
-            </a:extLst>
-          </p:cNvPr>
-          <p:cNvPicPr>
-            <a:picLocks noChangeAspect="1"/>
-          </p:cNvPicPr>
-          <p:nvPr userDrawn="1"/>
-        </p:nvPicPr>
-        <p:blipFill>
-          <a:blip r:embed="rId11" cstate="hqprint">
-            <a:extLst>
-              <a:ext uri="{28A0092B-C50C-407E-A947-70E740481C1C}">
-                <a14:useLocalDpi xmlns:a14="http://schemas.microsoft.com/office/drawing/2010/main" val="0"/>
-              </a:ext>
-            </a:extLst>
-          </a:blip>
-          <a:stretch>
-            <a:fillRect/>
-          </a:stretch>
-        </p:blipFill>
-        <p:spPr>
-          <a:xfrm>
-            <a:off x="10067957" y="253936"/>
-            <a:ext cx="1915704" cy="559235"/>
-          </a:xfrm>
-          <a:prstGeom prst="rect">
-            <a:avLst/>
-          </a:prstGeom>
-        </p:spPr>
-      </p:pic>
-      <p:sp>
-        <p:nvSpPr>
-          <p:cNvPr id="18" name="Slide Title">
-            <a:extLst>
-              <a:ext uri="{FF2B5EF4-FFF2-40B4-BE49-F238E27FC236}">
-                <a16:creationId xmlns:a16="http://schemas.microsoft.com/office/drawing/2014/main" id="{AE87ED9C-76E1-4D85-9B06-3AF44AABB668}"/>
-              </a:ext>
-            </a:extLst>
-          </p:cNvPr>
-          <p:cNvSpPr>
-            <a:spLocks noGrp="1"/>
-          </p:cNvSpPr>
-          <p:nvPr>
-            <p:ph type="title" hasCustomPrompt="1"/>
-          </p:nvPr>
-        </p:nvSpPr>
-        <p:spPr>
-          <a:xfrm>
-            <a:off x="172286" y="108873"/>
-            <a:ext cx="9742626" cy="882654"/>
-          </a:xfrm>
-        </p:spPr>
-        <p:txBody>
-          <a:bodyPr/>
-          <a:lstStyle>
-            <a:lvl1pPr latinLnBrk="0">
-              <a:defRPr>
-                <a:solidFill>
-                  <a:schemeClr val="bg2"/>
-                </a:solidFill>
-              </a:defRPr>
-            </a:lvl1pPr>
-          </a:lstStyle>
-          <a:p>
-            <a:r>
-              <a:rPr lang="en-US" noProof="0" dirty="0"/>
-              <a:t>Trainings @ Software University (SoftUni)</a:t>
-            </a:r>
-          </a:p>
-        </p:txBody>
-      </p:sp>
-    </p:spTree>
-    <p:extLst>
-      <p:ext uri="{BB962C8B-B14F-4D97-AF65-F5344CB8AC3E}">
-        <p14:creationId xmlns:p14="http://schemas.microsoft.com/office/powerpoint/2010/main" val="2196466322"/>
-      </p:ext>
-    </p:extLst>
-  </p:cSld>
-  <p:clrMapOvr>
-    <a:masterClrMapping/>
-  </p:clrMapOvr>
-  <mc:AlternateContent xmlns:mc="http://schemas.openxmlformats.org/markup-compatibility/2006" xmlns:p14="http://schemas.microsoft.com/office/powerpoint/2010/main">
-    <mc:Choice Requires="p14">
-      <p:transition spd="slow" p14:dur="2000" advClick="0" advTm="5000"/>
-    </mc:Choice>
-    <mc:Fallback xmlns="">
-      <p:transition spd="slow" advClick="0" advTm="5000"/>
-    </mc:Fallback>
-  </mc:AlternateContent>
 </p:sldLayout>
 </file>
 
@@ -6556,7 +5243,7 @@
               <a:tabLst/>
               <a:defRPr/>
             </a:pPr>
-            <a:endParaRPr kumimoji="0" lang="en-US" altLang="ko-KR" sz="2398" b="0" i="0" u="none" strike="noStrike" kern="1200" cap="none" spc="0" normalizeH="0" baseline="0" noProof="0" dirty="0">
+            <a:endParaRPr kumimoji="0" lang="en-US" altLang="ko-KR" sz="2398" b="0" i="0" u="none" strike="noStrike" kern="1200" cap="none" spc="0" normalizeH="0" baseline="0" noProof="0">
               <a:ln>
                 <a:noFill/>
               </a:ln>
@@ -6884,7 +5571,7 @@
               <a:tabLst/>
               <a:defRPr/>
             </a:pPr>
-            <a:endParaRPr kumimoji="0" lang="en-US" altLang="ko-KR" sz="2398" b="0" i="0" u="none" strike="noStrike" kern="1200" cap="none" spc="0" normalizeH="0" baseline="0" noProof="0" dirty="0">
+            <a:endParaRPr kumimoji="0" lang="en-US" altLang="ko-KR" sz="2398" b="0" i="0" u="none" strike="noStrike" kern="1200" cap="none" spc="0" normalizeH="0" baseline="0" noProof="0">
               <a:ln>
                 <a:noFill/>
               </a:ln>
@@ -6901,42 +5588,6 @@
           </a:p>
         </p:txBody>
       </p:sp>
-      <p:pic>
-        <p:nvPicPr>
-          <p:cNvPr id="12" name="Logo Software University" descr="Software University logo">
-            <a:extLst>
-              <a:ext uri="{FF2B5EF4-FFF2-40B4-BE49-F238E27FC236}">
-                <a16:creationId xmlns:a16="http://schemas.microsoft.com/office/drawing/2014/main" id="{B1D3B425-B9BF-43ED-9DEC-C05002FBA22F}"/>
-              </a:ext>
-            </a:extLst>
-          </p:cNvPr>
-          <p:cNvPicPr>
-            <a:picLocks noChangeAspect="1"/>
-          </p:cNvPicPr>
-          <p:nvPr userDrawn="1"/>
-        </p:nvPicPr>
-        <p:blipFill>
-          <a:blip r:embed="rId2" cstate="hqprint">
-            <a:extLst>
-              <a:ext uri="{28A0092B-C50C-407E-A947-70E740481C1C}">
-                <a14:useLocalDpi xmlns:a14="http://schemas.microsoft.com/office/drawing/2010/main" val="0"/>
-              </a:ext>
-            </a:extLst>
-          </a:blip>
-          <a:stretch>
-            <a:fillRect/>
-          </a:stretch>
-        </p:blipFill>
-        <p:spPr>
-          <a:xfrm>
-            <a:off x="10067957" y="253936"/>
-            <a:ext cx="1915704" cy="559235"/>
-          </a:xfrm>
-          <a:prstGeom prst="rect">
-            <a:avLst/>
-          </a:prstGeom>
-        </p:spPr>
-      </p:pic>
       <p:sp>
         <p:nvSpPr>
           <p:cNvPr id="6" name="Slide Title">
@@ -6956,7 +5607,7 @@
         <p:spPr>
           <a:xfrm>
             <a:off x="190406" y="100750"/>
-            <a:ext cx="9715594" cy="882654"/>
+            <a:ext cx="10270594" cy="882654"/>
           </a:xfrm>
         </p:spPr>
         <p:txBody>
@@ -6978,6 +5629,42 @@
           </a:p>
         </p:txBody>
       </p:sp>
+      <p:pic>
+        <p:nvPicPr>
+          <p:cNvPr id="4" name="Picture 3">
+            <a:extLst>
+              <a:ext uri="{FF2B5EF4-FFF2-40B4-BE49-F238E27FC236}">
+                <a16:creationId xmlns:a16="http://schemas.microsoft.com/office/drawing/2014/main" id="{4B9A1D0F-F579-6A3C-C698-4E2E7F1AB265}"/>
+              </a:ext>
+            </a:extLst>
+          </p:cNvPr>
+          <p:cNvPicPr>
+            <a:picLocks noChangeAspect="1"/>
+          </p:cNvPicPr>
+          <p:nvPr userDrawn="1"/>
+        </p:nvPicPr>
+        <p:blipFill>
+          <a:blip r:embed="rId2" cstate="print">
+            <a:extLst>
+              <a:ext uri="{28A0092B-C50C-407E-A947-70E740481C1C}">
+                <a14:useLocalDpi xmlns:a14="http://schemas.microsoft.com/office/drawing/2010/main" val="0"/>
+              </a:ext>
+            </a:extLst>
+          </a:blip>
+          <a:stretch>
+            <a:fillRect/>
+          </a:stretch>
+        </p:blipFill>
+        <p:spPr>
+          <a:xfrm>
+            <a:off x="10553573" y="368999"/>
+            <a:ext cx="1443361" cy="360001"/>
+          </a:xfrm>
+          <a:prstGeom prst="rect">
+            <a:avLst/>
+          </a:prstGeom>
+        </p:spPr>
+      </p:pic>
     </p:spTree>
     <p:extLst>
       <p:ext uri="{BB962C8B-B14F-4D97-AF65-F5344CB8AC3E}">
@@ -7000,371 +5687,6 @@
 </file>
 
 <file path=ppt/slideLayouts/slideLayout4.xml><?xml version="1.0" encoding="utf-8"?>
-<p:sldLayout xmlns:a="http://schemas.openxmlformats.org/drawingml/2006/main" xmlns:r="http://schemas.openxmlformats.org/officeDocument/2006/relationships" xmlns:p="http://schemas.openxmlformats.org/presentationml/2006/main" preserve="1" userDrawn="1">
-  <p:cSld name="Table of Contents">
-    <p:spTree>
-      <p:nvGrpSpPr>
-        <p:cNvPr id="1" name=""/>
-        <p:cNvGrpSpPr/>
-        <p:nvPr/>
-      </p:nvGrpSpPr>
-      <p:grpSpPr>
-        <a:xfrm>
-          <a:off x="0" y="0"/>
-          <a:ext cx="0" cy="0"/>
-          <a:chOff x="0" y="0"/>
-          <a:chExt cx="0" cy="0"/>
-        </a:xfrm>
-      </p:grpSpPr>
-      <p:sp>
-        <p:nvSpPr>
-          <p:cNvPr id="10" name="Slide Number">
-            <a:extLst>
-              <a:ext uri="{FF2B5EF4-FFF2-40B4-BE49-F238E27FC236}">
-                <a16:creationId xmlns:a16="http://schemas.microsoft.com/office/drawing/2014/main" id="{39DDE17E-5472-41F3-AF5F-54DFF10DC63C}"/>
-              </a:ext>
-            </a:extLst>
-          </p:cNvPr>
-          <p:cNvSpPr>
-            <a:spLocks noGrp="1"/>
-          </p:cNvSpPr>
-          <p:nvPr>
-            <p:ph type="sldNum" sz="quarter" idx="4"/>
-          </p:nvPr>
-        </p:nvSpPr>
-        <p:spPr>
-          <a:xfrm>
-            <a:off x="11753030" y="6507000"/>
-            <a:ext cx="367414" cy="297000"/>
-          </a:xfrm>
-          <a:prstGeom prst="rect">
-            <a:avLst/>
-          </a:prstGeom>
-        </p:spPr>
-        <p:txBody>
-          <a:bodyPr vert="horz" lIns="91440" tIns="45720" rIns="91440" bIns="45720" rtlCol="0" anchor="b"/>
-          <a:lstStyle>
-            <a:lvl1pPr algn="r">
-              <a:defRPr sz="1000"/>
-            </a:lvl1pPr>
-          </a:lstStyle>
-          <a:p>
-            <a:fld id="{2BF067CD-8E6B-4360-9AA8-C5DF2A48A6D1}" type="slidenum">
-              <a:rPr lang="en-US" noProof="0" smtClean="0"/>
-              <a:pPr/>
-              <a:t>‹#›</a:t>
-            </a:fld>
-            <a:endParaRPr lang="en-US" noProof="0" dirty="0"/>
-          </a:p>
-        </p:txBody>
-      </p:sp>
-      <p:pic>
-        <p:nvPicPr>
-          <p:cNvPr id="9" name="Picture SoftUni Mascot" descr="SoftUni mascot with laptop">
-            <a:extLst>
-              <a:ext uri="{FF2B5EF4-FFF2-40B4-BE49-F238E27FC236}">
-                <a16:creationId xmlns:a16="http://schemas.microsoft.com/office/drawing/2014/main" id="{DC4365F6-D2C1-47B4-8477-38FD2C7711AA}"/>
-              </a:ext>
-            </a:extLst>
-          </p:cNvPr>
-          <p:cNvPicPr>
-            <a:picLocks noChangeAspect="1"/>
-          </p:cNvPicPr>
-          <p:nvPr/>
-        </p:nvPicPr>
-        <p:blipFill>
-          <a:blip r:embed="rId2" cstate="print">
-            <a:extLst>
-              <a:ext uri="{28A0092B-C50C-407E-A947-70E740481C1C}">
-                <a14:useLocalDpi xmlns:a14="http://schemas.microsoft.com/office/drawing/2010/main" val="0"/>
-              </a:ext>
-            </a:extLst>
-          </a:blip>
-          <a:stretch>
-            <a:fillRect/>
-          </a:stretch>
-        </p:blipFill>
-        <p:spPr>
-          <a:xfrm flipH="1">
-            <a:off x="9516000" y="3408496"/>
-            <a:ext cx="2251057" cy="3044431"/>
-          </a:xfrm>
-          <a:prstGeom prst="rect">
-            <a:avLst/>
-          </a:prstGeom>
-        </p:spPr>
-      </p:pic>
-      <p:sp>
-        <p:nvSpPr>
-          <p:cNvPr id="23" name="Slide Body Text">
-            <a:extLst>
-              <a:ext uri="{FF2B5EF4-FFF2-40B4-BE49-F238E27FC236}">
-                <a16:creationId xmlns:a16="http://schemas.microsoft.com/office/drawing/2014/main" id="{889D93F4-ABFA-46BF-8E5D-FE6562ACB20F}"/>
-              </a:ext>
-            </a:extLst>
-          </p:cNvPr>
-          <p:cNvSpPr>
-            <a:spLocks noGrp="1"/>
-          </p:cNvSpPr>
-          <p:nvPr>
-            <p:ph type="body" sz="quarter" idx="13" hasCustomPrompt="1"/>
-          </p:nvPr>
-        </p:nvSpPr>
-        <p:spPr>
-          <a:xfrm>
-            <a:off x="196766" y="1371604"/>
-            <a:ext cx="9049234" cy="5207396"/>
-          </a:xfrm>
-        </p:spPr>
-        <p:txBody>
-          <a:bodyPr>
-            <a:normAutofit/>
-          </a:bodyPr>
-          <a:lstStyle>
-            <a:lvl1pPr marL="514042" indent="-514042" latinLnBrk="0">
-              <a:buFont typeface="+mj-lt"/>
-              <a:buAutoNum type="arabicPeriod"/>
-              <a:defRPr sz="3600">
-                <a:solidFill>
-                  <a:schemeClr val="tx1"/>
-                </a:solidFill>
-              </a:defRPr>
-            </a:lvl1pPr>
-            <a:lvl2pPr>
-              <a:defRPr sz="3400"/>
-            </a:lvl2pPr>
-          </a:lstStyle>
-          <a:p>
-            <a:pPr lvl="0"/>
-            <a:r>
-              <a:rPr lang="en-US" noProof="0"/>
-              <a:t>…</a:t>
-            </a:r>
-          </a:p>
-          <a:p>
-            <a:pPr lvl="1"/>
-            <a:r>
-              <a:rPr lang="en-US" noProof="0"/>
-              <a:t>…</a:t>
-            </a:r>
-          </a:p>
-          <a:p>
-            <a:pPr lvl="1"/>
-            <a:r>
-              <a:rPr lang="en-US" noProof="0"/>
-              <a:t>…</a:t>
-            </a:r>
-          </a:p>
-          <a:p>
-            <a:pPr lvl="0"/>
-            <a:r>
-              <a:rPr lang="en-US" noProof="0"/>
-              <a:t>…</a:t>
-            </a:r>
-          </a:p>
-          <a:p>
-            <a:pPr lvl="1"/>
-            <a:r>
-              <a:rPr lang="en-US" noProof="0"/>
-              <a:t>…</a:t>
-            </a:r>
-          </a:p>
-          <a:p>
-            <a:pPr lvl="1"/>
-            <a:r>
-              <a:rPr lang="en-US" noProof="0"/>
-              <a:t>…</a:t>
-            </a:r>
-          </a:p>
-          <a:p>
-            <a:pPr lvl="0"/>
-            <a:r>
-              <a:rPr lang="en-US" noProof="0"/>
-              <a:t>…</a:t>
-            </a:r>
-          </a:p>
-        </p:txBody>
-      </p:sp>
-      <p:sp>
-        <p:nvSpPr>
-          <p:cNvPr id="8" name="Rectangle Top">
-            <a:extLst>
-              <a:ext uri="{FF2B5EF4-FFF2-40B4-BE49-F238E27FC236}">
-                <a16:creationId xmlns:a16="http://schemas.microsoft.com/office/drawing/2014/main" id="{930E0800-9260-4369-8330-8264DD33C5CE}"/>
-              </a:ext>
-            </a:extLst>
-          </p:cNvPr>
-          <p:cNvSpPr/>
-          <p:nvPr userDrawn="1"/>
-        </p:nvSpPr>
-        <p:spPr>
-          <a:xfrm>
-            <a:off x="0" y="0"/>
-            <a:ext cx="12196800" cy="1095376"/>
-          </a:xfrm>
-          <a:prstGeom prst="rect">
-            <a:avLst/>
-          </a:prstGeom>
-          <a:solidFill>
-            <a:schemeClr val="tx2"/>
-          </a:solidFill>
-          <a:ln>
-            <a:noFill/>
-          </a:ln>
-        </p:spPr>
-        <p:style>
-          <a:lnRef idx="2">
-            <a:schemeClr val="accent1">
-              <a:shade val="50000"/>
-            </a:schemeClr>
-          </a:lnRef>
-          <a:fillRef idx="1">
-            <a:schemeClr val="accent1"/>
-          </a:fillRef>
-          <a:effectRef idx="0">
-            <a:schemeClr val="accent1"/>
-          </a:effectRef>
-          <a:fontRef idx="minor">
-            <a:schemeClr val="lt1"/>
-          </a:fontRef>
-        </p:style>
-        <p:txBody>
-          <a:bodyPr rtlCol="0" anchor="ctr"/>
-          <a:lstStyle/>
-          <a:p>
-            <a:pPr marL="0" marR="0" lvl="0" indent="0" algn="ctr" defTabSz="913852" rtl="0" eaLnBrk="1" fontAlgn="auto" latinLnBrk="0" hangingPunct="1">
-              <a:lnSpc>
-                <a:spcPct val="100000"/>
-              </a:lnSpc>
-              <a:spcBef>
-                <a:spcPts val="0"/>
-              </a:spcBef>
-              <a:spcAft>
-                <a:spcPts val="0"/>
-              </a:spcAft>
-              <a:buClrTx/>
-              <a:buSzTx/>
-              <a:buFontTx/>
-              <a:buNone/>
-              <a:tabLst/>
-              <a:defRPr/>
-            </a:pPr>
-            <a:endParaRPr kumimoji="0" lang="en-US" altLang="ko-KR" sz="2398" b="0" i="0" u="none" strike="noStrike" kern="1200" cap="none" spc="0" normalizeH="0" baseline="0" noProof="0" dirty="0">
-              <a:ln>
-                <a:noFill/>
-              </a:ln>
-              <a:solidFill>
-                <a:srgbClr val="F7C86D"/>
-              </a:solidFill>
-              <a:effectLst/>
-              <a:uLnTx/>
-              <a:uFillTx/>
-              <a:latin typeface="Calibri" panose="020F0502020204030204"/>
-              <a:ea typeface="맑은 고딕" panose="020B0503020000020004" pitchFamily="34" charset="-127"/>
-              <a:cs typeface="+mn-cs"/>
-            </a:endParaRPr>
-          </a:p>
-        </p:txBody>
-      </p:sp>
-      <p:pic>
-        <p:nvPicPr>
-          <p:cNvPr id="11" name="Logo Software University" descr="Software University logo">
-            <a:extLst>
-              <a:ext uri="{FF2B5EF4-FFF2-40B4-BE49-F238E27FC236}">
-                <a16:creationId xmlns:a16="http://schemas.microsoft.com/office/drawing/2014/main" id="{14F779A7-4A91-448B-BEFA-956C70A1C22F}"/>
-              </a:ext>
-            </a:extLst>
-          </p:cNvPr>
-          <p:cNvPicPr>
-            <a:picLocks noChangeAspect="1"/>
-          </p:cNvPicPr>
-          <p:nvPr userDrawn="1"/>
-        </p:nvPicPr>
-        <p:blipFill>
-          <a:blip r:embed="rId3" cstate="hqprint">
-            <a:extLst>
-              <a:ext uri="{28A0092B-C50C-407E-A947-70E740481C1C}">
-                <a14:useLocalDpi xmlns:a14="http://schemas.microsoft.com/office/drawing/2010/main" val="0"/>
-              </a:ext>
-            </a:extLst>
-          </a:blip>
-          <a:stretch>
-            <a:fillRect/>
-          </a:stretch>
-        </p:blipFill>
-        <p:spPr>
-          <a:xfrm>
-            <a:off x="10067957" y="253936"/>
-            <a:ext cx="1915704" cy="559235"/>
-          </a:xfrm>
-          <a:prstGeom prst="rect">
-            <a:avLst/>
-          </a:prstGeom>
-        </p:spPr>
-      </p:pic>
-      <p:sp>
-        <p:nvSpPr>
-          <p:cNvPr id="13" name="Slide Title">
-            <a:extLst>
-              <a:ext uri="{FF2B5EF4-FFF2-40B4-BE49-F238E27FC236}">
-                <a16:creationId xmlns:a16="http://schemas.microsoft.com/office/drawing/2014/main" id="{357D7BE1-6358-42CC-94F3-7BCDD91DCB6D}"/>
-              </a:ext>
-            </a:extLst>
-          </p:cNvPr>
-          <p:cNvSpPr>
-            <a:spLocks noGrp="1"/>
-          </p:cNvSpPr>
-          <p:nvPr>
-            <p:ph type="title" hasCustomPrompt="1"/>
-          </p:nvPr>
-        </p:nvSpPr>
-        <p:spPr>
-          <a:xfrm>
-            <a:off x="190406" y="100750"/>
-            <a:ext cx="9715594" cy="882654"/>
-          </a:xfrm>
-        </p:spPr>
-        <p:txBody>
-          <a:bodyPr/>
-          <a:lstStyle>
-            <a:lvl1pPr latinLnBrk="0">
-              <a:defRPr>
-                <a:solidFill>
-                  <a:schemeClr val="bg2"/>
-                </a:solidFill>
-              </a:defRPr>
-            </a:lvl1pPr>
-          </a:lstStyle>
-          <a:p>
-            <a:r>
-              <a:rPr lang="en-US" noProof="0" dirty="0"/>
-              <a:t>Table of Contents</a:t>
-            </a:r>
-          </a:p>
-        </p:txBody>
-      </p:sp>
-    </p:spTree>
-    <p:extLst>
-      <p:ext uri="{BB962C8B-B14F-4D97-AF65-F5344CB8AC3E}">
-        <p14:creationId xmlns:p14="http://schemas.microsoft.com/office/powerpoint/2010/main" val="1028724482"/>
-      </p:ext>
-    </p:extLst>
-  </p:cSld>
-  <p:clrMapOvr>
-    <a:masterClrMapping/>
-  </p:clrMapOvr>
-  <mc:AlternateContent xmlns:mc="http://schemas.openxmlformats.org/markup-compatibility/2006" xmlns:p14="http://schemas.microsoft.com/office/powerpoint/2010/main">
-    <mc:Choice Requires="p14">
-      <p:transition spd="slow" p14:dur="2000" advClick="0" advTm="5000"/>
-    </mc:Choice>
-    <mc:Fallback xmlns="">
-      <p:transition spd="slow" advClick="0" advTm="5000"/>
-    </mc:Fallback>
-  </mc:AlternateContent>
-</p:sldLayout>
-</file>
-
-<file path=ppt/slideLayouts/slideLayout5.xml><?xml version="1.0" encoding="utf-8"?>
 <p:sldLayout xmlns:a="http://schemas.openxmlformats.org/drawingml/2006/main" xmlns:r="http://schemas.openxmlformats.org/officeDocument/2006/relationships" xmlns:p="http://schemas.openxmlformats.org/presentationml/2006/main" preserve="1" userDrawn="1">
   <p:cSld name="Important Concept">
     <p:spTree>
@@ -7635,52 +5957,6 @@
           </a:p>
         </p:txBody>
       </p:sp>
-      <p:pic>
-        <p:nvPicPr>
-          <p:cNvPr id="3" name="Logo Software University" descr="Software University logo">
-            <a:extLst>
-              <a:ext uri="{FF2B5EF4-FFF2-40B4-BE49-F238E27FC236}">
-                <a16:creationId xmlns:a16="http://schemas.microsoft.com/office/drawing/2014/main" id="{5573C101-930B-47AC-967A-A64513DFFDEE}"/>
-              </a:ext>
-            </a:extLst>
-          </p:cNvPr>
-          <p:cNvPicPr>
-            <a:picLocks noChangeAspect="1"/>
-          </p:cNvPicPr>
-          <p:nvPr userDrawn="1"/>
-        </p:nvPicPr>
-        <p:blipFill>
-          <a:blip r:embed="rId3" cstate="hqprint">
-            <a:clrChange>
-              <a:clrFrom>
-                <a:srgbClr val="FFFFFF"/>
-              </a:clrFrom>
-              <a:clrTo>
-                <a:srgbClr val="FFFFFF">
-                  <a:alpha val="0"/>
-                </a:srgbClr>
-              </a:clrTo>
-            </a:clrChange>
-            <a:extLst>
-              <a:ext uri="{28A0092B-C50C-407E-A947-70E740481C1C}">
-                <a14:useLocalDpi xmlns:a14="http://schemas.microsoft.com/office/drawing/2010/main" val="0"/>
-              </a:ext>
-            </a:extLst>
-          </a:blip>
-          <a:stretch>
-            <a:fillRect/>
-          </a:stretch>
-        </p:blipFill>
-        <p:spPr>
-          <a:xfrm>
-            <a:off x="10008761" y="190267"/>
-            <a:ext cx="2013336" cy="690975"/>
-          </a:xfrm>
-          <a:prstGeom prst="rect">
-            <a:avLst/>
-          </a:prstGeom>
-        </p:spPr>
-      </p:pic>
       <p:sp>
         <p:nvSpPr>
           <p:cNvPr id="8" name="Slide Title">
@@ -7699,8 +5975,8 @@
         </p:nvSpPr>
         <p:spPr>
           <a:xfrm>
-            <a:off x="1296957" y="100750"/>
-            <a:ext cx="8625520" cy="882654"/>
+            <a:off x="1296956" y="100750"/>
+            <a:ext cx="9164044" cy="882654"/>
           </a:xfrm>
         </p:spPr>
         <p:txBody>
@@ -7718,6 +5994,42 @@
           </a:p>
         </p:txBody>
       </p:sp>
+      <p:pic>
+        <p:nvPicPr>
+          <p:cNvPr id="2" name="Picture 1">
+            <a:extLst>
+              <a:ext uri="{FF2B5EF4-FFF2-40B4-BE49-F238E27FC236}">
+                <a16:creationId xmlns:a16="http://schemas.microsoft.com/office/drawing/2014/main" id="{78CA5371-2597-CF8F-1859-226395807433}"/>
+              </a:ext>
+            </a:extLst>
+          </p:cNvPr>
+          <p:cNvPicPr>
+            <a:picLocks noChangeAspect="1"/>
+          </p:cNvPicPr>
+          <p:nvPr userDrawn="1"/>
+        </p:nvPicPr>
+        <p:blipFill>
+          <a:blip r:embed="rId3" cstate="print">
+            <a:extLst>
+              <a:ext uri="{28A0092B-C50C-407E-A947-70E740481C1C}">
+                <a14:useLocalDpi xmlns:a14="http://schemas.microsoft.com/office/drawing/2010/main" val="0"/>
+              </a:ext>
+            </a:extLst>
+          </a:blip>
+          <a:stretch>
+            <a:fillRect/>
+          </a:stretch>
+        </p:blipFill>
+        <p:spPr>
+          <a:xfrm>
+            <a:off x="10551877" y="362077"/>
+            <a:ext cx="1443357" cy="360000"/>
+          </a:xfrm>
+          <a:prstGeom prst="rect">
+            <a:avLst/>
+          </a:prstGeom>
+        </p:spPr>
+      </p:pic>
     </p:spTree>
     <p:extLst>
       <p:ext uri="{BB962C8B-B14F-4D97-AF65-F5344CB8AC3E}">
@@ -7739,7 +6051,7 @@
 </p:sldLayout>
 </file>
 
-<file path=ppt/slideLayouts/slideLayout6.xml><?xml version="1.0" encoding="utf-8"?>
+<file path=ppt/slideLayouts/slideLayout5.xml><?xml version="1.0" encoding="utf-8"?>
 <p:sldLayout xmlns:a="http://schemas.openxmlformats.org/drawingml/2006/main" xmlns:r="http://schemas.openxmlformats.org/officeDocument/2006/relationships" xmlns:p="http://schemas.openxmlformats.org/presentationml/2006/main" preserve="1">
   <p:cSld name="Important Example">
     <p:spTree>
@@ -8016,52 +6328,6 @@
           </a:p>
         </p:txBody>
       </p:sp>
-      <p:pic>
-        <p:nvPicPr>
-          <p:cNvPr id="16" name="Logo Software University" descr="Software University logo">
-            <a:extLst>
-              <a:ext uri="{FF2B5EF4-FFF2-40B4-BE49-F238E27FC236}">
-                <a16:creationId xmlns:a16="http://schemas.microsoft.com/office/drawing/2014/main" id="{EFEBB553-EACE-4B4F-8B4F-7629FDD910A4}"/>
-              </a:ext>
-            </a:extLst>
-          </p:cNvPr>
-          <p:cNvPicPr>
-            <a:picLocks noChangeAspect="1"/>
-          </p:cNvPicPr>
-          <p:nvPr userDrawn="1"/>
-        </p:nvPicPr>
-        <p:blipFill>
-          <a:blip r:embed="rId3" cstate="hqprint">
-            <a:clrChange>
-              <a:clrFrom>
-                <a:srgbClr val="FFFFFF"/>
-              </a:clrFrom>
-              <a:clrTo>
-                <a:srgbClr val="FFFFFF">
-                  <a:alpha val="0"/>
-                </a:srgbClr>
-              </a:clrTo>
-            </a:clrChange>
-            <a:extLst>
-              <a:ext uri="{28A0092B-C50C-407E-A947-70E740481C1C}">
-                <a14:useLocalDpi xmlns:a14="http://schemas.microsoft.com/office/drawing/2010/main" val="0"/>
-              </a:ext>
-            </a:extLst>
-          </a:blip>
-          <a:stretch>
-            <a:fillRect/>
-          </a:stretch>
-        </p:blipFill>
-        <p:spPr>
-          <a:xfrm>
-            <a:off x="10008761" y="190267"/>
-            <a:ext cx="2013336" cy="690975"/>
-          </a:xfrm>
-          <a:prstGeom prst="rect">
-            <a:avLst/>
-          </a:prstGeom>
-        </p:spPr>
-      </p:pic>
       <p:sp>
         <p:nvSpPr>
           <p:cNvPr id="13" name="Slide Title">
@@ -8080,8 +6346,8 @@
         </p:nvSpPr>
         <p:spPr>
           <a:xfrm>
-            <a:off x="1296957" y="100750"/>
-            <a:ext cx="8625520" cy="882654"/>
+            <a:off x="1296956" y="100750"/>
+            <a:ext cx="9164044" cy="882654"/>
           </a:xfrm>
         </p:spPr>
         <p:txBody>
@@ -8099,6 +6365,42 @@
           </a:p>
         </p:txBody>
       </p:sp>
+      <p:pic>
+        <p:nvPicPr>
+          <p:cNvPr id="2" name="Picture 1">
+            <a:extLst>
+              <a:ext uri="{FF2B5EF4-FFF2-40B4-BE49-F238E27FC236}">
+                <a16:creationId xmlns:a16="http://schemas.microsoft.com/office/drawing/2014/main" id="{A37AF1B9-D67A-246A-86B6-E28F19C52390}"/>
+              </a:ext>
+            </a:extLst>
+          </p:cNvPr>
+          <p:cNvPicPr>
+            <a:picLocks noChangeAspect="1"/>
+          </p:cNvPicPr>
+          <p:nvPr userDrawn="1"/>
+        </p:nvPicPr>
+        <p:blipFill>
+          <a:blip r:embed="rId3" cstate="print">
+            <a:extLst>
+              <a:ext uri="{28A0092B-C50C-407E-A947-70E740481C1C}">
+                <a14:useLocalDpi xmlns:a14="http://schemas.microsoft.com/office/drawing/2010/main" val="0"/>
+              </a:ext>
+            </a:extLst>
+          </a:blip>
+          <a:stretch>
+            <a:fillRect/>
+          </a:stretch>
+        </p:blipFill>
+        <p:spPr>
+          <a:xfrm>
+            <a:off x="10551877" y="362077"/>
+            <a:ext cx="1443357" cy="360000"/>
+          </a:xfrm>
+          <a:prstGeom prst="rect">
+            <a:avLst/>
+          </a:prstGeom>
+        </p:spPr>
+      </p:pic>
     </p:spTree>
     <p:extLst>
       <p:ext uri="{BB962C8B-B14F-4D97-AF65-F5344CB8AC3E}">
@@ -8120,7 +6422,7 @@
 </p:sldLayout>
 </file>
 
-<file path=ppt/slideLayouts/slideLayout7.xml><?xml version="1.0" encoding="utf-8"?>
+<file path=ppt/slideLayouts/slideLayout6.xml><?xml version="1.0" encoding="utf-8"?>
 <p:sldLayout xmlns:a="http://schemas.openxmlformats.org/drawingml/2006/main" xmlns:r="http://schemas.openxmlformats.org/officeDocument/2006/relationships" xmlns:p="http://schemas.openxmlformats.org/presentationml/2006/main" preserve="1" userDrawn="1">
   <p:cSld name="Blank Slide">
     <p:spTree>
@@ -8415,8 +6717,8 @@
         </p:nvSpPr>
         <p:spPr>
           <a:xfrm>
-            <a:off x="585176" y="100750"/>
-            <a:ext cx="11410061" cy="882654"/>
+            <a:off x="585177" y="100750"/>
+            <a:ext cx="9875824" cy="882654"/>
           </a:xfrm>
         </p:spPr>
         <p:txBody>
@@ -8434,6 +6736,42 @@
           </a:p>
         </p:txBody>
       </p:sp>
+      <p:pic>
+        <p:nvPicPr>
+          <p:cNvPr id="2" name="Picture 1">
+            <a:extLst>
+              <a:ext uri="{FF2B5EF4-FFF2-40B4-BE49-F238E27FC236}">
+                <a16:creationId xmlns:a16="http://schemas.microsoft.com/office/drawing/2014/main" id="{9C2C375B-43BF-D1DD-F160-1500A111885C}"/>
+              </a:ext>
+            </a:extLst>
+          </p:cNvPr>
+          <p:cNvPicPr>
+            <a:picLocks noChangeAspect="1"/>
+          </p:cNvPicPr>
+          <p:nvPr userDrawn="1"/>
+        </p:nvPicPr>
+        <p:blipFill>
+          <a:blip r:embed="rId3" cstate="print">
+            <a:extLst>
+              <a:ext uri="{28A0092B-C50C-407E-A947-70E740481C1C}">
+                <a14:useLocalDpi xmlns:a14="http://schemas.microsoft.com/office/drawing/2010/main" val="0"/>
+              </a:ext>
+            </a:extLst>
+          </a:blip>
+          <a:stretch>
+            <a:fillRect/>
+          </a:stretch>
+        </p:blipFill>
+        <p:spPr>
+          <a:xfrm>
+            <a:off x="10551877" y="362077"/>
+            <a:ext cx="1443357" cy="360000"/>
+          </a:xfrm>
+          <a:prstGeom prst="rect">
+            <a:avLst/>
+          </a:prstGeom>
+        </p:spPr>
+      </p:pic>
     </p:spTree>
     <p:extLst>
       <p:ext uri="{BB962C8B-B14F-4D97-AF65-F5344CB8AC3E}">
@@ -8455,7 +6793,7 @@
 </p:sldLayout>
 </file>
 
-<file path=ppt/slideLayouts/slideLayout8.xml><?xml version="1.0" encoding="utf-8"?>
+<file path=ppt/slideLayouts/slideLayout7.xml><?xml version="1.0" encoding="utf-8"?>
 <p:sldLayout xmlns:a="http://schemas.openxmlformats.org/drawingml/2006/main" xmlns:r="http://schemas.openxmlformats.org/officeDocument/2006/relationships" xmlns:p="http://schemas.openxmlformats.org/presentationml/2006/main" preserve="1" userDrawn="1">
   <p:cSld name="Source Code Example">
     <p:spTree>
@@ -8510,7 +6848,7 @@
               <a:pPr/>
               <a:t>‹#›</a:t>
             </a:fld>
-            <a:endParaRPr lang="en-US" noProof="0" dirty="0"/>
+            <a:endParaRPr lang="en-US" noProof="0"/>
           </a:p>
         </p:txBody>
       </p:sp>
@@ -8528,7 +6866,7 @@
         </p:nvSpPr>
         <p:spPr>
           <a:xfrm>
-            <a:off x="0" y="0"/>
+            <a:off x="0" y="1311"/>
             <a:ext cx="12196800" cy="1095376"/>
           </a:xfrm>
           <a:prstGeom prst="rect">
@@ -8595,48 +6933,12 @@
           </a:p>
         </p:txBody>
       </p:sp>
-      <p:pic>
-        <p:nvPicPr>
-          <p:cNvPr id="10" name="Logo Software University" descr="Software University logo">
+      <p:sp>
+        <p:nvSpPr>
+          <p:cNvPr id="12" name="Slide Body Text">
             <a:extLst>
               <a:ext uri="{FF2B5EF4-FFF2-40B4-BE49-F238E27FC236}">
-                <a16:creationId xmlns:a16="http://schemas.microsoft.com/office/drawing/2014/main" id="{8C01D7AF-7CBD-46E1-99F3-8EB60E838D91}"/>
-              </a:ext>
-            </a:extLst>
-          </p:cNvPr>
-          <p:cNvPicPr>
-            <a:picLocks noChangeAspect="1"/>
-          </p:cNvPicPr>
-          <p:nvPr userDrawn="1"/>
-        </p:nvPicPr>
-        <p:blipFill>
-          <a:blip r:embed="rId2" cstate="hqprint">
-            <a:extLst>
-              <a:ext uri="{28A0092B-C50C-407E-A947-70E740481C1C}">
-                <a14:useLocalDpi xmlns:a14="http://schemas.microsoft.com/office/drawing/2010/main" val="0"/>
-              </a:ext>
-            </a:extLst>
-          </a:blip>
-          <a:stretch>
-            <a:fillRect/>
-          </a:stretch>
-        </p:blipFill>
-        <p:spPr>
-          <a:xfrm>
-            <a:off x="10067957" y="253936"/>
-            <a:ext cx="1915704" cy="559235"/>
-          </a:xfrm>
-          <a:prstGeom prst="rect">
-            <a:avLst/>
-          </a:prstGeom>
-        </p:spPr>
-      </p:pic>
-      <p:sp>
-        <p:nvSpPr>
-          <p:cNvPr id="17" name="Slide Body Text">
-            <a:extLst>
-              <a:ext uri="{FF2B5EF4-FFF2-40B4-BE49-F238E27FC236}">
-                <a16:creationId xmlns:a16="http://schemas.microsoft.com/office/drawing/2014/main" id="{1E60575F-8475-4C78-97A7-27D7891D2770}"/>
+                <a16:creationId xmlns:a16="http://schemas.microsoft.com/office/drawing/2014/main" id="{B608ED73-CE88-49E4-8BFC-DBD6E9AE6B10}"/>
               </a:ext>
             </a:extLst>
           </p:cNvPr>
@@ -8644,32 +6946,52 @@
             <a:spLocks noGrp="1"/>
           </p:cNvSpPr>
           <p:nvPr>
-            <p:ph type="body" sz="quarter" idx="12" hasCustomPrompt="1"/>
+            <p:ph type="body" sz="quarter" idx="10" hasCustomPrompt="1"/>
           </p:nvPr>
         </p:nvSpPr>
         <p:spPr>
           <a:xfrm>
-            <a:off x="190402" y="1196125"/>
-            <a:ext cx="11818096" cy="5528766"/>
+            <a:off x="190406" y="1206668"/>
+            <a:ext cx="11804831" cy="5550582"/>
           </a:xfrm>
         </p:spPr>
         <p:txBody>
           <a:bodyPr/>
           <a:lstStyle>
             <a:lvl1pPr latinLnBrk="0">
-              <a:defRPr/>
+              <a:defRPr>
+                <a:solidFill>
+                  <a:schemeClr val="tx1"/>
+                </a:solidFill>
+              </a:defRPr>
             </a:lvl1pPr>
             <a:lvl2pPr latinLnBrk="0">
-              <a:defRPr/>
+              <a:defRPr>
+                <a:solidFill>
+                  <a:schemeClr val="tx1"/>
+                </a:solidFill>
+              </a:defRPr>
             </a:lvl2pPr>
             <a:lvl3pPr latinLnBrk="0">
-              <a:defRPr/>
+              <a:defRPr>
+                <a:solidFill>
+                  <a:schemeClr val="tx1"/>
+                </a:solidFill>
+              </a:defRPr>
             </a:lvl3pPr>
             <a:lvl4pPr latinLnBrk="0">
-              <a:defRPr/>
+              <a:defRPr>
+                <a:solidFill>
+                  <a:schemeClr val="tx1"/>
+                </a:solidFill>
+              </a:defRPr>
             </a:lvl4pPr>
             <a:lvl5pPr latinLnBrk="0">
-              <a:defRPr/>
+              <a:defRPr>
+                <a:solidFill>
+                  <a:schemeClr val="tx1"/>
+                </a:solidFill>
+              </a:defRPr>
             </a:lvl5pPr>
           </a:lstStyle>
           <a:p>
@@ -8683,10 +7005,10 @@
       </p:sp>
       <p:sp>
         <p:nvSpPr>
-          <p:cNvPr id="15" name="Code Box">
+          <p:cNvPr id="4" name="Code Box">
             <a:extLst>
               <a:ext uri="{FF2B5EF4-FFF2-40B4-BE49-F238E27FC236}">
-                <a16:creationId xmlns:a16="http://schemas.microsoft.com/office/drawing/2014/main" id="{29C63EC2-5578-406B-8C2A-23FDE6C14C82}"/>
+                <a16:creationId xmlns:a16="http://schemas.microsoft.com/office/drawing/2014/main" id="{F4E021E9-D6DB-4272-8C9F-CEF4940FDC10}"/>
               </a:ext>
             </a:extLst>
           </p:cNvPr>
@@ -8700,7 +7022,7 @@
         <p:spPr>
           <a:xfrm>
             <a:off x="674683" y="2034000"/>
-            <a:ext cx="10836275" cy="2318684"/>
+            <a:ext cx="10836275" cy="2237893"/>
           </a:xfrm>
           <a:solidFill>
             <a:schemeClr val="accent6">
@@ -8722,15 +7044,6 @@
           </a:bodyPr>
           <a:lstStyle>
             <a:lvl1pPr>
-              <a:lnSpc>
-                <a:spcPct val="110000"/>
-              </a:lnSpc>
-              <a:spcBef>
-                <a:spcPts val="0"/>
-              </a:spcBef>
-              <a:spcAft>
-                <a:spcPts val="0"/>
-              </a:spcAft>
               <a:buNone/>
               <a:defRPr lang="en-US" sz="2800" b="1" smtClean="0">
                 <a:latin typeface="Consolas" pitchFamily="49" charset="0"/>
@@ -8825,8 +7138,8 @@
         </p:nvSpPr>
         <p:spPr>
           <a:xfrm>
-            <a:off x="190406" y="100750"/>
-            <a:ext cx="9715594" cy="882654"/>
+            <a:off x="190405" y="100750"/>
+            <a:ext cx="10239658" cy="882654"/>
           </a:xfrm>
         </p:spPr>
         <p:txBody>
@@ -8848,6 +7161,42 @@
           </a:p>
         </p:txBody>
       </p:sp>
+      <p:pic>
+        <p:nvPicPr>
+          <p:cNvPr id="3" name="Picture 2">
+            <a:extLst>
+              <a:ext uri="{FF2B5EF4-FFF2-40B4-BE49-F238E27FC236}">
+                <a16:creationId xmlns:a16="http://schemas.microsoft.com/office/drawing/2014/main" id="{4B69A4E8-9221-8F79-65B4-BF9AA7F87DD7}"/>
+              </a:ext>
+            </a:extLst>
+          </p:cNvPr>
+          <p:cNvPicPr>
+            <a:picLocks noChangeAspect="1"/>
+          </p:cNvPicPr>
+          <p:nvPr userDrawn="1"/>
+        </p:nvPicPr>
+        <p:blipFill>
+          <a:blip r:embed="rId2" cstate="print">
+            <a:extLst>
+              <a:ext uri="{28A0092B-C50C-407E-A947-70E740481C1C}">
+                <a14:useLocalDpi xmlns:a14="http://schemas.microsoft.com/office/drawing/2010/main" val="0"/>
+              </a:ext>
+            </a:extLst>
+          </a:blip>
+          <a:stretch>
+            <a:fillRect/>
+          </a:stretch>
+        </p:blipFill>
+        <p:spPr>
+          <a:xfrm>
+            <a:off x="10553573" y="368999"/>
+            <a:ext cx="1443361" cy="360001"/>
+          </a:xfrm>
+          <a:prstGeom prst="rect">
+            <a:avLst/>
+          </a:prstGeom>
+        </p:spPr>
+      </p:pic>
     </p:spTree>
     <p:extLst>
       <p:ext uri="{BB962C8B-B14F-4D97-AF65-F5344CB8AC3E}">
@@ -8869,7 +7218,7 @@
 </p:sldLayout>
 </file>
 
-<file path=ppt/slideLayouts/slideLayout9.xml><?xml version="1.0" encoding="utf-8"?>
+<file path=ppt/slideLayouts/slideLayout8.xml><?xml version="1.0" encoding="utf-8"?>
 <p:sldLayout xmlns:a="http://schemas.openxmlformats.org/drawingml/2006/main" xmlns:r="http://schemas.openxmlformats.org/officeDocument/2006/relationships" xmlns:p="http://schemas.openxmlformats.org/presentationml/2006/main" preserve="1">
   <p:cSld name="Demo Slide">
     <p:spTree>
@@ -8946,7 +7295,7 @@
               <a:tabLst/>
               <a:defRPr/>
             </a:pPr>
-            <a:endParaRPr kumimoji="0" lang="en-US" altLang="ko-KR" sz="2398" b="0" i="0" u="none" strike="noStrike" kern="1200" cap="none" spc="0" normalizeH="0" baseline="0" noProof="0" dirty="0">
+            <a:endParaRPr kumimoji="0" lang="en-US" altLang="ko-KR" sz="2398" b="0" i="0" u="none" strike="noStrike" kern="1200" cap="none" spc="0" normalizeH="0" baseline="0" noProof="0">
               <a:ln>
                 <a:noFill/>
               </a:ln>
@@ -9056,6 +7405,335 @@
     <p:extLst>
       <p:ext uri="{BB962C8B-B14F-4D97-AF65-F5344CB8AC3E}">
         <p14:creationId xmlns:p14="http://schemas.microsoft.com/office/powerpoint/2010/main" val="2423919747"/>
+      </p:ext>
+    </p:extLst>
+  </p:cSld>
+  <p:clrMapOvr>
+    <a:masterClrMapping/>
+  </p:clrMapOvr>
+  <mc:AlternateContent xmlns:mc="http://schemas.openxmlformats.org/markup-compatibility/2006" xmlns:p14="http://schemas.microsoft.com/office/powerpoint/2010/main">
+    <mc:Choice Requires="p14">
+      <p:transition spd="slow" p14:dur="2000" advClick="0" advTm="5000"/>
+    </mc:Choice>
+    <mc:Fallback xmlns="">
+      <p:transition spd="slow" advClick="0" advTm="5000"/>
+    </mc:Fallback>
+  </mc:AlternateContent>
+</p:sldLayout>
+</file>
+
+<file path=ppt/slideLayouts/slideLayout9.xml><?xml version="1.0" encoding="utf-8"?>
+<p:sldLayout xmlns:a="http://schemas.openxmlformats.org/drawingml/2006/main" xmlns:r="http://schemas.openxmlformats.org/officeDocument/2006/relationships" xmlns:p="http://schemas.openxmlformats.org/presentationml/2006/main" preserve="1" userDrawn="1">
+  <p:cSld name="Table of Contents">
+    <p:spTree>
+      <p:nvGrpSpPr>
+        <p:cNvPr id="1" name=""/>
+        <p:cNvGrpSpPr/>
+        <p:nvPr/>
+      </p:nvGrpSpPr>
+      <p:grpSpPr>
+        <a:xfrm>
+          <a:off x="0" y="0"/>
+          <a:ext cx="0" cy="0"/>
+          <a:chOff x="0" y="0"/>
+          <a:chExt cx="0" cy="0"/>
+        </a:xfrm>
+      </p:grpSpPr>
+      <p:sp>
+        <p:nvSpPr>
+          <p:cNvPr id="10" name="Slide Number">
+            <a:extLst>
+              <a:ext uri="{FF2B5EF4-FFF2-40B4-BE49-F238E27FC236}">
+                <a16:creationId xmlns:a16="http://schemas.microsoft.com/office/drawing/2014/main" id="{39DDE17E-5472-41F3-AF5F-54DFF10DC63C}"/>
+              </a:ext>
+            </a:extLst>
+          </p:cNvPr>
+          <p:cNvSpPr>
+            <a:spLocks noGrp="1"/>
+          </p:cNvSpPr>
+          <p:nvPr>
+            <p:ph type="sldNum" sz="quarter" idx="4"/>
+          </p:nvPr>
+        </p:nvSpPr>
+        <p:spPr>
+          <a:xfrm>
+            <a:off x="11753030" y="6507000"/>
+            <a:ext cx="367414" cy="297000"/>
+          </a:xfrm>
+          <a:prstGeom prst="rect">
+            <a:avLst/>
+          </a:prstGeom>
+        </p:spPr>
+        <p:txBody>
+          <a:bodyPr vert="horz" lIns="91440" tIns="45720" rIns="91440" bIns="45720" rtlCol="0" anchor="b"/>
+          <a:lstStyle>
+            <a:lvl1pPr algn="r">
+              <a:defRPr sz="1000"/>
+            </a:lvl1pPr>
+          </a:lstStyle>
+          <a:p>
+            <a:fld id="{2BF067CD-8E6B-4360-9AA8-C5DF2A48A6D1}" type="slidenum">
+              <a:rPr lang="en-US" noProof="0" smtClean="0"/>
+              <a:pPr/>
+              <a:t>‹#›</a:t>
+            </a:fld>
+            <a:endParaRPr lang="en-US" noProof="0"/>
+          </a:p>
+        </p:txBody>
+      </p:sp>
+      <p:sp>
+        <p:nvSpPr>
+          <p:cNvPr id="23" name="Slide Body Text">
+            <a:extLst>
+              <a:ext uri="{FF2B5EF4-FFF2-40B4-BE49-F238E27FC236}">
+                <a16:creationId xmlns:a16="http://schemas.microsoft.com/office/drawing/2014/main" id="{889D93F4-ABFA-46BF-8E5D-FE6562ACB20F}"/>
+              </a:ext>
+            </a:extLst>
+          </p:cNvPr>
+          <p:cNvSpPr>
+            <a:spLocks noGrp="1"/>
+          </p:cNvSpPr>
+          <p:nvPr>
+            <p:ph type="body" sz="quarter" idx="13" hasCustomPrompt="1"/>
+          </p:nvPr>
+        </p:nvSpPr>
+        <p:spPr>
+          <a:xfrm>
+            <a:off x="196766" y="1371604"/>
+            <a:ext cx="11781606" cy="5207396"/>
+          </a:xfrm>
+        </p:spPr>
+        <p:txBody>
+          <a:bodyPr>
+            <a:normAutofit/>
+          </a:bodyPr>
+          <a:lstStyle>
+            <a:lvl1pPr marL="514042" indent="-514042" latinLnBrk="0">
+              <a:buFont typeface="+mj-lt"/>
+              <a:buAutoNum type="arabicPeriod"/>
+              <a:defRPr sz="3600">
+                <a:solidFill>
+                  <a:schemeClr val="tx1"/>
+                </a:solidFill>
+              </a:defRPr>
+            </a:lvl1pPr>
+            <a:lvl2pPr>
+              <a:defRPr sz="3400"/>
+            </a:lvl2pPr>
+          </a:lstStyle>
+          <a:p>
+            <a:pPr lvl="0"/>
+            <a:r>
+              <a:rPr lang="en-US" noProof="0" dirty="0"/>
+              <a:t>…</a:t>
+            </a:r>
+          </a:p>
+          <a:p>
+            <a:pPr lvl="1"/>
+            <a:r>
+              <a:rPr lang="en-US" noProof="0" dirty="0"/>
+              <a:t>…</a:t>
+            </a:r>
+          </a:p>
+          <a:p>
+            <a:pPr lvl="1"/>
+            <a:r>
+              <a:rPr lang="en-US" noProof="0" dirty="0"/>
+              <a:t>…</a:t>
+            </a:r>
+          </a:p>
+          <a:p>
+            <a:pPr lvl="0"/>
+            <a:r>
+              <a:rPr lang="en-US" noProof="0" dirty="0"/>
+              <a:t>…</a:t>
+            </a:r>
+          </a:p>
+          <a:p>
+            <a:pPr lvl="1"/>
+            <a:r>
+              <a:rPr lang="en-US" noProof="0" dirty="0"/>
+              <a:t>…</a:t>
+            </a:r>
+          </a:p>
+          <a:p>
+            <a:pPr lvl="1"/>
+            <a:r>
+              <a:rPr lang="en-US" noProof="0" dirty="0"/>
+              <a:t>…</a:t>
+            </a:r>
+          </a:p>
+          <a:p>
+            <a:pPr lvl="0"/>
+            <a:r>
+              <a:rPr lang="en-US" noProof="0" dirty="0"/>
+              <a:t>…</a:t>
+            </a:r>
+          </a:p>
+        </p:txBody>
+      </p:sp>
+      <p:sp>
+        <p:nvSpPr>
+          <p:cNvPr id="8" name="Rectangle Top">
+            <a:extLst>
+              <a:ext uri="{FF2B5EF4-FFF2-40B4-BE49-F238E27FC236}">
+                <a16:creationId xmlns:a16="http://schemas.microsoft.com/office/drawing/2014/main" id="{930E0800-9260-4369-8330-8264DD33C5CE}"/>
+              </a:ext>
+            </a:extLst>
+          </p:cNvPr>
+          <p:cNvSpPr/>
+          <p:nvPr userDrawn="1"/>
+        </p:nvSpPr>
+        <p:spPr>
+          <a:xfrm>
+            <a:off x="0" y="0"/>
+            <a:ext cx="12196800" cy="1095376"/>
+          </a:xfrm>
+          <a:prstGeom prst="rect">
+            <a:avLst/>
+          </a:prstGeom>
+          <a:solidFill>
+            <a:schemeClr val="tx2"/>
+          </a:solidFill>
+          <a:ln>
+            <a:noFill/>
+          </a:ln>
+        </p:spPr>
+        <p:style>
+          <a:lnRef idx="2">
+            <a:schemeClr val="accent1">
+              <a:shade val="50000"/>
+            </a:schemeClr>
+          </a:lnRef>
+          <a:fillRef idx="1">
+            <a:schemeClr val="accent1"/>
+          </a:fillRef>
+          <a:effectRef idx="0">
+            <a:schemeClr val="accent1"/>
+          </a:effectRef>
+          <a:fontRef idx="minor">
+            <a:schemeClr val="lt1"/>
+          </a:fontRef>
+        </p:style>
+        <p:txBody>
+          <a:bodyPr rtlCol="0" anchor="ctr"/>
+          <a:lstStyle/>
+          <a:p>
+            <a:pPr marL="0" marR="0" lvl="0" indent="0" algn="ctr" defTabSz="913852" rtl="0" eaLnBrk="1" fontAlgn="auto" latinLnBrk="0" hangingPunct="1">
+              <a:lnSpc>
+                <a:spcPct val="100000"/>
+              </a:lnSpc>
+              <a:spcBef>
+                <a:spcPts val="0"/>
+              </a:spcBef>
+              <a:spcAft>
+                <a:spcPts val="0"/>
+              </a:spcAft>
+              <a:buClrTx/>
+              <a:buSzTx/>
+              <a:buFontTx/>
+              <a:buNone/>
+              <a:tabLst/>
+              <a:defRPr/>
+            </a:pPr>
+            <a:endParaRPr kumimoji="0" lang="en-US" altLang="ko-KR" sz="2398" b="0" i="0" u="none" strike="noStrike" kern="1200" cap="none" spc="0" normalizeH="0" baseline="0" noProof="0">
+              <a:ln>
+                <a:noFill/>
+              </a:ln>
+              <a:solidFill>
+                <a:srgbClr val="F7C86D"/>
+              </a:solidFill>
+              <a:effectLst/>
+              <a:uLnTx/>
+              <a:uFillTx/>
+              <a:latin typeface="Calibri" panose="020F0502020204030204"/>
+              <a:ea typeface="맑은 고딕" panose="020B0503020000020004" pitchFamily="34" charset="-127"/>
+              <a:cs typeface="+mn-cs"/>
+            </a:endParaRPr>
+          </a:p>
+        </p:txBody>
+      </p:sp>
+      <p:sp>
+        <p:nvSpPr>
+          <p:cNvPr id="13" name="Slide Title">
+            <a:extLst>
+              <a:ext uri="{FF2B5EF4-FFF2-40B4-BE49-F238E27FC236}">
+                <a16:creationId xmlns:a16="http://schemas.microsoft.com/office/drawing/2014/main" id="{357D7BE1-6358-42CC-94F3-7BCDD91DCB6D}"/>
+              </a:ext>
+            </a:extLst>
+          </p:cNvPr>
+          <p:cNvSpPr>
+            <a:spLocks noGrp="1"/>
+          </p:cNvSpPr>
+          <p:nvPr>
+            <p:ph type="title" hasCustomPrompt="1"/>
+          </p:nvPr>
+        </p:nvSpPr>
+        <p:spPr>
+          <a:xfrm>
+            <a:off x="190406" y="100750"/>
+            <a:ext cx="10270594" cy="882654"/>
+          </a:xfrm>
+        </p:spPr>
+        <p:txBody>
+          <a:bodyPr/>
+          <a:lstStyle>
+            <a:lvl1pPr latinLnBrk="0">
+              <a:defRPr>
+                <a:solidFill>
+                  <a:schemeClr val="bg2"/>
+                </a:solidFill>
+              </a:defRPr>
+            </a:lvl1pPr>
+          </a:lstStyle>
+          <a:p>
+            <a:r>
+              <a:rPr lang="en-US" noProof="0" dirty="0"/>
+              <a:t>Table of Contents</a:t>
+            </a:r>
+          </a:p>
+        </p:txBody>
+      </p:sp>
+      <p:pic>
+        <p:nvPicPr>
+          <p:cNvPr id="3" name="Picture 2">
+            <a:extLst>
+              <a:ext uri="{FF2B5EF4-FFF2-40B4-BE49-F238E27FC236}">
+                <a16:creationId xmlns:a16="http://schemas.microsoft.com/office/drawing/2014/main" id="{4FD808AB-EC49-1578-0005-D58D2A365AA1}"/>
+              </a:ext>
+            </a:extLst>
+          </p:cNvPr>
+          <p:cNvPicPr>
+            <a:picLocks noChangeAspect="1"/>
+          </p:cNvPicPr>
+          <p:nvPr userDrawn="1"/>
+        </p:nvPicPr>
+        <p:blipFill>
+          <a:blip r:embed="rId2" cstate="print">
+            <a:extLst>
+              <a:ext uri="{28A0092B-C50C-407E-A947-70E740481C1C}">
+                <a14:useLocalDpi xmlns:a14="http://schemas.microsoft.com/office/drawing/2010/main" val="0"/>
+              </a:ext>
+            </a:extLst>
+          </a:blip>
+          <a:stretch>
+            <a:fillRect/>
+          </a:stretch>
+        </p:blipFill>
+        <p:spPr>
+          <a:xfrm>
+            <a:off x="10553573" y="368999"/>
+            <a:ext cx="1443361" cy="360001"/>
+          </a:xfrm>
+          <a:prstGeom prst="rect">
+            <a:avLst/>
+          </a:prstGeom>
+        </p:spPr>
+      </p:pic>
+    </p:spTree>
+    <p:extLst>
+      <p:ext uri="{BB962C8B-B14F-4D97-AF65-F5344CB8AC3E}">
+        <p14:creationId xmlns:p14="http://schemas.microsoft.com/office/powerpoint/2010/main" val="1028724482"/>
       </p:ext>
     </p:extLst>
   </p:cSld>
@@ -9098,35 +7776,6 @@
           <a:chExt cx="0" cy="0"/>
         </a:xfrm>
       </p:grpSpPr>
-      <p:pic>
-        <p:nvPicPr>
-          <p:cNvPr id="4" name="Picture Background" descr="SoftUni Background">
-            <a:extLst>
-              <a:ext uri="{FF2B5EF4-FFF2-40B4-BE49-F238E27FC236}">
-                <a16:creationId xmlns:a16="http://schemas.microsoft.com/office/drawing/2014/main" id="{5BE90A63-DDD9-4B3B-A234-DF69B9BC812F}"/>
-              </a:ext>
-            </a:extLst>
-          </p:cNvPr>
-          <p:cNvPicPr>
-            <a:picLocks noChangeAspect="1"/>
-          </p:cNvPicPr>
-          <p:nvPr userDrawn="1"/>
-        </p:nvPicPr>
-        <p:blipFill rotWithShape="1">
-          <a:blip r:embed="rId15"/>
-          <a:srcRect b="1672"/>
-          <a:stretch/>
-        </p:blipFill>
-        <p:spPr>
-          <a:xfrm>
-            <a:off x="0" y="1"/>
-            <a:ext cx="12192000" cy="6857999"/>
-          </a:xfrm>
-          <a:prstGeom prst="rect">
-            <a:avLst/>
-          </a:prstGeom>
-        </p:spPr>
-      </p:pic>
       <p:sp>
         <p:nvSpPr>
           <p:cNvPr id="11" name="Slide Body Text">
@@ -9243,19 +7892,18 @@
   </p:cSld>
   <p:clrMap bg1="lt1" tx1="dk1" bg2="lt2" tx2="dk2" accent1="accent1" accent2="accent2" accent3="accent3" accent4="accent4" accent5="accent5" accent6="accent6" hlink="hlink" folHlink="folHlink"/>
   <p:sldLayoutIdLst>
-    <p:sldLayoutId id="2147483676" r:id="rId1"/>
+    <p:sldLayoutId id="2147483691" r:id="rId1"/>
     <p:sldLayoutId id="2147483689" r:id="rId2"/>
     <p:sldLayoutId id="2147483681" r:id="rId3"/>
-    <p:sldLayoutId id="2147483677" r:id="rId4"/>
-    <p:sldLayoutId id="2147483679" r:id="rId5"/>
-    <p:sldLayoutId id="2147483680" r:id="rId6"/>
-    <p:sldLayoutId id="2147483688" r:id="rId7"/>
-    <p:sldLayoutId id="2147483684" r:id="rId8"/>
-    <p:sldLayoutId id="2147483690" r:id="rId9"/>
+    <p:sldLayoutId id="2147483679" r:id="rId4"/>
+    <p:sldLayoutId id="2147483680" r:id="rId5"/>
+    <p:sldLayoutId id="2147483688" r:id="rId6"/>
+    <p:sldLayoutId id="2147483684" r:id="rId7"/>
+    <p:sldLayoutId id="2147483690" r:id="rId8"/>
+    <p:sldLayoutId id="2147483677" r:id="rId9"/>
     <p:sldLayoutId id="2147483683" r:id="rId10"/>
     <p:sldLayoutId id="2147483685" r:id="rId11"/>
     <p:sldLayoutId id="2147483686" r:id="rId12"/>
-    <p:sldLayoutId id="2147483687" r:id="rId13"/>
   </p:sldLayoutIdLst>
   <mc:AlternateContent xmlns:mc="http://schemas.openxmlformats.org/markup-compatibility/2006" xmlns:p14="http://schemas.microsoft.com/office/powerpoint/2010/main">
     <mc:Choice Requires="p14">
@@ -9584,87 +8232,72 @@
       </p:grpSpPr>
       <p:sp>
         <p:nvSpPr>
-          <p:cNvPr id="31" name="Subtitle 5"/>
+          <p:cNvPr id="17" name="Text Placeholder 16"/>
           <p:cNvSpPr>
             <a:spLocks noGrp="1"/>
           </p:cNvSpPr>
           <p:nvPr>
-            <p:ph type="subTitle" idx="1"/>
+            <p:ph type="body" sz="quarter" idx="22"/>
           </p:nvPr>
         </p:nvSpPr>
         <p:spPr>
           <a:xfrm>
-            <a:off x="554182" y="1089000"/>
-            <a:ext cx="11083636" cy="662346"/>
+            <a:off x="6379567" y="6062288"/>
+            <a:ext cx="5248260" cy="341313"/>
           </a:xfrm>
         </p:spPr>
         <p:txBody>
-          <a:bodyPr>
-            <a:normAutofit/>
-          </a:bodyPr>
+          <a:bodyPr/>
           <a:lstStyle/>
           <a:p>
             <a:r>
-              <a:rPr lang="bg-BG" dirty="0"/>
-              <a:t>Данни и структури от данни</a:t>
-            </a:r>
-            <a:endParaRPr lang="en-US" dirty="0"/>
+              <a:rPr lang="bg-BG" sz="1800" dirty="0"/>
+              <a:t>Софтуерни и хардуерни науки</a:t>
+            </a:r>
           </a:p>
         </p:txBody>
       </p:sp>
       <p:sp>
         <p:nvSpPr>
-          <p:cNvPr id="30" name="Title 4"/>
+          <p:cNvPr id="18" name="Text Placeholder 17"/>
           <p:cNvSpPr>
             <a:spLocks noGrp="1"/>
           </p:cNvSpPr>
           <p:nvPr>
-            <p:ph type="title"/>
-          </p:nvPr>
-        </p:nvSpPr>
-        <p:spPr>
-          <a:xfrm>
-            <a:off x="592364" y="251346"/>
-            <a:ext cx="11083636" cy="882654"/>
-          </a:xfrm>
-        </p:spPr>
-        <p:txBody>
-          <a:bodyPr>
-            <a:normAutofit/>
-          </a:bodyPr>
-          <a:lstStyle/>
-          <a:p>
-            <a:r>
-              <a:rPr lang="bg-BG" dirty="0"/>
-              <a:t>Въведение в структурите от данни</a:t>
-            </a:r>
-            <a:endParaRPr lang="en-US" dirty="0"/>
-          </a:p>
-        </p:txBody>
-      </p:sp>
-      <p:sp>
-        <p:nvSpPr>
-          <p:cNvPr id="7" name="Text Placeholder 6"/>
-          <p:cNvSpPr>
-            <a:spLocks noGrp="1"/>
-          </p:cNvSpPr>
-          <p:nvPr>
-            <p:ph type="body" sz="quarter" idx="17"/>
+            <p:ph type="body" sz="quarter" idx="21"/>
           </p:nvPr>
         </p:nvSpPr>
         <p:spPr/>
         <p:txBody>
-          <a:bodyPr/>
+          <a:bodyPr>
+            <a:normAutofit fontScale="77500" lnSpcReduction="20000"/>
+          </a:bodyPr>
           <a:lstStyle/>
           <a:p>
             <a:r>
-              <a:rPr lang="en-US" sz="2000" dirty="0"/>
-              <a:t>Софтуерен университет</a:t>
-            </a:r>
-            <a:endParaRPr lang="en-US" sz="2000" b="0" dirty="0">
-              <a:ea typeface="+mn-lt"/>
-              <a:cs typeface="+mn-lt"/>
-            </a:endParaRPr>
+              <a:rPr lang="bg-BG" sz="2800" dirty="0">
+                <a:solidFill>
+                  <a:srgbClr val="234465"/>
+                </a:solidFill>
+              </a:rPr>
+              <a:t>Курс "</a:t>
+            </a:r>
+            <a:r>
+              <a:rPr lang="ru-RU" sz="2800" dirty="0">
+                <a:solidFill>
+                  <a:srgbClr val="234465"/>
+                </a:solidFill>
+              </a:rPr>
+              <a:t>Структури от данни и алгоритми</a:t>
+            </a:r>
+            <a:r>
+              <a:rPr lang="bg-BG" sz="2800" dirty="0">
+                <a:solidFill>
+                  <a:srgbClr val="234465"/>
+                </a:solidFill>
+              </a:rPr>
+              <a:t>"</a:t>
+            </a:r>
           </a:p>
         </p:txBody>
       </p:sp>
@@ -9683,56 +8316,50 @@
           <a:bodyPr/>
           <a:lstStyle/>
           <a:p>
-            <a:r>
-              <a:rPr lang="en-US" dirty="0">
+            <a:pPr marL="0" indent="0" algn="l" rtl="0" eaLnBrk="1" fontAlgn="base" latinLnBrk="0" hangingPunct="1">
+              <a:lnSpc>
+                <a:spcPct val="105000"/>
+              </a:lnSpc>
+              <a:spcBef>
+                <a:spcPts val="0"/>
+              </a:spcBef>
+              <a:spcAft>
+                <a:spcPts val="0"/>
+              </a:spcAft>
+            </a:pPr>
+            <a:r>
+              <a:rPr lang="en-US" sz="1800" b="0" kern="1200" dirty="0">
+                <a:solidFill>
+                  <a:srgbClr val="1A334C"/>
+                </a:solidFill>
+                <a:effectLst/>
+                <a:latin typeface="Calibri" panose="020F0502020204030204" pitchFamily="34" charset="0"/>
+                <a:ea typeface="+mn-ea"/>
+                <a:cs typeface="+mn-cs"/>
                 <a:hlinkClick r:id="rId3"/>
               </a:rPr>
-              <a:t>https://softuni.bg</a:t>
-            </a:r>
-            <a:endParaRPr lang="en-US" dirty="0"/>
+              <a:t>https://github.com/BG-IT-Edu</a:t>
+            </a:r>
+            <a:endParaRPr lang="bg-BG" sz="1800" dirty="0">
+              <a:effectLst/>
+            </a:endParaRPr>
           </a:p>
         </p:txBody>
       </p:sp>
       <p:sp>
         <p:nvSpPr>
-          <p:cNvPr id="18" name="Text Placeholder 17"/>
+          <p:cNvPr id="7" name="Text Placeholder 6"/>
           <p:cNvSpPr>
             <a:spLocks noGrp="1"/>
           </p:cNvSpPr>
           <p:nvPr>
-            <p:ph type="body" sz="quarter" idx="19"/>
-          </p:nvPr>
-        </p:nvSpPr>
-        <p:spPr/>
-        <p:txBody>
-          <a:bodyPr/>
-          <a:lstStyle/>
-          <a:p>
-            <a:r>
-              <a:rPr lang="en-US" sz="2800" dirty="0">
-                <a:ea typeface="+mn-lt"/>
-                <a:cs typeface="+mn-lt"/>
-              </a:rPr>
-              <a:t>СофтУни</a:t>
-            </a:r>
-            <a:endParaRPr lang="en-US" dirty="0"/>
-          </a:p>
-        </p:txBody>
-      </p:sp>
-      <p:sp>
-        <p:nvSpPr>
-          <p:cNvPr id="17" name="Text Placeholder 16"/>
-          <p:cNvSpPr>
-            <a:spLocks noGrp="1"/>
-          </p:cNvSpPr>
-          <p:nvPr>
-            <p:ph type="body" sz="quarter" idx="20"/>
+            <p:ph type="body" sz="quarter" idx="17"/>
           </p:nvPr>
         </p:nvSpPr>
         <p:spPr>
           <a:xfrm>
-            <a:off x="553082" y="5150282"/>
-            <a:ext cx="3202918" cy="832591"/>
+            <a:off x="524299" y="5635355"/>
+            <a:ext cx="4751954" cy="499904"/>
           </a:xfrm>
         </p:spPr>
         <p:txBody>
@@ -9740,22 +8367,77 @@
           <a:lstStyle/>
           <a:p>
             <a:r>
-              <a:rPr lang="en-US" sz="2400" dirty="0"/>
-              <a:t>Преподавателски екип</a:t>
-            </a:r>
-            <a:endParaRPr lang="en-US" sz="2400" b="0" dirty="0">
-              <a:ea typeface="+mn-lt"/>
-              <a:cs typeface="+mn-lt"/>
-            </a:endParaRPr>
+              <a:rPr lang="bg-BG" sz="2000" dirty="0">
+                <a:solidFill>
+                  <a:srgbClr val="234465"/>
+                </a:solidFill>
+              </a:rPr>
+              <a:t>Проект "Отворено учебно съдържание по програмиране и ИТ", СофтУни Фондация</a:t>
+            </a:r>
+          </a:p>
+        </p:txBody>
+      </p:sp>
+      <p:sp>
+        <p:nvSpPr>
+          <p:cNvPr id="31" name="Subtitle 5"/>
+          <p:cNvSpPr>
+            <a:spLocks noGrp="1"/>
+          </p:cNvSpPr>
+          <p:nvPr>
+            <p:ph type="subTitle" idx="1"/>
+          </p:nvPr>
+        </p:nvSpPr>
+        <p:spPr>
+          <a:xfrm>
+            <a:off x="554746" y="1402942"/>
+            <a:ext cx="11083636" cy="724905"/>
+          </a:xfrm>
+        </p:spPr>
+        <p:txBody>
+          <a:bodyPr>
+            <a:normAutofit/>
+          </a:bodyPr>
+          <a:lstStyle/>
+          <a:p>
+            <a:r>
+              <a:rPr lang="bg-BG" dirty="0"/>
+              <a:t>Данни и структури от данни</a:t>
+            </a:r>
+            <a:endParaRPr lang="en-US" dirty="0"/>
+          </a:p>
+        </p:txBody>
+      </p:sp>
+      <p:sp>
+        <p:nvSpPr>
+          <p:cNvPr id="30" name="Title 4"/>
+          <p:cNvSpPr>
+            <a:spLocks noGrp="1"/>
+          </p:cNvSpPr>
+          <p:nvPr>
+            <p:ph type="title"/>
+          </p:nvPr>
+        </p:nvSpPr>
+        <p:spPr/>
+        <p:txBody>
+          <a:bodyPr>
+            <a:normAutofit/>
+          </a:bodyPr>
+          <a:lstStyle/>
+          <a:p>
+            <a:r>
+              <a:rPr lang="bg-BG" dirty="0"/>
+              <a:t>Въведение в структурите от данни</a:t>
+            </a:r>
+            <a:endParaRPr lang="en-US" dirty="0"/>
           </a:p>
         </p:txBody>
       </p:sp>
       <p:pic>
         <p:nvPicPr>
-          <p:cNvPr id="3" name="Картина 2">
+          <p:cNvPr id="4" name="Картина 2">
             <a:extLst>
               <a:ext uri="{FF2B5EF4-FFF2-40B4-BE49-F238E27FC236}">
-                <a16:creationId xmlns:a16="http://schemas.microsoft.com/office/drawing/2014/main" id="{AD273D0F-5D9E-64BD-0528-C42F23D12648}"/>
+                <a16:creationId xmlns:a16="http://schemas.microsoft.com/office/drawing/2014/main" id="{35FEBA01-D04C-2A3C-6706-2B9B5A862C2B}"/>
               </a:ext>
             </a:extLst>
           </p:cNvPr>
@@ -9772,8 +8454,8 @@
         </p:blipFill>
         <p:spPr>
           <a:xfrm>
-            <a:off x="2856000" y="1852862"/>
-            <a:ext cx="5967107" cy="3286420"/>
+            <a:off x="6398573" y="2393999"/>
+            <a:ext cx="5248785" cy="2890800"/>
           </a:xfrm>
           <a:prstGeom prst="rect">
             <a:avLst/>
@@ -9790,7 +8472,7 @@
     </p:spTree>
     <p:extLst>
       <p:ext uri="{BB962C8B-B14F-4D97-AF65-F5344CB8AC3E}">
-        <p14:creationId xmlns:p14="http://schemas.microsoft.com/office/powerpoint/2010/main" val="762417225"/>
+        <p14:creationId xmlns:p14="http://schemas.microsoft.com/office/powerpoint/2010/main" val="4264732708"/>
       </p:ext>
     </p:extLst>
   </p:cSld>
@@ -10073,10 +8755,10 @@
       </p:pic>
       <p:sp>
         <p:nvSpPr>
-          <p:cNvPr id="7" name="Slide Number">
+          <p:cNvPr id="2" name="Slide Number">
             <a:extLst>
               <a:ext uri="{FF2B5EF4-FFF2-40B4-BE49-F238E27FC236}">
-                <a16:creationId xmlns:a16="http://schemas.microsoft.com/office/drawing/2014/main" id="{58F1B67C-4ADD-41C7-983F-95110E143A0A}"/>
+                <a16:creationId xmlns:a16="http://schemas.microsoft.com/office/drawing/2014/main" id="{7E3762D3-5862-1EC7-4684-320F60CD90AE}"/>
               </a:ext>
             </a:extLst>
           </p:cNvPr>
@@ -10116,7 +8798,7 @@
     </p:spTree>
     <p:extLst>
       <p:ext uri="{BB962C8B-B14F-4D97-AF65-F5344CB8AC3E}">
-        <p14:creationId xmlns:p14="http://schemas.microsoft.com/office/powerpoint/2010/main" val="3865598101"/>
+        <p14:creationId xmlns:p14="http://schemas.microsoft.com/office/powerpoint/2010/main" val="3957174765"/>
       </p:ext>
     </p:extLst>
   </p:cSld>
@@ -10182,15 +8864,33 @@
                                   </p:childTnLst>
                                 </p:cTn>
                               </p:par>
+                            </p:childTnLst>
+                          </p:cTn>
+                        </p:par>
+                      </p:childTnLst>
+                    </p:cTn>
+                  </p:par>
+                  <p:par>
+                    <p:cTn id="7" fill="hold">
+                      <p:stCondLst>
+                        <p:cond delay="indefinite"/>
+                      </p:stCondLst>
+                      <p:childTnLst>
+                        <p:par>
+                          <p:cTn id="8" fill="hold">
+                            <p:stCondLst>
+                              <p:cond delay="0"/>
+                            </p:stCondLst>
+                            <p:childTnLst>
                               <p:par>
-                                <p:cTn id="7" presetID="1" presetClass="entr" presetSubtype="0" fill="hold" nodeType="withEffect">
+                                <p:cTn id="9" presetID="1" presetClass="entr" presetSubtype="0" fill="hold" nodeType="clickEffect">
                                   <p:stCondLst>
                                     <p:cond delay="0"/>
                                   </p:stCondLst>
                                   <p:childTnLst>
                                     <p:set>
                                       <p:cBhvr>
-                                        <p:cTn id="8" dur="1" fill="hold">
+                                        <p:cTn id="10" dur="1" fill="hold">
                                           <p:stCondLst>
                                             <p:cond delay="0"/>
                                           </p:stCondLst>
@@ -10261,95 +8961,6 @@
           <a:chExt cx="0" cy="0"/>
         </a:xfrm>
       </p:grpSpPr>
-      <p:sp>
-        <p:nvSpPr>
-          <p:cNvPr id="4" name="Subtitle 3">
-            <a:extLst>
-              <a:ext uri="{FF2B5EF4-FFF2-40B4-BE49-F238E27FC236}">
-                <a16:creationId xmlns:a16="http://schemas.microsoft.com/office/drawing/2014/main" id="{DC4E58A0-A24F-B268-7B5E-0E05D3E41636}"/>
-              </a:ext>
-            </a:extLst>
-          </p:cNvPr>
-          <p:cNvSpPr>
-            <a:spLocks noGrp="1"/>
-          </p:cNvSpPr>
-          <p:nvPr>
-            <p:ph type="subTitle" sz="quarter" idx="11"/>
-          </p:nvPr>
-        </p:nvSpPr>
-        <p:spPr/>
-        <p:txBody>
-          <a:bodyPr/>
-          <a:lstStyle/>
-          <a:p>
-            <a:pPr marL="514196" indent="-514196">
-              <a:buClr>
-                <a:schemeClr val="tx1"/>
-              </a:buClr>
-            </a:pPr>
-            <a:r>
-              <a:rPr lang="bg-BG" dirty="0"/>
-              <a:t>Масив</a:t>
-            </a:r>
-            <a:r>
-              <a:rPr lang="en-US" dirty="0"/>
-              <a:t>, </a:t>
-            </a:r>
-            <a:r>
-              <a:rPr lang="bg-BG" noProof="1"/>
-              <a:t>списък</a:t>
-            </a:r>
-            <a:r>
-              <a:rPr lang="en-US" dirty="0"/>
-              <a:t>, </a:t>
-            </a:r>
-            <a:r>
-              <a:rPr lang="bg-BG" dirty="0"/>
-              <a:t>свързан списък</a:t>
-            </a:r>
-            <a:r>
-              <a:rPr lang="en-US" dirty="0"/>
-              <a:t>, </a:t>
-            </a:r>
-            <a:r>
-              <a:rPr lang="bg-BG" dirty="0"/>
-              <a:t>стек</a:t>
-            </a:r>
-            <a:r>
-              <a:rPr lang="en-US" dirty="0"/>
-              <a:t>, </a:t>
-            </a:r>
-            <a:r>
-              <a:rPr lang="bg-BG" dirty="0"/>
-              <a:t>опашка</a:t>
-            </a:r>
-            <a:endParaRPr lang="en-US" dirty="0"/>
-          </a:p>
-        </p:txBody>
-      </p:sp>
-      <p:sp>
-        <p:nvSpPr>
-          <p:cNvPr id="2" name="Title 1"/>
-          <p:cNvSpPr>
-            <a:spLocks noGrp="1"/>
-          </p:cNvSpPr>
-          <p:nvPr>
-            <p:ph type="title" sz="quarter" idx="10"/>
-          </p:nvPr>
-        </p:nvSpPr>
-        <p:spPr/>
-        <p:txBody>
-          <a:bodyPr/>
-          <a:lstStyle/>
-          <a:p>
-            <a:r>
-              <a:rPr lang="bg-BG" dirty="0"/>
-              <a:t>Линейни структури от данни</a:t>
-            </a:r>
-            <a:endParaRPr lang="en-US" dirty="0"/>
-          </a:p>
-        </p:txBody>
-      </p:sp>
       <p:pic>
         <p:nvPicPr>
           <p:cNvPr id="11" name="Picture 10" descr="C:\Trash\array.png">
@@ -10387,10 +8998,67 @@
           </a:prstGeom>
         </p:spPr>
       </p:pic>
+      <p:sp>
+        <p:nvSpPr>
+          <p:cNvPr id="5" name="Подзаглавие 4">
+            <a:extLst>
+              <a:ext uri="{FF2B5EF4-FFF2-40B4-BE49-F238E27FC236}">
+                <a16:creationId xmlns:a16="http://schemas.microsoft.com/office/drawing/2014/main" id="{30947DEF-D28B-4BA0-A9BE-A850153739A4}"/>
+              </a:ext>
+            </a:extLst>
+          </p:cNvPr>
+          <p:cNvSpPr>
+            <a:spLocks noGrp="1"/>
+          </p:cNvSpPr>
+          <p:nvPr>
+            <p:ph type="subTitle" sz="quarter" idx="11"/>
+          </p:nvPr>
+        </p:nvSpPr>
+        <p:spPr/>
+        <p:txBody>
+          <a:bodyPr/>
+          <a:lstStyle/>
+          <a:p>
+            <a:r>
+              <a:rPr lang="bg-BG"/>
+              <a:t>Линейни структури от данни</a:t>
+            </a:r>
+          </a:p>
+        </p:txBody>
+      </p:sp>
+      <p:sp>
+        <p:nvSpPr>
+          <p:cNvPr id="7" name="Заглавие 6">
+            <a:extLst>
+              <a:ext uri="{FF2B5EF4-FFF2-40B4-BE49-F238E27FC236}">
+                <a16:creationId xmlns:a16="http://schemas.microsoft.com/office/drawing/2014/main" id="{D6B2A882-9208-5170-FFE4-F1EBDAC5746E}"/>
+              </a:ext>
+            </a:extLst>
+          </p:cNvPr>
+          <p:cNvSpPr>
+            <a:spLocks noGrp="1"/>
+          </p:cNvSpPr>
+          <p:nvPr>
+            <p:ph type="title" sz="quarter" idx="10"/>
+          </p:nvPr>
+        </p:nvSpPr>
+        <p:spPr/>
+        <p:txBody>
+          <a:bodyPr/>
+          <a:lstStyle/>
+          <a:p>
+            <a:r>
+              <a:rPr lang="ru-RU"/>
+              <a:t>Масив, списък, свързан списък, стек, опашка</a:t>
+            </a:r>
+            <a:endParaRPr lang="bg-BG"/>
+          </a:p>
+        </p:txBody>
+      </p:sp>
     </p:spTree>
     <p:extLst>
       <p:ext uri="{BB962C8B-B14F-4D97-AF65-F5344CB8AC3E}">
-        <p14:creationId xmlns:p14="http://schemas.microsoft.com/office/powerpoint/2010/main" val="245700727"/>
+        <p14:creationId xmlns:p14="http://schemas.microsoft.com/office/powerpoint/2010/main" val="611147551"/>
       </p:ext>
     </p:extLst>
   </p:cSld>
@@ -10563,10 +9231,15 @@
                 <a:solidFill>
                   <a:schemeClr val="bg1"/>
                 </a:solidFill>
+                <a:latin typeface="Consolas" panose="020B0609020204030204" pitchFamily="49" charset="0"/>
+                <a:cs typeface="Consolas" panose="020B0609020204030204" pitchFamily="49" charset="0"/>
               </a:rPr>
               <a:t>List&lt;T&gt;</a:t>
             </a:r>
-            <a:endParaRPr lang="en-US" altLang="ko-KR" sz="3399" dirty="0"/>
+            <a:endParaRPr lang="en-US" altLang="ko-KR" sz="3399" dirty="0">
+              <a:latin typeface="Consolas" panose="020B0609020204030204" pitchFamily="49" charset="0"/>
+              <a:cs typeface="Consolas" panose="020B0609020204030204" pitchFamily="49" charset="0"/>
+            </a:endParaRPr>
           </a:p>
           <a:p>
             <a:pPr lvl="1">
@@ -10582,14 +9255,22 @@
                 <a:solidFill>
                   <a:schemeClr val="bg1"/>
                 </a:solidFill>
+                <a:latin typeface="Consolas" panose="020B0609020204030204" pitchFamily="49" charset="0"/>
+                <a:cs typeface="Consolas" panose="020B0609020204030204" pitchFamily="49" charset="0"/>
               </a:rPr>
               <a:t>Queue&lt;T&gt;</a:t>
             </a:r>
             <a:r>
-              <a:rPr lang="en-US" altLang="ko-KR" sz="3399" dirty="0"/>
+              <a:rPr lang="en-US" altLang="ko-KR" sz="3399" dirty="0">
+                <a:latin typeface="Consolas" panose="020B0609020204030204" pitchFamily="49" charset="0"/>
+                <a:cs typeface="Consolas" panose="020B0609020204030204" pitchFamily="49" charset="0"/>
+              </a:rPr>
               <a:t> </a:t>
             </a:r>
-            <a:endParaRPr lang="bg-BG" altLang="ko-KR" sz="3399" dirty="0"/>
+            <a:endParaRPr lang="bg-BG" altLang="ko-KR" sz="3399" dirty="0">
+              <a:latin typeface="Consolas" panose="020B0609020204030204" pitchFamily="49" charset="0"/>
+              <a:cs typeface="Consolas" panose="020B0609020204030204" pitchFamily="49" charset="0"/>
+            </a:endParaRPr>
           </a:p>
           <a:p>
             <a:pPr lvl="1">
@@ -10605,10 +9286,15 @@
                 <a:solidFill>
                   <a:schemeClr val="bg1"/>
                 </a:solidFill>
+                <a:latin typeface="Consolas" panose="020B0609020204030204" pitchFamily="49" charset="0"/>
+                <a:cs typeface="Consolas" panose="020B0609020204030204" pitchFamily="49" charset="0"/>
               </a:rPr>
               <a:t>Stack&lt;T&gt;</a:t>
             </a:r>
-            <a:endParaRPr lang="en-US" altLang="ko-KR" sz="3399" dirty="0"/>
+            <a:endParaRPr lang="en-US" altLang="ko-KR" sz="3399" dirty="0">
+              <a:latin typeface="Consolas" panose="020B0609020204030204" pitchFamily="49" charset="0"/>
+              <a:cs typeface="Consolas" panose="020B0609020204030204" pitchFamily="49" charset="0"/>
+            </a:endParaRPr>
           </a:p>
         </p:txBody>
       </p:sp>
@@ -10691,10 +9377,10 @@
       </p:pic>
       <p:sp>
         <p:nvSpPr>
-          <p:cNvPr id="7" name="Slide Number">
+          <p:cNvPr id="2" name="Slide Number">
             <a:extLst>
               <a:ext uri="{FF2B5EF4-FFF2-40B4-BE49-F238E27FC236}">
-                <a16:creationId xmlns:a16="http://schemas.microsoft.com/office/drawing/2014/main" id="{7C436ED0-9D07-40D1-97D3-3C56A2E1DEEE}"/>
+                <a16:creationId xmlns:a16="http://schemas.microsoft.com/office/drawing/2014/main" id="{7EE9923F-14CC-1F10-350C-9A43B88DD738}"/>
               </a:ext>
             </a:extLst>
           </p:cNvPr>
@@ -10734,7 +9420,7 @@
     </p:spTree>
     <p:extLst>
       <p:ext uri="{BB962C8B-B14F-4D97-AF65-F5344CB8AC3E}">
-        <p14:creationId xmlns:p14="http://schemas.microsoft.com/office/powerpoint/2010/main" val="1870551745"/>
+        <p14:creationId xmlns:p14="http://schemas.microsoft.com/office/powerpoint/2010/main" val="457101752"/>
       </p:ext>
     </p:extLst>
   </p:cSld>
@@ -12202,10 +10888,10 @@
       </p:sp>
       <p:sp>
         <p:nvSpPr>
-          <p:cNvPr id="10" name="Slide Number">
+          <p:cNvPr id="2" name="Slide Number">
             <a:extLst>
               <a:ext uri="{FF2B5EF4-FFF2-40B4-BE49-F238E27FC236}">
-                <a16:creationId xmlns:a16="http://schemas.microsoft.com/office/drawing/2014/main" id="{C4C871B0-5790-4B8F-86A6-45D59E221C95}"/>
+                <a16:creationId xmlns:a16="http://schemas.microsoft.com/office/drawing/2014/main" id="{B0039367-2FC1-E5D7-48CA-AE5E99918C34}"/>
               </a:ext>
             </a:extLst>
           </p:cNvPr>
@@ -12245,18 +10931,18 @@
     </p:spTree>
     <p:extLst>
       <p:ext uri="{BB962C8B-B14F-4D97-AF65-F5344CB8AC3E}">
-        <p14:creationId xmlns:p14="http://schemas.microsoft.com/office/powerpoint/2010/main" val="465219671"/>
+        <p14:creationId xmlns:p14="http://schemas.microsoft.com/office/powerpoint/2010/main" val="3274601963"/>
       </p:ext>
     </p:extLst>
   </p:cSld>
   <p:clrMapOvr>
     <a:masterClrMapping/>
   </p:clrMapOvr>
-  <mc:AlternateContent xmlns:mc="http://schemas.openxmlformats.org/markup-compatibility/2006">
-    <mc:Choice xmlns:p14="http://schemas.microsoft.com/office/powerpoint/2010/main" Requires="p14">
+  <mc:AlternateContent xmlns:mc="http://schemas.openxmlformats.org/markup-compatibility/2006" xmlns:p14="http://schemas.microsoft.com/office/powerpoint/2010/main">
+    <mc:Choice Requires="p14">
       <p:transition spd="slow" p14:dur="2000" advClick="0" advTm="5000"/>
     </mc:Choice>
-    <mc:Fallback>
+    <mc:Fallback xmlns="">
       <p:transition spd="slow" advClick="0" advTm="5000"/>
     </mc:Fallback>
   </mc:AlternateContent>
@@ -12787,10 +11473,10 @@
       </p:sp>
       <p:sp>
         <p:nvSpPr>
-          <p:cNvPr id="10" name="Slide Number">
+          <p:cNvPr id="2" name="Slide Number">
             <a:extLst>
               <a:ext uri="{FF2B5EF4-FFF2-40B4-BE49-F238E27FC236}">
-                <a16:creationId xmlns:a16="http://schemas.microsoft.com/office/drawing/2014/main" id="{C4C871B0-5790-4B8F-86A6-45D59E221C95}"/>
+                <a16:creationId xmlns:a16="http://schemas.microsoft.com/office/drawing/2014/main" id="{E487E917-C3A2-59EC-F22C-AFC158D83DC6}"/>
               </a:ext>
             </a:extLst>
           </p:cNvPr>
@@ -12830,7 +11516,7 @@
     </p:spTree>
     <p:extLst>
       <p:ext uri="{BB962C8B-B14F-4D97-AF65-F5344CB8AC3E}">
-        <p14:creationId xmlns:p14="http://schemas.microsoft.com/office/powerpoint/2010/main" val="2924465215"/>
+        <p14:creationId xmlns:p14="http://schemas.microsoft.com/office/powerpoint/2010/main" val="4051906706"/>
       </p:ext>
     </p:extLst>
   </p:cSld>
@@ -14955,10 +13641,10 @@
       </p:sp>
       <p:sp>
         <p:nvSpPr>
-          <p:cNvPr id="31" name="Slide Number">
+          <p:cNvPr id="4" name="Slide Number">
             <a:extLst>
               <a:ext uri="{FF2B5EF4-FFF2-40B4-BE49-F238E27FC236}">
-                <a16:creationId xmlns:a16="http://schemas.microsoft.com/office/drawing/2014/main" id="{5D525EC7-05FB-4EB8-84AE-C7137FD24B01}"/>
+                <a16:creationId xmlns:a16="http://schemas.microsoft.com/office/drawing/2014/main" id="{00D41FB8-27AC-CD2F-4E66-3413E2866880}"/>
               </a:ext>
             </a:extLst>
           </p:cNvPr>
@@ -14998,7 +13684,7 @@
     </p:spTree>
     <p:extLst>
       <p:ext uri="{BB962C8B-B14F-4D97-AF65-F5344CB8AC3E}">
-        <p14:creationId xmlns:p14="http://schemas.microsoft.com/office/powerpoint/2010/main" val="2409645894"/>
+        <p14:creationId xmlns:p14="http://schemas.microsoft.com/office/powerpoint/2010/main" val="2677331783"/>
       </p:ext>
     </p:extLst>
   </p:cSld>
@@ -17105,10 +15791,10 @@
       </p:sp>
       <p:sp>
         <p:nvSpPr>
-          <p:cNvPr id="26" name="Slide Number">
+          <p:cNvPr id="2" name="Slide Number">
             <a:extLst>
               <a:ext uri="{FF2B5EF4-FFF2-40B4-BE49-F238E27FC236}">
-                <a16:creationId xmlns:a16="http://schemas.microsoft.com/office/drawing/2014/main" id="{D2A7BCF0-C4E3-47E2-AAF4-2BCE51EB1CF5}"/>
+                <a16:creationId xmlns:a16="http://schemas.microsoft.com/office/drawing/2014/main" id="{9EF56EDF-67C7-12E3-31C2-0FC049E877FC}"/>
               </a:ext>
             </a:extLst>
           </p:cNvPr>
@@ -17148,7 +15834,7 @@
     </p:spTree>
     <p:extLst>
       <p:ext uri="{BB962C8B-B14F-4D97-AF65-F5344CB8AC3E}">
-        <p14:creationId xmlns:p14="http://schemas.microsoft.com/office/powerpoint/2010/main" val="616098929"/>
+        <p14:creationId xmlns:p14="http://schemas.microsoft.com/office/powerpoint/2010/main" val="1189031344"/>
       </p:ext>
     </p:extLst>
   </p:cSld>
@@ -20640,10 +19326,10 @@
       </p:grpSp>
       <p:sp>
         <p:nvSpPr>
-          <p:cNvPr id="37" name="Slide Number">
+          <p:cNvPr id="2" name="Slide Number">
             <a:extLst>
               <a:ext uri="{FF2B5EF4-FFF2-40B4-BE49-F238E27FC236}">
-                <a16:creationId xmlns:a16="http://schemas.microsoft.com/office/drawing/2014/main" id="{6FD4B787-D237-4661-BA41-1161D40A2229}"/>
+                <a16:creationId xmlns:a16="http://schemas.microsoft.com/office/drawing/2014/main" id="{80A20662-C53C-EF41-6078-01804879B0E5}"/>
               </a:ext>
             </a:extLst>
           </p:cNvPr>
@@ -20683,7 +19369,7 @@
     </p:spTree>
     <p:extLst>
       <p:ext uri="{BB962C8B-B14F-4D97-AF65-F5344CB8AC3E}">
-        <p14:creationId xmlns:p14="http://schemas.microsoft.com/office/powerpoint/2010/main" val="3193140800"/>
+        <p14:creationId xmlns:p14="http://schemas.microsoft.com/office/powerpoint/2010/main" val="974614082"/>
       </p:ext>
     </p:extLst>
   </p:cSld>
@@ -20902,10 +19588,10 @@
       </p:grpSpPr>
       <p:sp>
         <p:nvSpPr>
-          <p:cNvPr id="6" name="Текстов контейнер 5">
+          <p:cNvPr id="8" name="Text Placeholder 7">
             <a:extLst>
               <a:ext uri="{FF2B5EF4-FFF2-40B4-BE49-F238E27FC236}">
-                <a16:creationId xmlns:a16="http://schemas.microsoft.com/office/drawing/2014/main" id="{4CB76519-B33C-47CC-B716-3D0C0C6C46A1}"/>
+                <a16:creationId xmlns:a16="http://schemas.microsoft.com/office/drawing/2014/main" id="{44A14098-58DC-F061-3426-EEFDDC11F2BB}"/>
               </a:ext>
             </a:extLst>
           </p:cNvPr>
@@ -20918,8 +19604,8 @@
         </p:nvSpPr>
         <p:spPr>
           <a:xfrm>
-            <a:off x="674683" y="1224000"/>
-            <a:ext cx="10836275" cy="5388756"/>
+            <a:off x="659725" y="1269000"/>
+            <a:ext cx="10836275" cy="5897356"/>
           </a:xfrm>
         </p:spPr>
         <p:txBody>
@@ -21306,42 +19992,12 @@
               </a:rPr>
               <a:t>    </a:t>
             </a:r>
-            <a:r>
-              <a:rPr lang="en-US" dirty="0">
-                <a:solidFill>
-                  <a:schemeClr val="accent2"/>
-                </a:solidFill>
-              </a:rPr>
-              <a:t>// </a:t>
-            </a:r>
-            <a:r>
-              <a:rPr lang="bg-BG" dirty="0">
-                <a:solidFill>
-                  <a:schemeClr val="accent2"/>
-                </a:solidFill>
-                <a:cs typeface="Consolas" panose="020B0609020204030204" pitchFamily="49" charset="0"/>
-              </a:rPr>
-              <a:t>Резултат</a:t>
-            </a:r>
-            <a:r>
-              <a:rPr lang="en-US" dirty="0">
-                <a:solidFill>
-                  <a:schemeClr val="accent2"/>
-                </a:solidFill>
-                <a:latin typeface="Calibri" panose="020F0502020204030204" pitchFamily="34" charset="0"/>
-                <a:cs typeface="Calibri" panose="020F0502020204030204" pitchFamily="34" charset="0"/>
-              </a:rPr>
-              <a:t>: </a:t>
-            </a:r>
-            <a:r>
-              <a:rPr lang="en-US" dirty="0">
-                <a:solidFill>
-                  <a:schemeClr val="accent2"/>
-                </a:solidFill>
-                <a:cs typeface="Consolas" panose="020B0609020204030204" pitchFamily="49" charset="0"/>
-              </a:rPr>
-              <a:t>First, After First, Before Last, Last</a:t>
-            </a:r>
+            <a:endParaRPr lang="en-US" dirty="0">
+              <a:solidFill>
+                <a:schemeClr val="accent2"/>
+              </a:solidFill>
+              <a:cs typeface="Consolas" panose="020B0609020204030204" pitchFamily="49" charset="0"/>
+            </a:endParaRPr>
           </a:p>
           <a:p>
             <a:pPr eaLnBrk="0" hangingPunct="0">
@@ -21371,6 +20027,9 @@
               <a:t>}</a:t>
             </a:r>
           </a:p>
+          <a:p>
+            <a:endParaRPr lang="bg-BG" dirty="0"/>
+          </a:p>
         </p:txBody>
       </p:sp>
       <p:sp>
@@ -21389,7 +20048,12 @@
             <p:ph type="title"/>
           </p:nvPr>
         </p:nvSpPr>
-        <p:spPr/>
+        <p:spPr>
+          <a:xfrm>
+            <a:off x="190405" y="100750"/>
+            <a:ext cx="10239658" cy="882654"/>
+          </a:xfrm>
+        </p:spPr>
         <p:txBody>
           <a:bodyPr/>
           <a:lstStyle/>
@@ -21407,10 +20071,10 @@
       </p:sp>
       <p:sp>
         <p:nvSpPr>
-          <p:cNvPr id="7" name="Slide Number">
+          <p:cNvPr id="3" name="Slide Number">
             <a:extLst>
               <a:ext uri="{FF2B5EF4-FFF2-40B4-BE49-F238E27FC236}">
-                <a16:creationId xmlns:a16="http://schemas.microsoft.com/office/drawing/2014/main" id="{279389C9-9892-474D-830E-0475978AADD7}"/>
+                <a16:creationId xmlns:a16="http://schemas.microsoft.com/office/drawing/2014/main" id="{C6BED065-9C4D-6278-8684-D89AEA366725}"/>
               </a:ext>
             </a:extLst>
           </p:cNvPr>
@@ -21535,10 +20199,98 @@
           </a:p>
         </p:txBody>
       </p:sp>
+      <p:sp>
+        <p:nvSpPr>
+          <p:cNvPr id="2" name="Текстово поле 1">
+            <a:extLst>
+              <a:ext uri="{FF2B5EF4-FFF2-40B4-BE49-F238E27FC236}">
+                <a16:creationId xmlns:a16="http://schemas.microsoft.com/office/drawing/2014/main" id="{B103B0D4-E8FA-5056-B0BA-0E5DAB8A125E}"/>
+              </a:ext>
+            </a:extLst>
+          </p:cNvPr>
+          <p:cNvSpPr txBox="1"/>
+          <p:nvPr/>
+        </p:nvSpPr>
+        <p:spPr>
+          <a:xfrm>
+            <a:off x="1506001" y="5274000"/>
+            <a:ext cx="9945000" cy="797050"/>
+          </a:xfrm>
+          <a:prstGeom prst="rect">
+            <a:avLst/>
+          </a:prstGeom>
+          <a:noFill/>
+          <a:ln w="12700">
+            <a:noFill/>
+          </a:ln>
+        </p:spPr>
+        <p:txBody>
+          <a:bodyPr vert="horz" wrap="square" lIns="144000" tIns="108000" rIns="144000" bIns="108000" rtlCol="0">
+            <a:spAutoFit/>
+          </a:bodyPr>
+          <a:lstStyle/>
+          <a:p>
+            <a:pPr algn="l" eaLnBrk="0" hangingPunct="0">
+              <a:lnSpc>
+                <a:spcPct val="110000"/>
+              </a:lnSpc>
+              <a:buClr>
+                <a:schemeClr val="accent5">
+                  <a:lumMod val="40000"/>
+                  <a:lumOff val="60000"/>
+                </a:schemeClr>
+              </a:buClr>
+              <a:buSzPct val="70000"/>
+            </a:pPr>
+            <a:r>
+              <a:rPr lang="en-US" sz="3600" b="1" dirty="0">
+                <a:solidFill>
+                  <a:schemeClr val="accent2"/>
+                </a:solidFill>
+                <a:latin typeface="+mj-lt"/>
+              </a:rPr>
+              <a:t>// </a:t>
+            </a:r>
+            <a:r>
+              <a:rPr lang="bg-BG" sz="3600" b="1" dirty="0">
+                <a:solidFill>
+                  <a:schemeClr val="accent2"/>
+                </a:solidFill>
+                <a:latin typeface="+mj-lt"/>
+                <a:cs typeface="Consolas" panose="020B0609020204030204" pitchFamily="49" charset="0"/>
+              </a:rPr>
+              <a:t>Резултат</a:t>
+            </a:r>
+            <a:r>
+              <a:rPr lang="en-US" sz="3600" b="1" dirty="0">
+                <a:solidFill>
+                  <a:schemeClr val="accent2"/>
+                </a:solidFill>
+                <a:latin typeface="+mj-lt"/>
+                <a:cs typeface="Calibri" panose="020F0502020204030204" pitchFamily="34" charset="0"/>
+              </a:rPr>
+              <a:t>: </a:t>
+            </a:r>
+            <a:r>
+              <a:rPr lang="en-US" sz="3600" b="1" dirty="0">
+                <a:solidFill>
+                  <a:schemeClr val="accent2"/>
+                </a:solidFill>
+                <a:latin typeface="+mj-lt"/>
+                <a:cs typeface="Consolas" panose="020B0609020204030204" pitchFamily="49" charset="0"/>
+              </a:rPr>
+              <a:t>First, After First, Before Last, Last</a:t>
+            </a:r>
+            <a:endParaRPr lang="bg-BG" sz="2400" b="1" dirty="0">
+              <a:latin typeface="+mj-lt"/>
+            </a:endParaRPr>
+          </a:p>
+        </p:txBody>
+      </p:sp>
     </p:spTree>
     <p:extLst>
       <p:ext uri="{BB962C8B-B14F-4D97-AF65-F5344CB8AC3E}">
-        <p14:creationId xmlns:p14="http://schemas.microsoft.com/office/powerpoint/2010/main" val="572805364"/>
+        <p14:creationId xmlns:p14="http://schemas.microsoft.com/office/powerpoint/2010/main" val="980337560"/>
       </p:ext>
     </p:extLst>
   </p:cSld>
@@ -21553,258 +20305,6 @@
       <p:transition spd="slow" advClick="0" advTm="5000"/>
     </mc:Fallback>
   </mc:AlternateContent>
-  <p:timing>
-    <p:tnLst>
-      <p:par>
-        <p:cTn id="1" dur="indefinite" restart="never" nodeType="tmRoot">
-          <p:childTnLst>
-            <p:seq concurrent="1" nextAc="seek">
-              <p:cTn id="2" dur="indefinite" nodeType="mainSeq">
-                <p:childTnLst>
-                  <p:par>
-                    <p:cTn id="3" fill="hold">
-                      <p:stCondLst>
-                        <p:cond delay="indefinite"/>
-                      </p:stCondLst>
-                      <p:childTnLst>
-                        <p:par>
-                          <p:cTn id="4" fill="hold">
-                            <p:stCondLst>
-                              <p:cond delay="0"/>
-                            </p:stCondLst>
-                            <p:childTnLst>
-                              <p:par>
-                                <p:cTn id="5" presetID="1" presetClass="entr" presetSubtype="0" fill="hold" nodeType="clickEffect">
-                                  <p:stCondLst>
-                                    <p:cond delay="0"/>
-                                  </p:stCondLst>
-                                  <p:childTnLst>
-                                    <p:set>
-                                      <p:cBhvr>
-                                        <p:cTn id="6" dur="1" fill="hold">
-                                          <p:stCondLst>
-                                            <p:cond delay="0"/>
-                                          </p:stCondLst>
-                                        </p:cTn>
-                                        <p:tgtEl>
-                                          <p:spTgt spid="6">
-                                            <p:txEl>
-                                              <p:pRg st="3" end="3"/>
-                                            </p:txEl>
-                                          </p:spTgt>
-                                        </p:tgtEl>
-                                        <p:attrNameLst>
-                                          <p:attrName>style.visibility</p:attrName>
-                                        </p:attrNameLst>
-                                      </p:cBhvr>
-                                      <p:to>
-                                        <p:strVal val="visible"/>
-                                      </p:to>
-                                    </p:set>
-                                  </p:childTnLst>
-                                </p:cTn>
-                              </p:par>
-                              <p:par>
-                                <p:cTn id="7" presetID="1" presetClass="entr" presetSubtype="0" fill="hold" nodeType="withEffect">
-                                  <p:stCondLst>
-                                    <p:cond delay="0"/>
-                                  </p:stCondLst>
-                                  <p:childTnLst>
-                                    <p:set>
-                                      <p:cBhvr>
-                                        <p:cTn id="8" dur="1" fill="hold">
-                                          <p:stCondLst>
-                                            <p:cond delay="0"/>
-                                          </p:stCondLst>
-                                        </p:cTn>
-                                        <p:tgtEl>
-                                          <p:spTgt spid="6">
-                                            <p:txEl>
-                                              <p:pRg st="4" end="4"/>
-                                            </p:txEl>
-                                          </p:spTgt>
-                                        </p:tgtEl>
-                                        <p:attrNameLst>
-                                          <p:attrName>style.visibility</p:attrName>
-                                        </p:attrNameLst>
-                                      </p:cBhvr>
-                                      <p:to>
-                                        <p:strVal val="visible"/>
-                                      </p:to>
-                                    </p:set>
-                                  </p:childTnLst>
-                                </p:cTn>
-                              </p:par>
-                              <p:par>
-                                <p:cTn id="9" presetID="1" presetClass="entr" presetSubtype="0" fill="hold" nodeType="withEffect">
-                                  <p:stCondLst>
-                                    <p:cond delay="0"/>
-                                  </p:stCondLst>
-                                  <p:childTnLst>
-                                    <p:set>
-                                      <p:cBhvr>
-                                        <p:cTn id="10" dur="1" fill="hold">
-                                          <p:stCondLst>
-                                            <p:cond delay="0"/>
-                                          </p:stCondLst>
-                                        </p:cTn>
-                                        <p:tgtEl>
-                                          <p:spTgt spid="6">
-                                            <p:txEl>
-                                              <p:pRg st="5" end="5"/>
-                                            </p:txEl>
-                                          </p:spTgt>
-                                        </p:tgtEl>
-                                        <p:attrNameLst>
-                                          <p:attrName>style.visibility</p:attrName>
-                                        </p:attrNameLst>
-                                      </p:cBhvr>
-                                      <p:to>
-                                        <p:strVal val="visible"/>
-                                      </p:to>
-                                    </p:set>
-                                  </p:childTnLst>
-                                </p:cTn>
-                              </p:par>
-                              <p:par>
-                                <p:cTn id="11" presetID="1" presetClass="entr" presetSubtype="0" fill="hold" nodeType="withEffect">
-                                  <p:stCondLst>
-                                    <p:cond delay="0"/>
-                                  </p:stCondLst>
-                                  <p:childTnLst>
-                                    <p:set>
-                                      <p:cBhvr>
-                                        <p:cTn id="12" dur="1" fill="hold">
-                                          <p:stCondLst>
-                                            <p:cond delay="0"/>
-                                          </p:stCondLst>
-                                        </p:cTn>
-                                        <p:tgtEl>
-                                          <p:spTgt spid="6">
-                                            <p:txEl>
-                                              <p:pRg st="6" end="6"/>
-                                            </p:txEl>
-                                          </p:spTgt>
-                                        </p:tgtEl>
-                                        <p:attrNameLst>
-                                          <p:attrName>style.visibility</p:attrName>
-                                        </p:attrNameLst>
-                                      </p:cBhvr>
-                                      <p:to>
-                                        <p:strVal val="visible"/>
-                                      </p:to>
-                                    </p:set>
-                                  </p:childTnLst>
-                                </p:cTn>
-                              </p:par>
-                            </p:childTnLst>
-                          </p:cTn>
-                        </p:par>
-                      </p:childTnLst>
-                    </p:cTn>
-                  </p:par>
-                  <p:par>
-                    <p:cTn id="13" fill="hold">
-                      <p:stCondLst>
-                        <p:cond delay="indefinite"/>
-                      </p:stCondLst>
-                      <p:childTnLst>
-                        <p:par>
-                          <p:cTn id="14" fill="hold">
-                            <p:stCondLst>
-                              <p:cond delay="0"/>
-                            </p:stCondLst>
-                            <p:childTnLst>
-                              <p:par>
-                                <p:cTn id="15" presetID="1" presetClass="entr" presetSubtype="0" fill="hold" nodeType="clickEffect">
-                                  <p:stCondLst>
-                                    <p:cond delay="0"/>
-                                  </p:stCondLst>
-                                  <p:childTnLst>
-                                    <p:set>
-                                      <p:cBhvr>
-                                        <p:cTn id="16" dur="1" fill="hold">
-                                          <p:stCondLst>
-                                            <p:cond delay="0"/>
-                                          </p:stCondLst>
-                                        </p:cTn>
-                                        <p:tgtEl>
-                                          <p:spTgt spid="6">
-                                            <p:txEl>
-                                              <p:pRg st="8" end="8"/>
-                                            </p:txEl>
-                                          </p:spTgt>
-                                        </p:tgtEl>
-                                        <p:attrNameLst>
-                                          <p:attrName>style.visibility</p:attrName>
-                                        </p:attrNameLst>
-                                      </p:cBhvr>
-                                      <p:to>
-                                        <p:strVal val="visible"/>
-                                      </p:to>
-                                    </p:set>
-                                  </p:childTnLst>
-                                </p:cTn>
-                              </p:par>
-                              <p:par>
-                                <p:cTn id="17" presetID="1" presetClass="entr" presetSubtype="0" fill="hold" nodeType="withEffect">
-                                  <p:stCondLst>
-                                    <p:cond delay="0"/>
-                                  </p:stCondLst>
-                                  <p:childTnLst>
-                                    <p:set>
-                                      <p:cBhvr>
-                                        <p:cTn id="18" dur="1" fill="hold">
-                                          <p:stCondLst>
-                                            <p:cond delay="0"/>
-                                          </p:stCondLst>
-                                        </p:cTn>
-                                        <p:tgtEl>
-                                          <p:spTgt spid="6">
-                                            <p:txEl>
-                                              <p:pRg st="10" end="10"/>
-                                            </p:txEl>
-                                          </p:spTgt>
-                                        </p:tgtEl>
-                                        <p:attrNameLst>
-                                          <p:attrName>style.visibility</p:attrName>
-                                        </p:attrNameLst>
-                                      </p:cBhvr>
-                                      <p:to>
-                                        <p:strVal val="visible"/>
-                                      </p:to>
-                                    </p:set>
-                                  </p:childTnLst>
-                                </p:cTn>
-                              </p:par>
-                            </p:childTnLst>
-                          </p:cTn>
-                        </p:par>
-                      </p:childTnLst>
-                    </p:cTn>
-                  </p:par>
-                </p:childTnLst>
-              </p:cTn>
-              <p:prevCondLst>
-                <p:cond evt="onPrev" delay="0">
-                  <p:tgtEl>
-                    <p:sldTgt/>
-                  </p:tgtEl>
-                </p:cond>
-              </p:prevCondLst>
-              <p:nextCondLst>
-                <p:cond evt="onNext" delay="0">
-                  <p:tgtEl>
-                    <p:sldTgt/>
-                  </p:tgtEl>
-                </p:cond>
-              </p:nextCondLst>
-            </p:seq>
-          </p:childTnLst>
-        </p:cTn>
-      </p:par>
-    </p:tnLst>
-  </p:timing>
 </p:sld>
 </file>
 
@@ -24253,17 +22753,19 @@
       </p:grpSp>
       <p:sp>
         <p:nvSpPr>
-          <p:cNvPr id="31" name="Slide Number">
+          <p:cNvPr id="2" name="Slide Number">
             <a:extLst>
               <a:ext uri="{FF2B5EF4-FFF2-40B4-BE49-F238E27FC236}">
-                <a16:creationId xmlns:a16="http://schemas.microsoft.com/office/drawing/2014/main" id="{5802771A-E0E9-41A4-A2F1-99E11ECAAF96}"/>
+                <a16:creationId xmlns:a16="http://schemas.microsoft.com/office/drawing/2014/main" id="{41601DF3-0A52-40EB-FDD7-5F9BE1067BC1}"/>
               </a:ext>
             </a:extLst>
           </p:cNvPr>
-          <p:cNvSpPr txBox="1">
-            <a:spLocks/>
+          <p:cNvSpPr>
+            <a:spLocks noGrp="1"/>
           </p:cNvSpPr>
-          <p:nvPr/>
+          <p:nvPr>
+            <p:ph type="sldNum" sz="quarter" idx="5"/>
+          </p:nvPr>
         </p:nvSpPr>
         <p:spPr>
           <a:xfrm>
@@ -24277,114 +22779,24 @@
         <p:txBody>
           <a:bodyPr vert="horz" lIns="91440" tIns="45720" rIns="91440" bIns="45720" rtlCol="0" anchor="b"/>
           <a:lstStyle>
-            <a:defPPr>
-              <a:defRPr lang="en-US"/>
-            </a:defPPr>
-            <a:lvl1pPr marL="0" algn="r" defTabSz="914400" rtl="0" eaLnBrk="1" latinLnBrk="0" hangingPunct="1">
-              <a:defRPr sz="1000" kern="1200">
-                <a:solidFill>
-                  <a:schemeClr val="tx1"/>
-                </a:solidFill>
-                <a:latin typeface="+mn-lt"/>
-                <a:ea typeface="+mn-ea"/>
-                <a:cs typeface="+mn-cs"/>
-              </a:defRPr>
+            <a:lvl1pPr algn="r">
+              <a:defRPr sz="1000"/>
             </a:lvl1pPr>
-            <a:lvl2pPr marL="457200" algn="l" defTabSz="914400" rtl="0" eaLnBrk="1" latinLnBrk="0" hangingPunct="1">
-              <a:defRPr sz="1800" kern="1200">
-                <a:solidFill>
-                  <a:schemeClr val="tx1"/>
-                </a:solidFill>
-                <a:latin typeface="+mn-lt"/>
-                <a:ea typeface="+mn-ea"/>
-                <a:cs typeface="+mn-cs"/>
-              </a:defRPr>
-            </a:lvl2pPr>
-            <a:lvl3pPr marL="914400" algn="l" defTabSz="914400" rtl="0" eaLnBrk="1" latinLnBrk="0" hangingPunct="1">
-              <a:defRPr sz="1800" kern="1200">
-                <a:solidFill>
-                  <a:schemeClr val="tx1"/>
-                </a:solidFill>
-                <a:latin typeface="+mn-lt"/>
-                <a:ea typeface="+mn-ea"/>
-                <a:cs typeface="+mn-cs"/>
-              </a:defRPr>
-            </a:lvl3pPr>
-            <a:lvl4pPr marL="1371600" algn="l" defTabSz="914400" rtl="0" eaLnBrk="1" latinLnBrk="0" hangingPunct="1">
-              <a:defRPr sz="1800" kern="1200">
-                <a:solidFill>
-                  <a:schemeClr val="tx1"/>
-                </a:solidFill>
-                <a:latin typeface="+mn-lt"/>
-                <a:ea typeface="+mn-ea"/>
-                <a:cs typeface="+mn-cs"/>
-              </a:defRPr>
-            </a:lvl4pPr>
-            <a:lvl5pPr marL="1828800" algn="l" defTabSz="914400" rtl="0" eaLnBrk="1" latinLnBrk="0" hangingPunct="1">
-              <a:defRPr sz="1800" kern="1200">
-                <a:solidFill>
-                  <a:schemeClr val="tx1"/>
-                </a:solidFill>
-                <a:latin typeface="+mn-lt"/>
-                <a:ea typeface="+mn-ea"/>
-                <a:cs typeface="+mn-cs"/>
-              </a:defRPr>
-            </a:lvl5pPr>
-            <a:lvl6pPr marL="2286000" algn="l" defTabSz="914400" rtl="0" eaLnBrk="1" latinLnBrk="0" hangingPunct="1">
-              <a:defRPr sz="1800" kern="1200">
-                <a:solidFill>
-                  <a:schemeClr val="tx1"/>
-                </a:solidFill>
-                <a:latin typeface="+mn-lt"/>
-                <a:ea typeface="+mn-ea"/>
-                <a:cs typeface="+mn-cs"/>
-              </a:defRPr>
-            </a:lvl6pPr>
-            <a:lvl7pPr marL="2743200" algn="l" defTabSz="914400" rtl="0" eaLnBrk="1" latinLnBrk="0" hangingPunct="1">
-              <a:defRPr sz="1800" kern="1200">
-                <a:solidFill>
-                  <a:schemeClr val="tx1"/>
-                </a:solidFill>
-                <a:latin typeface="+mn-lt"/>
-                <a:ea typeface="+mn-ea"/>
-                <a:cs typeface="+mn-cs"/>
-              </a:defRPr>
-            </a:lvl7pPr>
-            <a:lvl8pPr marL="3200400" algn="l" defTabSz="914400" rtl="0" eaLnBrk="1" latinLnBrk="0" hangingPunct="1">
-              <a:defRPr sz="1800" kern="1200">
-                <a:solidFill>
-                  <a:schemeClr val="tx1"/>
-                </a:solidFill>
-                <a:latin typeface="+mn-lt"/>
-                <a:ea typeface="+mn-ea"/>
-                <a:cs typeface="+mn-cs"/>
-              </a:defRPr>
-            </a:lvl8pPr>
-            <a:lvl9pPr marL="3657600" algn="l" defTabSz="914400" rtl="0" eaLnBrk="1" latinLnBrk="0" hangingPunct="1">
-              <a:defRPr sz="1800" kern="1200">
-                <a:solidFill>
-                  <a:schemeClr val="tx1"/>
-                </a:solidFill>
-                <a:latin typeface="+mn-lt"/>
-                <a:ea typeface="+mn-ea"/>
-                <a:cs typeface="+mn-cs"/>
-              </a:defRPr>
-            </a:lvl9pPr>
           </a:lstStyle>
           <a:p>
             <a:fld id="{2BF067CD-8E6B-4360-9AA8-C5DF2A48A6D1}" type="slidenum">
-              <a:rPr lang="en-US" smtClean="0"/>
+              <a:rPr lang="en-US" noProof="0" smtClean="0"/>
               <a:pPr/>
               <a:t>19</a:t>
             </a:fld>
-            <a:endParaRPr lang="en-US" dirty="0"/>
+            <a:endParaRPr lang="en-US" noProof="0" dirty="0"/>
           </a:p>
         </p:txBody>
       </p:sp>
     </p:spTree>
     <p:extLst>
       <p:ext uri="{BB962C8B-B14F-4D97-AF65-F5344CB8AC3E}">
-        <p14:creationId xmlns:p14="http://schemas.microsoft.com/office/powerpoint/2010/main" val="2654697360"/>
+        <p14:creationId xmlns:p14="http://schemas.microsoft.com/office/powerpoint/2010/main" val="2864318283"/>
       </p:ext>
     </p:extLst>
   </p:cSld>
@@ -24903,10 +23315,10 @@
       </p:sp>
       <p:sp>
         <p:nvSpPr>
-          <p:cNvPr id="5" name="Slide Number">
+          <p:cNvPr id="2" name="Slide Number">
             <a:extLst>
               <a:ext uri="{FF2B5EF4-FFF2-40B4-BE49-F238E27FC236}">
-                <a16:creationId xmlns:a16="http://schemas.microsoft.com/office/drawing/2014/main" id="{25C9A669-3E4C-440B-9E83-8C747EDCBC32}"/>
+                <a16:creationId xmlns:a16="http://schemas.microsoft.com/office/drawing/2014/main" id="{CEF4F633-9D59-8B45-6CB3-37C920F2E86F}"/>
               </a:ext>
             </a:extLst>
           </p:cNvPr>
@@ -25034,7 +23446,7 @@
     </p:spTree>
     <p:extLst>
       <p:ext uri="{BB962C8B-B14F-4D97-AF65-F5344CB8AC3E}">
-        <p14:creationId xmlns:p14="http://schemas.microsoft.com/office/powerpoint/2010/main" val="2631314930"/>
+        <p14:creationId xmlns:p14="http://schemas.microsoft.com/office/powerpoint/2010/main" val="2866008450"/>
       </p:ext>
     </p:extLst>
   </p:cSld>
@@ -25149,15 +23561,33 @@
                                   </p:childTnLst>
                                 </p:cTn>
                               </p:par>
+                            </p:childTnLst>
+                          </p:cTn>
+                        </p:par>
+                      </p:childTnLst>
+                    </p:cTn>
+                  </p:par>
+                  <p:par>
+                    <p:cTn id="11" fill="hold">
+                      <p:stCondLst>
+                        <p:cond delay="indefinite"/>
+                      </p:stCondLst>
+                      <p:childTnLst>
+                        <p:par>
+                          <p:cTn id="12" fill="hold">
+                            <p:stCondLst>
+                              <p:cond delay="0"/>
+                            </p:stCondLst>
+                            <p:childTnLst>
                               <p:par>
-                                <p:cTn id="11" presetID="1" presetClass="entr" presetSubtype="0" fill="hold" nodeType="withEffect">
+                                <p:cTn id="13" presetID="1" presetClass="entr" presetSubtype="0" fill="hold" nodeType="clickEffect">
                                   <p:stCondLst>
                                     <p:cond delay="0"/>
                                   </p:stCondLst>
                                   <p:childTnLst>
                                     <p:set>
                                       <p:cBhvr>
-                                        <p:cTn id="12" dur="1" fill="hold">
+                                        <p:cTn id="14" dur="1" fill="hold">
                                           <p:stCondLst>
                                             <p:cond delay="0"/>
                                           </p:stCondLst>
@@ -25187,26 +23617,26 @@
                     </p:cTn>
                   </p:par>
                   <p:par>
-                    <p:cTn id="13" fill="hold">
+                    <p:cTn id="15" fill="hold">
                       <p:stCondLst>
                         <p:cond delay="indefinite"/>
                       </p:stCondLst>
                       <p:childTnLst>
                         <p:par>
-                          <p:cTn id="14" fill="hold">
+                          <p:cTn id="16" fill="hold">
                             <p:stCondLst>
                               <p:cond delay="0"/>
                             </p:stCondLst>
                             <p:childTnLst>
                               <p:par>
-                                <p:cTn id="15" presetID="1" presetClass="entr" presetSubtype="0" fill="hold" nodeType="clickEffect">
+                                <p:cTn id="17" presetID="1" presetClass="entr" presetSubtype="0" fill="hold" nodeType="clickEffect">
                                   <p:stCondLst>
                                     <p:cond delay="0"/>
                                   </p:stCondLst>
                                   <p:childTnLst>
                                     <p:set>
                                       <p:cBhvr>
-                                        <p:cTn id="16" dur="1" fill="hold">
+                                        <p:cTn id="18" dur="1" fill="hold">
                                           <p:stCondLst>
                                             <p:cond delay="0"/>
                                           </p:stCondLst>
@@ -25229,15 +23659,33 @@
                                   </p:childTnLst>
                                 </p:cTn>
                               </p:par>
+                            </p:childTnLst>
+                          </p:cTn>
+                        </p:par>
+                      </p:childTnLst>
+                    </p:cTn>
+                  </p:par>
+                  <p:par>
+                    <p:cTn id="19" fill="hold">
+                      <p:stCondLst>
+                        <p:cond delay="indefinite"/>
+                      </p:stCondLst>
+                      <p:childTnLst>
+                        <p:par>
+                          <p:cTn id="20" fill="hold">
+                            <p:stCondLst>
+                              <p:cond delay="0"/>
+                            </p:stCondLst>
+                            <p:childTnLst>
                               <p:par>
-                                <p:cTn id="17" presetID="1" presetClass="entr" presetSubtype="0" fill="hold" nodeType="withEffect">
+                                <p:cTn id="21" presetID="1" presetClass="entr" presetSubtype="0" fill="hold" nodeType="clickEffect">
                                   <p:stCondLst>
                                     <p:cond delay="0"/>
                                   </p:stCondLst>
                                   <p:childTnLst>
                                     <p:set>
                                       <p:cBhvr>
-                                        <p:cTn id="18" dur="1" fill="hold">
+                                        <p:cTn id="22" dur="1" fill="hold">
                                           <p:stCondLst>
                                             <p:cond delay="0"/>
                                           </p:stCondLst>
@@ -27709,17 +26157,19 @@
       </p:grpSp>
       <p:sp>
         <p:nvSpPr>
-          <p:cNvPr id="29" name="Slide Number">
+          <p:cNvPr id="2" name="Slide Number">
             <a:extLst>
               <a:ext uri="{FF2B5EF4-FFF2-40B4-BE49-F238E27FC236}">
-                <a16:creationId xmlns:a16="http://schemas.microsoft.com/office/drawing/2014/main" id="{3A3800C1-0FC4-4A6A-B7AC-2C8ABCBC8AB6}"/>
+                <a16:creationId xmlns:a16="http://schemas.microsoft.com/office/drawing/2014/main" id="{8FDB23D3-6F43-FBA2-5B5F-AFE8143D0D37}"/>
               </a:ext>
             </a:extLst>
           </p:cNvPr>
-          <p:cNvSpPr txBox="1">
-            <a:spLocks/>
+          <p:cNvSpPr>
+            <a:spLocks noGrp="1"/>
           </p:cNvSpPr>
-          <p:nvPr/>
+          <p:nvPr>
+            <p:ph type="sldNum" sz="quarter" idx="5"/>
+          </p:nvPr>
         </p:nvSpPr>
         <p:spPr>
           <a:xfrm>
@@ -27733,114 +26183,24 @@
         <p:txBody>
           <a:bodyPr vert="horz" lIns="91440" tIns="45720" rIns="91440" bIns="45720" rtlCol="0" anchor="b"/>
           <a:lstStyle>
-            <a:defPPr>
-              <a:defRPr lang="en-US"/>
-            </a:defPPr>
-            <a:lvl1pPr marL="0" algn="r" defTabSz="914400" rtl="0" eaLnBrk="1" latinLnBrk="0" hangingPunct="1">
-              <a:defRPr sz="1000" kern="1200">
-                <a:solidFill>
-                  <a:schemeClr val="tx1"/>
-                </a:solidFill>
-                <a:latin typeface="+mn-lt"/>
-                <a:ea typeface="+mn-ea"/>
-                <a:cs typeface="+mn-cs"/>
-              </a:defRPr>
+            <a:lvl1pPr algn="r">
+              <a:defRPr sz="1000"/>
             </a:lvl1pPr>
-            <a:lvl2pPr marL="457200" algn="l" defTabSz="914400" rtl="0" eaLnBrk="1" latinLnBrk="0" hangingPunct="1">
-              <a:defRPr sz="1800" kern="1200">
-                <a:solidFill>
-                  <a:schemeClr val="tx1"/>
-                </a:solidFill>
-                <a:latin typeface="+mn-lt"/>
-                <a:ea typeface="+mn-ea"/>
-                <a:cs typeface="+mn-cs"/>
-              </a:defRPr>
-            </a:lvl2pPr>
-            <a:lvl3pPr marL="914400" algn="l" defTabSz="914400" rtl="0" eaLnBrk="1" latinLnBrk="0" hangingPunct="1">
-              <a:defRPr sz="1800" kern="1200">
-                <a:solidFill>
-                  <a:schemeClr val="tx1"/>
-                </a:solidFill>
-                <a:latin typeface="+mn-lt"/>
-                <a:ea typeface="+mn-ea"/>
-                <a:cs typeface="+mn-cs"/>
-              </a:defRPr>
-            </a:lvl3pPr>
-            <a:lvl4pPr marL="1371600" algn="l" defTabSz="914400" rtl="0" eaLnBrk="1" latinLnBrk="0" hangingPunct="1">
-              <a:defRPr sz="1800" kern="1200">
-                <a:solidFill>
-                  <a:schemeClr val="tx1"/>
-                </a:solidFill>
-                <a:latin typeface="+mn-lt"/>
-                <a:ea typeface="+mn-ea"/>
-                <a:cs typeface="+mn-cs"/>
-              </a:defRPr>
-            </a:lvl4pPr>
-            <a:lvl5pPr marL="1828800" algn="l" defTabSz="914400" rtl="0" eaLnBrk="1" latinLnBrk="0" hangingPunct="1">
-              <a:defRPr sz="1800" kern="1200">
-                <a:solidFill>
-                  <a:schemeClr val="tx1"/>
-                </a:solidFill>
-                <a:latin typeface="+mn-lt"/>
-                <a:ea typeface="+mn-ea"/>
-                <a:cs typeface="+mn-cs"/>
-              </a:defRPr>
-            </a:lvl5pPr>
-            <a:lvl6pPr marL="2286000" algn="l" defTabSz="914400" rtl="0" eaLnBrk="1" latinLnBrk="0" hangingPunct="1">
-              <a:defRPr sz="1800" kern="1200">
-                <a:solidFill>
-                  <a:schemeClr val="tx1"/>
-                </a:solidFill>
-                <a:latin typeface="+mn-lt"/>
-                <a:ea typeface="+mn-ea"/>
-                <a:cs typeface="+mn-cs"/>
-              </a:defRPr>
-            </a:lvl6pPr>
-            <a:lvl7pPr marL="2743200" algn="l" defTabSz="914400" rtl="0" eaLnBrk="1" latinLnBrk="0" hangingPunct="1">
-              <a:defRPr sz="1800" kern="1200">
-                <a:solidFill>
-                  <a:schemeClr val="tx1"/>
-                </a:solidFill>
-                <a:latin typeface="+mn-lt"/>
-                <a:ea typeface="+mn-ea"/>
-                <a:cs typeface="+mn-cs"/>
-              </a:defRPr>
-            </a:lvl7pPr>
-            <a:lvl8pPr marL="3200400" algn="l" defTabSz="914400" rtl="0" eaLnBrk="1" latinLnBrk="0" hangingPunct="1">
-              <a:defRPr sz="1800" kern="1200">
-                <a:solidFill>
-                  <a:schemeClr val="tx1"/>
-                </a:solidFill>
-                <a:latin typeface="+mn-lt"/>
-                <a:ea typeface="+mn-ea"/>
-                <a:cs typeface="+mn-cs"/>
-              </a:defRPr>
-            </a:lvl8pPr>
-            <a:lvl9pPr marL="3657600" algn="l" defTabSz="914400" rtl="0" eaLnBrk="1" latinLnBrk="0" hangingPunct="1">
-              <a:defRPr sz="1800" kern="1200">
-                <a:solidFill>
-                  <a:schemeClr val="tx1"/>
-                </a:solidFill>
-                <a:latin typeface="+mn-lt"/>
-                <a:ea typeface="+mn-ea"/>
-                <a:cs typeface="+mn-cs"/>
-              </a:defRPr>
-            </a:lvl9pPr>
           </a:lstStyle>
           <a:p>
             <a:fld id="{2BF067CD-8E6B-4360-9AA8-C5DF2A48A6D1}" type="slidenum">
-              <a:rPr lang="en-US" smtClean="0"/>
+              <a:rPr lang="en-US" noProof="0" smtClean="0"/>
               <a:pPr/>
               <a:t>20</a:t>
             </a:fld>
-            <a:endParaRPr lang="en-US" dirty="0"/>
+            <a:endParaRPr lang="en-US" noProof="0" dirty="0"/>
           </a:p>
         </p:txBody>
       </p:sp>
     </p:spTree>
     <p:extLst>
       <p:ext uri="{BB962C8B-B14F-4D97-AF65-F5344CB8AC3E}">
-        <p14:creationId xmlns:p14="http://schemas.microsoft.com/office/powerpoint/2010/main" val="1678546759"/>
+        <p14:creationId xmlns:p14="http://schemas.microsoft.com/office/powerpoint/2010/main" val="2461924498"/>
       </p:ext>
     </p:extLst>
   </p:cSld>
@@ -28057,72 +26417,6 @@
           <a:chExt cx="0" cy="0"/>
         </a:xfrm>
       </p:grpSpPr>
-      <p:sp>
-        <p:nvSpPr>
-          <p:cNvPr id="3" name="Subtitle 2">
-            <a:extLst>
-              <a:ext uri="{FF2B5EF4-FFF2-40B4-BE49-F238E27FC236}">
-                <a16:creationId xmlns:a16="http://schemas.microsoft.com/office/drawing/2014/main" id="{A870A6BE-28E4-248F-04B8-5244460B0063}"/>
-              </a:ext>
-            </a:extLst>
-          </p:cNvPr>
-          <p:cNvSpPr>
-            <a:spLocks noGrp="1"/>
-          </p:cNvSpPr>
-          <p:nvPr>
-            <p:ph type="subTitle" sz="quarter" idx="11"/>
-          </p:nvPr>
-        </p:nvSpPr>
-        <p:spPr/>
-        <p:txBody>
-          <a:bodyPr/>
-          <a:lstStyle/>
-          <a:p>
-            <a:r>
-              <a:rPr lang="bg-BG" dirty="0"/>
-              <a:t>Речници, </a:t>
-            </a:r>
-            <a:r>
-              <a:rPr lang="en-US" dirty="0"/>
-              <a:t>MaxHeap, </a:t>
-            </a:r>
-            <a:r>
-              <a:rPr lang="bg-BG" dirty="0"/>
-              <a:t>дървета и графи</a:t>
-            </a:r>
-            <a:endParaRPr lang="en-BG" dirty="0"/>
-          </a:p>
-        </p:txBody>
-      </p:sp>
-      <p:sp>
-        <p:nvSpPr>
-          <p:cNvPr id="5" name="Title 4">
-            <a:extLst>
-              <a:ext uri="{FF2B5EF4-FFF2-40B4-BE49-F238E27FC236}">
-                <a16:creationId xmlns:a16="http://schemas.microsoft.com/office/drawing/2014/main" id="{6357D4D7-BBB7-4EED-94F5-1B66DE16CE3A}"/>
-              </a:ext>
-            </a:extLst>
-          </p:cNvPr>
-          <p:cNvSpPr>
-            <a:spLocks noGrp="1"/>
-          </p:cNvSpPr>
-          <p:nvPr>
-            <p:ph type="title" sz="quarter" idx="10"/>
-          </p:nvPr>
-        </p:nvSpPr>
-        <p:spPr/>
-        <p:txBody>
-          <a:bodyPr/>
-          <a:lstStyle/>
-          <a:p>
-            <a:r>
-              <a:rPr lang="bg-BG" dirty="0"/>
-              <a:t>Сложни структури от данни</a:t>
-            </a:r>
-            <a:endParaRPr lang="en-US" dirty="0"/>
-          </a:p>
-        </p:txBody>
-      </p:sp>
       <p:pic>
         <p:nvPicPr>
           <p:cNvPr id="1026" name="Picture 2" descr="Резултат с изображение за „data structures picture“">
@@ -28187,10 +26481,72 @@
           </a:extLst>
         </p:spPr>
       </p:pic>
+      <p:sp>
+        <p:nvSpPr>
+          <p:cNvPr id="4" name="Подзаглавие 3">
+            <a:extLst>
+              <a:ext uri="{FF2B5EF4-FFF2-40B4-BE49-F238E27FC236}">
+                <a16:creationId xmlns:a16="http://schemas.microsoft.com/office/drawing/2014/main" id="{30717B7E-B088-59C4-B058-89FB6D3D36F1}"/>
+              </a:ext>
+            </a:extLst>
+          </p:cNvPr>
+          <p:cNvSpPr>
+            <a:spLocks noGrp="1"/>
+          </p:cNvSpPr>
+          <p:nvPr>
+            <p:ph type="subTitle" sz="quarter" idx="11"/>
+          </p:nvPr>
+        </p:nvSpPr>
+        <p:spPr/>
+        <p:txBody>
+          <a:bodyPr/>
+          <a:lstStyle/>
+          <a:p>
+            <a:r>
+              <a:rPr lang="bg-BG"/>
+              <a:t>Сложни структури от данни</a:t>
+            </a:r>
+          </a:p>
+        </p:txBody>
+      </p:sp>
+      <p:sp>
+        <p:nvSpPr>
+          <p:cNvPr id="7" name="Заглавие 6">
+            <a:extLst>
+              <a:ext uri="{FF2B5EF4-FFF2-40B4-BE49-F238E27FC236}">
+                <a16:creationId xmlns:a16="http://schemas.microsoft.com/office/drawing/2014/main" id="{85CD7FED-4C50-CDFD-1CD1-0341DABD06E9}"/>
+              </a:ext>
+            </a:extLst>
+          </p:cNvPr>
+          <p:cNvSpPr>
+            <a:spLocks noGrp="1"/>
+          </p:cNvSpPr>
+          <p:nvPr>
+            <p:ph type="title" sz="quarter" idx="10"/>
+          </p:nvPr>
+        </p:nvSpPr>
+        <p:spPr>
+          <a:xfrm>
+            <a:off x="615109" y="4775916"/>
+            <a:ext cx="10961783" cy="768084"/>
+          </a:xfrm>
+        </p:spPr>
+        <p:txBody>
+          <a:bodyPr/>
+          <a:lstStyle/>
+          <a:p>
+            <a:r>
+              <a:rPr lang="ru-RU" sz="4800" dirty="0"/>
+              <a:t>Речници, MaxHeap, дървета и графи</a:t>
+            </a:r>
+            <a:endParaRPr lang="bg-BG" sz="4800" dirty="0"/>
+          </a:p>
+        </p:txBody>
+      </p:sp>
     </p:spTree>
     <p:extLst>
       <p:ext uri="{BB962C8B-B14F-4D97-AF65-F5344CB8AC3E}">
-        <p14:creationId xmlns:p14="http://schemas.microsoft.com/office/powerpoint/2010/main" val="2400711497"/>
+        <p14:creationId xmlns:p14="http://schemas.microsoft.com/office/powerpoint/2010/main" val="1513131342"/>
       </p:ext>
     </p:extLst>
   </p:cSld>
@@ -28856,10 +27212,10 @@
       </p:grpSp>
       <p:sp>
         <p:nvSpPr>
-          <p:cNvPr id="13" name="Slide Number">
+          <p:cNvPr id="3" name="Slide Number">
             <a:extLst>
               <a:ext uri="{FF2B5EF4-FFF2-40B4-BE49-F238E27FC236}">
-                <a16:creationId xmlns:a16="http://schemas.microsoft.com/office/drawing/2014/main" id="{D98C421E-8557-44C6-BC6B-2A1724F35070}"/>
+                <a16:creationId xmlns:a16="http://schemas.microsoft.com/office/drawing/2014/main" id="{89CEF4CF-DBAF-6A1B-64ED-E6A27519B6F1}"/>
               </a:ext>
             </a:extLst>
           </p:cNvPr>
@@ -28899,7 +27255,7 @@
     </p:spTree>
     <p:extLst>
       <p:ext uri="{BB962C8B-B14F-4D97-AF65-F5344CB8AC3E}">
-        <p14:creationId xmlns:p14="http://schemas.microsoft.com/office/powerpoint/2010/main" val="359020822"/>
+        <p14:creationId xmlns:p14="http://schemas.microsoft.com/office/powerpoint/2010/main" val="2974395429"/>
       </p:ext>
     </p:extLst>
   </p:cSld>
@@ -29364,7 +27720,19 @@
             </a:pPr>
             <a:r>
               <a:rPr lang="en-GB" sz="2599" dirty="0"/>
-              <a:t>studentGrades.Add("Peter", 6);</a:t>
+              <a:t>studentGrades.</a:t>
+            </a:r>
+            <a:r>
+              <a:rPr lang="en-GB" sz="2599" dirty="0">
+                <a:solidFill>
+                  <a:schemeClr val="bg1"/>
+                </a:solidFill>
+              </a:rPr>
+              <a:t>Add</a:t>
+            </a:r>
+            <a:r>
+              <a:rPr lang="en-GB" sz="2599" dirty="0"/>
+              <a:t>("Peter", 6);</a:t>
             </a:r>
           </a:p>
           <a:p>
@@ -29382,7 +27750,19 @@
             </a:pPr>
             <a:r>
               <a:rPr lang="en-GB" sz="2599" dirty="0"/>
-              <a:t>studentGrades.Add("Maria", 6);</a:t>
+              <a:t>studentGrades.</a:t>
+            </a:r>
+            <a:r>
+              <a:rPr lang="en-GB" sz="2599" dirty="0">
+                <a:solidFill>
+                  <a:schemeClr val="bg1"/>
+                </a:solidFill>
+              </a:rPr>
+              <a:t>Add</a:t>
+            </a:r>
+            <a:r>
+              <a:rPr lang="en-GB" sz="2599" dirty="0"/>
+              <a:t>("Maria", 6);</a:t>
             </a:r>
           </a:p>
           <a:p>
@@ -29400,7 +27780,19 @@
             </a:pPr>
             <a:r>
               <a:rPr lang="en-GB" sz="2599" dirty="0"/>
-              <a:t>studentGrades.Add("George", 5);</a:t>
+              <a:t>studentGrades.</a:t>
+            </a:r>
+            <a:r>
+              <a:rPr lang="en-GB" sz="2599" dirty="0">
+                <a:solidFill>
+                  <a:schemeClr val="bg1"/>
+                </a:solidFill>
+              </a:rPr>
+              <a:t>Add</a:t>
+            </a:r>
+            <a:r>
+              <a:rPr lang="en-GB" sz="2599" dirty="0"/>
+              <a:t>("George", 5);</a:t>
             </a:r>
           </a:p>
           <a:p>
@@ -29715,12 +28107,7 @@
             <p:ph type="title"/>
           </p:nvPr>
         </p:nvSpPr>
-        <p:spPr>
-          <a:xfrm>
-            <a:off x="190355" y="100750"/>
-            <a:ext cx="9792489" cy="882654"/>
-          </a:xfrm>
-        </p:spPr>
+        <p:spPr/>
         <p:txBody>
           <a:bodyPr/>
           <a:lstStyle/>
@@ -29735,10 +28122,10 @@
       </p:sp>
       <p:sp>
         <p:nvSpPr>
-          <p:cNvPr id="15" name="Slide Number">
+          <p:cNvPr id="4" name="Slide Number">
             <a:extLst>
               <a:ext uri="{FF2B5EF4-FFF2-40B4-BE49-F238E27FC236}">
-                <a16:creationId xmlns:a16="http://schemas.microsoft.com/office/drawing/2014/main" id="{A26D19C8-077E-4DE6-AF5B-3AA3538B2F9B}"/>
+                <a16:creationId xmlns:a16="http://schemas.microsoft.com/office/drawing/2014/main" id="{CDCA7A13-F84D-A1F3-2D2D-E25CEA317342}"/>
               </a:ext>
             </a:extLst>
           </p:cNvPr>
@@ -29866,7 +28253,7 @@
     </p:spTree>
     <p:extLst>
       <p:ext uri="{BB962C8B-B14F-4D97-AF65-F5344CB8AC3E}">
-        <p14:creationId xmlns:p14="http://schemas.microsoft.com/office/powerpoint/2010/main" val="407555682"/>
+        <p14:creationId xmlns:p14="http://schemas.microsoft.com/office/powerpoint/2010/main" val="578964875"/>
       </p:ext>
     </p:extLst>
   </p:cSld>
@@ -30605,10 +28992,10 @@
       </p:sp>
       <p:sp>
         <p:nvSpPr>
-          <p:cNvPr id="6" name="Slide Number">
+          <p:cNvPr id="2" name="Slide Number">
             <a:extLst>
               <a:ext uri="{FF2B5EF4-FFF2-40B4-BE49-F238E27FC236}">
-                <a16:creationId xmlns:a16="http://schemas.microsoft.com/office/drawing/2014/main" id="{F621D379-F1C0-46C1-B0A5-96DB0CC19ADE}"/>
+                <a16:creationId xmlns:a16="http://schemas.microsoft.com/office/drawing/2014/main" id="{5986C3E0-897A-387B-43B9-2B8F3703E885}"/>
               </a:ext>
             </a:extLst>
           </p:cNvPr>
@@ -30648,7 +29035,7 @@
     </p:spTree>
     <p:extLst>
       <p:ext uri="{BB962C8B-B14F-4D97-AF65-F5344CB8AC3E}">
-        <p14:creationId xmlns:p14="http://schemas.microsoft.com/office/powerpoint/2010/main" val="2432210989"/>
+        <p14:creationId xmlns:p14="http://schemas.microsoft.com/office/powerpoint/2010/main" val="1015730797"/>
       </p:ext>
     </p:extLst>
   </p:cSld>
@@ -31361,10 +29748,10 @@
       </p:pic>
       <p:sp>
         <p:nvSpPr>
-          <p:cNvPr id="10" name="Slide Number">
+          <p:cNvPr id="2" name="Slide Number">
             <a:extLst>
               <a:ext uri="{FF2B5EF4-FFF2-40B4-BE49-F238E27FC236}">
-                <a16:creationId xmlns:a16="http://schemas.microsoft.com/office/drawing/2014/main" id="{48C9D53E-F0AE-44AF-B08A-AD1A5FFE90CD}"/>
+                <a16:creationId xmlns:a16="http://schemas.microsoft.com/office/drawing/2014/main" id="{68F15F0D-687E-2F8A-2B69-5A517241CF3C}"/>
               </a:ext>
             </a:extLst>
           </p:cNvPr>
@@ -31404,7 +29791,7 @@
     </p:spTree>
     <p:extLst>
       <p:ext uri="{BB962C8B-B14F-4D97-AF65-F5344CB8AC3E}">
-        <p14:creationId xmlns:p14="http://schemas.microsoft.com/office/powerpoint/2010/main" val="3541609396"/>
+        <p14:creationId xmlns:p14="http://schemas.microsoft.com/office/powerpoint/2010/main" val="1225247389"/>
       </p:ext>
     </p:extLst>
   </p:cSld>
@@ -31743,36 +30130,6 @@
       </p:grpSpPr>
       <p:sp>
         <p:nvSpPr>
-          <p:cNvPr id="2" name="Slide Number Placeholder 1">
-            <a:extLst>
-              <a:ext uri="{FF2B5EF4-FFF2-40B4-BE49-F238E27FC236}">
-                <a16:creationId xmlns:a16="http://schemas.microsoft.com/office/drawing/2014/main" id="{294E1E27-E0C1-E96C-9E0D-158B7D30516A}"/>
-              </a:ext>
-            </a:extLst>
-          </p:cNvPr>
-          <p:cNvSpPr>
-            <a:spLocks noGrp="1"/>
-          </p:cNvSpPr>
-          <p:nvPr>
-            <p:ph type="sldNum" sz="quarter" idx="5"/>
-          </p:nvPr>
-        </p:nvSpPr>
-        <p:spPr/>
-        <p:txBody>
-          <a:bodyPr/>
-          <a:lstStyle/>
-          <a:p>
-            <a:fld id="{2BF067CD-8E6B-4360-9AA8-C5DF2A48A6D1}" type="slidenum">
-              <a:rPr lang="en-US" noProof="0" smtClean="0"/>
-              <a:pPr/>
-              <a:t>26</a:t>
-            </a:fld>
-            <a:endParaRPr lang="en-US" noProof="0" dirty="0"/>
-          </a:p>
-        </p:txBody>
-      </p:sp>
-      <p:sp>
-        <p:nvSpPr>
           <p:cNvPr id="3" name="Text Placeholder 2">
             <a:extLst>
               <a:ext uri="{FF2B5EF4-FFF2-40B4-BE49-F238E27FC236}">
@@ -32143,10 +30500,52 @@
           </a:ln>
         </p:spPr>
       </p:pic>
+      <p:sp>
+        <p:nvSpPr>
+          <p:cNvPr id="5" name="Slide Number">
+            <a:extLst>
+              <a:ext uri="{FF2B5EF4-FFF2-40B4-BE49-F238E27FC236}">
+                <a16:creationId xmlns:a16="http://schemas.microsoft.com/office/drawing/2014/main" id="{47805B2D-3FCB-C700-798C-EFB63381EB33}"/>
+              </a:ext>
+            </a:extLst>
+          </p:cNvPr>
+          <p:cNvSpPr>
+            <a:spLocks noGrp="1"/>
+          </p:cNvSpPr>
+          <p:nvPr>
+            <p:ph type="sldNum" sz="quarter" idx="5"/>
+          </p:nvPr>
+        </p:nvSpPr>
+        <p:spPr>
+          <a:xfrm>
+            <a:off x="11753030" y="6507000"/>
+            <a:ext cx="367414" cy="297000"/>
+          </a:xfrm>
+          <a:prstGeom prst="rect">
+            <a:avLst/>
+          </a:prstGeom>
+        </p:spPr>
+        <p:txBody>
+          <a:bodyPr vert="horz" lIns="91440" tIns="45720" rIns="91440" bIns="45720" rtlCol="0" anchor="b"/>
+          <a:lstStyle>
+            <a:lvl1pPr algn="r">
+              <a:defRPr sz="1000"/>
+            </a:lvl1pPr>
+          </a:lstStyle>
+          <a:p>
+            <a:fld id="{2BF067CD-8E6B-4360-9AA8-C5DF2A48A6D1}" type="slidenum">
+              <a:rPr lang="en-US" noProof="0" smtClean="0"/>
+              <a:pPr/>
+              <a:t>26</a:t>
+            </a:fld>
+            <a:endParaRPr lang="en-US" noProof="0" dirty="0"/>
+          </a:p>
+        </p:txBody>
+      </p:sp>
     </p:spTree>
     <p:extLst>
       <p:ext uri="{BB962C8B-B14F-4D97-AF65-F5344CB8AC3E}">
-        <p14:creationId xmlns:p14="http://schemas.microsoft.com/office/powerpoint/2010/main" val="3581012548"/>
+        <p14:creationId xmlns:p14="http://schemas.microsoft.com/office/powerpoint/2010/main" val="445206076"/>
       </p:ext>
     </p:extLst>
   </p:cSld>
@@ -32555,72 +30954,6 @@
           </a:lstStyle>
           <a:p>
             <a:pPr marL="457063" indent="-457063"/>
-            <a:r>
-              <a:rPr lang="bg-BG" dirty="0"/>
-              <a:t>Използвайте класа </a:t>
-            </a:r>
-            <a:r>
-              <a:rPr lang="en-US" b="1" noProof="1">
-                <a:solidFill>
-                  <a:schemeClr val="bg1"/>
-                </a:solidFill>
-                <a:latin typeface="Consolas" panose="020B0609020204030204" pitchFamily="49" charset="0"/>
-                <a:cs typeface="Consolas" panose="020B0609020204030204" pitchFamily="49" charset="0"/>
-              </a:rPr>
-              <a:t>OrderedBag&lt;T&gt;</a:t>
-            </a:r>
-            <a:r>
-              <a:rPr lang="en-US" noProof="1"/>
-              <a:t>,</a:t>
-            </a:r>
-            <a:r>
-              <a:rPr lang="bg-BG" noProof="1"/>
-              <a:t> за </a:t>
-            </a:r>
-            <a:r>
-              <a:rPr lang="bg-BG" dirty="0"/>
-              <a:t>да прочетете </a:t>
-            </a:r>
-            <a:r>
-              <a:rPr lang="bg-BG" b="1" dirty="0">
-                <a:solidFill>
-                  <a:schemeClr val="bg1"/>
-                </a:solidFill>
-              </a:rPr>
-              <a:t>списък от думи</a:t>
-            </a:r>
-            <a:r>
-              <a:rPr lang="bg-BG" dirty="0"/>
-              <a:t>,</a:t>
-            </a:r>
-            <a:r>
-              <a:rPr lang="en-US" dirty="0"/>
-              <a:t> </a:t>
-            </a:r>
-            <a:r>
-              <a:rPr lang="bg-BG" dirty="0"/>
-              <a:t>и</a:t>
-            </a:r>
-            <a:r>
-              <a:rPr lang="en-US" dirty="0"/>
-              <a:t> </a:t>
-            </a:r>
-            <a:r>
-              <a:rPr lang="bg-BG" dirty="0"/>
-              <a:t>ги отпечатайте в</a:t>
-            </a:r>
-            <a:r>
-              <a:rPr lang="en-US" dirty="0"/>
-              <a:t> </a:t>
-            </a:r>
-            <a:r>
-              <a:rPr lang="bg-BG" b="1" dirty="0">
-                <a:solidFill>
-                  <a:schemeClr val="bg1"/>
-                </a:solidFill>
-              </a:rPr>
-              <a:t>сортиран ред</a:t>
-            </a:r>
             <a:endParaRPr lang="en-US" b="1" dirty="0">
               <a:solidFill>
                 <a:schemeClr val="bg1"/>
@@ -32631,218 +30964,149 @@
       </p:sp>
       <p:sp>
         <p:nvSpPr>
-          <p:cNvPr id="15" name="Текстов контейнер 4">
+          <p:cNvPr id="6" name="Text Placeholder 5">
             <a:extLst>
               <a:ext uri="{FF2B5EF4-FFF2-40B4-BE49-F238E27FC236}">
-                <a16:creationId xmlns:a16="http://schemas.microsoft.com/office/drawing/2014/main" id="{37071F51-3BEC-4210-AB0D-E18A03B92CCA}"/>
+                <a16:creationId xmlns:a16="http://schemas.microsoft.com/office/drawing/2014/main" id="{AA61EB88-2288-039C-349B-47379E4E29A3}"/>
               </a:ext>
             </a:extLst>
           </p:cNvPr>
-          <p:cNvSpPr txBox="1">
-            <a:spLocks/>
+          <p:cNvSpPr>
+            <a:spLocks noGrp="1"/>
           </p:cNvSpPr>
-          <p:nvPr/>
+          <p:nvPr>
+            <p:ph type="body" sz="quarter" idx="10"/>
+          </p:nvPr>
         </p:nvSpPr>
         <p:spPr>
           <a:xfrm>
-            <a:off x="755776" y="2363820"/>
-            <a:ext cx="10946680" cy="4294033"/>
+            <a:off x="190406" y="1206668"/>
+            <a:ext cx="11804831" cy="1157152"/>
           </a:xfrm>
-          <a:prstGeom prst="rect">
-            <a:avLst/>
-          </a:prstGeom>
-          <a:solidFill>
-            <a:schemeClr val="accent6">
-              <a:lumMod val="75000"/>
-              <a:alpha val="15000"/>
-            </a:schemeClr>
-          </a:solidFill>
-          <a:ln w="12700">
-            <a:solidFill>
-              <a:schemeClr val="tx1">
-                <a:lumMod val="50000"/>
-              </a:schemeClr>
-            </a:solidFill>
-          </a:ln>
         </p:spPr>
         <p:txBody>
-          <a:bodyPr vert="horz" wrap="square" lIns="144000" tIns="108000" rIns="144000" bIns="108000" rtlCol="0">
-            <a:spAutoFit/>
+          <a:bodyPr>
+            <a:normAutofit lnSpcReduction="10000"/>
           </a:bodyPr>
-          <a:lstStyle>
-            <a:lvl1pPr marL="360363" indent="-360363" algn="l" defTabSz="1218438" rtl="0" eaLnBrk="1" latinLnBrk="0" hangingPunct="1">
+          <a:lstStyle/>
+          <a:p>
+            <a:r>
+              <a:rPr lang="bg-BG" dirty="0"/>
+              <a:t>Използвайте класа </a:t>
+            </a:r>
+            <a:r>
+              <a:rPr lang="en-US" b="1" noProof="1">
+                <a:solidFill>
+                  <a:schemeClr val="bg1"/>
+                </a:solidFill>
+                <a:latin typeface="Consolas" panose="020B0609020204030204" pitchFamily="49" charset="0"/>
+                <a:cs typeface="Consolas" panose="020B0609020204030204" pitchFamily="49" charset="0"/>
+              </a:rPr>
+              <a:t>OrderedBag&lt;T&gt;</a:t>
+            </a:r>
+            <a:r>
+              <a:rPr lang="en-US" noProof="1"/>
+              <a:t>,</a:t>
+            </a:r>
+            <a:r>
+              <a:rPr lang="bg-BG" noProof="1"/>
+              <a:t> за </a:t>
+            </a:r>
+            <a:r>
+              <a:rPr lang="bg-BG" dirty="0"/>
+              <a:t>да прочетете </a:t>
+            </a:r>
+            <a:r>
+              <a:rPr lang="bg-BG" b="1" dirty="0">
+                <a:solidFill>
+                  <a:schemeClr val="bg1"/>
+                </a:solidFill>
+              </a:rPr>
+              <a:t>списък от думи</a:t>
+            </a:r>
+            <a:r>
+              <a:rPr lang="bg-BG" dirty="0"/>
+              <a:t>,</a:t>
+            </a:r>
+            <a:r>
+              <a:rPr lang="en-US" dirty="0"/>
+              <a:t> </a:t>
+            </a:r>
+            <a:r>
+              <a:rPr lang="bg-BG" dirty="0"/>
+              <a:t>и</a:t>
+            </a:r>
+            <a:r>
+              <a:rPr lang="en-US" dirty="0"/>
+              <a:t> </a:t>
+            </a:r>
+            <a:r>
+              <a:rPr lang="bg-BG" dirty="0"/>
+              <a:t>ги отпечатайте в</a:t>
+            </a:r>
+            <a:r>
+              <a:rPr lang="en-US" dirty="0"/>
+              <a:t> </a:t>
+            </a:r>
+            <a:r>
+              <a:rPr lang="bg-BG" b="1" dirty="0">
+                <a:solidFill>
+                  <a:schemeClr val="bg1"/>
+                </a:solidFill>
+              </a:rPr>
+              <a:t>сортиран ред</a:t>
+            </a:r>
+            <a:endParaRPr lang="en-US" b="1" dirty="0">
+              <a:solidFill>
+                <a:schemeClr val="bg1"/>
+              </a:solidFill>
+            </a:endParaRPr>
+          </a:p>
+          <a:p>
+            <a:endParaRPr lang="bg-BG" dirty="0"/>
+          </a:p>
+        </p:txBody>
+      </p:sp>
+      <p:sp>
+        <p:nvSpPr>
+          <p:cNvPr id="7" name="Text Placeholder 6">
+            <a:extLst>
+              <a:ext uri="{FF2B5EF4-FFF2-40B4-BE49-F238E27FC236}">
+                <a16:creationId xmlns:a16="http://schemas.microsoft.com/office/drawing/2014/main" id="{A6D8BEA2-4D44-92F6-3CBE-D0DC85AB3BF2}"/>
+              </a:ext>
+            </a:extLst>
+          </p:cNvPr>
+          <p:cNvSpPr>
+            <a:spLocks noGrp="1"/>
+          </p:cNvSpPr>
+          <p:nvPr>
+            <p:ph type="body" sz="quarter" idx="11"/>
+          </p:nvPr>
+        </p:nvSpPr>
+        <p:spPr>
+          <a:xfrm>
+            <a:off x="687781" y="2346749"/>
+            <a:ext cx="10679958" cy="4380787"/>
+          </a:xfrm>
+        </p:spPr>
+        <p:txBody>
+          <a:bodyPr/>
+          <a:lstStyle/>
+          <a:p>
+            <a:pPr>
               <a:lnSpc>
-                <a:spcPct val="110000"/>
+                <a:spcPct val="50000"/>
               </a:lnSpc>
-              <a:spcBef>
-                <a:spcPts val="0"/>
-              </a:spcBef>
-              <a:spcAft>
-                <a:spcPts val="0"/>
-              </a:spcAft>
-              <a:buFont typeface="Wingdings" panose="05000000000000000000" pitchFamily="2" charset="2"/>
-              <a:buNone/>
-              <a:defRPr lang="en-US" sz="2800" b="1" kern="1200" smtClean="0">
-                <a:solidFill>
-                  <a:schemeClr val="tx1"/>
-                </a:solidFill>
-                <a:latin typeface="Consolas" pitchFamily="49" charset="0"/>
-                <a:ea typeface="+mn-ea"/>
-                <a:cs typeface="+mn-cs"/>
-              </a:defRPr>
-            </a:lvl1pPr>
-            <a:lvl2pPr marL="803275" indent="-360363" algn="l" defTabSz="1218438" rtl="0" eaLnBrk="1" latinLnBrk="0" hangingPunct="1">
-              <a:lnSpc>
-                <a:spcPct val="105000"/>
-              </a:lnSpc>
-              <a:spcBef>
-                <a:spcPts val="600"/>
-              </a:spcBef>
-              <a:spcAft>
-                <a:spcPts val="600"/>
-              </a:spcAft>
-              <a:buFont typeface="Wingdings" panose="05000000000000000000" pitchFamily="2" charset="2"/>
-              <a:buChar char="§"/>
-              <a:defRPr lang="en-US" sz="3198" kern="1200" smtClean="0">
-                <a:solidFill>
-                  <a:schemeClr val="tx1"/>
-                </a:solidFill>
-                <a:latin typeface="+mn-lt"/>
-                <a:ea typeface="+mn-ea"/>
-                <a:cs typeface="+mn-cs"/>
-              </a:defRPr>
-            </a:lvl2pPr>
-            <a:lvl3pPr marL="1255713" indent="-360363" algn="l" defTabSz="1218438" rtl="0" eaLnBrk="1" latinLnBrk="0" hangingPunct="1">
-              <a:lnSpc>
-                <a:spcPct val="105000"/>
-              </a:lnSpc>
-              <a:spcBef>
-                <a:spcPts val="600"/>
-              </a:spcBef>
-              <a:spcAft>
-                <a:spcPts val="600"/>
-              </a:spcAft>
-              <a:buFont typeface="Wingdings" panose="05000000000000000000" pitchFamily="2" charset="2"/>
-              <a:buChar char="§"/>
-              <a:defRPr lang="en-US" sz="2998" kern="1200" smtClean="0">
-                <a:solidFill>
-                  <a:schemeClr val="tx1"/>
-                </a:solidFill>
-                <a:latin typeface="+mn-lt"/>
-                <a:ea typeface="+mn-ea"/>
-                <a:cs typeface="+mn-cs"/>
-              </a:defRPr>
-            </a:lvl3pPr>
-            <a:lvl4pPr marL="1700213" indent="-352425" algn="l" defTabSz="1218438" rtl="0" eaLnBrk="1" latinLnBrk="0" hangingPunct="1">
-              <a:lnSpc>
-                <a:spcPct val="105000"/>
-              </a:lnSpc>
-              <a:spcBef>
-                <a:spcPts val="600"/>
-              </a:spcBef>
-              <a:spcAft>
-                <a:spcPts val="600"/>
-              </a:spcAft>
-              <a:buFont typeface="Wingdings" panose="05000000000000000000" pitchFamily="2" charset="2"/>
-              <a:buChar char="§"/>
-              <a:defRPr lang="en-US" sz="2798" kern="1200" smtClean="0">
-                <a:solidFill>
-                  <a:schemeClr val="tx1"/>
-                </a:solidFill>
-                <a:latin typeface="+mn-lt"/>
-                <a:ea typeface="+mn-ea"/>
-                <a:cs typeface="+mn-cs"/>
-              </a:defRPr>
-            </a:lvl4pPr>
-            <a:lvl5pPr marL="2058988" indent="-266700" algn="l" defTabSz="1218438" rtl="0" eaLnBrk="1" latinLnBrk="0" hangingPunct="1">
-              <a:lnSpc>
-                <a:spcPct val="105000"/>
-              </a:lnSpc>
-              <a:spcBef>
-                <a:spcPts val="600"/>
-              </a:spcBef>
-              <a:spcAft>
-                <a:spcPts val="600"/>
-              </a:spcAft>
-              <a:buFont typeface="Wingdings" panose="05000000000000000000" pitchFamily="2" charset="2"/>
-              <a:buChar char="§"/>
-              <a:defRPr lang="en-US" sz="2598" kern="1200">
-                <a:solidFill>
-                  <a:schemeClr val="tx1"/>
-                </a:solidFill>
-                <a:latin typeface="+mn-lt"/>
-                <a:ea typeface="+mn-ea"/>
-                <a:cs typeface="+mn-cs"/>
-              </a:defRPr>
-            </a:lvl5pPr>
-            <a:lvl6pPr marL="3350704" indent="-304610" algn="l" defTabSz="1218438" rtl="0" eaLnBrk="1" latinLnBrk="1" hangingPunct="1">
-              <a:spcBef>
-                <a:spcPct val="20000"/>
-              </a:spcBef>
-              <a:buFont typeface="Arial" pitchFamily="34" charset="0"/>
-              <a:buChar char="•"/>
-              <a:defRPr sz="2665" kern="1200">
-                <a:solidFill>
-                  <a:schemeClr val="tx1"/>
-                </a:solidFill>
-                <a:latin typeface="+mn-lt"/>
-                <a:ea typeface="+mn-ea"/>
-                <a:cs typeface="+mn-cs"/>
-              </a:defRPr>
-            </a:lvl6pPr>
-            <a:lvl7pPr marL="3959924" indent="-304610" algn="l" defTabSz="1218438" rtl="0" eaLnBrk="1" latinLnBrk="1" hangingPunct="1">
-              <a:spcBef>
-                <a:spcPct val="20000"/>
-              </a:spcBef>
-              <a:buFont typeface="Arial" pitchFamily="34" charset="0"/>
-              <a:buChar char="•"/>
-              <a:defRPr sz="2665" kern="1200">
-                <a:solidFill>
-                  <a:schemeClr val="tx1"/>
-                </a:solidFill>
-                <a:latin typeface="+mn-lt"/>
-                <a:ea typeface="+mn-ea"/>
-                <a:cs typeface="+mn-cs"/>
-              </a:defRPr>
-            </a:lvl7pPr>
-            <a:lvl8pPr marL="4569143" indent="-304610" algn="l" defTabSz="1218438" rtl="0" eaLnBrk="1" latinLnBrk="1" hangingPunct="1">
-              <a:spcBef>
-                <a:spcPct val="20000"/>
-              </a:spcBef>
-              <a:buFont typeface="Arial" pitchFamily="34" charset="0"/>
-              <a:buChar char="•"/>
-              <a:defRPr sz="2665" kern="1200">
-                <a:solidFill>
-                  <a:schemeClr val="tx1"/>
-                </a:solidFill>
-                <a:latin typeface="+mn-lt"/>
-                <a:ea typeface="+mn-ea"/>
-                <a:cs typeface="+mn-cs"/>
-              </a:defRPr>
-            </a:lvl8pPr>
-            <a:lvl9pPr marL="5178362" indent="-304610" algn="l" defTabSz="1218438" rtl="0" eaLnBrk="1" latinLnBrk="1" hangingPunct="1">
-              <a:spcBef>
-                <a:spcPct val="20000"/>
-              </a:spcBef>
-              <a:buFont typeface="Arial" pitchFamily="34" charset="0"/>
-              <a:buChar char="•"/>
-              <a:defRPr sz="2665" kern="1200">
-                <a:solidFill>
-                  <a:schemeClr val="tx1"/>
-                </a:solidFill>
-                <a:latin typeface="+mn-lt"/>
-                <a:ea typeface="+mn-ea"/>
-                <a:cs typeface="+mn-cs"/>
-              </a:defRPr>
-            </a:lvl9pPr>
-          </a:lstStyle>
-          <a:p>
-            <a:r>
-              <a:rPr lang="en-GB" sz="2200" dirty="0"/>
+            </a:pPr>
+            <a:br>
+              <a:rPr lang="en-GB" sz="2800" dirty="0"/>
+            </a:br>
+            <a:r>
+              <a:rPr lang="en-GB" sz="2800" dirty="0"/>
               <a:t>OrderedBag&lt;string&gt; bag = new </a:t>
             </a:r>
             <a:r>
-              <a:rPr lang="en-GB" sz="2200" dirty="0">
+              <a:rPr lang="en-GB" sz="2800" dirty="0">
                 <a:solidFill>
                   <a:schemeClr val="bg1"/>
                 </a:solidFill>
@@ -32850,65 +31114,163 @@
               <a:t>OrderedBag&lt;string&gt;()</a:t>
             </a:r>
             <a:r>
-              <a:rPr lang="en-GB" sz="2200" dirty="0"/>
+              <a:rPr lang="en-GB" sz="2800" dirty="0"/>
               <a:t>;</a:t>
             </a:r>
           </a:p>
           <a:p>
-            <a:r>
-              <a:rPr lang="en-GB" sz="2200" dirty="0"/>
-              <a:t>bag.Add("Peter");</a:t>
-            </a:r>
-          </a:p>
-          <a:p>
-            <a:r>
-              <a:rPr lang="en-GB" sz="2200" dirty="0"/>
-              <a:t>bag.Add("Maria");</a:t>
-            </a:r>
-          </a:p>
-          <a:p>
-            <a:r>
-              <a:rPr lang="en-GB" sz="2200" dirty="0"/>
-              <a:t>bag.Add("Ana");</a:t>
-            </a:r>
-          </a:p>
-          <a:p>
-            <a:r>
-              <a:rPr lang="en-GB" sz="2200" dirty="0"/>
-              <a:t>bag.Add("Nina");</a:t>
-            </a:r>
-          </a:p>
-          <a:p>
-            <a:r>
-              <a:rPr lang="en-GB" sz="2200" dirty="0"/>
-              <a:t>bag.Add("Mitko");</a:t>
-            </a:r>
-          </a:p>
-          <a:p>
-            <a:endParaRPr lang="en-GB" sz="2200" dirty="0"/>
-          </a:p>
-          <a:p>
-            <a:r>
-              <a:rPr lang="en-GB" sz="2200" dirty="0"/>
-              <a:t>foreach (var element in bag)</a:t>
-            </a:r>
-          </a:p>
-          <a:p>
-            <a:r>
-              <a:rPr lang="en-GB" sz="2200" dirty="0"/>
-              <a:t>{</a:t>
-            </a:r>
-          </a:p>
-          <a:p>
-            <a:r>
-              <a:rPr lang="en-GB" sz="2200" dirty="0"/>
+            <a:pPr>
+              <a:lnSpc>
+                <a:spcPct val="50000"/>
+              </a:lnSpc>
+            </a:pPr>
+            <a:r>
+              <a:rPr lang="en-GB" sz="2800" dirty="0"/>
+              <a:t>	</a:t>
+            </a:r>
+            <a:r>
+              <a:rPr lang="en-GB" sz="2800" dirty="0" err="1"/>
+              <a:t>bag.Add</a:t>
+            </a:r>
+            <a:r>
+              <a:rPr lang="en-GB" sz="2800" dirty="0"/>
+              <a:t>("Peter");</a:t>
+            </a:r>
+          </a:p>
+          <a:p>
+            <a:pPr>
+              <a:lnSpc>
+                <a:spcPct val="50000"/>
+              </a:lnSpc>
+            </a:pPr>
+            <a:r>
+              <a:rPr lang="en-GB" sz="2800" dirty="0"/>
+              <a:t>	</a:t>
+            </a:r>
+            <a:r>
+              <a:rPr lang="en-GB" sz="2800" dirty="0" err="1"/>
+              <a:t>bag.Add</a:t>
+            </a:r>
+            <a:r>
+              <a:rPr lang="en-GB" sz="2800" dirty="0"/>
+              <a:t>("Maria");</a:t>
+            </a:r>
+          </a:p>
+          <a:p>
+            <a:pPr>
+              <a:lnSpc>
+                <a:spcPct val="50000"/>
+              </a:lnSpc>
+            </a:pPr>
+            <a:r>
+              <a:rPr lang="en-GB" sz="2800" dirty="0"/>
+              <a:t>	</a:t>
+            </a:r>
+            <a:r>
+              <a:rPr lang="en-GB" sz="2800" dirty="0" err="1"/>
+              <a:t>bag.Add</a:t>
+            </a:r>
+            <a:r>
+              <a:rPr lang="en-GB" sz="2800" dirty="0"/>
+              <a:t>("Ana");</a:t>
+            </a:r>
+          </a:p>
+          <a:p>
+            <a:pPr>
+              <a:lnSpc>
+                <a:spcPct val="50000"/>
+              </a:lnSpc>
+            </a:pPr>
+            <a:r>
+              <a:rPr lang="en-GB" sz="2800" dirty="0"/>
+              <a:t>	</a:t>
+            </a:r>
+            <a:r>
+              <a:rPr lang="en-GB" sz="2800" dirty="0" err="1"/>
+              <a:t>bag.Add</a:t>
+            </a:r>
+            <a:r>
+              <a:rPr lang="en-GB" sz="2800" dirty="0"/>
+              <a:t>("Nina");</a:t>
+            </a:r>
+          </a:p>
+          <a:p>
+            <a:pPr>
+              <a:lnSpc>
+                <a:spcPct val="50000"/>
+              </a:lnSpc>
+            </a:pPr>
+            <a:r>
+              <a:rPr lang="en-GB" sz="2800" dirty="0"/>
+              <a:t>	</a:t>
+            </a:r>
+            <a:r>
+              <a:rPr lang="en-GB" sz="2800" dirty="0" err="1"/>
+              <a:t>bag.Add</a:t>
+            </a:r>
+            <a:r>
+              <a:rPr lang="en-GB" sz="2800" dirty="0"/>
+              <a:t>("</a:t>
+            </a:r>
+            <a:r>
+              <a:rPr lang="en-GB" sz="2800" dirty="0" err="1"/>
+              <a:t>Mitko</a:t>
+            </a:r>
+            <a:r>
+              <a:rPr lang="en-GB" sz="2800" dirty="0"/>
+              <a:t>");</a:t>
+            </a:r>
+          </a:p>
+          <a:p>
+            <a:pPr>
+              <a:lnSpc>
+                <a:spcPct val="50000"/>
+              </a:lnSpc>
+            </a:pPr>
+            <a:endParaRPr lang="en-GB" sz="2800" dirty="0"/>
+          </a:p>
+          <a:p>
+            <a:pPr>
+              <a:lnSpc>
+                <a:spcPct val="50000"/>
+              </a:lnSpc>
+            </a:pPr>
+            <a:r>
+              <a:rPr lang="en-GB" sz="2800" dirty="0"/>
+              <a:t>	foreach (var element in bag)</a:t>
+            </a:r>
+          </a:p>
+          <a:p>
+            <a:pPr>
+              <a:lnSpc>
+                <a:spcPct val="50000"/>
+              </a:lnSpc>
+            </a:pPr>
+            <a:r>
+              <a:rPr lang="en-GB" sz="2800" dirty="0"/>
+              <a:t>	{</a:t>
+            </a:r>
+          </a:p>
+          <a:p>
+            <a:pPr>
+              <a:lnSpc>
+                <a:spcPct val="50000"/>
+              </a:lnSpc>
+            </a:pPr>
+            <a:r>
+              <a:rPr lang="en-GB" sz="2800" dirty="0"/>
               <a:t>   Console.WriteLine(element);</a:t>
             </a:r>
           </a:p>
           <a:p>
-            <a:r>
-              <a:rPr lang="en-GB" sz="2200" dirty="0"/>
-              <a:t>}</a:t>
+            <a:pPr>
+              <a:lnSpc>
+                <a:spcPct val="50000"/>
+              </a:lnSpc>
+            </a:pPr>
+            <a:r>
+              <a:rPr lang="en-GB" sz="2800" dirty="0"/>
+              <a:t>	}</a:t>
             </a:r>
           </a:p>
         </p:txBody>
@@ -32931,8 +31293,8 @@
         </p:nvSpPr>
         <p:spPr>
           <a:xfrm>
-            <a:off x="190355" y="100750"/>
-            <a:ext cx="9792489" cy="882654"/>
+            <a:off x="190405" y="100750"/>
+            <a:ext cx="10239658" cy="882654"/>
           </a:xfrm>
         </p:spPr>
         <p:txBody>
@@ -33206,10 +31568,10 @@
       </p:pic>
       <p:sp>
         <p:nvSpPr>
-          <p:cNvPr id="19" name="Slide Number">
+          <p:cNvPr id="4" name="Slide Number">
             <a:extLst>
               <a:ext uri="{FF2B5EF4-FFF2-40B4-BE49-F238E27FC236}">
-                <a16:creationId xmlns:a16="http://schemas.microsoft.com/office/drawing/2014/main" id="{13131D62-42C2-45E9-AD0C-87A82093FDF7}"/>
+                <a16:creationId xmlns:a16="http://schemas.microsoft.com/office/drawing/2014/main" id="{0D18CF9F-C1B0-B4EC-4C94-F3849AE70525}"/>
               </a:ext>
             </a:extLst>
           </p:cNvPr>
@@ -33337,7 +31699,7 @@
     </p:spTree>
     <p:extLst>
       <p:ext uri="{BB962C8B-B14F-4D97-AF65-F5344CB8AC3E}">
-        <p14:creationId xmlns:p14="http://schemas.microsoft.com/office/powerpoint/2010/main" val="636514653"/>
+        <p14:creationId xmlns:p14="http://schemas.microsoft.com/office/powerpoint/2010/main" val="2615607480"/>
       </p:ext>
     </p:extLst>
   </p:cSld>
@@ -33373,7 +31735,7 @@
                             </p:stCondLst>
                             <p:childTnLst>
                               <p:par>
-                                <p:cTn id="5" presetID="1" presetClass="entr" presetSubtype="0" fill="hold" grpId="0" nodeType="clickEffect">
+                                <p:cTn id="5" presetID="1" presetClass="entr" presetSubtype="0" fill="hold" nodeType="clickEffect">
                                   <p:stCondLst>
                                     <p:cond delay="0"/>
                                   </p:stCondLst>
@@ -33381,399 +31743,6 @@
                                     <p:set>
                                       <p:cBhvr>
                                         <p:cTn id="6" dur="1" fill="hold">
-                                          <p:stCondLst>
-                                            <p:cond delay="0"/>
-                                          </p:stCondLst>
-                                        </p:cTn>
-                                        <p:tgtEl>
-                                          <p:spTgt spid="15">
-                                            <p:bg/>
-                                          </p:spTgt>
-                                        </p:tgtEl>
-                                        <p:attrNameLst>
-                                          <p:attrName>style.visibility</p:attrName>
-                                        </p:attrNameLst>
-                                      </p:cBhvr>
-                                      <p:to>
-                                        <p:strVal val="visible"/>
-                                      </p:to>
-                                    </p:set>
-                                  </p:childTnLst>
-                                </p:cTn>
-                              </p:par>
-                              <p:par>
-                                <p:cTn id="7" presetID="1" presetClass="entr" presetSubtype="0" fill="hold" nodeType="withEffect">
-                                  <p:stCondLst>
-                                    <p:cond delay="0"/>
-                                  </p:stCondLst>
-                                  <p:childTnLst>
-                                    <p:set>
-                                      <p:cBhvr>
-                                        <p:cTn id="8" dur="1" fill="hold">
-                                          <p:stCondLst>
-                                            <p:cond delay="0"/>
-                                          </p:stCondLst>
-                                        </p:cTn>
-                                        <p:tgtEl>
-                                          <p:spTgt spid="15">
-                                            <p:txEl>
-                                              <p:pRg st="0" end="0"/>
-                                            </p:txEl>
-                                          </p:spTgt>
-                                        </p:tgtEl>
-                                        <p:attrNameLst>
-                                          <p:attrName>style.visibility</p:attrName>
-                                        </p:attrNameLst>
-                                      </p:cBhvr>
-                                      <p:to>
-                                        <p:strVal val="visible"/>
-                                      </p:to>
-                                    </p:set>
-                                  </p:childTnLst>
-                                </p:cTn>
-                              </p:par>
-                            </p:childTnLst>
-                          </p:cTn>
-                        </p:par>
-                      </p:childTnLst>
-                    </p:cTn>
-                  </p:par>
-                  <p:par>
-                    <p:cTn id="9" fill="hold">
-                      <p:stCondLst>
-                        <p:cond delay="indefinite"/>
-                      </p:stCondLst>
-                      <p:childTnLst>
-                        <p:par>
-                          <p:cTn id="10" fill="hold">
-                            <p:stCondLst>
-                              <p:cond delay="0"/>
-                            </p:stCondLst>
-                            <p:childTnLst>
-                              <p:par>
-                                <p:cTn id="11" presetID="1" presetClass="entr" presetSubtype="0" fill="hold" nodeType="clickEffect">
-                                  <p:stCondLst>
-                                    <p:cond delay="0"/>
-                                  </p:stCondLst>
-                                  <p:childTnLst>
-                                    <p:set>
-                                      <p:cBhvr>
-                                        <p:cTn id="12" dur="1" fill="hold">
-                                          <p:stCondLst>
-                                            <p:cond delay="0"/>
-                                          </p:stCondLst>
-                                        </p:cTn>
-                                        <p:tgtEl>
-                                          <p:spTgt spid="15">
-                                            <p:txEl>
-                                              <p:pRg st="1" end="1"/>
-                                            </p:txEl>
-                                          </p:spTgt>
-                                        </p:tgtEl>
-                                        <p:attrNameLst>
-                                          <p:attrName>style.visibility</p:attrName>
-                                        </p:attrNameLst>
-                                      </p:cBhvr>
-                                      <p:to>
-                                        <p:strVal val="visible"/>
-                                      </p:to>
-                                    </p:set>
-                                  </p:childTnLst>
-                                </p:cTn>
-                              </p:par>
-                              <p:par>
-                                <p:cTn id="13" presetID="1" presetClass="entr" presetSubtype="0" fill="hold" nodeType="withEffect">
-                                  <p:stCondLst>
-                                    <p:cond delay="0"/>
-                                  </p:stCondLst>
-                                  <p:childTnLst>
-                                    <p:set>
-                                      <p:cBhvr>
-                                        <p:cTn id="14" dur="1" fill="hold">
-                                          <p:stCondLst>
-                                            <p:cond delay="0"/>
-                                          </p:stCondLst>
-                                        </p:cTn>
-                                        <p:tgtEl>
-                                          <p:spTgt spid="15">
-                                            <p:txEl>
-                                              <p:pRg st="2" end="2"/>
-                                            </p:txEl>
-                                          </p:spTgt>
-                                        </p:tgtEl>
-                                        <p:attrNameLst>
-                                          <p:attrName>style.visibility</p:attrName>
-                                        </p:attrNameLst>
-                                      </p:cBhvr>
-                                      <p:to>
-                                        <p:strVal val="visible"/>
-                                      </p:to>
-                                    </p:set>
-                                  </p:childTnLst>
-                                </p:cTn>
-                              </p:par>
-                              <p:par>
-                                <p:cTn id="15" presetID="1" presetClass="entr" presetSubtype="0" fill="hold" nodeType="withEffect">
-                                  <p:stCondLst>
-                                    <p:cond delay="0"/>
-                                  </p:stCondLst>
-                                  <p:childTnLst>
-                                    <p:set>
-                                      <p:cBhvr>
-                                        <p:cTn id="16" dur="1" fill="hold">
-                                          <p:stCondLst>
-                                            <p:cond delay="0"/>
-                                          </p:stCondLst>
-                                        </p:cTn>
-                                        <p:tgtEl>
-                                          <p:spTgt spid="15">
-                                            <p:txEl>
-                                              <p:pRg st="3" end="3"/>
-                                            </p:txEl>
-                                          </p:spTgt>
-                                        </p:tgtEl>
-                                        <p:attrNameLst>
-                                          <p:attrName>style.visibility</p:attrName>
-                                        </p:attrNameLst>
-                                      </p:cBhvr>
-                                      <p:to>
-                                        <p:strVal val="visible"/>
-                                      </p:to>
-                                    </p:set>
-                                  </p:childTnLst>
-                                </p:cTn>
-                              </p:par>
-                              <p:par>
-                                <p:cTn id="17" presetID="1" presetClass="entr" presetSubtype="0" fill="hold" nodeType="withEffect">
-                                  <p:stCondLst>
-                                    <p:cond delay="0"/>
-                                  </p:stCondLst>
-                                  <p:childTnLst>
-                                    <p:set>
-                                      <p:cBhvr>
-                                        <p:cTn id="18" dur="1" fill="hold">
-                                          <p:stCondLst>
-                                            <p:cond delay="0"/>
-                                          </p:stCondLst>
-                                        </p:cTn>
-                                        <p:tgtEl>
-                                          <p:spTgt spid="15">
-                                            <p:txEl>
-                                              <p:pRg st="4" end="4"/>
-                                            </p:txEl>
-                                          </p:spTgt>
-                                        </p:tgtEl>
-                                        <p:attrNameLst>
-                                          <p:attrName>style.visibility</p:attrName>
-                                        </p:attrNameLst>
-                                      </p:cBhvr>
-                                      <p:to>
-                                        <p:strVal val="visible"/>
-                                      </p:to>
-                                    </p:set>
-                                  </p:childTnLst>
-                                </p:cTn>
-                              </p:par>
-                              <p:par>
-                                <p:cTn id="19" presetID="1" presetClass="entr" presetSubtype="0" fill="hold" nodeType="withEffect">
-                                  <p:stCondLst>
-                                    <p:cond delay="0"/>
-                                  </p:stCondLst>
-                                  <p:childTnLst>
-                                    <p:set>
-                                      <p:cBhvr>
-                                        <p:cTn id="20" dur="1" fill="hold">
-                                          <p:stCondLst>
-                                            <p:cond delay="0"/>
-                                          </p:stCondLst>
-                                        </p:cTn>
-                                        <p:tgtEl>
-                                          <p:spTgt spid="15">
-                                            <p:txEl>
-                                              <p:pRg st="5" end="5"/>
-                                            </p:txEl>
-                                          </p:spTgt>
-                                        </p:tgtEl>
-                                        <p:attrNameLst>
-                                          <p:attrName>style.visibility</p:attrName>
-                                        </p:attrNameLst>
-                                      </p:cBhvr>
-                                      <p:to>
-                                        <p:strVal val="visible"/>
-                                      </p:to>
-                                    </p:set>
-                                  </p:childTnLst>
-                                </p:cTn>
-                              </p:par>
-                            </p:childTnLst>
-                          </p:cTn>
-                        </p:par>
-                      </p:childTnLst>
-                    </p:cTn>
-                  </p:par>
-                  <p:par>
-                    <p:cTn id="21" fill="hold">
-                      <p:stCondLst>
-                        <p:cond delay="indefinite"/>
-                      </p:stCondLst>
-                      <p:childTnLst>
-                        <p:par>
-                          <p:cTn id="22" fill="hold">
-                            <p:stCondLst>
-                              <p:cond delay="0"/>
-                            </p:stCondLst>
-                            <p:childTnLst>
-                              <p:par>
-                                <p:cTn id="23" presetID="1" presetClass="entr" presetSubtype="0" fill="hold" nodeType="clickEffect">
-                                  <p:stCondLst>
-                                    <p:cond delay="0"/>
-                                  </p:stCondLst>
-                                  <p:childTnLst>
-                                    <p:set>
-                                      <p:cBhvr>
-                                        <p:cTn id="24" dur="1" fill="hold">
-                                          <p:stCondLst>
-                                            <p:cond delay="0"/>
-                                          </p:stCondLst>
-                                        </p:cTn>
-                                        <p:tgtEl>
-                                          <p:spTgt spid="15">
-                                            <p:txEl>
-                                              <p:pRg st="7" end="7"/>
-                                            </p:txEl>
-                                          </p:spTgt>
-                                        </p:tgtEl>
-                                        <p:attrNameLst>
-                                          <p:attrName>style.visibility</p:attrName>
-                                        </p:attrNameLst>
-                                      </p:cBhvr>
-                                      <p:to>
-                                        <p:strVal val="visible"/>
-                                      </p:to>
-                                    </p:set>
-                                  </p:childTnLst>
-                                </p:cTn>
-                              </p:par>
-                              <p:par>
-                                <p:cTn id="25" presetID="1" presetClass="entr" presetSubtype="0" fill="hold" nodeType="withEffect">
-                                  <p:stCondLst>
-                                    <p:cond delay="0"/>
-                                  </p:stCondLst>
-                                  <p:childTnLst>
-                                    <p:set>
-                                      <p:cBhvr>
-                                        <p:cTn id="26" dur="1" fill="hold">
-                                          <p:stCondLst>
-                                            <p:cond delay="0"/>
-                                          </p:stCondLst>
-                                        </p:cTn>
-                                        <p:tgtEl>
-                                          <p:spTgt spid="15">
-                                            <p:txEl>
-                                              <p:pRg st="8" end="8"/>
-                                            </p:txEl>
-                                          </p:spTgt>
-                                        </p:tgtEl>
-                                        <p:attrNameLst>
-                                          <p:attrName>style.visibility</p:attrName>
-                                        </p:attrNameLst>
-                                      </p:cBhvr>
-                                      <p:to>
-                                        <p:strVal val="visible"/>
-                                      </p:to>
-                                    </p:set>
-                                  </p:childTnLst>
-                                </p:cTn>
-                              </p:par>
-                              <p:par>
-                                <p:cTn id="27" presetID="1" presetClass="entr" presetSubtype="0" fill="hold" nodeType="withEffect">
-                                  <p:stCondLst>
-                                    <p:cond delay="0"/>
-                                  </p:stCondLst>
-                                  <p:childTnLst>
-                                    <p:set>
-                                      <p:cBhvr>
-                                        <p:cTn id="28" dur="1" fill="hold">
-                                          <p:stCondLst>
-                                            <p:cond delay="0"/>
-                                          </p:stCondLst>
-                                        </p:cTn>
-                                        <p:tgtEl>
-                                          <p:spTgt spid="15">
-                                            <p:txEl>
-                                              <p:pRg st="9" end="9"/>
-                                            </p:txEl>
-                                          </p:spTgt>
-                                        </p:tgtEl>
-                                        <p:attrNameLst>
-                                          <p:attrName>style.visibility</p:attrName>
-                                        </p:attrNameLst>
-                                      </p:cBhvr>
-                                      <p:to>
-                                        <p:strVal val="visible"/>
-                                      </p:to>
-                                    </p:set>
-                                  </p:childTnLst>
-                                </p:cTn>
-                              </p:par>
-                              <p:par>
-                                <p:cTn id="29" presetID="1" presetClass="entr" presetSubtype="0" fill="hold" nodeType="withEffect">
-                                  <p:stCondLst>
-                                    <p:cond delay="0"/>
-                                  </p:stCondLst>
-                                  <p:childTnLst>
-                                    <p:set>
-                                      <p:cBhvr>
-                                        <p:cTn id="30" dur="1" fill="hold">
-                                          <p:stCondLst>
-                                            <p:cond delay="0"/>
-                                          </p:stCondLst>
-                                        </p:cTn>
-                                        <p:tgtEl>
-                                          <p:spTgt spid="15">
-                                            <p:txEl>
-                                              <p:pRg st="10" end="10"/>
-                                            </p:txEl>
-                                          </p:spTgt>
-                                        </p:tgtEl>
-                                        <p:attrNameLst>
-                                          <p:attrName>style.visibility</p:attrName>
-                                        </p:attrNameLst>
-                                      </p:cBhvr>
-                                      <p:to>
-                                        <p:strVal val="visible"/>
-                                      </p:to>
-                                    </p:set>
-                                  </p:childTnLst>
-                                </p:cTn>
-                              </p:par>
-                            </p:childTnLst>
-                          </p:cTn>
-                        </p:par>
-                      </p:childTnLst>
-                    </p:cTn>
-                  </p:par>
-                  <p:par>
-                    <p:cTn id="31" fill="hold">
-                      <p:stCondLst>
-                        <p:cond delay="indefinite"/>
-                      </p:stCondLst>
-                      <p:childTnLst>
-                        <p:par>
-                          <p:cTn id="32" fill="hold">
-                            <p:stCondLst>
-                              <p:cond delay="0"/>
-                            </p:stCondLst>
-                            <p:childTnLst>
-                              <p:par>
-                                <p:cTn id="33" presetID="1" presetClass="entr" presetSubtype="0" fill="hold" nodeType="clickEffect">
-                                  <p:stCondLst>
-                                    <p:cond delay="0"/>
-                                  </p:stCondLst>
-                                  <p:childTnLst>
-                                    <p:set>
-                                      <p:cBhvr>
-                                        <p:cTn id="34" dur="1" fill="hold">
                                           <p:stCondLst>
                                             <p:cond delay="0"/>
                                           </p:stCondLst>
@@ -33819,9 +31788,6 @@
         </p:cTn>
       </p:par>
     </p:tnLst>
-    <p:bldLst>
-      <p:bldP spid="15" grpId="0" build="p" animBg="1"/>
-    </p:bldLst>
   </p:timing>
 </p:sld>
 </file>
@@ -34298,10 +32264,10 @@
       </p:grpSp>
       <p:sp>
         <p:nvSpPr>
-          <p:cNvPr id="12" name="Slide Number">
+          <p:cNvPr id="2" name="Slide Number">
             <a:extLst>
               <a:ext uri="{FF2B5EF4-FFF2-40B4-BE49-F238E27FC236}">
-                <a16:creationId xmlns:a16="http://schemas.microsoft.com/office/drawing/2014/main" id="{1EE3BFBD-9377-454A-9311-F2035DAB8AAA}"/>
+                <a16:creationId xmlns:a16="http://schemas.microsoft.com/office/drawing/2014/main" id="{AB15D24A-B088-9893-5971-409BC3078BC5}"/>
               </a:ext>
             </a:extLst>
           </p:cNvPr>
@@ -34341,7 +32307,7 @@
     </p:spTree>
     <p:extLst>
       <p:ext uri="{BB962C8B-B14F-4D97-AF65-F5344CB8AC3E}">
-        <p14:creationId xmlns:p14="http://schemas.microsoft.com/office/powerpoint/2010/main" val="861979675"/>
+        <p14:creationId xmlns:p14="http://schemas.microsoft.com/office/powerpoint/2010/main" val="1754653941"/>
       </p:ext>
     </p:extLst>
   </p:cSld>
@@ -35153,12 +33119,7 @@
             <p:ph type="title"/>
           </p:nvPr>
         </p:nvSpPr>
-        <p:spPr>
-          <a:xfrm>
-            <a:off x="190355" y="100750"/>
-            <a:ext cx="9792489" cy="882654"/>
-          </a:xfrm>
-        </p:spPr>
+        <p:spPr/>
         <p:txBody>
           <a:bodyPr/>
           <a:lstStyle/>
@@ -35752,10 +33713,10 @@
       </p:pic>
       <p:sp>
         <p:nvSpPr>
-          <p:cNvPr id="21" name="Slide Number">
+          <p:cNvPr id="4" name="Slide Number">
             <a:extLst>
               <a:ext uri="{FF2B5EF4-FFF2-40B4-BE49-F238E27FC236}">
-                <a16:creationId xmlns:a16="http://schemas.microsoft.com/office/drawing/2014/main" id="{D7791BB4-0DD7-44C3-AD03-6376B341D5F2}"/>
+                <a16:creationId xmlns:a16="http://schemas.microsoft.com/office/drawing/2014/main" id="{278F5457-02CD-E02E-2EF6-2F5D298BEEF1}"/>
               </a:ext>
             </a:extLst>
           </p:cNvPr>
@@ -35883,7 +33844,7 @@
     </p:spTree>
     <p:extLst>
       <p:ext uri="{BB962C8B-B14F-4D97-AF65-F5344CB8AC3E}">
-        <p14:creationId xmlns:p14="http://schemas.microsoft.com/office/powerpoint/2010/main" val="4169904232"/>
+        <p14:creationId xmlns:p14="http://schemas.microsoft.com/office/powerpoint/2010/main" val="1761278419"/>
       </p:ext>
     </p:extLst>
   </p:cSld>
@@ -36518,34 +34479,6 @@
           <a:chExt cx="0" cy="0"/>
         </a:xfrm>
       </p:grpSpPr>
-      <p:sp>
-        <p:nvSpPr>
-          <p:cNvPr id="2" name="Title 1"/>
-          <p:cNvSpPr>
-            <a:spLocks noGrp="1"/>
-          </p:cNvSpPr>
-          <p:nvPr>
-            <p:ph type="title" sz="quarter" idx="10"/>
-          </p:nvPr>
-        </p:nvSpPr>
-        <p:spPr>
-          <a:xfrm>
-            <a:off x="614363" y="5000650"/>
-            <a:ext cx="10963275" cy="768350"/>
-          </a:xfrm>
-        </p:spPr>
-        <p:txBody>
-          <a:bodyPr/>
-          <a:lstStyle/>
-          <a:p>
-            <a:r>
-              <a:rPr lang="bg-BG" dirty="0"/>
-              <a:t>Данни в компютъра</a:t>
-            </a:r>
-            <a:endParaRPr lang="en-US" dirty="0"/>
-          </a:p>
-        </p:txBody>
-      </p:sp>
       <p:pic>
         <p:nvPicPr>
           <p:cNvPr id="1026" name="Picture 2" descr="Резултат с изображение за „data computers“">
@@ -36593,10 +34526,38 @@
           </a:extLst>
         </p:spPr>
       </p:pic>
+      <p:sp>
+        <p:nvSpPr>
+          <p:cNvPr id="4" name="Заглавие 3">
+            <a:extLst>
+              <a:ext uri="{FF2B5EF4-FFF2-40B4-BE49-F238E27FC236}">
+                <a16:creationId xmlns:a16="http://schemas.microsoft.com/office/drawing/2014/main" id="{DEE649F6-519A-70A7-CD7C-BD0F19AEE6D2}"/>
+              </a:ext>
+            </a:extLst>
+          </p:cNvPr>
+          <p:cNvSpPr>
+            <a:spLocks noGrp="1"/>
+          </p:cNvSpPr>
+          <p:nvPr>
+            <p:ph type="title" sz="quarter" idx="10"/>
+          </p:nvPr>
+        </p:nvSpPr>
+        <p:spPr/>
+        <p:txBody>
+          <a:bodyPr/>
+          <a:lstStyle/>
+          <a:p>
+            <a:r>
+              <a:rPr lang="bg-BG"/>
+              <a:t>Данни в компютъра</a:t>
+            </a:r>
+          </a:p>
+        </p:txBody>
+      </p:sp>
     </p:spTree>
     <p:extLst>
       <p:ext uri="{BB962C8B-B14F-4D97-AF65-F5344CB8AC3E}">
-        <p14:creationId xmlns:p14="http://schemas.microsoft.com/office/powerpoint/2010/main" val="1147187728"/>
+        <p14:creationId xmlns:p14="http://schemas.microsoft.com/office/powerpoint/2010/main" val="2426375136"/>
       </p:ext>
     </p:extLst>
   </p:cSld>
@@ -37058,10 +35019,10 @@
       </p:pic>
       <p:sp>
         <p:nvSpPr>
-          <p:cNvPr id="9" name="Slide Number">
+          <p:cNvPr id="2" name="Slide Number">
             <a:extLst>
               <a:ext uri="{FF2B5EF4-FFF2-40B4-BE49-F238E27FC236}">
-                <a16:creationId xmlns:a16="http://schemas.microsoft.com/office/drawing/2014/main" id="{E76FD261-6BBB-480A-8FC9-CE02B8C42108}"/>
+                <a16:creationId xmlns:a16="http://schemas.microsoft.com/office/drawing/2014/main" id="{A3E419D1-C39A-9B2D-14F7-11939E4ABA88}"/>
               </a:ext>
             </a:extLst>
           </p:cNvPr>
@@ -37101,7 +35062,7 @@
     </p:spTree>
     <p:extLst>
       <p:ext uri="{BB962C8B-B14F-4D97-AF65-F5344CB8AC3E}">
-        <p14:creationId xmlns:p14="http://schemas.microsoft.com/office/powerpoint/2010/main" val="1524871512"/>
+        <p14:creationId xmlns:p14="http://schemas.microsoft.com/office/powerpoint/2010/main" val="1564491241"/>
       </p:ext>
     </p:extLst>
   </p:cSld>
@@ -38062,12 +36023,7 @@
             <p:ph type="title"/>
           </p:nvPr>
         </p:nvSpPr>
-        <p:spPr>
-          <a:xfrm>
-            <a:off x="190355" y="100750"/>
-            <a:ext cx="9792489" cy="882654"/>
-          </a:xfrm>
-        </p:spPr>
+        <p:spPr/>
         <p:txBody>
           <a:bodyPr/>
           <a:lstStyle/>
@@ -38123,10 +36079,10 @@
       </p:pic>
       <p:sp>
         <p:nvSpPr>
-          <p:cNvPr id="17" name="Slide Number">
+          <p:cNvPr id="4" name="Slide Number">
             <a:extLst>
               <a:ext uri="{FF2B5EF4-FFF2-40B4-BE49-F238E27FC236}">
-                <a16:creationId xmlns:a16="http://schemas.microsoft.com/office/drawing/2014/main" id="{3EDEA8DB-8B18-4146-9120-3D4D887D9CA5}"/>
+                <a16:creationId xmlns:a16="http://schemas.microsoft.com/office/drawing/2014/main" id="{25960EC8-782D-79A8-2FAB-0C2DF666C7F0}"/>
               </a:ext>
             </a:extLst>
           </p:cNvPr>
@@ -38254,7 +36210,7 @@
     </p:spTree>
     <p:extLst>
       <p:ext uri="{BB962C8B-B14F-4D97-AF65-F5344CB8AC3E}">
-        <p14:creationId xmlns:p14="http://schemas.microsoft.com/office/powerpoint/2010/main" val="373062146"/>
+        <p14:creationId xmlns:p14="http://schemas.microsoft.com/office/powerpoint/2010/main" val="3767576593"/>
       </p:ext>
     </p:extLst>
   </p:cSld>
@@ -39983,10 +37939,10 @@
       </p:grpSp>
       <p:sp>
         <p:nvSpPr>
-          <p:cNvPr id="26" name="Slide Number">
+          <p:cNvPr id="2" name="Slide Number">
             <a:extLst>
               <a:ext uri="{FF2B5EF4-FFF2-40B4-BE49-F238E27FC236}">
-                <a16:creationId xmlns:a16="http://schemas.microsoft.com/office/drawing/2014/main" id="{4C342636-2D06-4A36-9EBB-5E2E1F09B4E4}"/>
+                <a16:creationId xmlns:a16="http://schemas.microsoft.com/office/drawing/2014/main" id="{5F2EAB2C-80F6-97C5-4736-05DF8F6D8CC6}"/>
               </a:ext>
             </a:extLst>
           </p:cNvPr>
@@ -40114,7 +38070,7 @@
     </p:spTree>
     <p:extLst>
       <p:ext uri="{BB962C8B-B14F-4D97-AF65-F5344CB8AC3E}">
-        <p14:creationId xmlns:p14="http://schemas.microsoft.com/office/powerpoint/2010/main" val="186905589"/>
+        <p14:creationId xmlns:p14="http://schemas.microsoft.com/office/powerpoint/2010/main" val="2054964991"/>
       </p:ext>
     </p:extLst>
   </p:cSld>
@@ -40992,10 +38948,10 @@
       </p:cxnSp>
       <p:sp>
         <p:nvSpPr>
-          <p:cNvPr id="14" name="Slide Number">
+          <p:cNvPr id="2" name="Slide Number">
             <a:extLst>
               <a:ext uri="{FF2B5EF4-FFF2-40B4-BE49-F238E27FC236}">
-                <a16:creationId xmlns:a16="http://schemas.microsoft.com/office/drawing/2014/main" id="{EBFCA0FB-922B-4FB0-BE90-498CB1FBACB5}"/>
+                <a16:creationId xmlns:a16="http://schemas.microsoft.com/office/drawing/2014/main" id="{215A6CBA-8AF5-6373-D1FB-0DA3142F8060}"/>
               </a:ext>
             </a:extLst>
           </p:cNvPr>
@@ -41035,7 +38991,7 @@
     </p:spTree>
     <p:extLst>
       <p:ext uri="{BB962C8B-B14F-4D97-AF65-F5344CB8AC3E}">
-        <p14:creationId xmlns:p14="http://schemas.microsoft.com/office/powerpoint/2010/main" val="4216145631"/>
+        <p14:creationId xmlns:p14="http://schemas.microsoft.com/office/powerpoint/2010/main" val="2596862432"/>
       </p:ext>
     </p:extLst>
   </p:cSld>
@@ -42511,10 +40467,10 @@
       </p:sp>
       <p:sp>
         <p:nvSpPr>
-          <p:cNvPr id="13" name="Slide Number">
+          <p:cNvPr id="2" name="Slide Number">
             <a:extLst>
               <a:ext uri="{FF2B5EF4-FFF2-40B4-BE49-F238E27FC236}">
-                <a16:creationId xmlns:a16="http://schemas.microsoft.com/office/drawing/2014/main" id="{10ACF92D-AEF8-40FE-9057-70658D81DEC6}"/>
+                <a16:creationId xmlns:a16="http://schemas.microsoft.com/office/drawing/2014/main" id="{900DED71-A745-DD7A-1279-A1327312532E}"/>
               </a:ext>
             </a:extLst>
           </p:cNvPr>
@@ -42554,7 +40510,7 @@
     </p:spTree>
     <p:extLst>
       <p:ext uri="{BB962C8B-B14F-4D97-AF65-F5344CB8AC3E}">
-        <p14:creationId xmlns:p14="http://schemas.microsoft.com/office/powerpoint/2010/main" val="396196932"/>
+        <p14:creationId xmlns:p14="http://schemas.microsoft.com/office/powerpoint/2010/main" val="3085237256"/>
       </p:ext>
     </p:extLst>
   </p:cSld>
@@ -42739,21 +40695,140 @@
           <a:lstStyle/>
           <a:p>
             <a:r>
-              <a:rPr lang="en-US" sz="8800" dirty="0">
-                <a:solidFill>
-                  <a:srgbClr val="234465"/>
-                </a:solidFill>
+              <a:rPr lang="bg-BG" dirty="0"/>
+              <a:t>Въпроси</a:t>
+            </a:r>
+            <a:r>
+              <a:rPr lang="en-US" dirty="0"/>
+              <a:t>?</a:t>
+            </a:r>
+          </a:p>
+        </p:txBody>
+      </p:sp>
+      <p:sp>
+        <p:nvSpPr>
+          <p:cNvPr id="2" name="Rectangle Bottom Copyright">
+            <a:extLst>
+              <a:ext uri="{FF2B5EF4-FFF2-40B4-BE49-F238E27FC236}">
+                <a16:creationId xmlns:a16="http://schemas.microsoft.com/office/drawing/2014/main" id="{664812A4-2991-44D1-BFE9-32E55AADF8A5}"/>
+              </a:ext>
+            </a:extLst>
+          </p:cNvPr>
+          <p:cNvSpPr/>
+          <p:nvPr/>
+        </p:nvSpPr>
+        <p:spPr>
+          <a:xfrm>
+            <a:off x="111000" y="6454758"/>
+            <a:ext cx="11970000" cy="304242"/>
+          </a:xfrm>
+          <a:prstGeom prst="rect">
+            <a:avLst/>
+          </a:prstGeom>
+        </p:spPr>
+        <p:txBody>
+          <a:bodyPr wrap="square">
+            <a:noAutofit/>
+          </a:bodyPr>
+          <a:lstStyle/>
+          <a:p>
+            <a:pPr algn="ctr">
+              <a:lnSpc>
+                <a:spcPct val="100000"/>
+              </a:lnSpc>
+              <a:spcBef>
+                <a:spcPts val="0"/>
+              </a:spcBef>
+              <a:spcAft>
+                <a:spcPts val="0"/>
+              </a:spcAft>
+            </a:pPr>
+            <a:r>
+              <a:rPr lang="bg-BG" sz="1600" dirty="0">
+                <a:solidFill>
+                  <a:schemeClr val="bg2"/>
+                </a:solidFill>
+                <a:effectLst/>
+                <a:latin typeface="Calibri" panose="020F0502020204030204" pitchFamily="34" charset="0"/>
+                <a:ea typeface="Calibri" panose="020F0502020204030204" pitchFamily="34" charset="0"/>
+                <a:cs typeface="Arial" panose="020B0604020202020204" pitchFamily="34" charset="0"/>
               </a:rPr>
-              <a:t>Въпроси?</a:t>
-            </a:r>
-            <a:endParaRPr lang="en-US" sz="8800" dirty="0"/>
+              <a:t>Проект "</a:t>
+            </a:r>
+            <a:r>
+              <a:rPr lang="bg-BG" sz="1600" dirty="0">
+                <a:solidFill>
+                  <a:schemeClr val="bg1">
+                    <a:lumMod val="20000"/>
+                    <a:lumOff val="80000"/>
+                  </a:schemeClr>
+                </a:solidFill>
+                <a:effectLst/>
+                <a:latin typeface="Calibri" panose="020F0502020204030204" pitchFamily="34" charset="0"/>
+                <a:ea typeface="Calibri" panose="020F0502020204030204" pitchFamily="34" charset="0"/>
+                <a:cs typeface="Arial" panose="020B0604020202020204" pitchFamily="34" charset="0"/>
+                <a:hlinkClick r:id="rId3">
+                  <a:extLst>
+                    <a:ext uri="{A12FA001-AC4F-418D-AE19-62706E023703}">
+                      <ahyp:hlinkClr xmlns:ahyp="http://schemas.microsoft.com/office/drawing/2018/hyperlinkcolor" val="tx"/>
+                    </a:ext>
+                  </a:extLst>
+                </a:hlinkClick>
+              </a:rPr>
+              <a:t>Отворено учебно съдържание по програмиране и ИТ</a:t>
+            </a:r>
+            <a:r>
+              <a:rPr lang="bg-BG" sz="1600" dirty="0">
+                <a:solidFill>
+                  <a:schemeClr val="bg2"/>
+                </a:solidFill>
+                <a:effectLst/>
+                <a:latin typeface="Calibri" panose="020F0502020204030204" pitchFamily="34" charset="0"/>
+                <a:ea typeface="Calibri" panose="020F0502020204030204" pitchFamily="34" charset="0"/>
+                <a:cs typeface="Arial" panose="020B0604020202020204" pitchFamily="34" charset="0"/>
+              </a:rPr>
+              <a:t>", СофтУни Фондация (лиценз </a:t>
+            </a:r>
+            <a:r>
+              <a:rPr lang="en-US" sz="1600" dirty="0">
+                <a:solidFill>
+                  <a:schemeClr val="bg2"/>
+                </a:solidFill>
+                <a:effectLst/>
+                <a:latin typeface="Calibri" panose="020F0502020204030204" pitchFamily="34" charset="0"/>
+                <a:ea typeface="Calibri" panose="020F0502020204030204" pitchFamily="34" charset="0"/>
+                <a:cs typeface="Arial" panose="020B0604020202020204" pitchFamily="34" charset="0"/>
+              </a:rPr>
+              <a:t>CC-BY-NC-SA</a:t>
+            </a:r>
+            <a:r>
+              <a:rPr lang="bg-BG" sz="1600" dirty="0">
+                <a:solidFill>
+                  <a:schemeClr val="bg2"/>
+                </a:solidFill>
+                <a:effectLst/>
+                <a:latin typeface="Calibri" panose="020F0502020204030204" pitchFamily="34" charset="0"/>
+                <a:ea typeface="Calibri" panose="020F0502020204030204" pitchFamily="34" charset="0"/>
+                <a:cs typeface="Arial" panose="020B0604020202020204" pitchFamily="34" charset="0"/>
+              </a:rPr>
+              <a:t>)</a:t>
+            </a:r>
+            <a:endParaRPr lang="bg-BG" sz="2400" dirty="0">
+              <a:solidFill>
+                <a:schemeClr val="bg2"/>
+              </a:solidFill>
+              <a:effectLst/>
+              <a:latin typeface="Calibri" panose="020F0502020204030204" pitchFamily="34" charset="0"/>
+              <a:ea typeface="Calibri" panose="020F0502020204030204" pitchFamily="34" charset="0"/>
+              <a:cs typeface="Arial" panose="020B0604020202020204" pitchFamily="34" charset="0"/>
+            </a:endParaRPr>
           </a:p>
         </p:txBody>
       </p:sp>
     </p:spTree>
     <p:extLst>
       <p:ext uri="{BB962C8B-B14F-4D97-AF65-F5344CB8AC3E}">
-        <p14:creationId xmlns:p14="http://schemas.microsoft.com/office/powerpoint/2010/main" val="829796173"/>
+        <p14:creationId xmlns:p14="http://schemas.microsoft.com/office/powerpoint/2010/main" val="757187612"/>
       </p:ext>
     </p:extLst>
   </p:cSld>
@@ -42807,11 +40882,13 @@
         <p:spPr>
           <a:xfrm>
             <a:off x="190402" y="1269001"/>
-            <a:ext cx="11818096" cy="5455890"/>
+            <a:ext cx="9865598" cy="2474999"/>
           </a:xfrm>
         </p:spPr>
         <p:txBody>
-          <a:bodyPr/>
+          <a:bodyPr>
+            <a:normAutofit/>
+          </a:bodyPr>
           <a:lstStyle/>
           <a:p>
             <a:pPr>
@@ -42820,113 +40897,42 @@
               </a:lnSpc>
             </a:pPr>
             <a:r>
-              <a:rPr lang="bg-BG" dirty="0"/>
+              <a:rPr lang="bg-BG" sz="3200" dirty="0"/>
               <a:t>Този курс</a:t>
             </a:r>
             <a:r>
-              <a:rPr lang="en-US" dirty="0"/>
+              <a:rPr lang="en-US" sz="3200" dirty="0"/>
               <a:t> (</a:t>
             </a:r>
             <a:r>
-              <a:rPr lang="bg-BG" dirty="0"/>
+              <a:rPr lang="bg-BG" sz="3200" dirty="0"/>
               <a:t>презентации, примери, демонстрационен код, упражнения, домашни, видео и други активи</a:t>
             </a:r>
             <a:r>
-              <a:rPr lang="en-US" dirty="0"/>
+              <a:rPr lang="en-US" sz="3200" dirty="0"/>
               <a:t>) </a:t>
             </a:r>
             <a:r>
-              <a:rPr lang="bg-BG" dirty="0"/>
+              <a:rPr lang="bg-BG" sz="3200" dirty="0"/>
               <a:t>представлява</a:t>
             </a:r>
             <a:r>
-              <a:rPr lang="en-US" dirty="0"/>
+              <a:rPr lang="en-US" sz="3200" dirty="0"/>
               <a:t> </a:t>
             </a:r>
             <a:r>
-              <a:rPr lang="bg-BG" b="1" dirty="0"/>
-              <a:t>защитено авторско съдържание</a:t>
-            </a:r>
-            <a:endParaRPr lang="en-US" dirty="0"/>
-          </a:p>
-          <a:p>
-            <a:pPr>
-              <a:lnSpc>
-                <a:spcPct val="120000"/>
-              </a:lnSpc>
-            </a:pPr>
-            <a:r>
-              <a:rPr lang="bg-BG" dirty="0"/>
-              <a:t>Нерегламентирано копиране</a:t>
-            </a:r>
-            <a:r>
-              <a:rPr lang="en-US" dirty="0"/>
-              <a:t>,</a:t>
-            </a:r>
-            <a:r>
-              <a:rPr lang="bg-BG" dirty="0"/>
-              <a:t> разпространение или използване е незаконно</a:t>
-            </a:r>
-          </a:p>
-          <a:p>
-            <a:pPr>
-              <a:lnSpc>
-                <a:spcPct val="120000"/>
-              </a:lnSpc>
-            </a:pPr>
-            <a:r>
-              <a:rPr lang="en-US" dirty="0"/>
-              <a:t>© </a:t>
-            </a:r>
-            <a:r>
-              <a:rPr lang="bg-BG" dirty="0"/>
-              <a:t>СофтУни</a:t>
-            </a:r>
-            <a:r>
-              <a:rPr lang="en-US" dirty="0"/>
-              <a:t> – </a:t>
-            </a:r>
-            <a:r>
-              <a:rPr lang="en-US" dirty="0">
-                <a:hlinkClick r:id="rId3"/>
-              </a:rPr>
-              <a:t>https://softuni.org</a:t>
-            </a:r>
-            <a:endParaRPr lang="en-US" dirty="0"/>
-          </a:p>
-          <a:p>
-            <a:pPr>
-              <a:lnSpc>
-                <a:spcPct val="120000"/>
-              </a:lnSpc>
-            </a:pPr>
-            <a:r>
-              <a:rPr lang="en-US" dirty="0"/>
-              <a:t>© </a:t>
-            </a:r>
-            <a:r>
-              <a:rPr lang="bg-BG" dirty="0"/>
-              <a:t>Софтуерен университет</a:t>
-            </a:r>
-            <a:r>
-              <a:rPr lang="en-US" dirty="0"/>
-              <a:t> – </a:t>
-            </a:r>
-            <a:r>
-              <a:rPr lang="en-US" dirty="0">
-                <a:hlinkClick r:id="rId4"/>
-              </a:rPr>
-              <a:t>https://softuni.bg</a:t>
-            </a:r>
-            <a:endParaRPr lang="bg-BG" dirty="0"/>
-          </a:p>
-          <a:p>
-            <a:pPr>
-              <a:lnSpc>
-                <a:spcPct val="120000"/>
-              </a:lnSpc>
-            </a:pPr>
-            <a:endParaRPr lang="bg-BG" dirty="0"/>
+              <a:rPr lang="bg-BG" sz="3200" b="1" dirty="0"/>
+              <a:t>свободно учебно съдържание </a:t>
+            </a:r>
+            <a:r>
+              <a:rPr lang="bg-BG" sz="3200" dirty="0"/>
+              <a:t>и се разпространява под свободен лиценз </a:t>
+            </a:r>
+            <a:r>
+              <a:rPr lang="en-US" sz="3200" b="1" dirty="0"/>
+              <a:t>CC-BY-NC-SA</a:t>
+            </a:r>
+            <a:endParaRPr lang="bg-BG" sz="3200" dirty="0"/>
           </a:p>
         </p:txBody>
       </p:sp>
@@ -42945,7 +40951,7 @@
           <p:nvPr/>
         </p:nvPicPr>
         <p:blipFill>
-          <a:blip r:embed="rId5">
+          <a:blip r:embed="rId3">
             <a:clrChange>
               <a:clrFrom>
                 <a:srgbClr val="FFFFFF"/>
@@ -42963,8 +40969,8 @@
         </p:blipFill>
         <p:spPr>
           <a:xfrm>
-            <a:off x="9745023" y="4445455"/>
-            <a:ext cx="1930977" cy="2043545"/>
+            <a:off x="10226175" y="1440120"/>
+            <a:ext cx="1198986" cy="1268880"/>
           </a:xfrm>
           <a:prstGeom prst="rect">
             <a:avLst/>
@@ -43001,10 +41007,171 @@
       </p:sp>
       <p:sp>
         <p:nvSpPr>
-          <p:cNvPr id="7" name="Slide Number">
+          <p:cNvPr id="11" name="TextBox 10">
             <a:extLst>
               <a:ext uri="{FF2B5EF4-FFF2-40B4-BE49-F238E27FC236}">
-                <a16:creationId xmlns:a16="http://schemas.microsoft.com/office/drawing/2014/main" id="{986F1241-4467-4A33-8F42-658BD1961EF6}"/>
+                <a16:creationId xmlns:a16="http://schemas.microsoft.com/office/drawing/2014/main" id="{0C18DF19-B750-4C88-975B-661A6BF61F5E}"/>
+              </a:ext>
+            </a:extLst>
+          </p:cNvPr>
+          <p:cNvSpPr txBox="1"/>
+          <p:nvPr/>
+        </p:nvSpPr>
+        <p:spPr>
+          <a:xfrm>
+            <a:off x="190401" y="3927519"/>
+            <a:ext cx="11710599" cy="1979644"/>
+          </a:xfrm>
+          <a:prstGeom prst="rect">
+            <a:avLst/>
+          </a:prstGeom>
+          <a:noFill/>
+          <a:ln w="12700">
+            <a:noFill/>
+          </a:ln>
+        </p:spPr>
+        <p:txBody>
+          <a:bodyPr wrap="square">
+            <a:spAutoFit/>
+          </a:bodyPr>
+          <a:lstStyle/>
+          <a:p>
+            <a:pPr marL="360363" indent="-360363" defTabSz="1218438">
+              <a:lnSpc>
+                <a:spcPct val="120000"/>
+              </a:lnSpc>
+              <a:spcBef>
+                <a:spcPts val="600"/>
+              </a:spcBef>
+              <a:spcAft>
+                <a:spcPts val="600"/>
+              </a:spcAft>
+              <a:buFont typeface="Wingdings" panose="05000000000000000000" pitchFamily="2" charset="2"/>
+              <a:buChar char="§"/>
+              <a:defRPr/>
+            </a:pPr>
+            <a:r>
+              <a:rPr lang="bg-BG" sz="3200" dirty="0"/>
+              <a:t>Проект "</a:t>
+            </a:r>
+            <a:r>
+              <a:rPr lang="bg-BG" sz="3200" b="1" dirty="0"/>
+              <a:t>Отворено учебно съдържание по програмиране и ИТ</a:t>
+            </a:r>
+            <a:r>
+              <a:rPr lang="bg-BG" sz="3200" dirty="0"/>
+              <a:t>" към Фондация "Софтуерен университет"</a:t>
+            </a:r>
+            <a:r>
+              <a:rPr lang="en-US" sz="3200" dirty="0"/>
+              <a:t>:</a:t>
+            </a:r>
+            <a:endParaRPr lang="bg-BG" sz="3200" dirty="0"/>
+          </a:p>
+          <a:p>
+            <a:pPr marL="817563" lvl="1" indent="-360363" defTabSz="1218438">
+              <a:lnSpc>
+                <a:spcPct val="120000"/>
+              </a:lnSpc>
+              <a:spcBef>
+                <a:spcPts val="600"/>
+              </a:spcBef>
+              <a:spcAft>
+                <a:spcPts val="600"/>
+              </a:spcAft>
+              <a:buFont typeface="Wingdings" panose="05000000000000000000" pitchFamily="2" charset="2"/>
+              <a:buChar char="§"/>
+              <a:defRPr/>
+            </a:pPr>
+            <a:r>
+              <a:rPr kumimoji="0" lang="en-US" sz="3200" b="0" i="0" u="none" strike="noStrike" kern="1200" cap="none" spc="0" normalizeH="0" baseline="0" noProof="0" dirty="0">
+                <a:ln>
+                  <a:noFill/>
+                </a:ln>
+                <a:solidFill>
+                  <a:srgbClr val="234465"/>
+                </a:solidFill>
+                <a:effectLst/>
+                <a:uLnTx/>
+                <a:uFillTx/>
+                <a:latin typeface="Calibri"/>
+                <a:ea typeface="+mn-ea"/>
+                <a:cs typeface="+mn-cs"/>
+                <a:hlinkClick r:id="rId4"/>
+              </a:rPr>
+              <a:t>https://github.com/BG-IT-Edu</a:t>
+            </a:r>
+            <a:endParaRPr kumimoji="0" lang="bg-BG" sz="3200" b="0" i="0" u="none" strike="noStrike" kern="1200" cap="none" spc="0" normalizeH="0" baseline="0" noProof="0" dirty="0">
+              <a:ln>
+                <a:noFill/>
+              </a:ln>
+              <a:solidFill>
+                <a:srgbClr val="234465"/>
+              </a:solidFill>
+              <a:effectLst/>
+              <a:uLnTx/>
+              <a:uFillTx/>
+              <a:latin typeface="Calibri"/>
+              <a:ea typeface="+mn-ea"/>
+              <a:cs typeface="+mn-cs"/>
+            </a:endParaRPr>
+          </a:p>
+        </p:txBody>
+      </p:sp>
+      <p:pic>
+        <p:nvPicPr>
+          <p:cNvPr id="7" name="Picture 6" title="CC-BY-NC-SA License">
+            <a:hlinkClick r:id="rId5" tooltip="This work is licensed under the &quot;Creative Commons Attribution-NonCommercial-ShareAlike 4.0 International&quot; license"/>
+            <a:extLst>
+              <a:ext uri="{FF2B5EF4-FFF2-40B4-BE49-F238E27FC236}">
+                <a16:creationId xmlns:a16="http://schemas.microsoft.com/office/drawing/2014/main" id="{F6C77C47-F7D8-A176-5C69-7FDE5C7E8003}"/>
+              </a:ext>
+            </a:extLst>
+          </p:cNvPr>
+          <p:cNvPicPr>
+            <a:picLocks noChangeAspect="1" noChangeArrowheads="1"/>
+          </p:cNvPicPr>
+          <p:nvPr/>
+        </p:nvPicPr>
+        <p:blipFill>
+          <a:blip r:embed="rId6">
+            <a:extLst>
+              <a:ext uri="{28A0092B-C50C-407E-A947-70E740481C1C}">
+                <a14:useLocalDpi xmlns:a14="http://schemas.microsoft.com/office/drawing/2010/main"/>
+              </a:ext>
+            </a:extLst>
+          </a:blip>
+          <a:srcRect/>
+          <a:stretch>
+            <a:fillRect/>
+          </a:stretch>
+        </p:blipFill>
+        <p:spPr bwMode="auto">
+          <a:xfrm>
+            <a:off x="9831000" y="2908593"/>
+            <a:ext cx="1989336" cy="696022"/>
+          </a:xfrm>
+          <a:prstGeom prst="roundRect">
+            <a:avLst>
+              <a:gd name="adj" fmla="val 3940"/>
+            </a:avLst>
+          </a:prstGeom>
+          <a:solidFill>
+            <a:srgbClr val="231F20">
+              <a:alpha val="50000"/>
+            </a:srgbClr>
+          </a:solidFill>
+          <a:ln>
+            <a:noFill/>
+          </a:ln>
+        </p:spPr>
+      </p:pic>
+      <p:sp>
+        <p:nvSpPr>
+          <p:cNvPr id="4" name="Slide Number">
+            <a:extLst>
+              <a:ext uri="{FF2B5EF4-FFF2-40B4-BE49-F238E27FC236}">
+                <a16:creationId xmlns:a16="http://schemas.microsoft.com/office/drawing/2014/main" id="{F095CA54-DDFC-4D90-2E51-C9C350D522EC}"/>
               </a:ext>
             </a:extLst>
           </p:cNvPr>
@@ -43044,7 +41211,7 @@
     </p:spTree>
     <p:extLst>
       <p:ext uri="{BB962C8B-B14F-4D97-AF65-F5344CB8AC3E}">
-        <p14:creationId xmlns:p14="http://schemas.microsoft.com/office/powerpoint/2010/main" val="4261355926"/>
+        <p14:creationId xmlns:p14="http://schemas.microsoft.com/office/powerpoint/2010/main" val="606525031"/>
       </p:ext>
     </p:extLst>
   </p:cSld>
@@ -43375,10 +41542,10 @@
       </p:graphicFrame>
       <p:sp>
         <p:nvSpPr>
-          <p:cNvPr id="6" name="Slide Number">
+          <p:cNvPr id="3" name="Slide Number">
             <a:extLst>
               <a:ext uri="{FF2B5EF4-FFF2-40B4-BE49-F238E27FC236}">
-                <a16:creationId xmlns:a16="http://schemas.microsoft.com/office/drawing/2014/main" id="{A7F6E624-6B66-47F3-A655-AF8BF3BBB602}"/>
+                <a16:creationId xmlns:a16="http://schemas.microsoft.com/office/drawing/2014/main" id="{AFD975B7-EEB9-E1E0-196B-A8FDB462ED78}"/>
               </a:ext>
             </a:extLst>
           </p:cNvPr>
@@ -43418,7 +41585,7 @@
     </p:spTree>
     <p:extLst>
       <p:ext uri="{BB962C8B-B14F-4D97-AF65-F5344CB8AC3E}">
-        <p14:creationId xmlns:p14="http://schemas.microsoft.com/office/powerpoint/2010/main" val="3444039740"/>
+        <p14:creationId xmlns:p14="http://schemas.microsoft.com/office/powerpoint/2010/main" val="118485658"/>
       </p:ext>
     </p:extLst>
   </p:cSld>
@@ -44346,10 +42513,10 @@
       </p:sp>
       <p:sp>
         <p:nvSpPr>
-          <p:cNvPr id="8" name="Slide Number">
+          <p:cNvPr id="6" name="Slide Number">
             <a:extLst>
               <a:ext uri="{FF2B5EF4-FFF2-40B4-BE49-F238E27FC236}">
-                <a16:creationId xmlns:a16="http://schemas.microsoft.com/office/drawing/2014/main" id="{8F30342A-CBBA-4603-A300-8DC096B9530E}"/>
+                <a16:creationId xmlns:a16="http://schemas.microsoft.com/office/drawing/2014/main" id="{08BFEBA9-01FC-0080-3CB8-EB021C53C876}"/>
               </a:ext>
             </a:extLst>
           </p:cNvPr>
@@ -44389,7 +42556,7 @@
     </p:spTree>
     <p:extLst>
       <p:ext uri="{BB962C8B-B14F-4D97-AF65-F5344CB8AC3E}">
-        <p14:creationId xmlns:p14="http://schemas.microsoft.com/office/powerpoint/2010/main" val="563598152"/>
+        <p14:creationId xmlns:p14="http://schemas.microsoft.com/office/powerpoint/2010/main" val="2199626165"/>
       </p:ext>
     </p:extLst>
   </p:cSld>
@@ -44593,58 +42760,6 @@
       </p:grpSpPr>
       <p:sp>
         <p:nvSpPr>
-          <p:cNvPr id="5" name="Subtitle 4">
-            <a:extLst>
-              <a:ext uri="{FF2B5EF4-FFF2-40B4-BE49-F238E27FC236}">
-                <a16:creationId xmlns:a16="http://schemas.microsoft.com/office/drawing/2014/main" id="{A89199D5-8824-BC36-01AC-0B766F3C899C}"/>
-              </a:ext>
-            </a:extLst>
-          </p:cNvPr>
-          <p:cNvSpPr>
-            <a:spLocks noGrp="1"/>
-          </p:cNvSpPr>
-          <p:nvPr>
-            <p:ph type="subTitle" sz="quarter" idx="11"/>
-          </p:nvPr>
-        </p:nvSpPr>
-        <p:spPr/>
-        <p:txBody>
-          <a:bodyPr/>
-          <a:lstStyle/>
-          <a:p>
-            <a:r>
-              <a:rPr lang="bg-BG" dirty="0"/>
-              <a:t>Определение и видове</a:t>
-            </a:r>
-            <a:endParaRPr lang="en-BG" dirty="0"/>
-          </a:p>
-        </p:txBody>
-      </p:sp>
-      <p:sp>
-        <p:nvSpPr>
-          <p:cNvPr id="2" name="Title 1"/>
-          <p:cNvSpPr>
-            <a:spLocks noGrp="1"/>
-          </p:cNvSpPr>
-          <p:nvPr>
-            <p:ph type="title" sz="quarter" idx="10"/>
-          </p:nvPr>
-        </p:nvSpPr>
-        <p:spPr/>
-        <p:txBody>
-          <a:bodyPr/>
-          <a:lstStyle/>
-          <a:p>
-            <a:r>
-              <a:rPr lang="bg-BG" dirty="0"/>
-              <a:t>Структури от данни</a:t>
-            </a:r>
-            <a:endParaRPr lang="en-US" dirty="0"/>
-          </a:p>
-        </p:txBody>
-      </p:sp>
-      <p:sp>
-        <p:nvSpPr>
           <p:cNvPr id="4" name="Oval 3"/>
           <p:cNvSpPr/>
           <p:nvPr/>
@@ -45333,10 +43448,66 @@
           </a:fontRef>
         </p:style>
       </p:cxnSp>
+      <p:sp>
+        <p:nvSpPr>
+          <p:cNvPr id="10" name="Подзаглавие 9">
+            <a:extLst>
+              <a:ext uri="{FF2B5EF4-FFF2-40B4-BE49-F238E27FC236}">
+                <a16:creationId xmlns:a16="http://schemas.microsoft.com/office/drawing/2014/main" id="{94911252-E3F5-82F5-41F3-9ADB0693D1A1}"/>
+              </a:ext>
+            </a:extLst>
+          </p:cNvPr>
+          <p:cNvSpPr>
+            <a:spLocks noGrp="1"/>
+          </p:cNvSpPr>
+          <p:nvPr>
+            <p:ph type="subTitle" sz="quarter" idx="11"/>
+          </p:nvPr>
+        </p:nvSpPr>
+        <p:spPr/>
+        <p:txBody>
+          <a:bodyPr/>
+          <a:lstStyle/>
+          <a:p>
+            <a:r>
+              <a:rPr lang="bg-BG" dirty="0"/>
+              <a:t>Определение и видове</a:t>
+            </a:r>
+          </a:p>
+        </p:txBody>
+      </p:sp>
+      <p:sp>
+        <p:nvSpPr>
+          <p:cNvPr id="13" name="Заглавие 12">
+            <a:extLst>
+              <a:ext uri="{FF2B5EF4-FFF2-40B4-BE49-F238E27FC236}">
+                <a16:creationId xmlns:a16="http://schemas.microsoft.com/office/drawing/2014/main" id="{21E08575-2ED9-31AC-F5E1-DE44E5CEDF1D}"/>
+              </a:ext>
+            </a:extLst>
+          </p:cNvPr>
+          <p:cNvSpPr>
+            <a:spLocks noGrp="1"/>
+          </p:cNvSpPr>
+          <p:nvPr>
+            <p:ph type="title" sz="quarter" idx="10"/>
+          </p:nvPr>
+        </p:nvSpPr>
+        <p:spPr/>
+        <p:txBody>
+          <a:bodyPr/>
+          <a:lstStyle/>
+          <a:p>
+            <a:r>
+              <a:rPr lang="bg-BG" dirty="0"/>
+              <a:t>Структури от данни</a:t>
+            </a:r>
+          </a:p>
+        </p:txBody>
+      </p:sp>
     </p:spTree>
     <p:extLst>
       <p:ext uri="{BB962C8B-B14F-4D97-AF65-F5344CB8AC3E}">
-        <p14:creationId xmlns:p14="http://schemas.microsoft.com/office/powerpoint/2010/main" val="345198597"/>
+        <p14:creationId xmlns:p14="http://schemas.microsoft.com/office/powerpoint/2010/main" val="3090861303"/>
       </p:ext>
     </p:extLst>
   </p:cSld>
@@ -45940,10 +44111,10 @@
       </p:graphicFrame>
       <p:sp>
         <p:nvSpPr>
-          <p:cNvPr id="6" name="Slide Number">
+          <p:cNvPr id="3" name="Slide Number">
             <a:extLst>
               <a:ext uri="{FF2B5EF4-FFF2-40B4-BE49-F238E27FC236}">
-                <a16:creationId xmlns:a16="http://schemas.microsoft.com/office/drawing/2014/main" id="{8E3A72E5-8A98-4981-890E-42497B22812B}"/>
+                <a16:creationId xmlns:a16="http://schemas.microsoft.com/office/drawing/2014/main" id="{16D99C50-7CC7-8247-8688-D1D1D545229C}"/>
               </a:ext>
             </a:extLst>
           </p:cNvPr>
@@ -45983,7 +44154,7 @@
     </p:spTree>
     <p:extLst>
       <p:ext uri="{BB962C8B-B14F-4D97-AF65-F5344CB8AC3E}">
-        <p14:creationId xmlns:p14="http://schemas.microsoft.com/office/powerpoint/2010/main" val="3349148938"/>
+        <p14:creationId xmlns:p14="http://schemas.microsoft.com/office/powerpoint/2010/main" val="2034900095"/>
       </p:ext>
     </p:extLst>
   </p:cSld>
@@ -46505,10 +44676,10 @@
       </p:pic>
       <p:sp>
         <p:nvSpPr>
-          <p:cNvPr id="8" name="Slide Number">
+          <p:cNvPr id="2" name="Slide Number">
             <a:extLst>
               <a:ext uri="{FF2B5EF4-FFF2-40B4-BE49-F238E27FC236}">
-                <a16:creationId xmlns:a16="http://schemas.microsoft.com/office/drawing/2014/main" id="{1895B7F4-4A4D-470F-8319-573CCDF82F76}"/>
+                <a16:creationId xmlns:a16="http://schemas.microsoft.com/office/drawing/2014/main" id="{2B6D6AED-CCE4-9DD8-81C0-F635FB842CAC}"/>
               </a:ext>
             </a:extLst>
           </p:cNvPr>
@@ -46548,7 +44719,7 @@
     </p:spTree>
     <p:extLst>
       <p:ext uri="{BB962C8B-B14F-4D97-AF65-F5344CB8AC3E}">
-        <p14:creationId xmlns:p14="http://schemas.microsoft.com/office/powerpoint/2010/main" val="3881824586"/>
+        <p14:creationId xmlns:p14="http://schemas.microsoft.com/office/powerpoint/2010/main" val="4027670851"/>
       </p:ext>
     </p:extLst>
   </p:cSld>
@@ -46712,15 +44883,33 @@
                                   </p:childTnLst>
                                 </p:cTn>
                               </p:par>
+                            </p:childTnLst>
+                          </p:cTn>
+                        </p:par>
+                      </p:childTnLst>
+                    </p:cTn>
+                  </p:par>
+                  <p:par>
+                    <p:cTn id="15" fill="hold">
+                      <p:stCondLst>
+                        <p:cond delay="indefinite"/>
+                      </p:stCondLst>
+                      <p:childTnLst>
+                        <p:par>
+                          <p:cTn id="16" fill="hold">
+                            <p:stCondLst>
+                              <p:cond delay="0"/>
+                            </p:stCondLst>
+                            <p:childTnLst>
                               <p:par>
-                                <p:cTn id="15" presetID="1" presetClass="entr" presetSubtype="0" fill="hold" nodeType="withEffect">
+                                <p:cTn id="17" presetID="1" presetClass="entr" presetSubtype="0" fill="hold" nodeType="clickEffect">
                                   <p:stCondLst>
                                     <p:cond delay="0"/>
                                   </p:stCondLst>
                                   <p:childTnLst>
                                     <p:set>
                                       <p:cBhvr>
-                                        <p:cTn id="16" dur="1" fill="hold">
+                                        <p:cTn id="18" dur="1" fill="hold">
                                           <p:stCondLst>
                                             <p:cond delay="0"/>
                                           </p:stCondLst>
@@ -46750,50 +44939,19 @@
                     </p:cTn>
                   </p:par>
                   <p:par>
-                    <p:cTn id="17" fill="hold">
+                    <p:cTn id="19" fill="hold">
                       <p:stCondLst>
                         <p:cond delay="indefinite"/>
                       </p:stCondLst>
                       <p:childTnLst>
                         <p:par>
-                          <p:cTn id="18" fill="hold">
+                          <p:cTn id="20" fill="hold">
                             <p:stCondLst>
                               <p:cond delay="0"/>
                             </p:stCondLst>
                             <p:childTnLst>
                               <p:par>
-                                <p:cTn id="19" presetID="1" presetClass="entr" presetSubtype="0" fill="hold" nodeType="clickEffect">
-                                  <p:stCondLst>
-                                    <p:cond delay="0"/>
-                                  </p:stCondLst>
-                                  <p:childTnLst>
-                                    <p:set>
-                                      <p:cBhvr>
-                                        <p:cTn id="20" dur="1" fill="hold">
-                                          <p:stCondLst>
-                                            <p:cond delay="0"/>
-                                          </p:stCondLst>
-                                        </p:cTn>
-                                        <p:tgtEl>
-                                          <p:spTgt spid="663555">
-                                            <p:txEl>
-                                              <p:pRg st="6" end="6"/>
-                                            </p:txEl>
-                                          </p:spTgt>
-                                        </p:tgtEl>
-                                        <p:attrNameLst>
-                                          <p:attrName>style.visibility</p:attrName>
-                                        </p:attrNameLst>
-                                      </p:cBhvr>
-                                      <p:to>
-                                        <p:strVal val="visible"/>
-                                      </p:to>
-                                    </p:set>
-                                  </p:childTnLst>
-                                </p:cTn>
-                              </p:par>
-                              <p:par>
-                                <p:cTn id="21" presetID="1" presetClass="entr" presetSubtype="0" fill="hold" nodeType="withEffect">
+                                <p:cTn id="21" presetID="1" presetClass="entr" presetSubtype="0" fill="hold" nodeType="clickEffect">
                                   <p:stCondLst>
                                     <p:cond delay="0"/>
                                   </p:stCondLst>
@@ -46806,7 +44964,11 @@
                                           </p:stCondLst>
                                         </p:cTn>
                                         <p:tgtEl>
-                                          <p:spTgt spid="1026"/>
+                                          <p:spTgt spid="663555">
+                                            <p:txEl>
+                                              <p:pRg st="6" end="6"/>
+                                            </p:txEl>
+                                          </p:spTgt>
                                         </p:tgtEl>
                                         <p:attrNameLst>
                                           <p:attrName>style.visibility</p:attrName>
@@ -46833,9 +44995,54 @@
                                           </p:stCondLst>
                                         </p:cTn>
                                         <p:tgtEl>
+                                          <p:spTgt spid="1026"/>
+                                        </p:tgtEl>
+                                        <p:attrNameLst>
+                                          <p:attrName>style.visibility</p:attrName>
+                                        </p:attrNameLst>
+                                      </p:cBhvr>
+                                      <p:to>
+                                        <p:strVal val="visible"/>
+                                      </p:to>
+                                    </p:set>
+                                  </p:childTnLst>
+                                </p:cTn>
+                              </p:par>
+                            </p:childTnLst>
+                          </p:cTn>
+                        </p:par>
+                      </p:childTnLst>
+                    </p:cTn>
+                  </p:par>
+                  <p:par>
+                    <p:cTn id="25" fill="hold">
+                      <p:stCondLst>
+                        <p:cond delay="indefinite"/>
+                      </p:stCondLst>
+                      <p:childTnLst>
+                        <p:par>
+                          <p:cTn id="26" fill="hold">
+                            <p:stCondLst>
+                              <p:cond delay="0"/>
+                            </p:stCondLst>
+                            <p:childTnLst>
+                              <p:par>
+                                <p:cTn id="27" presetID="1" presetClass="entr" presetSubtype="0" fill="hold" nodeType="clickEffect">
+                                  <p:stCondLst>
+                                    <p:cond delay="0"/>
+                                  </p:stCondLst>
+                                  <p:childTnLst>
+                                    <p:set>
+                                      <p:cBhvr>
+                                        <p:cTn id="28" dur="1" fill="hold">
+                                          <p:stCondLst>
+                                            <p:cond delay="0"/>
+                                          </p:stCondLst>
+                                        </p:cTn>
+                                        <p:tgtEl>
                                           <p:spTgt spid="663555">
                                             <p:txEl>
-                                              <p:charRg st="112" end="136"/>
+                                              <p:pRg st="7" end="7"/>
                                             </p:txEl>
                                           </p:spTgt>
                                         </p:tgtEl>
@@ -47399,10 +45606,10 @@
       </p:pic>
       <p:sp>
         <p:nvSpPr>
-          <p:cNvPr id="9" name="Slide Number">
+          <p:cNvPr id="4" name="Slide Number">
             <a:extLst>
               <a:ext uri="{FF2B5EF4-FFF2-40B4-BE49-F238E27FC236}">
-                <a16:creationId xmlns:a16="http://schemas.microsoft.com/office/drawing/2014/main" id="{C1B0CB1E-551A-45C2-AB32-BFCFB1F82EB7}"/>
+                <a16:creationId xmlns:a16="http://schemas.microsoft.com/office/drawing/2014/main" id="{0E1A33B5-F406-94A3-3D38-ACBBE8BD41F8}"/>
               </a:ext>
             </a:extLst>
           </p:cNvPr>
@@ -47442,7 +45649,7 @@
     </p:spTree>
     <p:extLst>
       <p:ext uri="{BB962C8B-B14F-4D97-AF65-F5344CB8AC3E}">
-        <p14:creationId xmlns:p14="http://schemas.microsoft.com/office/powerpoint/2010/main" val="138054956"/>
+        <p14:creationId xmlns:p14="http://schemas.microsoft.com/office/powerpoint/2010/main" val="272284175"/>
       </p:ext>
     </p:extLst>
   </p:cSld>
@@ -47633,15 +45840,33 @@
                                   </p:childTnLst>
                                 </p:cTn>
                               </p:par>
+                            </p:childTnLst>
+                          </p:cTn>
+                        </p:par>
+                      </p:childTnLst>
+                    </p:cTn>
+                  </p:par>
+                  <p:par>
+                    <p:cTn id="17" fill="hold">
+                      <p:stCondLst>
+                        <p:cond delay="indefinite"/>
+                      </p:stCondLst>
+                      <p:childTnLst>
+                        <p:par>
+                          <p:cTn id="18" fill="hold">
+                            <p:stCondLst>
+                              <p:cond delay="0"/>
+                            </p:stCondLst>
+                            <p:childTnLst>
                               <p:par>
-                                <p:cTn id="17" presetID="1" presetClass="entr" presetSubtype="0" fill="hold" nodeType="withEffect">
+                                <p:cTn id="19" presetID="1" presetClass="entr" presetSubtype="0" fill="hold" nodeType="clickEffect">
                                   <p:stCondLst>
                                     <p:cond delay="0"/>
                                   </p:stCondLst>
                                   <p:childTnLst>
                                     <p:set>
                                       <p:cBhvr>
-                                        <p:cTn id="18" dur="1" fill="hold">
+                                        <p:cTn id="20" dur="1" fill="hold">
                                           <p:stCondLst>
                                             <p:cond delay="0"/>
                                           </p:stCondLst>
@@ -47671,50 +45896,19 @@
                     </p:cTn>
                   </p:par>
                   <p:par>
-                    <p:cTn id="19" fill="hold">
+                    <p:cTn id="21" fill="hold">
                       <p:stCondLst>
                         <p:cond delay="indefinite"/>
                       </p:stCondLst>
                       <p:childTnLst>
                         <p:par>
-                          <p:cTn id="20" fill="hold">
+                          <p:cTn id="22" fill="hold">
                             <p:stCondLst>
                               <p:cond delay="0"/>
                             </p:stCondLst>
                             <p:childTnLst>
                               <p:par>
-                                <p:cTn id="21" presetID="1" presetClass="entr" presetSubtype="0" fill="hold" nodeType="clickEffect">
-                                  <p:stCondLst>
-                                    <p:cond delay="0"/>
-                                  </p:stCondLst>
-                                  <p:childTnLst>
-                                    <p:set>
-                                      <p:cBhvr>
-                                        <p:cTn id="22" dur="1" fill="hold">
-                                          <p:stCondLst>
-                                            <p:cond delay="0"/>
-                                          </p:stCondLst>
-                                        </p:cTn>
-                                        <p:tgtEl>
-                                          <p:spTgt spid="3">
-                                            <p:txEl>
-                                              <p:pRg st="5" end="5"/>
-                                            </p:txEl>
-                                          </p:spTgt>
-                                        </p:tgtEl>
-                                        <p:attrNameLst>
-                                          <p:attrName>style.visibility</p:attrName>
-                                        </p:attrNameLst>
-                                      </p:cBhvr>
-                                      <p:to>
-                                        <p:strVal val="visible"/>
-                                      </p:to>
-                                    </p:set>
-                                  </p:childTnLst>
-                                </p:cTn>
-                              </p:par>
-                              <p:par>
-                                <p:cTn id="23" presetID="1" presetClass="entr" presetSubtype="0" fill="hold" nodeType="withEffect">
+                                <p:cTn id="23" presetID="1" presetClass="entr" presetSubtype="0" fill="hold" nodeType="clickEffect">
                                   <p:stCondLst>
                                     <p:cond delay="0"/>
                                   </p:stCondLst>
@@ -47727,7 +45921,11 @@
                                           </p:stCondLst>
                                         </p:cTn>
                                         <p:tgtEl>
-                                          <p:spTgt spid="5122"/>
+                                          <p:spTgt spid="3">
+                                            <p:txEl>
+                                              <p:pRg st="5" end="5"/>
+                                            </p:txEl>
+                                          </p:spTgt>
                                         </p:tgtEl>
                                         <p:attrNameLst>
                                           <p:attrName>style.visibility</p:attrName>
@@ -47754,6 +45952,51 @@
                                           </p:stCondLst>
                                         </p:cTn>
                                         <p:tgtEl>
+                                          <p:spTgt spid="5122"/>
+                                        </p:tgtEl>
+                                        <p:attrNameLst>
+                                          <p:attrName>style.visibility</p:attrName>
+                                        </p:attrNameLst>
+                                      </p:cBhvr>
+                                      <p:to>
+                                        <p:strVal val="visible"/>
+                                      </p:to>
+                                    </p:set>
+                                  </p:childTnLst>
+                                </p:cTn>
+                              </p:par>
+                            </p:childTnLst>
+                          </p:cTn>
+                        </p:par>
+                      </p:childTnLst>
+                    </p:cTn>
+                  </p:par>
+                  <p:par>
+                    <p:cTn id="27" fill="hold">
+                      <p:stCondLst>
+                        <p:cond delay="indefinite"/>
+                      </p:stCondLst>
+                      <p:childTnLst>
+                        <p:par>
+                          <p:cTn id="28" fill="hold">
+                            <p:stCondLst>
+                              <p:cond delay="0"/>
+                            </p:stCondLst>
+                            <p:childTnLst>
+                              <p:par>
+                                <p:cTn id="29" presetID="1" presetClass="entr" presetSubtype="0" fill="hold" nodeType="clickEffect">
+                                  <p:stCondLst>
+                                    <p:cond delay="0"/>
+                                  </p:stCondLst>
+                                  <p:childTnLst>
+                                    <p:set>
+                                      <p:cBhvr>
+                                        <p:cTn id="30" dur="1" fill="hold">
+                                          <p:stCondLst>
+                                            <p:cond delay="0"/>
+                                          </p:stCondLst>
+                                        </p:cTn>
+                                        <p:tgtEl>
                                           <p:spTgt spid="3">
                                             <p:txEl>
                                               <p:pRg st="6" end="6"/>
@@ -47772,14 +46015,14 @@
                                 </p:cTn>
                               </p:par>
                               <p:par>
-                                <p:cTn id="27" presetID="1" presetClass="entr" presetSubtype="0" fill="hold" nodeType="withEffect">
+                                <p:cTn id="31" presetID="1" presetClass="entr" presetSubtype="0" fill="hold" nodeType="withEffect">
                                   <p:stCondLst>
                                     <p:cond delay="0"/>
                                   </p:stCondLst>
                                   <p:childTnLst>
                                     <p:set>
                                       <p:cBhvr>
-                                        <p:cTn id="28" dur="1" fill="hold">
+                                        <p:cTn id="32" dur="1" fill="hold">
                                           <p:stCondLst>
                                             <p:cond delay="0"/>
                                           </p:stCondLst>
@@ -47832,12 +46075,12 @@
 <file path=ppt/theme/theme1.xml><?xml version="1.0" encoding="utf-8"?>
 <a:theme xmlns:a="http://schemas.openxmlformats.org/drawingml/2006/main" name="SoftUni">
   <a:themeElements>
-    <a:clrScheme name="Custom 28">
+    <a:clrScheme name="Custom 2">
       <a:dk1>
         <a:srgbClr val="234465"/>
       </a:dk1>
       <a:lt1>
-        <a:srgbClr val="FFA000"/>
+        <a:srgbClr val="BF7800"/>
       </a:lt1>
       <a:dk2>
         <a:srgbClr val="234465"/>
@@ -47846,7 +46089,7 @@
         <a:srgbClr val="FFFFFF"/>
       </a:lt2>
       <a:accent1>
-        <a:srgbClr val="F29600"/>
+        <a:srgbClr val="FFA000"/>
       </a:accent1>
       <a:accent2>
         <a:srgbClr val="00B050"/>
@@ -47864,10 +46107,10 @@
         <a:srgbClr val="F4F5F7"/>
       </a:accent6>
       <a:hlink>
-        <a:srgbClr val="F2AC44"/>
+        <a:srgbClr val="BF7800"/>
       </a:hlink>
       <a:folHlink>
-        <a:srgbClr val="F6C781"/>
+        <a:srgbClr val="EF9511"/>
       </a:folHlink>
     </a:clrScheme>
     <a:fontScheme name="SoftUni">

--- a/Courses/Software-Sciences/Module-2-DS-and-Algo/12.1-Data Structures-Overview-Basics/12.1-Data Structures-Overview-Basics.pptx
+++ b/Courses/Software-Sciences/Module-2-DS-and-Algo/12.1-Data Structures-Overview-Basics/12.1-Data Structures-Overview-Basics.pptx
@@ -325,7 +325,7 @@
           <a:p>
             <a:fld id="{4E087215-0C8F-4762-A664-737A353EC9A4}" type="datetimeFigureOut">
               <a:rPr lang="bg-BG" smtClean="0"/>
-              <a:t>17.9.2023 г.</a:t>
+              <a:t>13.02.24 г.</a:t>
             </a:fld>
             <a:endParaRPr lang="bg-BG"/>
           </a:p>
@@ -521,7 +521,7 @@
           <a:p>
             <a:fld id="{72D84649-876A-46C9-8472-14CB09C070D8}" type="datetimeFigureOut">
               <a:rPr lang="en-US" smtClean="0"/>
-              <a:t>9/17/2023</a:t>
+              <a:t>2/13/24</a:t>
             </a:fld>
             <a:endParaRPr lang="en-US"/>
           </a:p>
@@ -10667,7 +10667,7 @@
                   </a:schemeClr>
                 </a:solidFill>
               </a:rPr>
-              <a:t>бита</a:t>
+              <a:t>байта</a:t>
             </a:r>
             <a:endParaRPr lang="en-US" sz="2799" b="1" dirty="0">
               <a:solidFill>
@@ -10796,7 +10796,7 @@
                   </a:schemeClr>
                 </a:solidFill>
               </a:rPr>
-              <a:t>бита</a:t>
+              <a:t>байта</a:t>
             </a:r>
             <a:endParaRPr lang="en-US" sz="2799" b="1" dirty="0">
               <a:solidFill>
@@ -29645,7 +29645,7 @@
             <a:noFill/>
             <a:extLst>
               <a:ext uri="{909E8E84-426E-40dd-AFC4-6F175D3DCCD1}">
-                <a14:hiddenFill xmlns="" xmlns:a14="http://schemas.microsoft.com/office/drawing/2010/main">
+                <a14:hiddenFill xmlns:a14="http://schemas.microsoft.com/office/drawing/2010/main" xmlns="">
                   <a:solidFill>
                     <a:srgbClr val="FFFFFF"/>
                   </a:solidFill>
@@ -43680,7 +43680,7 @@
           <p:nvPr>
             <p:extLst>
               <p:ext uri="{D42A27DB-BD31-4B8C-83A1-F6EECF244321}">
-                <p14:modId xmlns:p14="http://schemas.microsoft.com/office/powerpoint/2010/main" val="4084614640"/>
+                <p14:modId xmlns:p14="http://schemas.microsoft.com/office/powerpoint/2010/main" val="1939554251"/>
               </p:ext>
             </p:extLst>
           </p:nvPr>
@@ -43791,7 +43791,7 @@
                       </a:r>
                       <a:r>
                         <a:rPr lang="bg-BG" sz="2200" dirty="0"/>
-                        <a:t>бита</a:t>
+                        <a:t>байта</a:t>
                       </a:r>
                       <a:endParaRPr lang="en-US" sz="2200" dirty="0"/>
                     </a:p>
@@ -43831,7 +43831,7 @@
                       </a:r>
                       <a:r>
                         <a:rPr lang="bg-BG" sz="2200" dirty="0"/>
-                        <a:t>бита</a:t>
+                        <a:t>байта</a:t>
                       </a:r>
                       <a:endParaRPr lang="en-US" sz="2200" dirty="0"/>
                     </a:p>
@@ -43887,7 +43887,7 @@
                       </a:r>
                       <a:r>
                         <a:rPr lang="bg-BG" sz="2200" dirty="0"/>
-                        <a:t>бита</a:t>
+                        <a:t>байта</a:t>
                       </a:r>
                       <a:endParaRPr lang="en-US" sz="2200" dirty="0"/>
                     </a:p>
@@ -43941,8 +43941,8 @@
                         <a:t>) * 4 </a:t>
                       </a:r>
                       <a:r>
-                        <a:rPr lang="bg-BG" sz="2200" baseline="0" dirty="0"/>
-                        <a:t>бита</a:t>
+                        <a:rPr lang="bg-BG" sz="2200" dirty="0"/>
+                        <a:t>байта</a:t>
                       </a:r>
                       <a:endParaRPr lang="en-US" sz="2200" dirty="0"/>
                     </a:p>
@@ -44012,8 +44012,8 @@
                         <a:t>) * 8 </a:t>
                       </a:r>
                       <a:r>
-                        <a:rPr lang="bg-BG" sz="2200" baseline="0" dirty="0"/>
-                        <a:t>бита</a:t>
+                        <a:rPr lang="bg-BG" sz="2200" dirty="0"/>
+                        <a:t>байта</a:t>
                       </a:r>
                       <a:endParaRPr lang="en-US" sz="2200" dirty="0"/>
                     </a:p>
@@ -44092,7 +44092,11 @@
                       </a:r>
                       <a:r>
                         <a:rPr lang="bg-BG" sz="2200" baseline="0" dirty="0"/>
-                        <a:t>всички битове</a:t>
+                        <a:t>всички </a:t>
+                      </a:r>
+                      <a:r>
+                        <a:rPr lang="bg-BG" sz="2200" dirty="0"/>
+                        <a:t>байтове</a:t>
                       </a:r>
                       <a:endParaRPr lang="en-US" sz="2200" dirty="0"/>
                     </a:p>
@@ -44624,7 +44628,7 @@
           <a:noFill/>
           <a:extLst>
             <a:ext uri="{909E8E84-426E-40dd-AFC4-6F175D3DCCD1}">
-              <a14:hiddenFill xmlns:a14="http://schemas.microsoft.com/office/drawing/2010/main" xmlns="">
+              <a14:hiddenFill xmlns="" xmlns:a14="http://schemas.microsoft.com/office/drawing/2010/main">
                 <a:solidFill>
                   <a:srgbClr val="FFFFFF"/>
                 </a:solidFill>
@@ -44665,7 +44669,7 @@
           <a:noFill/>
           <a:extLst>
             <a:ext uri="{909E8E84-426E-40dd-AFC4-6F175D3DCCD1}">
-              <a14:hiddenFill xmlns:a14="http://schemas.microsoft.com/office/drawing/2010/main" xmlns="">
+              <a14:hiddenFill xmlns="" xmlns:a14="http://schemas.microsoft.com/office/drawing/2010/main">
                 <a:solidFill>
                   <a:srgbClr val="FFFFFF"/>
                 </a:solidFill>
@@ -45457,7 +45461,7 @@
           <a:effectLst/>
           <a:extLst>
             <a:ext uri="{909E8E84-426E-40dd-AFC4-6F175D3DCCD1}">
-              <a14:hiddenFill xmlns:a14="http://schemas.microsoft.com/office/drawing/2010/main" xmlns="">
+              <a14:hiddenFill xmlns="" xmlns:a14="http://schemas.microsoft.com/office/drawing/2010/main">
                 <a:solidFill>
                   <a:srgbClr val="FFFFFF"/>
                 </a:solidFill>
@@ -45505,7 +45509,7 @@
           </a:effectLst>
           <a:extLst>
             <a:ext uri="{909E8E84-426E-40dd-AFC4-6F175D3DCCD1}">
-              <a14:hiddenFill xmlns:a14="http://schemas.microsoft.com/office/drawing/2010/main" xmlns="">
+              <a14:hiddenFill xmlns="" xmlns:a14="http://schemas.microsoft.com/office/drawing/2010/main">
                 <a:solidFill>
                   <a:srgbClr val="FFFFFF"/>
                 </a:solidFill>
@@ -45548,7 +45552,7 @@
           <a:noFill/>
           <a:extLst>
             <a:ext uri="{909E8E84-426E-40dd-AFC4-6F175D3DCCD1}">
-              <a14:hiddenFill xmlns:a14="http://schemas.microsoft.com/office/drawing/2010/main" xmlns="">
+              <a14:hiddenFill xmlns="" xmlns:a14="http://schemas.microsoft.com/office/drawing/2010/main">
                 <a:solidFill>
                   <a:srgbClr val="FFFFFF"/>
                 </a:solidFill>

--- a/Courses/Software-Sciences/Module-2-DS-and-Algo/12.1-Data Structures-Overview-Basics/12.1-Data Structures-Overview-Basics.pptx
+++ b/Courses/Software-Sciences/Module-2-DS-and-Algo/12.1-Data Structures-Overview-Basics/12.1-Data Structures-Overview-Basics.pptx
@@ -9014,13 +9014,18 @@
             <p:ph type="subTitle" sz="quarter" idx="11"/>
           </p:nvPr>
         </p:nvSpPr>
-        <p:spPr/>
+        <p:spPr>
+          <a:xfrm>
+            <a:off x="615109" y="5945916"/>
+            <a:ext cx="10961783" cy="768084"/>
+          </a:xfrm>
+        </p:spPr>
         <p:txBody>
           <a:bodyPr/>
           <a:lstStyle/>
           <a:p>
             <a:r>
-              <a:rPr lang="bg-BG"/>
+              <a:rPr lang="bg-BG" dirty="0"/>
               <a:t>Линейни структури от данни</a:t>
             </a:r>
           </a:p>
@@ -9042,16 +9047,21 @@
             <p:ph type="title" sz="quarter" idx="10"/>
           </p:nvPr>
         </p:nvSpPr>
-        <p:spPr/>
+        <p:spPr>
+          <a:xfrm>
+            <a:off x="615109" y="4509000"/>
+            <a:ext cx="10961783" cy="1395000"/>
+          </a:xfrm>
+        </p:spPr>
         <p:txBody>
           <a:bodyPr/>
           <a:lstStyle/>
           <a:p>
             <a:r>
-              <a:rPr lang="ru-RU"/>
+              <a:rPr lang="ru-RU" sz="5000" dirty="0"/>
               <a:t>Масив, списък, свързан списък, стек, опашка</a:t>
             </a:r>
-            <a:endParaRPr lang="bg-BG"/>
+            <a:endParaRPr lang="bg-BG" sz="5000" dirty="0"/>
           </a:p>
         </p:txBody>
       </p:sp>

--- a/Courses/Software-Sciences/Module-2-DS-and-Algo/12.1-Data Structures-Overview-Basics/12.1-Data Structures-Overview-Basics.pptx
+++ b/Courses/Software-Sciences/Module-2-DS-and-Algo/12.1-Data Structures-Overview-Basics/12.1-Data Structures-Overview-Basics.pptx
@@ -25571,7 +25571,7 @@
             </a:pPr>
             <a:r>
               <a:rPr lang="bg-BG" dirty="0"/>
-              <a:t>Елементите в дървото са </a:t>
+              <a:t>Елементите са </a:t>
             </a:r>
             <a:r>
               <a:rPr lang="bg-BG" b="1" dirty="0">
@@ -25592,7 +25592,7 @@
               </a:buClr>
             </a:pPr>
             <a:r>
-              <a:rPr lang="ru-RU" b="1" dirty="0">
+              <a:rPr lang="ru-RU" b="1">
                 <a:solidFill>
                   <a:schemeClr val="bg1"/>
                 </a:solidFill>
@@ -25601,7 +25601,7 @@
             </a:r>
             <a:r>
               <a:rPr lang="ru-RU" dirty="0"/>
-              <a:t> на дървото връща елементите във </a:t>
+              <a:t> връща елементите във </a:t>
             </a:r>
             <a:r>
               <a:rPr lang="ru-RU" b="1" dirty="0">
@@ -30828,11 +30828,11 @@
   <p:clrMapOvr>
     <a:masterClrMapping/>
   </p:clrMapOvr>
-  <mc:AlternateContent xmlns:mc="http://schemas.openxmlformats.org/markup-compatibility/2006">
-    <mc:Choice xmlns:p14="http://schemas.microsoft.com/office/powerpoint/2010/main" Requires="p14">
+  <mc:AlternateContent xmlns:mc="http://schemas.openxmlformats.org/markup-compatibility/2006" xmlns:p14="http://schemas.microsoft.com/office/powerpoint/2010/main">
+    <mc:Choice Requires="p14">
       <p:transition spd="slow" p14:dur="2000" advClick="0" advTm="5000"/>
     </mc:Choice>
-    <mc:Fallback>
+    <mc:Fallback xmlns="">
       <p:transition spd="slow" advClick="0" advTm="5000"/>
     </mc:Fallback>
   </mc:AlternateContent>
@@ -34854,7 +34854,7 @@
           </a:effectLst>
           <a:extLst>
             <a:ext uri="{909E8E84-426E-40dd-AFC4-6F175D3DCCD1}">
-              <a14:hiddenFill xmlns="" xmlns:a14="http://schemas.microsoft.com/office/drawing/2010/main">
+              <a14:hiddenFill xmlns:a14="http://schemas.microsoft.com/office/drawing/2010/main" xmlns="">
                 <a:solidFill>
                   <a:srgbClr val="FFFFFF"/>
                 </a:solidFill>
@@ -34897,7 +34897,7 @@
           <a:noFill/>
           <a:extLst>
             <a:ext uri="{909E8E84-426E-40dd-AFC4-6F175D3DCCD1}">
-              <a14:hiddenFill xmlns="" xmlns:a14="http://schemas.microsoft.com/office/drawing/2010/main">
+              <a14:hiddenFill xmlns:a14="http://schemas.microsoft.com/office/drawing/2010/main" xmlns="">
                 <a:solidFill>
                   <a:srgbClr val="FFFFFF"/>
                 </a:solidFill>
@@ -35034,7 +35034,7 @@
           <a:effectLst/>
           <a:extLst>
             <a:ext uri="{909E8E84-426E-40dd-AFC4-6F175D3DCCD1}">
-              <a14:hiddenFill xmlns="" xmlns:a14="http://schemas.microsoft.com/office/drawing/2010/main">
+              <a14:hiddenFill xmlns:a14="http://schemas.microsoft.com/office/drawing/2010/main" xmlns="">
                 <a:solidFill>
                   <a:srgbClr val="FFFFFF"/>
                 </a:solidFill>

--- a/Courses/Software-Sciences/Module-2-DS-and-Algo/12.1-Data Structures-Overview-Basics/12.1-Data Structures-Overview-Basics.pptx
+++ b/Courses/Software-Sciences/Module-2-DS-and-Algo/12.1-Data Structures-Overview-Basics/12.1-Data Structures-Overview-Basics.pptx
@@ -307,7 +307,7 @@
           <a:p>
             <a:fld id="{4E087215-0C8F-4762-A664-737A353EC9A4}" type="datetimeFigureOut">
               <a:rPr lang="bg-BG" smtClean="0"/>
-              <a:t>8.07.24 г.</a:t>
+              <a:t>9.07.24 г.</a:t>
             </a:fld>
             <a:endParaRPr lang="bg-BG"/>
           </a:p>
@@ -503,7 +503,7 @@
           <a:p>
             <a:fld id="{72D84649-876A-46C9-8472-14CB09C070D8}" type="datetimeFigureOut">
               <a:rPr lang="en-US" smtClean="0"/>
-              <a:t>7/8/24</a:t>
+              <a:t>7/9/24</a:t>
             </a:fld>
             <a:endParaRPr lang="en-US"/>
           </a:p>
@@ -27916,7 +27916,7 @@
               <a:t>Edge</a:t>
             </a:r>
             <a:r>
-              <a:rPr lang="bg-BG" b="1" dirty="0">
+              <a:rPr lang="bg-BG" b="1">
                 <a:solidFill>
                   <a:schemeClr val="bg1"/>
                 </a:solidFill>
@@ -27924,8 +27924,12 @@
               <a:t> </a:t>
             </a:r>
             <a:r>
+              <a:rPr lang="bg-BG"/>
+              <a:t>(ребро</a:t>
+            </a:r>
+            <a:r>
               <a:rPr lang="bg-BG" dirty="0"/>
-              <a:t>(Ребро)</a:t>
+              <a:t>)</a:t>
             </a:r>
             <a:endParaRPr lang="en-US" dirty="0"/>
           </a:p>
@@ -27953,11 +27957,7 @@
             <a:pPr lvl="1"/>
             <a:r>
               <a:rPr lang="bg-BG" dirty="0"/>
-              <a:t>Може да бъде насочен/</a:t>
-            </a:r>
-            <a:r>
-              <a:rPr lang="bg-BG" dirty="0" err="1"/>
-              <a:t>ненасочен</a:t>
+              <a:t>Може да бъде насочен/ненасочен</a:t>
             </a:r>
             <a:endParaRPr lang="en-US" dirty="0"/>
           </a:p>
